--- a/JUMPER.pptx
+++ b/JUMPER.pptx
@@ -1747,22 +1747,6 @@
           <a:bodyPr/>
           <a:lstStyle/>
           <a:p>
-            <a:r>
-              <a:rPr lang="hu-HU" dirty="0" smtClean="0"/>
-              <a:t>A</a:t>
-            </a:r>
-            <a:r>
-              <a:rPr lang="hu-HU" baseline="0" dirty="0" smtClean="0"/>
-              <a:t> pályák fokozatosan nehezednek, ha a játékos meghal a játék az első pályától </a:t>
-            </a:r>
-            <a:r>
-              <a:rPr lang="hu-HU" baseline="0" dirty="0" err="1" smtClean="0"/>
-              <a:t>folytatodik</a:t>
-            </a:r>
-            <a:r>
-              <a:rPr lang="hu-HU" baseline="0" dirty="0" smtClean="0"/>
-              <a:t>, amíg el nem ér a végére</a:t>
-            </a:r>
             <a:endParaRPr lang="en-US" dirty="0"/>
           </a:p>
         </p:txBody>
@@ -12785,14 +12769,14 @@
             <a:r>
               <a:rPr lang="hu-HU" dirty="0" smtClean="0">
                 <a:solidFill>
-                  <a:schemeClr val="bg1"/>
+                  <a:schemeClr val="accent3"/>
                 </a:solidFill>
               </a:rPr>
               <a:t>1. Pálya</a:t>
             </a:r>
             <a:endParaRPr lang="hu-HU" dirty="0">
               <a:solidFill>
-                <a:schemeClr val="bg1"/>
+                <a:schemeClr val="accent3"/>
               </a:solidFill>
             </a:endParaRPr>
           </a:p>
@@ -12895,7 +12879,7 @@
             <a:r>
               <a:rPr lang="hu-HU" dirty="0">
                 <a:solidFill>
-                  <a:schemeClr val="bg1"/>
+                  <a:schemeClr val="accent3"/>
                 </a:solidFill>
               </a:rPr>
               <a:t>2</a:t>
@@ -12903,14 +12887,14 @@
             <a:r>
               <a:rPr lang="hu-HU" dirty="0" smtClean="0">
                 <a:solidFill>
-                  <a:schemeClr val="bg1"/>
+                  <a:schemeClr val="accent3"/>
                 </a:solidFill>
               </a:rPr>
               <a:t>. Pálya</a:t>
             </a:r>
             <a:endParaRPr lang="hu-HU" dirty="0">
               <a:solidFill>
-                <a:schemeClr val="bg1"/>
+                <a:schemeClr val="accent3"/>
               </a:solidFill>
             </a:endParaRPr>
           </a:p>
@@ -13041,24 +13025,16 @@
           <a:lstStyle/>
           <a:p>
             <a:r>
-              <a:rPr lang="hu-HU" dirty="0">
+              <a:rPr lang="hu-HU" dirty="0" smtClean="0">
                 <a:solidFill>
-                  <a:schemeClr val="bg1"/>
+                  <a:schemeClr val="accent3"/>
                 </a:solidFill>
               </a:rPr>
-              <a:t>2</a:t>
-            </a:r>
-            <a:r>
-              <a:rPr lang="hu-HU" dirty="0" smtClean="0">
-                <a:solidFill>
-                  <a:schemeClr val="bg1"/>
-                </a:solidFill>
-              </a:rPr>
-              <a:t>. Pálya</a:t>
+              <a:t>3. Pálya</a:t>
             </a:r>
             <a:endParaRPr lang="hu-HU" dirty="0">
               <a:solidFill>
-                <a:schemeClr val="bg1"/>
+                <a:schemeClr val="accent3"/>
               </a:solidFill>
             </a:endParaRPr>
           </a:p>
@@ -13066,7 +13042,7 @@
       </p:sp>
       <p:pic>
         <p:nvPicPr>
-          <p:cNvPr id="2" name="Kép 1"/>
+          <p:cNvPr id="4" name="Kép 3"/>
           <p:cNvPicPr>
             <a:picLocks noChangeAspect="1"/>
           </p:cNvPicPr>
@@ -13086,8 +13062,8 @@
         </p:blipFill>
         <p:spPr>
           <a:xfrm>
-            <a:off x="566796" y="1638495"/>
-            <a:ext cx="8828332" cy="4108731"/>
+            <a:off x="523571" y="1288130"/>
+            <a:ext cx="9345894" cy="4328899"/>
           </a:xfrm>
           <a:prstGeom prst="rect">
             <a:avLst/>
@@ -13157,36 +13133,14 @@
           <a:bodyPr/>
           <a:lstStyle/>
           <a:p>
-            <a:endParaRPr lang="en-US" dirty="0"/>
-          </a:p>
-        </p:txBody>
-      </p:sp>
-      <p:sp>
-        <p:nvSpPr>
-          <p:cNvPr id="4" name="Content Placeholder 3">
-            <a:extLst>
-              <a:ext uri="{FF2B5EF4-FFF2-40B4-BE49-F238E27FC236}">
-                <a16:creationId xmlns:a16="http://schemas.microsoft.com/office/drawing/2014/main" id="{74160DFF-2E7E-7A22-819A-C011020DFF01}"/>
-              </a:ext>
-            </a:extLst>
-          </p:cNvPr>
-          <p:cNvSpPr>
-            <a:spLocks noGrp="1"/>
-          </p:cNvSpPr>
-          <p:nvPr>
-            <p:ph sz="quarter" idx="31"/>
-          </p:nvPr>
-        </p:nvSpPr>
-        <p:spPr>
-          <a:xfrm>
-            <a:off x="3305669" y="2470150"/>
-            <a:ext cx="7420819" cy="3676649"/>
-          </a:xfrm>
-        </p:spPr>
-        <p:txBody>
-          <a:bodyPr/>
-          <a:lstStyle/>
-          <a:p>
+            <a:r>
+              <a:rPr lang="hu-HU" dirty="0" err="1" smtClean="0"/>
+              <a:t>Github</a:t>
+            </a:r>
+            <a:r>
+              <a:rPr lang="hu-HU" dirty="0" smtClean="0"/>
+              <a:t> és munkamegosztás</a:t>
+            </a:r>
             <a:endParaRPr lang="en-US" dirty="0"/>
           </a:p>
         </p:txBody>
@@ -13226,6 +13180,32 @@
           </a:p>
         </p:txBody>
       </p:sp>
+      <p:pic>
+        <p:nvPicPr>
+          <p:cNvPr id="6" name="Tartalom helye 5"/>
+          <p:cNvPicPr>
+            <a:picLocks noGrp="1" noChangeAspect="1"/>
+          </p:cNvPicPr>
+          <p:nvPr>
+            <p:ph sz="quarter" idx="31"/>
+          </p:nvPr>
+        </p:nvPicPr>
+        <p:blipFill>
+          <a:blip r:embed="rId3"/>
+          <a:stretch>
+            <a:fillRect/>
+          </a:stretch>
+        </p:blipFill>
+        <p:spPr>
+          <a:xfrm>
+            <a:off x="3305669" y="2371352"/>
+            <a:ext cx="7980640" cy="3425281"/>
+          </a:xfrm>
+          <a:prstGeom prst="rect">
+            <a:avLst/>
+          </a:prstGeom>
+        </p:spPr>
+      </p:pic>
     </p:spTree>
     <p:extLst>
       <p:ext uri="{BB962C8B-B14F-4D97-AF65-F5344CB8AC3E}">
@@ -14545,18 +14525,18 @@
 <file path=customXml/itemProps2.xml><?xml version="1.0" encoding="utf-8"?>
 <ds:datastoreItem xmlns:ds="http://schemas.openxmlformats.org/officeDocument/2006/customXml" ds:itemID="{E42E6C21-1752-4E06-9FE3-208D45ADB668}">
   <ds:schemaRefs>
+    <ds:schemaRef ds:uri="http://schemas.microsoft.com/office/2006/metadata/properties"/>
+    <ds:schemaRef ds:uri="http://purl.org/dc/terms/"/>
+    <ds:schemaRef ds:uri="230e9df3-be65-4c73-a93b-d1236ebd677e"/>
+    <ds:schemaRef ds:uri="http://schemas.microsoft.com/office/2006/documentManagement/types"/>
+    <ds:schemaRef ds:uri="16c05727-aa75-4e4a-9b5f-8a80a1165891"/>
+    <ds:schemaRef ds:uri="http://schemas.microsoft.com/office/infopath/2007/PartnerControls"/>
+    <ds:schemaRef ds:uri="http://schemas.openxmlformats.org/package/2006/metadata/core-properties"/>
     <ds:schemaRef ds:uri="http://purl.org/dc/elements/1.1/"/>
-    <ds:schemaRef ds:uri="http://schemas.microsoft.com/office/2006/metadata/properties"/>
-    <ds:schemaRef ds:uri="http://schemas.microsoft.com/office/2006/documentManagement/types"/>
-    <ds:schemaRef ds:uri="http://schemas.microsoft.com/office/infopath/2007/PartnerControls"/>
+    <ds:schemaRef ds:uri="71af3243-3dd4-4a8d-8c0d-dd76da1f02a5"/>
     <ds:schemaRef ds:uri="http://schemas.microsoft.com/sharepoint/v3"/>
-    <ds:schemaRef ds:uri="230e9df3-be65-4c73-a93b-d1236ebd677e"/>
-    <ds:schemaRef ds:uri="http://purl.org/dc/terms/"/>
-    <ds:schemaRef ds:uri="http://schemas.openxmlformats.org/package/2006/metadata/core-properties"/>
-    <ds:schemaRef ds:uri="16c05727-aa75-4e4a-9b5f-8a80a1165891"/>
+    <ds:schemaRef ds:uri="http://www.w3.org/XML/1998/namespace"/>
     <ds:schemaRef ds:uri="http://purl.org/dc/dcmitype/"/>
-    <ds:schemaRef ds:uri="71af3243-3dd4-4a8d-8c0d-dd76da1f02a5"/>
-    <ds:schemaRef ds:uri="http://www.w3.org/XML/1998/namespace"/>
   </ds:schemaRefs>
 </ds:datastoreItem>
 </file>

--- a/JUMPER.pptx
+++ b/JUMPER.pptx
@@ -1323,6 +1323,26 @@
           <a:bodyPr/>
           <a:lstStyle/>
           <a:p>
+            <a:r>
+              <a:rPr lang="hu-HU" dirty="0" smtClean="0"/>
+              <a:t>A játék</a:t>
+            </a:r>
+            <a:r>
+              <a:rPr lang="hu-HU" baseline="0" dirty="0" smtClean="0"/>
+              <a:t> </a:t>
+            </a:r>
+            <a:r>
+              <a:rPr lang="hu-HU" baseline="0" dirty="0" err="1" smtClean="0"/>
+              <a:t>Unityben</a:t>
+            </a:r>
+            <a:r>
+              <a:rPr lang="hu-HU" baseline="0" dirty="0" smtClean="0"/>
+              <a:t> készült, és ott </a:t>
+            </a:r>
+            <a:r>
+              <a:rPr lang="hu-HU" baseline="0" smtClean="0"/>
+              <a:t>is fejlesztjük</a:t>
+            </a:r>
             <a:endParaRPr lang="en-US" dirty="0"/>
           </a:p>
         </p:txBody>

--- a/JUMPER.pptx
+++ b/JUMPER.pptx
@@ -5,28 +5,25 @@
     <p:sldMasterId id="2147483648" r:id="rId4"/>
   </p:sldMasterIdLst>
   <p:notesMasterIdLst>
-    <p:notesMasterId r:id="rId21"/>
+    <p:notesMasterId r:id="rId18"/>
   </p:notesMasterIdLst>
   <p:handoutMasterIdLst>
-    <p:handoutMasterId r:id="rId22"/>
+    <p:handoutMasterId r:id="rId19"/>
   </p:handoutMasterIdLst>
   <p:sldIdLst>
     <p:sldId id="342" r:id="rId5"/>
     <p:sldId id="359" r:id="rId6"/>
     <p:sldId id="374" r:id="rId7"/>
-    <p:sldId id="383" r:id="rId8"/>
-    <p:sldId id="373" r:id="rId9"/>
-    <p:sldId id="382" r:id="rId10"/>
-    <p:sldId id="384" r:id="rId11"/>
-    <p:sldId id="375" r:id="rId12"/>
+    <p:sldId id="388" r:id="rId8"/>
+    <p:sldId id="383" r:id="rId9"/>
+    <p:sldId id="373" r:id="rId10"/>
+    <p:sldId id="382" r:id="rId11"/>
+    <p:sldId id="384" r:id="rId12"/>
     <p:sldId id="365" r:id="rId13"/>
-    <p:sldId id="376" r:id="rId14"/>
-    <p:sldId id="377" r:id="rId15"/>
-    <p:sldId id="378" r:id="rId16"/>
-    <p:sldId id="379" r:id="rId17"/>
-    <p:sldId id="380" r:id="rId18"/>
-    <p:sldId id="381" r:id="rId19"/>
-    <p:sldId id="372" r:id="rId20"/>
+    <p:sldId id="375" r:id="rId14"/>
+    <p:sldId id="385" r:id="rId15"/>
+    <p:sldId id="386" r:id="rId16"/>
+    <p:sldId id="387" r:id="rId17"/>
   </p:sldIdLst>
   <p:sldSz cx="12192000" cy="6858000"/>
   <p:notesSz cx="6858000" cy="9144000"/>
@@ -775,510 +772,6 @@
 </p:notes>
 </file>
 
-<file path=ppt/notesSlides/notesSlide10.xml><?xml version="1.0" encoding="utf-8"?>
-<p:notes xmlns:a="http://schemas.openxmlformats.org/drawingml/2006/main" xmlns:r="http://schemas.openxmlformats.org/officeDocument/2006/relationships" xmlns:p="http://schemas.openxmlformats.org/presentationml/2006/main">
-  <p:cSld>
-    <p:spTree>
-      <p:nvGrpSpPr>
-        <p:cNvPr id="1" name=""/>
-        <p:cNvGrpSpPr/>
-        <p:nvPr/>
-      </p:nvGrpSpPr>
-      <p:grpSpPr>
-        <a:xfrm>
-          <a:off x="0" y="0"/>
-          <a:ext cx="0" cy="0"/>
-          <a:chOff x="0" y="0"/>
-          <a:chExt cx="0" cy="0"/>
-        </a:xfrm>
-      </p:grpSpPr>
-      <p:sp>
-        <p:nvSpPr>
-          <p:cNvPr id="2" name="Slide Image Placeholder 1"/>
-          <p:cNvSpPr>
-            <a:spLocks noGrp="1" noRot="1" noChangeAspect="1"/>
-          </p:cNvSpPr>
-          <p:nvPr>
-            <p:ph type="sldImg"/>
-          </p:nvPr>
-        </p:nvSpPr>
-        <p:spPr/>
-      </p:sp>
-      <p:sp>
-        <p:nvSpPr>
-          <p:cNvPr id="3" name="Notes Placeholder 2"/>
-          <p:cNvSpPr>
-            <a:spLocks noGrp="1"/>
-          </p:cNvSpPr>
-          <p:nvPr>
-            <p:ph type="body" idx="1"/>
-          </p:nvPr>
-        </p:nvSpPr>
-        <p:spPr/>
-        <p:txBody>
-          <a:bodyPr/>
-          <a:lstStyle/>
-          <a:p>
-            <a:endParaRPr lang="en-US" dirty="0"/>
-          </a:p>
-        </p:txBody>
-      </p:sp>
-      <p:sp>
-        <p:nvSpPr>
-          <p:cNvPr id="4" name="Slide Number Placeholder 3"/>
-          <p:cNvSpPr>
-            <a:spLocks noGrp="1"/>
-          </p:cNvSpPr>
-          <p:nvPr>
-            <p:ph type="sldNum" sz="quarter" idx="5"/>
-          </p:nvPr>
-        </p:nvSpPr>
-        <p:spPr/>
-        <p:txBody>
-          <a:bodyPr/>
-          <a:lstStyle/>
-          <a:p>
-            <a:fld id="{DEF75CB5-5666-5049-9AE0-38EFD385C21E}" type="slidenum">
-              <a:rPr lang="en-US" smtClean="0"/>
-              <a:t>11</a:t>
-            </a:fld>
-            <a:endParaRPr lang="en-US" dirty="0"/>
-          </a:p>
-        </p:txBody>
-      </p:sp>
-    </p:spTree>
-    <p:extLst>
-      <p:ext uri="{BB962C8B-B14F-4D97-AF65-F5344CB8AC3E}">
-        <p14:creationId xmlns:p14="http://schemas.microsoft.com/office/powerpoint/2010/main" val="712487217"/>
-      </p:ext>
-    </p:extLst>
-  </p:cSld>
-  <p:clrMapOvr>
-    <a:masterClrMapping/>
-  </p:clrMapOvr>
-</p:notes>
-</file>
-
-<file path=ppt/notesSlides/notesSlide11.xml><?xml version="1.0" encoding="utf-8"?>
-<p:notes xmlns:a="http://schemas.openxmlformats.org/drawingml/2006/main" xmlns:r="http://schemas.openxmlformats.org/officeDocument/2006/relationships" xmlns:p="http://schemas.openxmlformats.org/presentationml/2006/main">
-  <p:cSld>
-    <p:spTree>
-      <p:nvGrpSpPr>
-        <p:cNvPr id="1" name=""/>
-        <p:cNvGrpSpPr/>
-        <p:nvPr/>
-      </p:nvGrpSpPr>
-      <p:grpSpPr>
-        <a:xfrm>
-          <a:off x="0" y="0"/>
-          <a:ext cx="0" cy="0"/>
-          <a:chOff x="0" y="0"/>
-          <a:chExt cx="0" cy="0"/>
-        </a:xfrm>
-      </p:grpSpPr>
-      <p:sp>
-        <p:nvSpPr>
-          <p:cNvPr id="2" name="Slide Image Placeholder 1"/>
-          <p:cNvSpPr>
-            <a:spLocks noGrp="1" noRot="1" noChangeAspect="1"/>
-          </p:cNvSpPr>
-          <p:nvPr>
-            <p:ph type="sldImg"/>
-          </p:nvPr>
-        </p:nvSpPr>
-        <p:spPr/>
-      </p:sp>
-      <p:sp>
-        <p:nvSpPr>
-          <p:cNvPr id="3" name="Notes Placeholder 2"/>
-          <p:cNvSpPr>
-            <a:spLocks noGrp="1"/>
-          </p:cNvSpPr>
-          <p:nvPr>
-            <p:ph type="body" idx="1"/>
-          </p:nvPr>
-        </p:nvSpPr>
-        <p:spPr/>
-        <p:txBody>
-          <a:bodyPr/>
-          <a:lstStyle/>
-          <a:p>
-            <a:endParaRPr lang="en-US" dirty="0"/>
-          </a:p>
-        </p:txBody>
-      </p:sp>
-      <p:sp>
-        <p:nvSpPr>
-          <p:cNvPr id="4" name="Slide Number Placeholder 3"/>
-          <p:cNvSpPr>
-            <a:spLocks noGrp="1"/>
-          </p:cNvSpPr>
-          <p:nvPr>
-            <p:ph type="sldNum" sz="quarter" idx="5"/>
-          </p:nvPr>
-        </p:nvSpPr>
-        <p:spPr/>
-        <p:txBody>
-          <a:bodyPr/>
-          <a:lstStyle/>
-          <a:p>
-            <a:fld id="{DEF75CB5-5666-5049-9AE0-38EFD385C21E}" type="slidenum">
-              <a:rPr lang="en-US" smtClean="0"/>
-              <a:t>12</a:t>
-            </a:fld>
-            <a:endParaRPr lang="en-US" dirty="0"/>
-          </a:p>
-        </p:txBody>
-      </p:sp>
-    </p:spTree>
-    <p:extLst>
-      <p:ext uri="{BB962C8B-B14F-4D97-AF65-F5344CB8AC3E}">
-        <p14:creationId xmlns:p14="http://schemas.microsoft.com/office/powerpoint/2010/main" val="3765125580"/>
-      </p:ext>
-    </p:extLst>
-  </p:cSld>
-  <p:clrMapOvr>
-    <a:masterClrMapping/>
-  </p:clrMapOvr>
-</p:notes>
-</file>
-
-<file path=ppt/notesSlides/notesSlide12.xml><?xml version="1.0" encoding="utf-8"?>
-<p:notes xmlns:a="http://schemas.openxmlformats.org/drawingml/2006/main" xmlns:r="http://schemas.openxmlformats.org/officeDocument/2006/relationships" xmlns:p="http://schemas.openxmlformats.org/presentationml/2006/main">
-  <p:cSld>
-    <p:spTree>
-      <p:nvGrpSpPr>
-        <p:cNvPr id="1" name=""/>
-        <p:cNvGrpSpPr/>
-        <p:nvPr/>
-      </p:nvGrpSpPr>
-      <p:grpSpPr>
-        <a:xfrm>
-          <a:off x="0" y="0"/>
-          <a:ext cx="0" cy="0"/>
-          <a:chOff x="0" y="0"/>
-          <a:chExt cx="0" cy="0"/>
-        </a:xfrm>
-      </p:grpSpPr>
-      <p:sp>
-        <p:nvSpPr>
-          <p:cNvPr id="2" name="Slide Image Placeholder 1"/>
-          <p:cNvSpPr>
-            <a:spLocks noGrp="1" noRot="1" noChangeAspect="1"/>
-          </p:cNvSpPr>
-          <p:nvPr>
-            <p:ph type="sldImg"/>
-          </p:nvPr>
-        </p:nvSpPr>
-        <p:spPr/>
-      </p:sp>
-      <p:sp>
-        <p:nvSpPr>
-          <p:cNvPr id="3" name="Notes Placeholder 2"/>
-          <p:cNvSpPr>
-            <a:spLocks noGrp="1"/>
-          </p:cNvSpPr>
-          <p:nvPr>
-            <p:ph type="body" idx="1"/>
-          </p:nvPr>
-        </p:nvSpPr>
-        <p:spPr/>
-        <p:txBody>
-          <a:bodyPr/>
-          <a:lstStyle/>
-          <a:p>
-            <a:endParaRPr lang="en-US" dirty="0"/>
-          </a:p>
-        </p:txBody>
-      </p:sp>
-      <p:sp>
-        <p:nvSpPr>
-          <p:cNvPr id="4" name="Slide Number Placeholder 3"/>
-          <p:cNvSpPr>
-            <a:spLocks noGrp="1"/>
-          </p:cNvSpPr>
-          <p:nvPr>
-            <p:ph type="sldNum" sz="quarter" idx="5"/>
-          </p:nvPr>
-        </p:nvSpPr>
-        <p:spPr/>
-        <p:txBody>
-          <a:bodyPr/>
-          <a:lstStyle/>
-          <a:p>
-            <a:fld id="{DEF75CB5-5666-5049-9AE0-38EFD385C21E}" type="slidenum">
-              <a:rPr lang="en-US" smtClean="0"/>
-              <a:t>13</a:t>
-            </a:fld>
-            <a:endParaRPr lang="en-US" dirty="0"/>
-          </a:p>
-        </p:txBody>
-      </p:sp>
-    </p:spTree>
-    <p:extLst>
-      <p:ext uri="{BB962C8B-B14F-4D97-AF65-F5344CB8AC3E}">
-        <p14:creationId xmlns:p14="http://schemas.microsoft.com/office/powerpoint/2010/main" val="178419945"/>
-      </p:ext>
-    </p:extLst>
-  </p:cSld>
-  <p:clrMapOvr>
-    <a:masterClrMapping/>
-  </p:clrMapOvr>
-</p:notes>
-</file>
-
-<file path=ppt/notesSlides/notesSlide13.xml><?xml version="1.0" encoding="utf-8"?>
-<p:notes xmlns:a="http://schemas.openxmlformats.org/drawingml/2006/main" xmlns:r="http://schemas.openxmlformats.org/officeDocument/2006/relationships" xmlns:p="http://schemas.openxmlformats.org/presentationml/2006/main">
-  <p:cSld>
-    <p:spTree>
-      <p:nvGrpSpPr>
-        <p:cNvPr id="1" name=""/>
-        <p:cNvGrpSpPr/>
-        <p:nvPr/>
-      </p:nvGrpSpPr>
-      <p:grpSpPr>
-        <a:xfrm>
-          <a:off x="0" y="0"/>
-          <a:ext cx="0" cy="0"/>
-          <a:chOff x="0" y="0"/>
-          <a:chExt cx="0" cy="0"/>
-        </a:xfrm>
-      </p:grpSpPr>
-      <p:sp>
-        <p:nvSpPr>
-          <p:cNvPr id="2" name="Slide Image Placeholder 1"/>
-          <p:cNvSpPr>
-            <a:spLocks noGrp="1" noRot="1" noChangeAspect="1"/>
-          </p:cNvSpPr>
-          <p:nvPr>
-            <p:ph type="sldImg"/>
-          </p:nvPr>
-        </p:nvSpPr>
-        <p:spPr/>
-      </p:sp>
-      <p:sp>
-        <p:nvSpPr>
-          <p:cNvPr id="3" name="Notes Placeholder 2"/>
-          <p:cNvSpPr>
-            <a:spLocks noGrp="1"/>
-          </p:cNvSpPr>
-          <p:nvPr>
-            <p:ph type="body" idx="1"/>
-          </p:nvPr>
-        </p:nvSpPr>
-        <p:spPr/>
-        <p:txBody>
-          <a:bodyPr/>
-          <a:lstStyle/>
-          <a:p>
-            <a:endParaRPr lang="en-US" dirty="0"/>
-          </a:p>
-        </p:txBody>
-      </p:sp>
-      <p:sp>
-        <p:nvSpPr>
-          <p:cNvPr id="4" name="Slide Number Placeholder 3"/>
-          <p:cNvSpPr>
-            <a:spLocks noGrp="1"/>
-          </p:cNvSpPr>
-          <p:nvPr>
-            <p:ph type="sldNum" sz="quarter" idx="5"/>
-          </p:nvPr>
-        </p:nvSpPr>
-        <p:spPr/>
-        <p:txBody>
-          <a:bodyPr/>
-          <a:lstStyle/>
-          <a:p>
-            <a:fld id="{DEF75CB5-5666-5049-9AE0-38EFD385C21E}" type="slidenum">
-              <a:rPr lang="en-US" smtClean="0"/>
-              <a:t>14</a:t>
-            </a:fld>
-            <a:endParaRPr lang="en-US" dirty="0"/>
-          </a:p>
-        </p:txBody>
-      </p:sp>
-    </p:spTree>
-    <p:extLst>
-      <p:ext uri="{BB962C8B-B14F-4D97-AF65-F5344CB8AC3E}">
-        <p14:creationId xmlns:p14="http://schemas.microsoft.com/office/powerpoint/2010/main" val="839213642"/>
-      </p:ext>
-    </p:extLst>
-  </p:cSld>
-  <p:clrMapOvr>
-    <a:masterClrMapping/>
-  </p:clrMapOvr>
-</p:notes>
-</file>
-
-<file path=ppt/notesSlides/notesSlide14.xml><?xml version="1.0" encoding="utf-8"?>
-<p:notes xmlns:a="http://schemas.openxmlformats.org/drawingml/2006/main" xmlns:r="http://schemas.openxmlformats.org/officeDocument/2006/relationships" xmlns:p="http://schemas.openxmlformats.org/presentationml/2006/main">
-  <p:cSld>
-    <p:spTree>
-      <p:nvGrpSpPr>
-        <p:cNvPr id="1" name=""/>
-        <p:cNvGrpSpPr/>
-        <p:nvPr/>
-      </p:nvGrpSpPr>
-      <p:grpSpPr>
-        <a:xfrm>
-          <a:off x="0" y="0"/>
-          <a:ext cx="0" cy="0"/>
-          <a:chOff x="0" y="0"/>
-          <a:chExt cx="0" cy="0"/>
-        </a:xfrm>
-      </p:grpSpPr>
-      <p:sp>
-        <p:nvSpPr>
-          <p:cNvPr id="2" name="Slide Image Placeholder 1"/>
-          <p:cNvSpPr>
-            <a:spLocks noGrp="1" noRot="1" noChangeAspect="1"/>
-          </p:cNvSpPr>
-          <p:nvPr>
-            <p:ph type="sldImg"/>
-          </p:nvPr>
-        </p:nvSpPr>
-        <p:spPr/>
-      </p:sp>
-      <p:sp>
-        <p:nvSpPr>
-          <p:cNvPr id="3" name="Notes Placeholder 2"/>
-          <p:cNvSpPr>
-            <a:spLocks noGrp="1"/>
-          </p:cNvSpPr>
-          <p:nvPr>
-            <p:ph type="body" idx="1"/>
-          </p:nvPr>
-        </p:nvSpPr>
-        <p:spPr/>
-        <p:txBody>
-          <a:bodyPr/>
-          <a:lstStyle/>
-          <a:p>
-            <a:endParaRPr lang="en-US" dirty="0"/>
-          </a:p>
-        </p:txBody>
-      </p:sp>
-      <p:sp>
-        <p:nvSpPr>
-          <p:cNvPr id="4" name="Slide Number Placeholder 3"/>
-          <p:cNvSpPr>
-            <a:spLocks noGrp="1"/>
-          </p:cNvSpPr>
-          <p:nvPr>
-            <p:ph type="sldNum" sz="quarter" idx="5"/>
-          </p:nvPr>
-        </p:nvSpPr>
-        <p:spPr/>
-        <p:txBody>
-          <a:bodyPr/>
-          <a:lstStyle/>
-          <a:p>
-            <a:fld id="{DEF75CB5-5666-5049-9AE0-38EFD385C21E}" type="slidenum">
-              <a:rPr lang="en-US" smtClean="0"/>
-              <a:t>15</a:t>
-            </a:fld>
-            <a:endParaRPr lang="en-US" dirty="0"/>
-          </a:p>
-        </p:txBody>
-      </p:sp>
-    </p:spTree>
-    <p:extLst>
-      <p:ext uri="{BB962C8B-B14F-4D97-AF65-F5344CB8AC3E}">
-        <p14:creationId xmlns:p14="http://schemas.microsoft.com/office/powerpoint/2010/main" val="661510092"/>
-      </p:ext>
-    </p:extLst>
-  </p:cSld>
-  <p:clrMapOvr>
-    <a:masterClrMapping/>
-  </p:clrMapOvr>
-</p:notes>
-</file>
-
-<file path=ppt/notesSlides/notesSlide15.xml><?xml version="1.0" encoding="utf-8"?>
-<p:notes xmlns:a="http://schemas.openxmlformats.org/drawingml/2006/main" xmlns:r="http://schemas.openxmlformats.org/officeDocument/2006/relationships" xmlns:p="http://schemas.openxmlformats.org/presentationml/2006/main">
-  <p:cSld>
-    <p:spTree>
-      <p:nvGrpSpPr>
-        <p:cNvPr id="1" name=""/>
-        <p:cNvGrpSpPr/>
-        <p:nvPr/>
-      </p:nvGrpSpPr>
-      <p:grpSpPr>
-        <a:xfrm>
-          <a:off x="0" y="0"/>
-          <a:ext cx="0" cy="0"/>
-          <a:chOff x="0" y="0"/>
-          <a:chExt cx="0" cy="0"/>
-        </a:xfrm>
-      </p:grpSpPr>
-      <p:sp>
-        <p:nvSpPr>
-          <p:cNvPr id="2" name="Slide Image Placeholder 1"/>
-          <p:cNvSpPr>
-            <a:spLocks noGrp="1" noRot="1" noChangeAspect="1"/>
-          </p:cNvSpPr>
-          <p:nvPr>
-            <p:ph type="sldImg"/>
-          </p:nvPr>
-        </p:nvSpPr>
-        <p:spPr/>
-      </p:sp>
-      <p:sp>
-        <p:nvSpPr>
-          <p:cNvPr id="3" name="Notes Placeholder 2"/>
-          <p:cNvSpPr>
-            <a:spLocks noGrp="1"/>
-          </p:cNvSpPr>
-          <p:nvPr>
-            <p:ph type="body" idx="1"/>
-          </p:nvPr>
-        </p:nvSpPr>
-        <p:spPr/>
-        <p:txBody>
-          <a:bodyPr/>
-          <a:lstStyle/>
-          <a:p>
-            <a:endParaRPr lang="en-US" dirty="0"/>
-          </a:p>
-        </p:txBody>
-      </p:sp>
-      <p:sp>
-        <p:nvSpPr>
-          <p:cNvPr id="4" name="Slide Number Placeholder 3"/>
-          <p:cNvSpPr>
-            <a:spLocks noGrp="1"/>
-          </p:cNvSpPr>
-          <p:nvPr>
-            <p:ph type="sldNum" sz="quarter" idx="5"/>
-          </p:nvPr>
-        </p:nvSpPr>
-        <p:spPr/>
-        <p:txBody>
-          <a:bodyPr/>
-          <a:lstStyle/>
-          <a:p>
-            <a:fld id="{DEF75CB5-5666-5049-9AE0-38EFD385C21E}" type="slidenum">
-              <a:rPr lang="en-US" smtClean="0"/>
-              <a:t>16</a:t>
-            </a:fld>
-            <a:endParaRPr lang="en-US" dirty="0"/>
-          </a:p>
-        </p:txBody>
-      </p:sp>
-    </p:spTree>
-    <p:extLst>
-      <p:ext uri="{BB962C8B-B14F-4D97-AF65-F5344CB8AC3E}">
-        <p14:creationId xmlns:p14="http://schemas.microsoft.com/office/powerpoint/2010/main" val="4167890113"/>
-      </p:ext>
-    </p:extLst>
-  </p:cSld>
-  <p:clrMapOvr>
-    <a:masterClrMapping/>
-  </p:clrMapOvr>
-</p:notes>
-</file>
-
 <file path=ppt/notesSlides/notesSlide2.xml><?xml version="1.0" encoding="utf-8"?>
 <p:notes xmlns:a="http://schemas.openxmlformats.org/drawingml/2006/main" xmlns:r="http://schemas.openxmlformats.org/officeDocument/2006/relationships" xmlns:p="http://schemas.openxmlformats.org/presentationml/2006/main">
   <p:cSld>
@@ -1323,26 +816,6 @@
           <a:bodyPr/>
           <a:lstStyle/>
           <a:p>
-            <a:r>
-              <a:rPr lang="hu-HU" dirty="0" smtClean="0"/>
-              <a:t>A játék</a:t>
-            </a:r>
-            <a:r>
-              <a:rPr lang="hu-HU" baseline="0" dirty="0" smtClean="0"/>
-              <a:t> </a:t>
-            </a:r>
-            <a:r>
-              <a:rPr lang="hu-HU" baseline="0" dirty="0" err="1" smtClean="0"/>
-              <a:t>Unityben</a:t>
-            </a:r>
-            <a:r>
-              <a:rPr lang="hu-HU" baseline="0" dirty="0" smtClean="0"/>
-              <a:t> készült, és ott </a:t>
-            </a:r>
-            <a:r>
-              <a:rPr lang="hu-HU" baseline="0" smtClean="0"/>
-              <a:t>is fejlesztjük</a:t>
-            </a:r>
             <a:endParaRPr lang="en-US" dirty="0"/>
           </a:p>
         </p:txBody>
@@ -1604,7 +1077,7 @@
           <a:p>
             <a:fld id="{DEF75CB5-5666-5049-9AE0-38EFD385C21E}" type="slidenum">
               <a:rPr lang="en-US" smtClean="0"/>
-              <a:t>5</a:t>
+              <a:t>6</a:t>
             </a:fld>
             <a:endParaRPr lang="en-US" dirty="0"/>
           </a:p>
@@ -1704,7 +1177,7 @@
           <a:p>
             <a:fld id="{DEF75CB5-5666-5049-9AE0-38EFD385C21E}" type="slidenum">
               <a:rPr lang="en-US" smtClean="0"/>
-              <a:t>6</a:t>
+              <a:t>7</a:t>
             </a:fld>
             <a:endParaRPr lang="en-US" dirty="0"/>
           </a:p>
@@ -1788,7 +1261,7 @@
           <a:p>
             <a:fld id="{DEF75CB5-5666-5049-9AE0-38EFD385C21E}" type="slidenum">
               <a:rPr lang="en-US" smtClean="0"/>
-              <a:t>7</a:t>
+              <a:t>8</a:t>
             </a:fld>
             <a:endParaRPr lang="en-US" dirty="0"/>
           </a:p>
@@ -1808,90 +1281,6 @@
 </file>
 
 <file path=ppt/notesSlides/notesSlide7.xml><?xml version="1.0" encoding="utf-8"?>
-<p:notes xmlns:a="http://schemas.openxmlformats.org/drawingml/2006/main" xmlns:r="http://schemas.openxmlformats.org/officeDocument/2006/relationships" xmlns:p="http://schemas.openxmlformats.org/presentationml/2006/main">
-  <p:cSld>
-    <p:spTree>
-      <p:nvGrpSpPr>
-        <p:cNvPr id="1" name=""/>
-        <p:cNvGrpSpPr/>
-        <p:nvPr/>
-      </p:nvGrpSpPr>
-      <p:grpSpPr>
-        <a:xfrm>
-          <a:off x="0" y="0"/>
-          <a:ext cx="0" cy="0"/>
-          <a:chOff x="0" y="0"/>
-          <a:chExt cx="0" cy="0"/>
-        </a:xfrm>
-      </p:grpSpPr>
-      <p:sp>
-        <p:nvSpPr>
-          <p:cNvPr id="2" name="Slide Image Placeholder 1"/>
-          <p:cNvSpPr>
-            <a:spLocks noGrp="1" noRot="1" noChangeAspect="1"/>
-          </p:cNvSpPr>
-          <p:nvPr>
-            <p:ph type="sldImg"/>
-          </p:nvPr>
-        </p:nvSpPr>
-        <p:spPr/>
-      </p:sp>
-      <p:sp>
-        <p:nvSpPr>
-          <p:cNvPr id="3" name="Notes Placeholder 2"/>
-          <p:cNvSpPr>
-            <a:spLocks noGrp="1"/>
-          </p:cNvSpPr>
-          <p:nvPr>
-            <p:ph type="body" idx="1"/>
-          </p:nvPr>
-        </p:nvSpPr>
-        <p:spPr/>
-        <p:txBody>
-          <a:bodyPr/>
-          <a:lstStyle/>
-          <a:p>
-            <a:endParaRPr lang="en-US" dirty="0"/>
-          </a:p>
-        </p:txBody>
-      </p:sp>
-      <p:sp>
-        <p:nvSpPr>
-          <p:cNvPr id="4" name="Slide Number Placeholder 3"/>
-          <p:cNvSpPr>
-            <a:spLocks noGrp="1"/>
-          </p:cNvSpPr>
-          <p:nvPr>
-            <p:ph type="sldNum" sz="quarter" idx="5"/>
-          </p:nvPr>
-        </p:nvSpPr>
-        <p:spPr/>
-        <p:txBody>
-          <a:bodyPr/>
-          <a:lstStyle/>
-          <a:p>
-            <a:fld id="{DEF75CB5-5666-5049-9AE0-38EFD385C21E}" type="slidenum">
-              <a:rPr lang="en-US" smtClean="0"/>
-              <a:t>8</a:t>
-            </a:fld>
-            <a:endParaRPr lang="en-US" dirty="0"/>
-          </a:p>
-        </p:txBody>
-      </p:sp>
-    </p:spTree>
-    <p:extLst>
-      <p:ext uri="{BB962C8B-B14F-4D97-AF65-F5344CB8AC3E}">
-        <p14:creationId xmlns:p14="http://schemas.microsoft.com/office/powerpoint/2010/main" val="2982522483"/>
-      </p:ext>
-    </p:extLst>
-  </p:cSld>
-  <p:clrMapOvr>
-    <a:masterClrMapping/>
-  </p:clrMapOvr>
-</p:notes>
-</file>
-
-<file path=ppt/notesSlides/notesSlide8.xml><?xml version="1.0" encoding="utf-8"?>
 <p:notes xmlns:a="http://schemas.openxmlformats.org/drawingml/2006/main" xmlns:r="http://schemas.openxmlformats.org/officeDocument/2006/relationships" xmlns:p="http://schemas.openxmlformats.org/presentationml/2006/main">
   <p:cSld>
     <p:spTree>
@@ -2035,7 +1424,7 @@
 </p:notes>
 </file>
 
-<file path=ppt/notesSlides/notesSlide9.xml><?xml version="1.0" encoding="utf-8"?>
+<file path=ppt/notesSlides/notesSlide8.xml><?xml version="1.0" encoding="utf-8"?>
 <p:notes xmlns:a="http://schemas.openxmlformats.org/drawingml/2006/main" xmlns:r="http://schemas.openxmlformats.org/officeDocument/2006/relationships" xmlns:p="http://schemas.openxmlformats.org/presentationml/2006/main">
   <p:cSld>
     <p:spTree>
@@ -2109,7 +1498,7 @@
     </p:spTree>
     <p:extLst>
       <p:ext uri="{BB962C8B-B14F-4D97-AF65-F5344CB8AC3E}">
-        <p14:creationId xmlns:p14="http://schemas.microsoft.com/office/powerpoint/2010/main" val="2493029087"/>
+        <p14:creationId xmlns:p14="http://schemas.microsoft.com/office/powerpoint/2010/main" val="2982522483"/>
       </p:ext>
     </p:extLst>
   </p:cSld>
@@ -2179,7 +1568,7 @@
                 <a16:creationId xmlns:a16="http://schemas.microsoft.com/office/drawing/2014/main" id="{D1BA6450-E291-DC40-F198-C02B485137B0}"/>
               </a:ext>
               <a:ext uri="{C183D7F6-B498-43B3-948B-1728B52AA6E4}">
-                <adec:decorative xmlns:adec="http://schemas.microsoft.com/office/drawing/2017/decorative" xmlns="" val="1"/>
+                <adec:decorative xmlns="" xmlns:adec="http://schemas.microsoft.com/office/drawing/2017/decorative" val="1"/>
               </a:ext>
             </a:extLst>
           </p:cNvPr>
@@ -2413,7 +1802,7 @@
                 <a16:creationId xmlns:a16="http://schemas.microsoft.com/office/drawing/2014/main" id="{7123B0D0-B01D-0BB0-6127-A878BE49D18E}"/>
               </a:ext>
               <a:ext uri="{C183D7F6-B498-43B3-948B-1728B52AA6E4}">
-                <adec:decorative xmlns:adec="http://schemas.microsoft.com/office/drawing/2017/decorative" xmlns="" val="1"/>
+                <adec:decorative xmlns="" xmlns:adec="http://schemas.microsoft.com/office/drawing/2017/decorative" val="1"/>
               </a:ext>
             </a:extLst>
           </p:cNvPr>
@@ -2757,7 +2146,7 @@
                 <a16:creationId xmlns:a16="http://schemas.microsoft.com/office/drawing/2014/main" id="{F0712911-615E-724B-FC0F-996291526D31}"/>
               </a:ext>
               <a:ext uri="{C183D7F6-B498-43B3-948B-1728B52AA6E4}">
-                <adec:decorative xmlns:adec="http://schemas.microsoft.com/office/drawing/2017/decorative" xmlns="" val="1"/>
+                <adec:decorative xmlns="" xmlns:adec="http://schemas.microsoft.com/office/drawing/2017/decorative" val="1"/>
               </a:ext>
             </a:extLst>
           </p:cNvPr>
@@ -2886,7 +2275,7 @@
                 <a16:creationId xmlns:a16="http://schemas.microsoft.com/office/drawing/2014/main" id="{BCFFF0E2-6B47-67EB-D6AA-D972E7B7C367}"/>
               </a:ext>
               <a:ext uri="{C183D7F6-B498-43B3-948B-1728B52AA6E4}">
-                <adec:decorative xmlns:adec="http://schemas.microsoft.com/office/drawing/2017/decorative" xmlns="" val="1"/>
+                <adec:decorative xmlns="" xmlns:adec="http://schemas.microsoft.com/office/drawing/2017/decorative" val="1"/>
               </a:ext>
             </a:extLst>
           </p:cNvPr>
@@ -2974,7 +2363,7 @@
                 <a16:creationId xmlns:a16="http://schemas.microsoft.com/office/drawing/2014/main" id="{94827F6F-999F-23E9-8C09-325D1A76B07A}"/>
               </a:ext>
               <a:ext uri="{C183D7F6-B498-43B3-948B-1728B52AA6E4}">
-                <adec:decorative xmlns:adec="http://schemas.microsoft.com/office/drawing/2017/decorative" xmlns="" val="1"/>
+                <adec:decorative xmlns="" xmlns:adec="http://schemas.microsoft.com/office/drawing/2017/decorative" val="1"/>
               </a:ext>
             </a:extLst>
           </p:cNvPr>
@@ -3359,7 +2748,7 @@
                 <a16:creationId xmlns:a16="http://schemas.microsoft.com/office/drawing/2014/main" id="{4196A82D-0723-4BA3-0283-9F0D67B0CEF4}"/>
               </a:ext>
               <a:ext uri="{C183D7F6-B498-43B3-948B-1728B52AA6E4}">
-                <adec:decorative xmlns:adec="http://schemas.microsoft.com/office/drawing/2017/decorative" xmlns="" val="1"/>
+                <adec:decorative xmlns="" xmlns:adec="http://schemas.microsoft.com/office/drawing/2017/decorative" val="1"/>
               </a:ext>
             </a:extLst>
           </p:cNvPr>
@@ -3418,7 +2807,7 @@
                 <a16:creationId xmlns:a16="http://schemas.microsoft.com/office/drawing/2014/main" id="{6A20A5FD-BDFB-45F2-E644-E93FB81CA575}"/>
               </a:ext>
               <a:ext uri="{C183D7F6-B498-43B3-948B-1728B52AA6E4}">
-                <adec:decorative xmlns:adec="http://schemas.microsoft.com/office/drawing/2017/decorative" xmlns="" val="1"/>
+                <adec:decorative xmlns="" xmlns:adec="http://schemas.microsoft.com/office/drawing/2017/decorative" val="1"/>
               </a:ext>
             </a:extLst>
           </p:cNvPr>
@@ -3930,7 +3319,7 @@
                 <a16:creationId xmlns:a16="http://schemas.microsoft.com/office/drawing/2014/main" id="{02D51531-1219-2E4B-DCE7-C6FD9D809F0C}"/>
               </a:ext>
               <a:ext uri="{C183D7F6-B498-43B3-948B-1728B52AA6E4}">
-                <adec:decorative xmlns:adec="http://schemas.microsoft.com/office/drawing/2017/decorative" xmlns="" val="1"/>
+                <adec:decorative xmlns="" xmlns:adec="http://schemas.microsoft.com/office/drawing/2017/decorative" val="1"/>
               </a:ext>
             </a:extLst>
           </p:cNvPr>
@@ -3989,7 +3378,7 @@
                 <a16:creationId xmlns:a16="http://schemas.microsoft.com/office/drawing/2014/main" id="{BEC02E56-87A4-158A-F0B0-DB8E9BE3AE5E}"/>
               </a:ext>
               <a:ext uri="{C183D7F6-B498-43B3-948B-1728B52AA6E4}">
-                <adec:decorative xmlns:adec="http://schemas.microsoft.com/office/drawing/2017/decorative" xmlns="" val="1"/>
+                <adec:decorative xmlns="" xmlns:adec="http://schemas.microsoft.com/office/drawing/2017/decorative" val="1"/>
               </a:ext>
             </a:extLst>
           </p:cNvPr>
@@ -4129,7 +3518,7 @@
                 <a16:creationId xmlns:a16="http://schemas.microsoft.com/office/drawing/2014/main" id="{6468DE94-FC46-A848-7949-ABFEADADEA16}"/>
               </a:ext>
               <a:ext uri="{C183D7F6-B498-43B3-948B-1728B52AA6E4}">
-                <adec:decorative xmlns:adec="http://schemas.microsoft.com/office/drawing/2017/decorative" xmlns="" val="1"/>
+                <adec:decorative xmlns="" xmlns:adec="http://schemas.microsoft.com/office/drawing/2017/decorative" val="1"/>
               </a:ext>
             </a:extLst>
           </p:cNvPr>
@@ -4348,7 +3737,7 @@
                 <a16:creationId xmlns:a16="http://schemas.microsoft.com/office/drawing/2014/main" id="{289F5C3D-E9E6-75E0-BF7D-799B5CFE5ED0}"/>
               </a:ext>
               <a:ext uri="{C183D7F6-B498-43B3-948B-1728B52AA6E4}">
-                <adec:decorative xmlns:adec="http://schemas.microsoft.com/office/drawing/2017/decorative" xmlns="" val="1"/>
+                <adec:decorative xmlns="" xmlns:adec="http://schemas.microsoft.com/office/drawing/2017/decorative" val="1"/>
               </a:ext>
             </a:extLst>
           </p:cNvPr>
@@ -4391,7 +3780,7 @@
                     <a16:creationId xmlns:a16="http://schemas.microsoft.com/office/drawing/2014/main" id="{7C904D88-E1BE-F1FA-D405-F55DA966DA84}"/>
                   </a:ext>
                   <a:ext uri="{C183D7F6-B498-43B3-948B-1728B52AA6E4}">
-                    <adec:decorative xmlns:adec="http://schemas.microsoft.com/office/drawing/2017/decorative" xmlns="" val="1"/>
+                    <adec:decorative xmlns="" xmlns:adec="http://schemas.microsoft.com/office/drawing/2017/decorative" val="1"/>
                   </a:ext>
                 </a:extLst>
               </p:cNvPr>
@@ -4452,7 +3841,7 @@
                     <a16:creationId xmlns:a16="http://schemas.microsoft.com/office/drawing/2014/main" id="{1D8F0816-C429-D32E-058B-33405874DFA7}"/>
                   </a:ext>
                   <a:ext uri="{C183D7F6-B498-43B3-948B-1728B52AA6E4}">
-                    <adec:decorative xmlns:adec="http://schemas.microsoft.com/office/drawing/2017/decorative" xmlns="" val="1"/>
+                    <adec:decorative xmlns="" xmlns:adec="http://schemas.microsoft.com/office/drawing/2017/decorative" val="1"/>
                   </a:ext>
                 </a:extLst>
               </p:cNvPr>
@@ -4558,7 +3947,7 @@
                   <a16:creationId xmlns:a16="http://schemas.microsoft.com/office/drawing/2014/main" id="{14AC0A97-7D79-3DBE-FB53-A9EBFD806E06}"/>
                 </a:ext>
                 <a:ext uri="{C183D7F6-B498-43B3-948B-1728B52AA6E4}">
-                  <adec:decorative xmlns:adec="http://schemas.microsoft.com/office/drawing/2017/decorative" xmlns="" val="1"/>
+                  <adec:decorative xmlns="" xmlns:adec="http://schemas.microsoft.com/office/drawing/2017/decorative" val="1"/>
                 </a:ext>
               </a:extLst>
             </p:cNvPr>
@@ -4785,7 +4174,7 @@
                 <a16:creationId xmlns:a16="http://schemas.microsoft.com/office/drawing/2014/main" id="{61CFC792-44F7-2497-E19D-8FB08AFF94F7}"/>
               </a:ext>
               <a:ext uri="{C183D7F6-B498-43B3-948B-1728B52AA6E4}">
-                <adec:decorative xmlns:adec="http://schemas.microsoft.com/office/drawing/2017/decorative" xmlns="" val="1"/>
+                <adec:decorative xmlns="" xmlns:adec="http://schemas.microsoft.com/office/drawing/2017/decorative" val="1"/>
               </a:ext>
             </a:extLst>
           </p:cNvPr>
@@ -4922,7 +4311,7 @@
                 <a16:creationId xmlns:a16="http://schemas.microsoft.com/office/drawing/2014/main" id="{D1BA6450-E291-DC40-F198-C02B485137B0}"/>
               </a:ext>
               <a:ext uri="{C183D7F6-B498-43B3-948B-1728B52AA6E4}">
-                <adec:decorative xmlns:adec="http://schemas.microsoft.com/office/drawing/2017/decorative" xmlns="" val="1"/>
+                <adec:decorative xmlns="" xmlns:adec="http://schemas.microsoft.com/office/drawing/2017/decorative" val="1"/>
               </a:ext>
             </a:extLst>
           </p:cNvPr>
@@ -5078,7 +4467,7 @@
                 <a16:creationId xmlns:a16="http://schemas.microsoft.com/office/drawing/2014/main" id="{9A084D09-1B2D-4EE2-82A7-83196133B801}"/>
               </a:ext>
               <a:ext uri="{C183D7F6-B498-43B3-948B-1728B52AA6E4}">
-                <adec:decorative xmlns:adec="http://schemas.microsoft.com/office/drawing/2017/decorative" xmlns="" val="1"/>
+                <adec:decorative xmlns="" xmlns:adec="http://schemas.microsoft.com/office/drawing/2017/decorative" val="1"/>
               </a:ext>
             </a:extLst>
           </p:cNvPr>
@@ -5101,7 +4490,7 @@
                   <a16:creationId xmlns:a16="http://schemas.microsoft.com/office/drawing/2014/main" id="{53860AA6-1B14-DF89-B725-CC444E502028}"/>
                 </a:ext>
                 <a:ext uri="{C183D7F6-B498-43B3-948B-1728B52AA6E4}">
-                  <adec:decorative xmlns:adec="http://schemas.microsoft.com/office/drawing/2017/decorative" xmlns="" val="1"/>
+                  <adec:decorative xmlns="" xmlns:adec="http://schemas.microsoft.com/office/drawing/2017/decorative" val="1"/>
                 </a:ext>
               </a:extLst>
             </p:cNvPr>
@@ -5160,7 +4549,7 @@
                   <a16:creationId xmlns:a16="http://schemas.microsoft.com/office/drawing/2014/main" id="{D172E570-D67F-4980-88C2-CF6560C1C193}"/>
                 </a:ext>
                 <a:ext uri="{C183D7F6-B498-43B3-948B-1728B52AA6E4}">
-                  <adec:decorative xmlns:adec="http://schemas.microsoft.com/office/drawing/2017/decorative" xmlns="" val="1"/>
+                  <adec:decorative xmlns="" xmlns:adec="http://schemas.microsoft.com/office/drawing/2017/decorative" val="1"/>
                 </a:ext>
               </a:extLst>
             </p:cNvPr>
@@ -5219,7 +4608,7 @@
                     <a16:creationId xmlns:a16="http://schemas.microsoft.com/office/drawing/2014/main" id="{1066F635-8DB9-B091-8467-D8F0327217F4}"/>
                   </a:ext>
                   <a:ext uri="{C183D7F6-B498-43B3-948B-1728B52AA6E4}">
-                    <adec:decorative xmlns:adec="http://schemas.microsoft.com/office/drawing/2017/decorative" xmlns="" val="1"/>
+                    <adec:decorative xmlns="" xmlns:adec="http://schemas.microsoft.com/office/drawing/2017/decorative" val="1"/>
                   </a:ext>
                 </a:extLst>
               </p:cNvPr>
@@ -5280,7 +4669,7 @@
                     <a16:creationId xmlns:a16="http://schemas.microsoft.com/office/drawing/2014/main" id="{882D2FD3-A05B-400C-6347-115486FFD943}"/>
                   </a:ext>
                   <a:ext uri="{C183D7F6-B498-43B3-948B-1728B52AA6E4}">
-                    <adec:decorative xmlns:adec="http://schemas.microsoft.com/office/drawing/2017/decorative" xmlns="" val="1"/>
+                    <adec:decorative xmlns="" xmlns:adec="http://schemas.microsoft.com/office/drawing/2017/decorative" val="1"/>
                   </a:ext>
                 </a:extLst>
               </p:cNvPr>
@@ -5430,7 +4819,7 @@
                 <a16:creationId xmlns:a16="http://schemas.microsoft.com/office/drawing/2014/main" id="{34F613B1-323C-4C25-4526-1D3313A7161D}"/>
               </a:ext>
               <a:ext uri="{C183D7F6-B498-43B3-948B-1728B52AA6E4}">
-                <adec:decorative xmlns:adec="http://schemas.microsoft.com/office/drawing/2017/decorative" xmlns="" val="1"/>
+                <adec:decorative xmlns="" xmlns:adec="http://schemas.microsoft.com/office/drawing/2017/decorative" val="1"/>
               </a:ext>
             </a:extLst>
           </p:cNvPr>
@@ -5707,7 +5096,7 @@
                 <a16:creationId xmlns:a16="http://schemas.microsoft.com/office/drawing/2014/main" id="{8EB5B81B-FCE8-FE9C-8F0A-6488B25F0F6A}"/>
               </a:ext>
               <a:ext uri="{C183D7F6-B498-43B3-948B-1728B52AA6E4}">
-                <adec:decorative xmlns:adec="http://schemas.microsoft.com/office/drawing/2017/decorative" xmlns="" val="1"/>
+                <adec:decorative xmlns="" xmlns:adec="http://schemas.microsoft.com/office/drawing/2017/decorative" val="1"/>
               </a:ext>
             </a:extLst>
           </p:cNvPr>
@@ -6046,7 +5435,7 @@
                 <a16:creationId xmlns:a16="http://schemas.microsoft.com/office/drawing/2014/main" id="{3664209F-41AB-70E5-1B9E-7490900C59C9}"/>
               </a:ext>
               <a:ext uri="{C183D7F6-B498-43B3-948B-1728B52AA6E4}">
-                <adec:decorative xmlns:adec="http://schemas.microsoft.com/office/drawing/2017/decorative" xmlns="" val="1"/>
+                <adec:decorative xmlns="" xmlns:adec="http://schemas.microsoft.com/office/drawing/2017/decorative" val="1"/>
               </a:ext>
             </a:extLst>
           </p:cNvPr>
@@ -6117,7 +5506,7 @@
                 <a16:creationId xmlns:a16="http://schemas.microsoft.com/office/drawing/2014/main" id="{032D3409-585B-54E2-1DCC-AC58804E4AE7}"/>
               </a:ext>
               <a:ext uri="{C183D7F6-B498-43B3-948B-1728B52AA6E4}">
-                <adec:decorative xmlns:adec="http://schemas.microsoft.com/office/drawing/2017/decorative" xmlns="" val="1"/>
+                <adec:decorative xmlns="" xmlns:adec="http://schemas.microsoft.com/office/drawing/2017/decorative" val="1"/>
               </a:ext>
             </a:extLst>
           </p:cNvPr>
@@ -6493,7 +5882,7 @@
                 <a16:creationId xmlns:a16="http://schemas.microsoft.com/office/drawing/2014/main" id="{318CE367-BBCB-F4AB-635F-4C9995EAE350}"/>
               </a:ext>
               <a:ext uri="{C183D7F6-B498-43B3-948B-1728B52AA6E4}">
-                <adec:decorative xmlns:adec="http://schemas.microsoft.com/office/drawing/2017/decorative" xmlns="" val="1"/>
+                <adec:decorative xmlns="" xmlns:adec="http://schemas.microsoft.com/office/drawing/2017/decorative" val="1"/>
               </a:ext>
             </a:extLst>
           </p:cNvPr>
@@ -6531,7 +5920,7 @@
                 <a16:creationId xmlns:a16="http://schemas.microsoft.com/office/drawing/2014/main" id="{5CE3FBBA-81E2-31F1-EF51-02706B5B5C0A}"/>
               </a:ext>
               <a:ext uri="{C183D7F6-B498-43B3-948B-1728B52AA6E4}">
-                <adec:decorative xmlns:adec="http://schemas.microsoft.com/office/drawing/2017/decorative" xmlns="" val="1"/>
+                <adec:decorative xmlns="" xmlns:adec="http://schemas.microsoft.com/office/drawing/2017/decorative" val="1"/>
               </a:ext>
             </a:extLst>
           </p:cNvPr>
@@ -6590,7 +5979,7 @@
                 <a16:creationId xmlns:a16="http://schemas.microsoft.com/office/drawing/2014/main" id="{9AD3746D-3CD1-FFA5-0019-AD0C588B1924}"/>
               </a:ext>
               <a:ext uri="{C183D7F6-B498-43B3-948B-1728B52AA6E4}">
-                <adec:decorative xmlns:adec="http://schemas.microsoft.com/office/drawing/2017/decorative" xmlns="" val="1"/>
+                <adec:decorative xmlns="" xmlns:adec="http://schemas.microsoft.com/office/drawing/2017/decorative" val="1"/>
               </a:ext>
             </a:extLst>
           </p:cNvPr>
@@ -7025,7 +6414,7 @@
                 <a16:creationId xmlns:a16="http://schemas.microsoft.com/office/drawing/2014/main" id="{4361F2FA-20C7-5447-C138-CE2CA1867FE7}"/>
               </a:ext>
               <a:ext uri="{C183D7F6-B498-43B3-948B-1728B52AA6E4}">
-                <adec:decorative xmlns:adec="http://schemas.microsoft.com/office/drawing/2017/decorative" xmlns="" val="1"/>
+                <adec:decorative xmlns="" xmlns:adec="http://schemas.microsoft.com/office/drawing/2017/decorative" val="1"/>
               </a:ext>
             </a:extLst>
           </p:cNvPr>
@@ -7116,7 +6505,7 @@
                   <a16:creationId xmlns:a16="http://schemas.microsoft.com/office/drawing/2014/main" id="{CDC952AF-CE06-54F7-CB4A-1722F90AC3DF}"/>
                 </a:ext>
                 <a:ext uri="{C183D7F6-B498-43B3-948B-1728B52AA6E4}">
-                  <adec:decorative xmlns:adec="http://schemas.microsoft.com/office/drawing/2017/decorative" xmlns="" val="1"/>
+                  <adec:decorative xmlns="" xmlns:adec="http://schemas.microsoft.com/office/drawing/2017/decorative" val="1"/>
                 </a:ext>
               </a:extLst>
             </p:cNvPr>
@@ -7174,7 +6563,7 @@
                     <a16:creationId xmlns:a16="http://schemas.microsoft.com/office/drawing/2014/main" id="{312F4F85-6C79-201D-E20D-64CD4728E4C8}"/>
                   </a:ext>
                   <a:ext uri="{C183D7F6-B498-43B3-948B-1728B52AA6E4}">
-                    <adec:decorative xmlns:adec="http://schemas.microsoft.com/office/drawing/2017/decorative" xmlns="" val="1"/>
+                    <adec:decorative xmlns="" xmlns:adec="http://schemas.microsoft.com/office/drawing/2017/decorative" val="1"/>
                   </a:ext>
                 </a:extLst>
               </p:cNvPr>
@@ -7327,7 +6716,7 @@
                     <a16:creationId xmlns:a16="http://schemas.microsoft.com/office/drawing/2014/main" id="{01D71DAD-ECC6-A850-88E4-A4EDCF494A24}"/>
                   </a:ext>
                   <a:ext uri="{C183D7F6-B498-43B3-948B-1728B52AA6E4}">
-                    <adec:decorative xmlns:adec="http://schemas.microsoft.com/office/drawing/2017/decorative" xmlns="" val="1"/>
+                    <adec:decorative xmlns="" xmlns:adec="http://schemas.microsoft.com/office/drawing/2017/decorative" val="1"/>
                   </a:ext>
                 </a:extLst>
               </p:cNvPr>
@@ -7453,7 +6842,7 @@
                     <a16:creationId xmlns:a16="http://schemas.microsoft.com/office/drawing/2014/main" id="{B05BE7BE-7D54-A09B-8A67-6B28CF6BB6C0}"/>
                   </a:ext>
                   <a:ext uri="{C183D7F6-B498-43B3-948B-1728B52AA6E4}">
-                    <adec:decorative xmlns:adec="http://schemas.microsoft.com/office/drawing/2017/decorative" xmlns="" val="1"/>
+                    <adec:decorative xmlns="" xmlns:adec="http://schemas.microsoft.com/office/drawing/2017/decorative" val="1"/>
                   </a:ext>
                 </a:extLst>
               </p:cNvPr>
@@ -7606,7 +6995,7 @@
                     <a16:creationId xmlns:a16="http://schemas.microsoft.com/office/drawing/2014/main" id="{258346A9-F75C-6704-EEED-CF7A8A0F8010}"/>
                   </a:ext>
                   <a:ext uri="{C183D7F6-B498-43B3-948B-1728B52AA6E4}">
-                    <adec:decorative xmlns:adec="http://schemas.microsoft.com/office/drawing/2017/decorative" xmlns="" val="1"/>
+                    <adec:decorative xmlns="" xmlns:adec="http://schemas.microsoft.com/office/drawing/2017/decorative" val="1"/>
                   </a:ext>
                 </a:extLst>
               </p:cNvPr>
@@ -7907,7 +7296,7 @@
                 <a16:creationId xmlns:a16="http://schemas.microsoft.com/office/drawing/2014/main" id="{9C7D5518-914C-92E3-E9EC-26752C9F05AD}"/>
               </a:ext>
               <a:ext uri="{C183D7F6-B498-43B3-948B-1728B52AA6E4}">
-                <adec:decorative xmlns:adec="http://schemas.microsoft.com/office/drawing/2017/decorative" xmlns="" val="1"/>
+                <adec:decorative xmlns="" xmlns:adec="http://schemas.microsoft.com/office/drawing/2017/decorative" val="1"/>
               </a:ext>
             </a:extLst>
           </p:cNvPr>
@@ -7930,7 +7319,7 @@
                   <a16:creationId xmlns:a16="http://schemas.microsoft.com/office/drawing/2014/main" id="{C82D0B82-F74C-65EF-3BF6-8EEA16F36B7D}"/>
                 </a:ext>
                 <a:ext uri="{C183D7F6-B498-43B3-948B-1728B52AA6E4}">
-                  <adec:decorative xmlns:adec="http://schemas.microsoft.com/office/drawing/2017/decorative" xmlns="" val="1"/>
+                  <adec:decorative xmlns="" xmlns:adec="http://schemas.microsoft.com/office/drawing/2017/decorative" val="1"/>
                 </a:ext>
               </a:extLst>
             </p:cNvPr>
@@ -8044,7 +7433,7 @@
                     <a16:creationId xmlns:a16="http://schemas.microsoft.com/office/drawing/2014/main" id="{2BC89B10-C93E-8CE5-73B3-F6049168C313}"/>
                   </a:ext>
                   <a:ext uri="{C183D7F6-B498-43B3-948B-1728B52AA6E4}">
-                    <adec:decorative xmlns:adec="http://schemas.microsoft.com/office/drawing/2017/decorative" xmlns="" val="1"/>
+                    <adec:decorative xmlns="" xmlns:adec="http://schemas.microsoft.com/office/drawing/2017/decorative" val="1"/>
                   </a:ext>
                 </a:extLst>
               </p:cNvPr>
@@ -8197,7 +7586,7 @@
                     <a16:creationId xmlns:a16="http://schemas.microsoft.com/office/drawing/2014/main" id="{39DB2AA2-9661-AC91-932D-2F1BEC47BD84}"/>
                   </a:ext>
                   <a:ext uri="{C183D7F6-B498-43B3-948B-1728B52AA6E4}">
-                    <adec:decorative xmlns:adec="http://schemas.microsoft.com/office/drawing/2017/decorative" xmlns="" val="1"/>
+                    <adec:decorative xmlns="" xmlns:adec="http://schemas.microsoft.com/office/drawing/2017/decorative" val="1"/>
                   </a:ext>
                 </a:extLst>
               </p:cNvPr>
@@ -8302,7 +7691,7 @@
                     <a16:creationId xmlns:a16="http://schemas.microsoft.com/office/drawing/2014/main" id="{86C9AC9B-3792-E880-03FE-D46FB046AB63}"/>
                   </a:ext>
                   <a:ext uri="{C183D7F6-B498-43B3-948B-1728B52AA6E4}">
-                    <adec:decorative xmlns:adec="http://schemas.microsoft.com/office/drawing/2017/decorative" xmlns="" val="1"/>
+                    <adec:decorative xmlns="" xmlns:adec="http://schemas.microsoft.com/office/drawing/2017/decorative" val="1"/>
                   </a:ext>
                 </a:extLst>
               </p:cNvPr>
@@ -8428,7 +7817,7 @@
                     <a16:creationId xmlns:a16="http://schemas.microsoft.com/office/drawing/2014/main" id="{A746B023-387D-4EAC-052B-60F131E6E707}"/>
                   </a:ext>
                   <a:ext uri="{C183D7F6-B498-43B3-948B-1728B52AA6E4}">
-                    <adec:decorative xmlns:adec="http://schemas.microsoft.com/office/drawing/2017/decorative" xmlns="" val="1"/>
+                    <adec:decorative xmlns="" xmlns:adec="http://schemas.microsoft.com/office/drawing/2017/decorative" val="1"/>
                   </a:ext>
                 </a:extLst>
               </p:cNvPr>
@@ -8581,7 +7970,7 @@
                     <a16:creationId xmlns:a16="http://schemas.microsoft.com/office/drawing/2014/main" id="{20760125-21CF-A296-3EA7-3C6C0E9BCB2F}"/>
                   </a:ext>
                   <a:ext uri="{C183D7F6-B498-43B3-948B-1728B52AA6E4}">
-                    <adec:decorative xmlns:adec="http://schemas.microsoft.com/office/drawing/2017/decorative" xmlns="" val="1"/>
+                    <adec:decorative xmlns="" xmlns:adec="http://schemas.microsoft.com/office/drawing/2017/decorative" val="1"/>
                   </a:ext>
                 </a:extLst>
               </p:cNvPr>
@@ -8688,7 +8077,7 @@
                 <a16:creationId xmlns:a16="http://schemas.microsoft.com/office/drawing/2014/main" id="{7F851D11-41E3-33F2-CBA6-B2A9A5A2A517}"/>
               </a:ext>
               <a:ext uri="{C183D7F6-B498-43B3-948B-1728B52AA6E4}">
-                <adec:decorative xmlns:adec="http://schemas.microsoft.com/office/drawing/2017/decorative" xmlns="" val="1"/>
+                <adec:decorative xmlns="" xmlns:adec="http://schemas.microsoft.com/office/drawing/2017/decorative" val="1"/>
               </a:ext>
             </a:extLst>
           </p:cNvPr>
@@ -9220,7 +8609,7 @@
                 <a16:creationId xmlns:a16="http://schemas.microsoft.com/office/drawing/2014/main" id="{B3A7247A-846A-F316-B494-69B42CBF34DD}"/>
               </a:ext>
               <a:ext uri="{C183D7F6-B498-43B3-948B-1728B52AA6E4}">
-                <adec:decorative xmlns:adec="http://schemas.microsoft.com/office/drawing/2017/decorative" xmlns="" val="1"/>
+                <adec:decorative xmlns="" xmlns:adec="http://schemas.microsoft.com/office/drawing/2017/decorative" val="1"/>
               </a:ext>
             </a:extLst>
           </p:cNvPr>
@@ -9279,7 +8668,7 @@
                 <a16:creationId xmlns:a16="http://schemas.microsoft.com/office/drawing/2014/main" id="{884B3AF6-983E-0901-0045-6CDF4E93E1BA}"/>
               </a:ext>
               <a:ext uri="{C183D7F6-B498-43B3-948B-1728B52AA6E4}">
-                <adec:decorative xmlns:adec="http://schemas.microsoft.com/office/drawing/2017/decorative" xmlns="" val="1"/>
+                <adec:decorative xmlns="" xmlns:adec="http://schemas.microsoft.com/office/drawing/2017/decorative" val="1"/>
               </a:ext>
             </a:extLst>
           </p:cNvPr>
@@ -9335,7 +8724,7 @@
                 <a16:creationId xmlns:a16="http://schemas.microsoft.com/office/drawing/2014/main" id="{3C5B7647-403E-A66E-6CF4-0D3A99AA5154}"/>
               </a:ext>
               <a:ext uri="{C183D7F6-B498-43B3-948B-1728B52AA6E4}">
-                <adec:decorative xmlns:adec="http://schemas.microsoft.com/office/drawing/2017/decorative" xmlns="" val="1"/>
+                <adec:decorative xmlns="" xmlns:adec="http://schemas.microsoft.com/office/drawing/2017/decorative" val="1"/>
               </a:ext>
             </a:extLst>
           </p:cNvPr>
@@ -9358,7 +8747,7 @@
                   <a16:creationId xmlns:a16="http://schemas.microsoft.com/office/drawing/2014/main" id="{E48E731E-FEF1-9C59-64B0-9CB6E8853912}"/>
                 </a:ext>
                 <a:ext uri="{C183D7F6-B498-43B3-948B-1728B52AA6E4}">
-                  <adec:decorative xmlns:adec="http://schemas.microsoft.com/office/drawing/2017/decorative" xmlns="" val="1"/>
+                  <adec:decorative xmlns="" xmlns:adec="http://schemas.microsoft.com/office/drawing/2017/decorative" val="1"/>
                 </a:ext>
               </a:extLst>
             </p:cNvPr>
@@ -9511,7 +8900,7 @@
                   <a16:creationId xmlns:a16="http://schemas.microsoft.com/office/drawing/2014/main" id="{AFE83BB3-4D12-8E20-CA93-1834D7F0A434}"/>
                 </a:ext>
                 <a:ext uri="{C183D7F6-B498-43B3-948B-1728B52AA6E4}">
-                  <adec:decorative xmlns:adec="http://schemas.microsoft.com/office/drawing/2017/decorative" xmlns="" val="1"/>
+                  <adec:decorative xmlns="" xmlns:adec="http://schemas.microsoft.com/office/drawing/2017/decorative" val="1"/>
                 </a:ext>
               </a:extLst>
             </p:cNvPr>
@@ -9616,7 +9005,7 @@
                   <a16:creationId xmlns:a16="http://schemas.microsoft.com/office/drawing/2014/main" id="{3EB1D810-BC05-6C0E-0DE4-3604EBAADCC3}"/>
                 </a:ext>
                 <a:ext uri="{C183D7F6-B498-43B3-948B-1728B52AA6E4}">
-                  <adec:decorative xmlns:adec="http://schemas.microsoft.com/office/drawing/2017/decorative" xmlns="" val="1"/>
+                  <adec:decorative xmlns="" xmlns:adec="http://schemas.microsoft.com/office/drawing/2017/decorative" val="1"/>
                 </a:ext>
               </a:extLst>
             </p:cNvPr>
@@ -10884,7 +10273,7 @@
           <p:cNvPr id="2" name="Title 1">
             <a:extLst>
               <a:ext uri="{FF2B5EF4-FFF2-40B4-BE49-F238E27FC236}">
-                <a16:creationId xmlns:a16="http://schemas.microsoft.com/office/drawing/2014/main" id="{6CCA29A4-AAFD-04EE-0732-0671E83D5EF1}"/>
+                <a16:creationId xmlns:a16="http://schemas.microsoft.com/office/drawing/2014/main" id="{D9F60903-003B-273E-3584-5312F76C3EF3}"/>
               </a:ext>
             </a:extLst>
           </p:cNvPr>
@@ -10897,84 +10286,28 @@
         </p:nvSpPr>
         <p:spPr>
           <a:xfrm>
-            <a:off x="2399620" y="162560"/>
-            <a:ext cx="8843050" cy="1616904"/>
+            <a:off x="3305669" y="113097"/>
+            <a:ext cx="7420819" cy="1656304"/>
           </a:xfrm>
         </p:spPr>
         <p:txBody>
           <a:bodyPr/>
           <a:lstStyle/>
           <a:p>
+            <a:r>
+              <a:rPr lang="hu-HU" dirty="0" err="1" smtClean="0"/>
+              <a:t>Github</a:t>
+            </a:r>
             <a:endParaRPr lang="en-US" dirty="0"/>
           </a:p>
         </p:txBody>
       </p:sp>
       <p:sp>
         <p:nvSpPr>
-          <p:cNvPr id="3" name="Content Placeholder 2">
+          <p:cNvPr id="3" name="Slide Number Placeholder 2">
             <a:extLst>
               <a:ext uri="{FF2B5EF4-FFF2-40B4-BE49-F238E27FC236}">
-                <a16:creationId xmlns:a16="http://schemas.microsoft.com/office/drawing/2014/main" id="{F09FEE91-E849-1CB0-9E51-A58B99C631C5}"/>
-              </a:ext>
-            </a:extLst>
-          </p:cNvPr>
-          <p:cNvSpPr>
-            <a:spLocks noGrp="1"/>
-          </p:cNvSpPr>
-          <p:nvPr>
-            <p:ph sz="quarter" idx="35"/>
-          </p:nvPr>
-        </p:nvSpPr>
-        <p:spPr>
-          <a:xfrm>
-            <a:off x="2373002" y="2474811"/>
-            <a:ext cx="4015098" cy="3528397"/>
-          </a:xfrm>
-        </p:spPr>
-        <p:txBody>
-          <a:bodyPr/>
-          <a:lstStyle/>
-          <a:p>
-            <a:endParaRPr lang="en-US" dirty="0"/>
-          </a:p>
-        </p:txBody>
-      </p:sp>
-      <p:sp>
-        <p:nvSpPr>
-          <p:cNvPr id="4" name="Content Placeholder 3">
-            <a:extLst>
-              <a:ext uri="{FF2B5EF4-FFF2-40B4-BE49-F238E27FC236}">
-                <a16:creationId xmlns:a16="http://schemas.microsoft.com/office/drawing/2014/main" id="{9B774F1A-D233-C240-B22D-F82C6161FAC1}"/>
-              </a:ext>
-            </a:extLst>
-          </p:cNvPr>
-          <p:cNvSpPr>
-            <a:spLocks noGrp="1"/>
-          </p:cNvSpPr>
-          <p:nvPr>
-            <p:ph sz="quarter" idx="36"/>
-          </p:nvPr>
-        </p:nvSpPr>
-        <p:spPr>
-          <a:xfrm>
-            <a:off x="6995159" y="2474811"/>
-            <a:ext cx="4227332" cy="3528397"/>
-          </a:xfrm>
-        </p:spPr>
-        <p:txBody>
-          <a:bodyPr/>
-          <a:lstStyle/>
-          <a:p>
-            <a:endParaRPr lang="en-US" dirty="0"/>
-          </a:p>
-        </p:txBody>
-      </p:sp>
-      <p:sp>
-        <p:nvSpPr>
-          <p:cNvPr id="5" name="Slide Number Placeholder 4">
-            <a:extLst>
-              <a:ext uri="{FF2B5EF4-FFF2-40B4-BE49-F238E27FC236}">
-                <a16:creationId xmlns:a16="http://schemas.microsoft.com/office/drawing/2014/main" id="{23E23533-91C6-420C-B7D7-4977ACF73ACF}"/>
+                <a16:creationId xmlns:a16="http://schemas.microsoft.com/office/drawing/2014/main" id="{64347AE7-D6A2-42FB-3D58-6297742FC352}"/>
               </a:ext>
             </a:extLst>
           </p:cNvPr>
@@ -11004,10 +10337,100 @@
           </a:p>
         </p:txBody>
       </p:sp>
+      <p:pic>
+        <p:nvPicPr>
+          <p:cNvPr id="6" name="Tartalom helye 5"/>
+          <p:cNvPicPr>
+            <a:picLocks noGrp="1" noChangeAspect="1"/>
+          </p:cNvPicPr>
+          <p:nvPr>
+            <p:ph sz="quarter" idx="31"/>
+          </p:nvPr>
+        </p:nvPicPr>
+        <p:blipFill>
+          <a:blip r:embed="rId3"/>
+          <a:stretch>
+            <a:fillRect/>
+          </a:stretch>
+        </p:blipFill>
+        <p:spPr>
+          <a:xfrm>
+            <a:off x="3305669" y="2371352"/>
+            <a:ext cx="7980640" cy="3425281"/>
+          </a:xfrm>
+          <a:prstGeom prst="rect">
+            <a:avLst/>
+          </a:prstGeom>
+        </p:spPr>
+      </p:pic>
+      <p:sp>
+        <p:nvSpPr>
+          <p:cNvPr id="4" name="Szövegdoboz 3"/>
+          <p:cNvSpPr txBox="1"/>
+          <p:nvPr/>
+        </p:nvSpPr>
+        <p:spPr>
+          <a:xfrm>
+            <a:off x="3059723" y="6101862"/>
+            <a:ext cx="7552592" cy="646331"/>
+          </a:xfrm>
+          <a:prstGeom prst="rect">
+            <a:avLst/>
+          </a:prstGeom>
+          <a:noFill/>
+        </p:spPr>
+        <p:txBody>
+          <a:bodyPr wrap="square" rtlCol="0">
+            <a:spAutoFit/>
+          </a:bodyPr>
+          <a:lstStyle/>
+          <a:p>
+            <a:r>
+              <a:rPr lang="hu-HU" dirty="0" smtClean="0">
+                <a:solidFill>
+                  <a:schemeClr val="bg1"/>
+                </a:solidFill>
+              </a:rPr>
+              <a:t>A teljes játékot </a:t>
+            </a:r>
+            <a:r>
+              <a:rPr lang="hu-HU" dirty="0" err="1" smtClean="0">
+                <a:solidFill>
+                  <a:schemeClr val="bg1"/>
+                </a:solidFill>
+              </a:rPr>
+              <a:t>githubra</a:t>
+            </a:r>
+            <a:r>
+              <a:rPr lang="hu-HU" dirty="0">
+                <a:solidFill>
+                  <a:schemeClr val="bg1"/>
+                </a:solidFill>
+              </a:rPr>
+              <a:t> töltöttük fel</a:t>
+            </a:r>
+            <a:br>
+              <a:rPr lang="hu-HU" dirty="0">
+                <a:solidFill>
+                  <a:schemeClr val="bg1"/>
+                </a:solidFill>
+              </a:rPr>
+            </a:br>
+            <a:r>
+              <a:rPr lang="hu-HU" dirty="0">
+                <a:solidFill>
+                  <a:schemeClr val="bg1"/>
+                </a:solidFill>
+              </a:rPr>
+              <a:t>https://github.com/vargab3/Jumpermain</a:t>
+            </a:r>
+          </a:p>
+        </p:txBody>
+      </p:sp>
     </p:spTree>
     <p:extLst>
       <p:ext uri="{BB962C8B-B14F-4D97-AF65-F5344CB8AC3E}">
-        <p14:creationId xmlns:p14="http://schemas.microsoft.com/office/powerpoint/2010/main" val="1073601555"/>
+        <p14:creationId xmlns:p14="http://schemas.microsoft.com/office/powerpoint/2010/main" val="1962637282"/>
       </p:ext>
     </p:extLst>
   </p:cSld>
@@ -11041,148 +10464,112 @@
           <a:chExt cx="0" cy="0"/>
         </a:xfrm>
       </p:grpSpPr>
-      <p:sp>
-        <p:nvSpPr>
-          <p:cNvPr id="2" name="Title 1">
-            <a:extLst>
-              <a:ext uri="{FF2B5EF4-FFF2-40B4-BE49-F238E27FC236}">
-                <a16:creationId xmlns:a16="http://schemas.microsoft.com/office/drawing/2014/main" id="{11883E06-8BEA-1DD3-D0D6-391C08880EBF}"/>
-              </a:ext>
-            </a:extLst>
-          </p:cNvPr>
-          <p:cNvSpPr>
-            <a:spLocks noGrp="1"/>
-          </p:cNvSpPr>
-          <p:nvPr>
-            <p:ph type="title"/>
-          </p:nvPr>
-        </p:nvSpPr>
+      <p:pic>
+        <p:nvPicPr>
+          <p:cNvPr id="8" name="Kép 7"/>
+          <p:cNvPicPr>
+            <a:picLocks noChangeAspect="1"/>
+          </p:cNvPicPr>
+          <p:nvPr/>
+        </p:nvPicPr>
+        <p:blipFill>
+          <a:blip r:embed="rId2"/>
+          <a:stretch>
+            <a:fillRect/>
+          </a:stretch>
+        </p:blipFill>
         <p:spPr>
           <a:xfrm>
-            <a:off x="741680" y="430482"/>
-            <a:ext cx="10500989" cy="1327464"/>
+            <a:off x="567973" y="2004605"/>
+            <a:ext cx="4699352" cy="4415245"/>
           </a:xfrm>
+          <a:prstGeom prst="rect">
+            <a:avLst/>
+          </a:prstGeom>
         </p:spPr>
-        <p:txBody>
-          <a:bodyPr/>
-          <a:lstStyle/>
-          <a:p>
-            <a:endParaRPr lang="en-US" dirty="0"/>
-          </a:p>
-        </p:txBody>
-      </p:sp>
-      <p:sp>
-        <p:nvSpPr>
-          <p:cNvPr id="3" name="Content Placeholder 2">
-            <a:extLst>
-              <a:ext uri="{FF2B5EF4-FFF2-40B4-BE49-F238E27FC236}">
-                <a16:creationId xmlns:a16="http://schemas.microsoft.com/office/drawing/2014/main" id="{1CF175D3-F3DC-695F-474B-346EDCA5D60F}"/>
-              </a:ext>
-            </a:extLst>
-          </p:cNvPr>
-          <p:cNvSpPr>
-            <a:spLocks noGrp="1"/>
-          </p:cNvSpPr>
-          <p:nvPr>
-            <p:ph sz="quarter" idx="35"/>
-          </p:nvPr>
-        </p:nvSpPr>
+      </p:pic>
+      <p:pic>
+        <p:nvPicPr>
+          <p:cNvPr id="9" name="Kép 8"/>
+          <p:cNvPicPr>
+            <a:picLocks noChangeAspect="1"/>
+          </p:cNvPicPr>
+          <p:nvPr/>
+        </p:nvPicPr>
+        <p:blipFill>
+          <a:blip r:embed="rId3"/>
+          <a:stretch>
+            <a:fillRect/>
+          </a:stretch>
+        </p:blipFill>
         <p:spPr>
           <a:xfrm>
-            <a:off x="807038" y="2465539"/>
-            <a:ext cx="3774587" cy="3723753"/>
+            <a:off x="567973" y="1452540"/>
+            <a:ext cx="1476581" cy="314369"/>
           </a:xfrm>
+          <a:prstGeom prst="rect">
+            <a:avLst/>
+          </a:prstGeom>
         </p:spPr>
-        <p:txBody>
-          <a:bodyPr/>
-          <a:lstStyle/>
-          <a:p>
-            <a:endParaRPr lang="en-US" dirty="0"/>
-          </a:p>
-        </p:txBody>
-      </p:sp>
-      <p:sp>
-        <p:nvSpPr>
-          <p:cNvPr id="4" name="Content Placeholder 3">
-            <a:extLst>
-              <a:ext uri="{FF2B5EF4-FFF2-40B4-BE49-F238E27FC236}">
-                <a16:creationId xmlns:a16="http://schemas.microsoft.com/office/drawing/2014/main" id="{3770D91C-D5C0-248C-26D3-DE7C7C72E632}"/>
-              </a:ext>
-            </a:extLst>
-          </p:cNvPr>
-          <p:cNvSpPr>
-            <a:spLocks noGrp="1"/>
-          </p:cNvSpPr>
-          <p:nvPr>
-            <p:ph sz="quarter" idx="36"/>
-          </p:nvPr>
-        </p:nvSpPr>
+      </p:pic>
+      <p:pic>
+        <p:nvPicPr>
+          <p:cNvPr id="10" name="Kép 9"/>
+          <p:cNvPicPr>
+            <a:picLocks noChangeAspect="1"/>
+          </p:cNvPicPr>
+          <p:nvPr/>
+        </p:nvPicPr>
+        <p:blipFill>
+          <a:blip r:embed="rId4"/>
+          <a:stretch>
+            <a:fillRect/>
+          </a:stretch>
+        </p:blipFill>
         <p:spPr>
           <a:xfrm>
-            <a:off x="4927600" y="2465539"/>
-            <a:ext cx="6315069" cy="3723753"/>
+            <a:off x="6389021" y="2004605"/>
+            <a:ext cx="4998514" cy="3196045"/>
           </a:xfrm>
+          <a:prstGeom prst="rect">
+            <a:avLst/>
+          </a:prstGeom>
         </p:spPr>
-        <p:txBody>
-          <a:bodyPr/>
-          <a:lstStyle/>
-          <a:p>
-            <a:endParaRPr lang="en-US" dirty="0"/>
-          </a:p>
-        </p:txBody>
-      </p:sp>
-      <p:sp>
-        <p:nvSpPr>
-          <p:cNvPr id="5" name="Slide Number Placeholder 4">
-            <a:extLst>
-              <a:ext uri="{FF2B5EF4-FFF2-40B4-BE49-F238E27FC236}">
-                <a16:creationId xmlns:a16="http://schemas.microsoft.com/office/drawing/2014/main" id="{E87B8B6A-2B28-5C38-80E7-0EBE705FFBBF}"/>
-              </a:ext>
-            </a:extLst>
-          </p:cNvPr>
-          <p:cNvSpPr>
-            <a:spLocks noGrp="1"/>
-          </p:cNvSpPr>
-          <p:nvPr>
-            <p:ph type="sldNum" sz="quarter" idx="12"/>
-          </p:nvPr>
-        </p:nvSpPr>
+      </p:pic>
+      <p:pic>
+        <p:nvPicPr>
+          <p:cNvPr id="11" name="Kép 10"/>
+          <p:cNvPicPr>
+            <a:picLocks noChangeAspect="1"/>
+          </p:cNvPicPr>
+          <p:nvPr/>
+        </p:nvPicPr>
+        <p:blipFill>
+          <a:blip r:embed="rId5"/>
+          <a:stretch>
+            <a:fillRect/>
+          </a:stretch>
+        </p:blipFill>
         <p:spPr>
           <a:xfrm>
-            <a:off x="9140971" y="6226198"/>
-            <a:ext cx="2743200" cy="365125"/>
+            <a:off x="6781748" y="1328698"/>
+            <a:ext cx="743054" cy="438211"/>
           </a:xfrm>
+          <a:prstGeom prst="rect">
+            <a:avLst/>
+          </a:prstGeom>
         </p:spPr>
-        <p:txBody>
-          <a:bodyPr/>
-          <a:lstStyle/>
-          <a:p>
-            <a:fld id="{FE024F78-56A6-7740-B68D-8D4D026EDF3F}" type="slidenum">
-              <a:rPr lang="en-US" smtClean="0"/>
-              <a:pPr/>
-              <a:t>11</a:t>
-            </a:fld>
-            <a:endParaRPr lang="en-US" dirty="0"/>
-          </a:p>
-        </p:txBody>
-      </p:sp>
+      </p:pic>
     </p:spTree>
     <p:extLst>
       <p:ext uri="{BB962C8B-B14F-4D97-AF65-F5344CB8AC3E}">
-        <p14:creationId xmlns:p14="http://schemas.microsoft.com/office/powerpoint/2010/main" val="2728059627"/>
+        <p14:creationId xmlns:p14="http://schemas.microsoft.com/office/powerpoint/2010/main" val="51023436"/>
       </p:ext>
     </p:extLst>
   </p:cSld>
   <p:clrMapOvr>
     <a:masterClrMapping/>
   </p:clrMapOvr>
-  <p:timing>
-    <p:tnLst>
-      <p:par>
-        <p:cTn id="1" dur="indefinite" restart="never" nodeType="tmRoot"/>
-      </p:par>
-    </p:tnLst>
-  </p:timing>
 </p:sld>
 </file>
 
@@ -11203,153 +10590,220 @@
           <a:chExt cx="0" cy="0"/>
         </a:xfrm>
       </p:grpSpPr>
-      <p:sp>
-        <p:nvSpPr>
-          <p:cNvPr id="2" name="Title 1">
-            <a:extLst>
-              <a:ext uri="{FF2B5EF4-FFF2-40B4-BE49-F238E27FC236}">
-                <a16:creationId xmlns:a16="http://schemas.microsoft.com/office/drawing/2014/main" id="{D543EB8B-0AB9-7554-AEEA-E8D744959E9A}"/>
-              </a:ext>
-            </a:extLst>
-          </p:cNvPr>
-          <p:cNvSpPr>
-            <a:spLocks noGrp="1"/>
-          </p:cNvSpPr>
-          <p:nvPr>
-            <p:ph type="title"/>
-          </p:nvPr>
-        </p:nvSpPr>
-        <p:spPr>
-          <a:xfrm>
-            <a:off x="6889627" y="173736"/>
-            <a:ext cx="4352662" cy="2203704"/>
-          </a:xfrm>
-        </p:spPr>
-        <p:txBody>
-          <a:bodyPr/>
-          <a:lstStyle/>
-          <a:p>
-            <a:pPr lvl="0"/>
-            <a:endParaRPr lang="en-US" noProof="0" dirty="0"/>
-          </a:p>
-        </p:txBody>
-      </p:sp>
       <p:pic>
         <p:nvPicPr>
-          <p:cNvPr id="6" name="Picture Placeholder 5" descr="A blue and purple spiral">
-            <a:extLst>
-              <a:ext uri="{FF2B5EF4-FFF2-40B4-BE49-F238E27FC236}">
-                <a16:creationId xmlns:a16="http://schemas.microsoft.com/office/drawing/2014/main" id="{05B64636-376E-96D4-B550-D764B2C6A6A7}"/>
-              </a:ext>
-            </a:extLst>
-          </p:cNvPr>
+          <p:cNvPr id="4" name="Kép 3"/>
           <p:cNvPicPr>
-            <a:picLocks noGrp="1" noChangeAspect="1"/>
+            <a:picLocks noChangeAspect="1"/>
           </p:cNvPicPr>
-          <p:nvPr>
-            <p:ph type="pic" sz="quarter" idx="37"/>
-          </p:nvPr>
+          <p:nvPr/>
         </p:nvPicPr>
-        <p:blipFill rotWithShape="1">
-          <a:blip r:embed="rId3" cstate="screen">
-            <a:extLst>
-              <a:ext uri="{28A0092B-C50C-407E-A947-70E740481C1C}">
-                <a14:useLocalDpi xmlns:a14="http://schemas.microsoft.com/office/drawing/2010/main"/>
-              </a:ext>
-            </a:extLst>
-          </a:blip>
-          <a:srcRect t="202" b="202"/>
-          <a:stretch/>
+        <p:blipFill>
+          <a:blip r:embed="rId2"/>
+          <a:stretch>
+            <a:fillRect/>
+          </a:stretch>
         </p:blipFill>
         <p:spPr>
           <a:xfrm>
-            <a:off x="336550" y="336550"/>
-            <a:ext cx="5303640" cy="6184900"/>
+            <a:off x="671407" y="1085824"/>
+            <a:ext cx="1514686" cy="362001"/>
           </a:xfrm>
+          <a:prstGeom prst="rect">
+            <a:avLst/>
+          </a:prstGeom>
+        </p:spPr>
+      </p:pic>
+      <p:pic>
+        <p:nvPicPr>
+          <p:cNvPr id="5" name="Kép 4"/>
+          <p:cNvPicPr>
+            <a:picLocks noChangeAspect="1"/>
+          </p:cNvPicPr>
+          <p:nvPr/>
+        </p:nvPicPr>
+        <p:blipFill>
+          <a:blip r:embed="rId3"/>
+          <a:stretch>
+            <a:fillRect/>
+          </a:stretch>
+        </p:blipFill>
+        <p:spPr>
+          <a:xfrm>
+            <a:off x="134937" y="1571103"/>
+            <a:ext cx="6318912" cy="5220247"/>
+          </a:xfrm>
+          <a:prstGeom prst="rect">
+            <a:avLst/>
+          </a:prstGeom>
+        </p:spPr>
+      </p:pic>
+      <p:pic>
+        <p:nvPicPr>
+          <p:cNvPr id="6" name="Kép 5"/>
+          <p:cNvPicPr>
+            <a:picLocks noChangeAspect="1"/>
+          </p:cNvPicPr>
+          <p:nvPr/>
+        </p:nvPicPr>
+        <p:blipFill>
+          <a:blip r:embed="rId4"/>
+          <a:stretch>
+            <a:fillRect/>
+          </a:stretch>
+        </p:blipFill>
+        <p:spPr>
+          <a:xfrm>
+            <a:off x="6822127" y="1276350"/>
+            <a:ext cx="4098643" cy="5515000"/>
+          </a:xfrm>
+          <a:prstGeom prst="rect">
+            <a:avLst/>
+          </a:prstGeom>
+        </p:spPr>
+      </p:pic>
+      <p:pic>
+        <p:nvPicPr>
+          <p:cNvPr id="7" name="Kép 6"/>
+          <p:cNvPicPr>
+            <a:picLocks noChangeAspect="1"/>
+          </p:cNvPicPr>
+          <p:nvPr/>
+        </p:nvPicPr>
+        <p:blipFill>
+          <a:blip r:embed="rId5"/>
+          <a:stretch>
+            <a:fillRect/>
+          </a:stretch>
+        </p:blipFill>
+        <p:spPr>
+          <a:xfrm>
+            <a:off x="6822127" y="666666"/>
+            <a:ext cx="1419423" cy="419158"/>
+          </a:xfrm>
+          <a:prstGeom prst="rect">
+            <a:avLst/>
+          </a:prstGeom>
         </p:spPr>
       </p:pic>
       <p:sp>
         <p:nvSpPr>
-          <p:cNvPr id="3" name="Content Placeholder 2">
-            <a:extLst>
-              <a:ext uri="{FF2B5EF4-FFF2-40B4-BE49-F238E27FC236}">
-                <a16:creationId xmlns:a16="http://schemas.microsoft.com/office/drawing/2014/main" id="{FB2F5F9A-B16D-CA49-7F40-A0142E41DC56}"/>
-              </a:ext>
-            </a:extLst>
-          </p:cNvPr>
-          <p:cNvSpPr>
-            <a:spLocks noGrp="1"/>
-          </p:cNvSpPr>
-          <p:nvPr>
-            <p:ph sz="quarter" idx="36"/>
-          </p:nvPr>
+          <p:cNvPr id="8" name="Szövegdoboz 7"/>
+          <p:cNvSpPr txBox="1"/>
+          <p:nvPr/>
         </p:nvSpPr>
         <p:spPr>
           <a:xfrm>
-            <a:off x="6889627" y="3104277"/>
-            <a:ext cx="4371560" cy="3022201"/>
+            <a:off x="8372474" y="733425"/>
+            <a:ext cx="3133725" cy="369332"/>
           </a:xfrm>
+          <a:prstGeom prst="rect">
+            <a:avLst/>
+          </a:prstGeom>
+          <a:noFill/>
         </p:spPr>
         <p:txBody>
-          <a:bodyPr/>
+          <a:bodyPr wrap="square" rtlCol="0">
+            <a:spAutoFit/>
+          </a:bodyPr>
           <a:lstStyle/>
           <a:p>
-            <a:endParaRPr lang="en-US" dirty="0"/>
+            <a:r>
+              <a:rPr lang="hu-HU" dirty="0" smtClean="0">
+                <a:solidFill>
+                  <a:schemeClr val="bg1"/>
+                </a:solidFill>
+              </a:rPr>
+              <a:t>Erről bővebben a </a:t>
+            </a:r>
+            <a:r>
+              <a:rPr lang="hu-HU" dirty="0" err="1" smtClean="0">
+                <a:solidFill>
+                  <a:schemeClr val="bg1"/>
+                </a:solidFill>
+              </a:rPr>
+              <a:t>githubon</a:t>
+            </a:r>
+            <a:r>
+              <a:rPr lang="hu-HU" dirty="0" smtClean="0">
+                <a:solidFill>
+                  <a:schemeClr val="bg1"/>
+                </a:solidFill>
+              </a:rPr>
+              <a:t> </a:t>
+            </a:r>
+            <a:endParaRPr lang="hu-HU" dirty="0">
+              <a:solidFill>
+                <a:schemeClr val="bg1"/>
+              </a:solidFill>
+            </a:endParaRPr>
           </a:p>
         </p:txBody>
       </p:sp>
       <p:sp>
         <p:nvSpPr>
-          <p:cNvPr id="4" name="Slide Number Placeholder 3">
-            <a:extLst>
-              <a:ext uri="{FF2B5EF4-FFF2-40B4-BE49-F238E27FC236}">
-                <a16:creationId xmlns:a16="http://schemas.microsoft.com/office/drawing/2014/main" id="{921DB868-BEE2-49F7-9AC5-A3B143880250}"/>
-              </a:ext>
-            </a:extLst>
-          </p:cNvPr>
-          <p:cNvSpPr>
-            <a:spLocks noGrp="1"/>
-          </p:cNvSpPr>
-          <p:nvPr>
-            <p:ph type="sldNum" sz="quarter" idx="12"/>
-          </p:nvPr>
+          <p:cNvPr id="9" name="Szövegdoboz 8"/>
+          <p:cNvSpPr txBox="1"/>
+          <p:nvPr/>
         </p:nvSpPr>
         <p:spPr>
           <a:xfrm>
-            <a:off x="9140971" y="6226198"/>
-            <a:ext cx="2743200" cy="365125"/>
+            <a:off x="3133725" y="666666"/>
+            <a:ext cx="3095625" cy="646331"/>
           </a:xfrm>
+          <a:prstGeom prst="rect">
+            <a:avLst/>
+          </a:prstGeom>
+          <a:noFill/>
         </p:spPr>
         <p:txBody>
-          <a:bodyPr/>
+          <a:bodyPr wrap="square" rtlCol="0">
+            <a:spAutoFit/>
+          </a:bodyPr>
           <a:lstStyle/>
           <a:p>
-            <a:fld id="{FE024F78-56A6-7740-B68D-8D4D026EDF3F}" type="slidenum">
-              <a:rPr lang="en-US" smtClean="0"/>
-              <a:pPr/>
-              <a:t>12</a:t>
-            </a:fld>
-            <a:endParaRPr lang="en-US" dirty="0"/>
+            <a:r>
+              <a:rPr lang="hu-HU" dirty="0" smtClean="0">
+                <a:solidFill>
+                  <a:schemeClr val="bg1"/>
+                </a:solidFill>
+              </a:rPr>
+              <a:t>A többi script a </a:t>
+            </a:r>
+            <a:r>
+              <a:rPr lang="hu-HU" dirty="0" err="1" smtClean="0">
+                <a:solidFill>
+                  <a:schemeClr val="bg1"/>
+                </a:solidFill>
+              </a:rPr>
+              <a:t>githubon</a:t>
+            </a:r>
+            <a:r>
+              <a:rPr lang="hu-HU" dirty="0" smtClean="0">
+                <a:solidFill>
+                  <a:schemeClr val="bg1"/>
+                </a:solidFill>
+              </a:rPr>
+              <a:t> található</a:t>
+            </a:r>
+            <a:endParaRPr lang="hu-HU" dirty="0">
+              <a:solidFill>
+                <a:schemeClr val="bg1"/>
+              </a:solidFill>
+            </a:endParaRPr>
           </a:p>
         </p:txBody>
       </p:sp>
     </p:spTree>
     <p:extLst>
       <p:ext uri="{BB962C8B-B14F-4D97-AF65-F5344CB8AC3E}">
-        <p14:creationId xmlns:p14="http://schemas.microsoft.com/office/powerpoint/2010/main" val="910315636"/>
+        <p14:creationId xmlns:p14="http://schemas.microsoft.com/office/powerpoint/2010/main" val="4056658136"/>
       </p:ext>
     </p:extLst>
   </p:cSld>
   <p:clrMapOvr>
     <a:masterClrMapping/>
   </p:clrMapOvr>
-  <p:timing>
-    <p:tnLst>
-      <p:par>
-        <p:cTn id="1" dur="indefinite" restart="never" nodeType="tmRoot"/>
-      </p:par>
-    </p:tnLst>
-  </p:timing>
 </p:sld>
 </file>
 
@@ -11370,526 +10824,16 @@
           <a:chExt cx="0" cy="0"/>
         </a:xfrm>
       </p:grpSpPr>
-      <p:sp>
-        <p:nvSpPr>
-          <p:cNvPr id="3" name="Title 2">
-            <a:extLst>
-              <a:ext uri="{FF2B5EF4-FFF2-40B4-BE49-F238E27FC236}">
-                <a16:creationId xmlns:a16="http://schemas.microsoft.com/office/drawing/2014/main" id="{06DE3104-398C-EF95-D86E-630F512487F9}"/>
-              </a:ext>
-            </a:extLst>
-          </p:cNvPr>
-          <p:cNvSpPr>
-            <a:spLocks noGrp="1"/>
-          </p:cNvSpPr>
-          <p:nvPr>
-            <p:ph type="title"/>
-          </p:nvPr>
-        </p:nvSpPr>
-        <p:spPr>
-          <a:xfrm>
-            <a:off x="835370" y="171396"/>
-            <a:ext cx="3736630" cy="2202350"/>
-          </a:xfrm>
-        </p:spPr>
-        <p:txBody>
-          <a:bodyPr/>
-          <a:lstStyle/>
-          <a:p>
-            <a:pPr lvl="0"/>
-            <a:endParaRPr lang="en-US" noProof="0" dirty="0"/>
-          </a:p>
-        </p:txBody>
-      </p:sp>
-      <p:sp>
-        <p:nvSpPr>
-          <p:cNvPr id="4" name="Content Placeholder 3">
-            <a:extLst>
-              <a:ext uri="{FF2B5EF4-FFF2-40B4-BE49-F238E27FC236}">
-                <a16:creationId xmlns:a16="http://schemas.microsoft.com/office/drawing/2014/main" id="{67328E6B-D306-C2F9-54E9-FD35599AC24B}"/>
-              </a:ext>
-            </a:extLst>
-          </p:cNvPr>
-          <p:cNvSpPr>
-            <a:spLocks noGrp="1"/>
-          </p:cNvSpPr>
-          <p:nvPr>
-            <p:ph sz="quarter" idx="36"/>
-          </p:nvPr>
-        </p:nvSpPr>
-        <p:spPr>
-          <a:xfrm>
-            <a:off x="841716" y="3078480"/>
-            <a:ext cx="3108193" cy="3047997"/>
-          </a:xfrm>
-        </p:spPr>
-        <p:txBody>
-          <a:bodyPr/>
-          <a:lstStyle/>
-          <a:p>
-            <a:endParaRPr lang="en-US" dirty="0"/>
-          </a:p>
-        </p:txBody>
-      </p:sp>
-      <p:sp>
-        <p:nvSpPr>
-          <p:cNvPr id="6" name="Táblázat helye 5">
-            <a:extLst>
-              <a:ext uri="{FF2B5EF4-FFF2-40B4-BE49-F238E27FC236}">
-                <a16:creationId xmlns:a16="http://schemas.microsoft.com/office/drawing/2014/main" id="{D377B164-5A63-5BAF-9E53-76845673E03B}"/>
-              </a:ext>
-            </a:extLst>
-          </p:cNvPr>
-          <p:cNvSpPr>
-            <a:spLocks noGrp="1"/>
-          </p:cNvSpPr>
-          <p:nvPr>
-            <p:ph type="tbl" sz="quarter" idx="37"/>
-          </p:nvPr>
-        </p:nvSpPr>
-        <p:spPr/>
-        <p:txBody>
-          <a:bodyPr/>
-          <a:lstStyle/>
-          <a:p>
-            <a:endParaRPr lang="hu-HU"/>
-          </a:p>
-        </p:txBody>
-      </p:sp>
     </p:spTree>
     <p:extLst>
       <p:ext uri="{BB962C8B-B14F-4D97-AF65-F5344CB8AC3E}">
-        <p14:creationId xmlns:p14="http://schemas.microsoft.com/office/powerpoint/2010/main" val="2170071140"/>
+        <p14:creationId xmlns:p14="http://schemas.microsoft.com/office/powerpoint/2010/main" val="3285724352"/>
       </p:ext>
     </p:extLst>
   </p:cSld>
   <p:clrMapOvr>
     <a:masterClrMapping/>
   </p:clrMapOvr>
-  <p:timing>
-    <p:tnLst>
-      <p:par>
-        <p:cTn id="1" dur="indefinite" restart="never" nodeType="tmRoot"/>
-      </p:par>
-    </p:tnLst>
-  </p:timing>
-</p:sld>
-</file>
-
-<file path=ppt/slides/slide14.xml><?xml version="1.0" encoding="utf-8"?>
-<p:sld xmlns:a="http://schemas.openxmlformats.org/drawingml/2006/main" xmlns:r="http://schemas.openxmlformats.org/officeDocument/2006/relationships" xmlns:p="http://schemas.openxmlformats.org/presentationml/2006/main">
-  <p:cSld>
-    <p:spTree>
-      <p:nvGrpSpPr>
-        <p:cNvPr id="1" name=""/>
-        <p:cNvGrpSpPr/>
-        <p:nvPr/>
-      </p:nvGrpSpPr>
-      <p:grpSpPr>
-        <a:xfrm>
-          <a:off x="0" y="0"/>
-          <a:ext cx="0" cy="0"/>
-          <a:chOff x="0" y="0"/>
-          <a:chExt cx="0" cy="0"/>
-        </a:xfrm>
-      </p:grpSpPr>
-      <p:sp>
-        <p:nvSpPr>
-          <p:cNvPr id="2" name="Title 1">
-            <a:extLst>
-              <a:ext uri="{FF2B5EF4-FFF2-40B4-BE49-F238E27FC236}">
-                <a16:creationId xmlns:a16="http://schemas.microsoft.com/office/drawing/2014/main" id="{A2DE810E-8E37-1D8A-245B-020E4E4C0B9F}"/>
-              </a:ext>
-            </a:extLst>
-          </p:cNvPr>
-          <p:cNvSpPr>
-            <a:spLocks noGrp="1"/>
-          </p:cNvSpPr>
-          <p:nvPr>
-            <p:ph type="title"/>
-          </p:nvPr>
-        </p:nvSpPr>
-        <p:spPr>
-          <a:xfrm>
-            <a:off x="733562" y="433906"/>
-            <a:ext cx="10515601" cy="1327464"/>
-          </a:xfrm>
-        </p:spPr>
-        <p:txBody>
-          <a:bodyPr/>
-          <a:lstStyle/>
-          <a:p>
-            <a:endParaRPr lang="en-US" dirty="0"/>
-          </a:p>
-        </p:txBody>
-      </p:sp>
-      <p:sp>
-        <p:nvSpPr>
-          <p:cNvPr id="3" name="Content Placeholder 2">
-            <a:extLst>
-              <a:ext uri="{FF2B5EF4-FFF2-40B4-BE49-F238E27FC236}">
-                <a16:creationId xmlns:a16="http://schemas.microsoft.com/office/drawing/2014/main" id="{7D7CECA3-144C-CD4B-9246-81B4F2E65466}"/>
-              </a:ext>
-            </a:extLst>
-          </p:cNvPr>
-          <p:cNvSpPr>
-            <a:spLocks noGrp="1"/>
-          </p:cNvSpPr>
-          <p:nvPr>
-            <p:ph sz="quarter" idx="36"/>
-          </p:nvPr>
-        </p:nvSpPr>
-        <p:spPr>
-          <a:xfrm>
-            <a:off x="814302" y="2465535"/>
-            <a:ext cx="7303538" cy="3427265"/>
-          </a:xfrm>
-        </p:spPr>
-        <p:txBody>
-          <a:bodyPr/>
-          <a:lstStyle/>
-          <a:p>
-            <a:endParaRPr lang="en-US" dirty="0"/>
-          </a:p>
-        </p:txBody>
-      </p:sp>
-      <p:sp>
-        <p:nvSpPr>
-          <p:cNvPr id="5" name="Content Placeholder 4">
-            <a:extLst>
-              <a:ext uri="{FF2B5EF4-FFF2-40B4-BE49-F238E27FC236}">
-                <a16:creationId xmlns:a16="http://schemas.microsoft.com/office/drawing/2014/main" id="{A33D1544-95D3-8A05-6E1B-C08C307C55D4}"/>
-              </a:ext>
-            </a:extLst>
-          </p:cNvPr>
-          <p:cNvSpPr>
-            <a:spLocks noGrp="1"/>
-          </p:cNvSpPr>
-          <p:nvPr>
-            <p:ph sz="quarter" idx="37"/>
-          </p:nvPr>
-        </p:nvSpPr>
-        <p:spPr>
-          <a:xfrm>
-            <a:off x="8392160" y="2465388"/>
-            <a:ext cx="2856865" cy="3427412"/>
-          </a:xfrm>
-        </p:spPr>
-        <p:txBody>
-          <a:bodyPr/>
-          <a:lstStyle/>
-          <a:p>
-            <a:endParaRPr lang="en-US" dirty="0"/>
-          </a:p>
-        </p:txBody>
-      </p:sp>
-      <p:sp>
-        <p:nvSpPr>
-          <p:cNvPr id="4" name="Slide Number Placeholder 3">
-            <a:extLst>
-              <a:ext uri="{FF2B5EF4-FFF2-40B4-BE49-F238E27FC236}">
-                <a16:creationId xmlns:a16="http://schemas.microsoft.com/office/drawing/2014/main" id="{FD1E69EA-A9E8-C521-7C62-DA1F24879918}"/>
-              </a:ext>
-            </a:extLst>
-          </p:cNvPr>
-          <p:cNvSpPr>
-            <a:spLocks noGrp="1"/>
-          </p:cNvSpPr>
-          <p:nvPr>
-            <p:ph type="sldNum" sz="quarter" idx="12"/>
-          </p:nvPr>
-        </p:nvSpPr>
-        <p:spPr>
-          <a:xfrm>
-            <a:off x="9140971" y="6226198"/>
-            <a:ext cx="2743200" cy="365125"/>
-          </a:xfrm>
-        </p:spPr>
-        <p:txBody>
-          <a:bodyPr/>
-          <a:lstStyle/>
-          <a:p>
-            <a:fld id="{FE024F78-56A6-7740-B68D-8D4D026EDF3F}" type="slidenum">
-              <a:rPr lang="en-US" smtClean="0"/>
-              <a:pPr/>
-              <a:t>14</a:t>
-            </a:fld>
-            <a:endParaRPr lang="en-US" dirty="0"/>
-          </a:p>
-        </p:txBody>
-      </p:sp>
-    </p:spTree>
-    <p:extLst>
-      <p:ext uri="{BB962C8B-B14F-4D97-AF65-F5344CB8AC3E}">
-        <p14:creationId xmlns:p14="http://schemas.microsoft.com/office/powerpoint/2010/main" val="79695288"/>
-      </p:ext>
-    </p:extLst>
-  </p:cSld>
-  <p:clrMapOvr>
-    <a:masterClrMapping/>
-  </p:clrMapOvr>
-  <p:timing>
-    <p:tnLst>
-      <p:par>
-        <p:cTn id="1" dur="indefinite" restart="never" nodeType="tmRoot"/>
-      </p:par>
-    </p:tnLst>
-  </p:timing>
-</p:sld>
-</file>
-
-<file path=ppt/slides/slide15.xml><?xml version="1.0" encoding="utf-8"?>
-<p:sld xmlns:a="http://schemas.openxmlformats.org/drawingml/2006/main" xmlns:r="http://schemas.openxmlformats.org/officeDocument/2006/relationships" xmlns:p="http://schemas.openxmlformats.org/presentationml/2006/main">
-  <p:cSld>
-    <p:spTree>
-      <p:nvGrpSpPr>
-        <p:cNvPr id="1" name=""/>
-        <p:cNvGrpSpPr/>
-        <p:nvPr/>
-      </p:nvGrpSpPr>
-      <p:grpSpPr>
-        <a:xfrm>
-          <a:off x="0" y="0"/>
-          <a:ext cx="0" cy="0"/>
-          <a:chOff x="0" y="0"/>
-          <a:chExt cx="0" cy="0"/>
-        </a:xfrm>
-      </p:grpSpPr>
-      <p:sp>
-        <p:nvSpPr>
-          <p:cNvPr id="3" name="Title 2">
-            <a:extLst>
-              <a:ext uri="{FF2B5EF4-FFF2-40B4-BE49-F238E27FC236}">
-                <a16:creationId xmlns:a16="http://schemas.microsoft.com/office/drawing/2014/main" id="{EEF125C3-99F8-5ABF-1328-0370F112121B}"/>
-              </a:ext>
-            </a:extLst>
-          </p:cNvPr>
-          <p:cNvSpPr>
-            <a:spLocks noGrp="1"/>
-          </p:cNvSpPr>
-          <p:nvPr>
-            <p:ph type="title"/>
-          </p:nvPr>
-        </p:nvSpPr>
-        <p:spPr>
-          <a:xfrm>
-            <a:off x="835370" y="643842"/>
-            <a:ext cx="10515601" cy="1140849"/>
-          </a:xfrm>
-        </p:spPr>
-        <p:txBody>
-          <a:bodyPr/>
-          <a:lstStyle/>
-          <a:p>
-            <a:endParaRPr lang="en-US" dirty="0"/>
-          </a:p>
-        </p:txBody>
-      </p:sp>
-      <p:sp>
-        <p:nvSpPr>
-          <p:cNvPr id="4" name="Slide Number Placeholder 3">
-            <a:extLst>
-              <a:ext uri="{FF2B5EF4-FFF2-40B4-BE49-F238E27FC236}">
-                <a16:creationId xmlns:a16="http://schemas.microsoft.com/office/drawing/2014/main" id="{48EA189C-8A41-5C63-2470-06541519CBCD}"/>
-              </a:ext>
-            </a:extLst>
-          </p:cNvPr>
-          <p:cNvSpPr>
-            <a:spLocks noGrp="1"/>
-          </p:cNvSpPr>
-          <p:nvPr>
-            <p:ph type="sldNum" sz="quarter" idx="12"/>
-          </p:nvPr>
-        </p:nvSpPr>
-        <p:spPr>
-          <a:xfrm>
-            <a:off x="9140971" y="6226198"/>
-            <a:ext cx="2743200" cy="365125"/>
-          </a:xfrm>
-        </p:spPr>
-        <p:txBody>
-          <a:bodyPr/>
-          <a:lstStyle/>
-          <a:p>
-            <a:fld id="{FE024F78-56A6-7740-B68D-8D4D026EDF3F}" type="slidenum">
-              <a:rPr lang="en-US" smtClean="0"/>
-              <a:pPr/>
-              <a:t>15</a:t>
-            </a:fld>
-            <a:endParaRPr lang="en-US" dirty="0"/>
-          </a:p>
-        </p:txBody>
-      </p:sp>
-      <p:sp>
-        <p:nvSpPr>
-          <p:cNvPr id="6" name="Táblázat helye 5">
-            <a:extLst>
-              <a:ext uri="{FF2B5EF4-FFF2-40B4-BE49-F238E27FC236}">
-                <a16:creationId xmlns:a16="http://schemas.microsoft.com/office/drawing/2014/main" id="{7368C06F-00A9-5FC3-93A5-E71DA73F1B96}"/>
-              </a:ext>
-            </a:extLst>
-          </p:cNvPr>
-          <p:cNvSpPr>
-            <a:spLocks noGrp="1"/>
-          </p:cNvSpPr>
-          <p:nvPr>
-            <p:ph type="tbl" sz="quarter" idx="13"/>
-          </p:nvPr>
-        </p:nvSpPr>
-        <p:spPr/>
-        <p:txBody>
-          <a:bodyPr/>
-          <a:lstStyle/>
-          <a:p>
-            <a:endParaRPr lang="hu-HU"/>
-          </a:p>
-        </p:txBody>
-      </p:sp>
-    </p:spTree>
-    <p:extLst>
-      <p:ext uri="{BB962C8B-B14F-4D97-AF65-F5344CB8AC3E}">
-        <p14:creationId xmlns:p14="http://schemas.microsoft.com/office/powerpoint/2010/main" val="3304068007"/>
-      </p:ext>
-    </p:extLst>
-  </p:cSld>
-  <p:clrMapOvr>
-    <a:masterClrMapping/>
-  </p:clrMapOvr>
-  <p:timing>
-    <p:tnLst>
-      <p:par>
-        <p:cTn id="1" dur="indefinite" restart="never" nodeType="tmRoot"/>
-      </p:par>
-    </p:tnLst>
-  </p:timing>
-</p:sld>
-</file>
-
-<file path=ppt/slides/slide16.xml><?xml version="1.0" encoding="utf-8"?>
-<p:sld xmlns:a="http://schemas.openxmlformats.org/drawingml/2006/main" xmlns:r="http://schemas.openxmlformats.org/officeDocument/2006/relationships" xmlns:p="http://schemas.openxmlformats.org/presentationml/2006/main">
-  <p:cSld>
-    <p:bg>
-      <p:bgPr>
-        <a:gradFill>
-          <a:gsLst>
-            <a:gs pos="78000">
-              <a:schemeClr val="accent6">
-                <a:lumMod val="50000"/>
-              </a:schemeClr>
-            </a:gs>
-            <a:gs pos="35040">
-              <a:srgbClr val="020B11"/>
-            </a:gs>
-            <a:gs pos="11979">
-              <a:schemeClr val="accent4">
-                <a:lumMod val="50000"/>
-              </a:schemeClr>
-            </a:gs>
-            <a:gs pos="0">
-              <a:schemeClr val="accent4"/>
-            </a:gs>
-            <a:gs pos="99000">
-              <a:schemeClr val="tx2">
-                <a:lumMod val="50000"/>
-              </a:schemeClr>
-            </a:gs>
-          </a:gsLst>
-          <a:lin ang="7800000" scaled="0"/>
-        </a:gradFill>
-        <a:effectLst/>
-      </p:bgPr>
-    </p:bg>
-    <p:spTree>
-      <p:nvGrpSpPr>
-        <p:cNvPr id="1" name=""/>
-        <p:cNvGrpSpPr/>
-        <p:nvPr/>
-      </p:nvGrpSpPr>
-      <p:grpSpPr>
-        <a:xfrm>
-          <a:off x="0" y="0"/>
-          <a:ext cx="0" cy="0"/>
-          <a:chOff x="0" y="0"/>
-          <a:chExt cx="0" cy="0"/>
-        </a:xfrm>
-      </p:grpSpPr>
-      <p:sp>
-        <p:nvSpPr>
-          <p:cNvPr id="24" name="Title 1">
-            <a:extLst>
-              <a:ext uri="{FF2B5EF4-FFF2-40B4-BE49-F238E27FC236}">
-                <a16:creationId xmlns:a16="http://schemas.microsoft.com/office/drawing/2014/main" id="{CE1ABEC8-43FD-4F21-A7D2-70200D86263C}"/>
-              </a:ext>
-            </a:extLst>
-          </p:cNvPr>
-          <p:cNvSpPr>
-            <a:spLocks noGrp="1"/>
-          </p:cNvSpPr>
-          <p:nvPr>
-            <p:ph type="title"/>
-          </p:nvPr>
-        </p:nvSpPr>
-        <p:spPr>
-          <a:xfrm>
-            <a:off x="835831" y="173735"/>
-            <a:ext cx="4409514" cy="2203704"/>
-          </a:xfrm>
-        </p:spPr>
-        <p:txBody>
-          <a:bodyPr/>
-          <a:lstStyle/>
-          <a:p>
-            <a:endParaRPr lang="en-US" dirty="0"/>
-          </a:p>
-        </p:txBody>
-      </p:sp>
-      <p:sp>
-        <p:nvSpPr>
-          <p:cNvPr id="14" name="Text Placeholder 2">
-            <a:extLst>
-              <a:ext uri="{FF2B5EF4-FFF2-40B4-BE49-F238E27FC236}">
-                <a16:creationId xmlns:a16="http://schemas.microsoft.com/office/drawing/2014/main" id="{AE5F2E56-9F77-E1C2-EC04-EA959822CA61}"/>
-              </a:ext>
-            </a:extLst>
-          </p:cNvPr>
-          <p:cNvSpPr>
-            <a:spLocks noGrp="1"/>
-          </p:cNvSpPr>
-          <p:nvPr>
-            <p:ph sz="quarter" idx="14"/>
-          </p:nvPr>
-        </p:nvSpPr>
-        <p:spPr>
-          <a:xfrm>
-            <a:off x="831850" y="3079119"/>
-            <a:ext cx="4413250" cy="2752725"/>
-          </a:xfrm>
-        </p:spPr>
-        <p:txBody>
-          <a:bodyPr/>
-          <a:lstStyle/>
-          <a:p>
-            <a:endParaRPr lang="en-US" dirty="0"/>
-          </a:p>
-        </p:txBody>
-      </p:sp>
-    </p:spTree>
-    <p:extLst>
-      <p:ext uri="{BB962C8B-B14F-4D97-AF65-F5344CB8AC3E}">
-        <p14:creationId xmlns:p14="http://schemas.microsoft.com/office/powerpoint/2010/main" val="2395464980"/>
-      </p:ext>
-    </p:extLst>
-  </p:cSld>
-  <p:clrMapOvr>
-    <a:masterClrMapping/>
-  </p:clrMapOvr>
-  <p:timing>
-    <p:tnLst>
-      <p:par>
-        <p:cTn id="1" dur="indefinite" restart="never" nodeType="tmRoot"/>
-      </p:par>
-    </p:tnLst>
-  </p:timing>
 </p:sld>
 </file>
 
@@ -12530,6 +11474,313 @@
       </p:grpSpPr>
       <p:sp>
         <p:nvSpPr>
+          <p:cNvPr id="5" name="Dia számának helye 4"/>
+          <p:cNvSpPr>
+            <a:spLocks noGrp="1"/>
+          </p:cNvSpPr>
+          <p:nvPr>
+            <p:ph type="sldNum" sz="quarter" idx="12"/>
+          </p:nvPr>
+        </p:nvSpPr>
+        <p:spPr/>
+        <p:txBody>
+          <a:bodyPr/>
+          <a:lstStyle/>
+          <a:p>
+            <a:fld id="{FE024F78-56A6-7740-B68D-8D4D026EDF3F}" type="slidenum">
+              <a:rPr lang="en-US" smtClean="0"/>
+              <a:pPr/>
+              <a:t>4</a:t>
+            </a:fld>
+            <a:endParaRPr lang="en-US" dirty="0"/>
+          </a:p>
+        </p:txBody>
+      </p:sp>
+      <p:sp>
+        <p:nvSpPr>
+          <p:cNvPr id="6" name="Szövegdoboz 5"/>
+          <p:cNvSpPr txBox="1"/>
+          <p:nvPr/>
+        </p:nvSpPr>
+        <p:spPr>
+          <a:xfrm>
+            <a:off x="523875" y="371475"/>
+            <a:ext cx="4610100" cy="369332"/>
+          </a:xfrm>
+          <a:prstGeom prst="rect">
+            <a:avLst/>
+          </a:prstGeom>
+          <a:noFill/>
+        </p:spPr>
+        <p:txBody>
+          <a:bodyPr wrap="square" rtlCol="0">
+            <a:spAutoFit/>
+          </a:bodyPr>
+          <a:lstStyle/>
+          <a:p>
+            <a:r>
+              <a:rPr lang="hu-HU" dirty="0" smtClean="0">
+                <a:solidFill>
+                  <a:schemeClr val="bg1"/>
+                </a:solidFill>
+              </a:rPr>
+              <a:t>Bővebben a játékról</a:t>
+            </a:r>
+            <a:endParaRPr lang="hu-HU" dirty="0">
+              <a:solidFill>
+                <a:schemeClr val="bg1"/>
+              </a:solidFill>
+            </a:endParaRPr>
+          </a:p>
+        </p:txBody>
+      </p:sp>
+      <p:sp>
+        <p:nvSpPr>
+          <p:cNvPr id="7" name="Szövegdoboz 6"/>
+          <p:cNvSpPr txBox="1"/>
+          <p:nvPr/>
+        </p:nvSpPr>
+        <p:spPr>
+          <a:xfrm>
+            <a:off x="619125" y="1285875"/>
+            <a:ext cx="4248150" cy="923330"/>
+          </a:xfrm>
+          <a:prstGeom prst="rect">
+            <a:avLst/>
+          </a:prstGeom>
+          <a:noFill/>
+        </p:spPr>
+        <p:txBody>
+          <a:bodyPr wrap="square" rtlCol="0">
+            <a:spAutoFit/>
+          </a:bodyPr>
+          <a:lstStyle/>
+          <a:p>
+            <a:r>
+              <a:rPr lang="hu-HU" dirty="0" smtClean="0">
+                <a:solidFill>
+                  <a:schemeClr val="bg1"/>
+                </a:solidFill>
+              </a:rPr>
+              <a:t>A játék egy 2d-s </a:t>
+            </a:r>
+            <a:r>
+              <a:rPr lang="hu-HU" dirty="0" err="1" smtClean="0">
+                <a:solidFill>
+                  <a:schemeClr val="bg1"/>
+                </a:solidFill>
+              </a:rPr>
+              <a:t>unity</a:t>
+            </a:r>
+            <a:r>
+              <a:rPr lang="hu-HU" dirty="0" smtClean="0">
+                <a:solidFill>
+                  <a:schemeClr val="bg1"/>
+                </a:solidFill>
+              </a:rPr>
+              <a:t> </a:t>
+            </a:r>
+            <a:r>
+              <a:rPr lang="hu-HU" dirty="0" err="1" smtClean="0">
+                <a:solidFill>
+                  <a:schemeClr val="bg1"/>
+                </a:solidFill>
+              </a:rPr>
+              <a:t>platformer</a:t>
+            </a:r>
+            <a:r>
+              <a:rPr lang="hu-HU" dirty="0" smtClean="0">
+                <a:solidFill>
+                  <a:schemeClr val="bg1"/>
+                </a:solidFill>
+              </a:rPr>
+              <a:t> játék</a:t>
+            </a:r>
+          </a:p>
+          <a:p>
+            <a:r>
+              <a:rPr lang="hu-HU" dirty="0" smtClean="0">
+                <a:solidFill>
+                  <a:schemeClr val="bg1"/>
+                </a:solidFill>
+              </a:rPr>
+              <a:t>Először a </a:t>
+            </a:r>
+            <a:r>
+              <a:rPr lang="hu-HU" dirty="0" err="1" smtClean="0">
+                <a:solidFill>
+                  <a:schemeClr val="bg1"/>
+                </a:solidFill>
+              </a:rPr>
+              <a:t>demo</a:t>
+            </a:r>
+            <a:r>
+              <a:rPr lang="hu-HU" dirty="0" smtClean="0">
+                <a:solidFill>
+                  <a:schemeClr val="bg1"/>
+                </a:solidFill>
+              </a:rPr>
+              <a:t> készült el amit a következő diákban mutatunk be.</a:t>
+            </a:r>
+          </a:p>
+        </p:txBody>
+      </p:sp>
+      <p:pic>
+        <p:nvPicPr>
+          <p:cNvPr id="8" name="Kép 7"/>
+          <p:cNvPicPr>
+            <a:picLocks noChangeAspect="1"/>
+          </p:cNvPicPr>
+          <p:nvPr/>
+        </p:nvPicPr>
+        <p:blipFill>
+          <a:blip r:embed="rId2"/>
+          <a:stretch>
+            <a:fillRect/>
+          </a:stretch>
+        </p:blipFill>
+        <p:spPr>
+          <a:xfrm>
+            <a:off x="6967452" y="1928703"/>
+            <a:ext cx="1228896" cy="1571844"/>
+          </a:xfrm>
+          <a:prstGeom prst="rect">
+            <a:avLst/>
+          </a:prstGeom>
+        </p:spPr>
+      </p:pic>
+      <p:sp>
+        <p:nvSpPr>
+          <p:cNvPr id="9" name="Szövegdoboz 8"/>
+          <p:cNvSpPr txBox="1"/>
+          <p:nvPr/>
+        </p:nvSpPr>
+        <p:spPr>
+          <a:xfrm>
+            <a:off x="6967452" y="1509603"/>
+            <a:ext cx="2305050" cy="369332"/>
+          </a:xfrm>
+          <a:prstGeom prst="rect">
+            <a:avLst/>
+          </a:prstGeom>
+          <a:noFill/>
+        </p:spPr>
+        <p:txBody>
+          <a:bodyPr wrap="square" rtlCol="0">
+            <a:spAutoFit/>
+          </a:bodyPr>
+          <a:lstStyle/>
+          <a:p>
+            <a:r>
+              <a:rPr lang="hu-HU" dirty="0" smtClean="0">
+                <a:solidFill>
+                  <a:schemeClr val="bg1"/>
+                </a:solidFill>
+              </a:rPr>
+              <a:t>A karakter</a:t>
+            </a:r>
+            <a:endParaRPr lang="hu-HU" dirty="0">
+              <a:solidFill>
+                <a:schemeClr val="bg1"/>
+              </a:solidFill>
+            </a:endParaRPr>
+          </a:p>
+        </p:txBody>
+      </p:sp>
+      <p:sp>
+        <p:nvSpPr>
+          <p:cNvPr id="10" name="Szövegdoboz 9"/>
+          <p:cNvSpPr txBox="1"/>
+          <p:nvPr/>
+        </p:nvSpPr>
+        <p:spPr>
+          <a:xfrm>
+            <a:off x="714060" y="3638550"/>
+            <a:ext cx="2881227" cy="923330"/>
+          </a:xfrm>
+          <a:prstGeom prst="rect">
+            <a:avLst/>
+          </a:prstGeom>
+          <a:noFill/>
+        </p:spPr>
+        <p:txBody>
+          <a:bodyPr wrap="square" rtlCol="0">
+            <a:spAutoFit/>
+          </a:bodyPr>
+          <a:lstStyle/>
+          <a:p>
+            <a:r>
+              <a:rPr lang="hu-HU" dirty="0" smtClean="0">
+                <a:solidFill>
+                  <a:schemeClr val="bg1"/>
+                </a:solidFill>
+              </a:rPr>
+              <a:t>A karakterhez különböző animációkat rendeltünk hozzá</a:t>
+            </a:r>
+            <a:endParaRPr lang="hu-HU" dirty="0">
+              <a:solidFill>
+                <a:schemeClr val="bg1"/>
+              </a:solidFill>
+            </a:endParaRPr>
+          </a:p>
+        </p:txBody>
+      </p:sp>
+      <p:pic>
+        <p:nvPicPr>
+          <p:cNvPr id="11" name="Kép 10"/>
+          <p:cNvPicPr>
+            <a:picLocks noChangeAspect="1"/>
+          </p:cNvPicPr>
+          <p:nvPr/>
+        </p:nvPicPr>
+        <p:blipFill>
+          <a:blip r:embed="rId3"/>
+          <a:stretch>
+            <a:fillRect/>
+          </a:stretch>
+        </p:blipFill>
+        <p:spPr>
+          <a:xfrm>
+            <a:off x="714060" y="4685705"/>
+            <a:ext cx="4515480" cy="1400370"/>
+          </a:xfrm>
+          <a:prstGeom prst="rect">
+            <a:avLst/>
+          </a:prstGeom>
+        </p:spPr>
+      </p:pic>
+    </p:spTree>
+    <p:extLst>
+      <p:ext uri="{BB962C8B-B14F-4D97-AF65-F5344CB8AC3E}">
+        <p14:creationId xmlns:p14="http://schemas.microsoft.com/office/powerpoint/2010/main" val="3485720055"/>
+      </p:ext>
+    </p:extLst>
+  </p:cSld>
+  <p:clrMapOvr>
+    <a:masterClrMapping/>
+  </p:clrMapOvr>
+</p:sld>
+</file>
+
+<file path=ppt/slides/slide5.xml><?xml version="1.0" encoding="utf-8"?>
+<p:sld xmlns:a="http://schemas.openxmlformats.org/drawingml/2006/main" xmlns:r="http://schemas.openxmlformats.org/officeDocument/2006/relationships" xmlns:p="http://schemas.openxmlformats.org/presentationml/2006/main">
+  <p:cSld>
+    <p:spTree>
+      <p:nvGrpSpPr>
+        <p:cNvPr id="1" name=""/>
+        <p:cNvGrpSpPr/>
+        <p:nvPr/>
+      </p:nvGrpSpPr>
+      <p:grpSpPr>
+        <a:xfrm>
+          <a:off x="0" y="0"/>
+          <a:ext cx="0" cy="0"/>
+          <a:chOff x="0" y="0"/>
+          <a:chExt cx="0" cy="0"/>
+        </a:xfrm>
+      </p:grpSpPr>
+      <p:sp>
+        <p:nvSpPr>
           <p:cNvPr id="4" name="Dia számának helye 3"/>
           <p:cNvSpPr>
             <a:spLocks noGrp="1"/>
@@ -12546,7 +11797,7 @@
             <a:fld id="{FE024F78-56A6-7740-B68D-8D4D026EDF3F}" type="slidenum">
               <a:rPr lang="en-US" smtClean="0"/>
               <a:pPr/>
-              <a:t>4</a:t>
+              <a:t>5</a:t>
             </a:fld>
             <a:endParaRPr lang="en-US" dirty="0"/>
           </a:p>
@@ -12666,146 +11917,6 @@
     <p:extLst>
       <p:ext uri="{BB962C8B-B14F-4D97-AF65-F5344CB8AC3E}">
         <p14:creationId xmlns:p14="http://schemas.microsoft.com/office/powerpoint/2010/main" val="1844670980"/>
-      </p:ext>
-    </p:extLst>
-  </p:cSld>
-  <p:clrMapOvr>
-    <a:masterClrMapping/>
-  </p:clrMapOvr>
-  <p:timing>
-    <p:tnLst>
-      <p:par>
-        <p:cTn id="1" dur="indefinite" restart="never" nodeType="tmRoot"/>
-      </p:par>
-    </p:tnLst>
-  </p:timing>
-</p:sld>
-</file>
-
-<file path=ppt/slides/slide5.xml><?xml version="1.0" encoding="utf-8"?>
-<p:sld xmlns:a="http://schemas.openxmlformats.org/drawingml/2006/main" xmlns:r="http://schemas.openxmlformats.org/officeDocument/2006/relationships" xmlns:p="http://schemas.openxmlformats.org/presentationml/2006/main">
-  <p:cSld>
-    <p:spTree>
-      <p:nvGrpSpPr>
-        <p:cNvPr id="1" name=""/>
-        <p:cNvGrpSpPr/>
-        <p:nvPr/>
-      </p:nvGrpSpPr>
-      <p:grpSpPr>
-        <a:xfrm>
-          <a:off x="0" y="0"/>
-          <a:ext cx="0" cy="0"/>
-          <a:chOff x="0" y="0"/>
-          <a:chExt cx="0" cy="0"/>
-        </a:xfrm>
-      </p:grpSpPr>
-      <p:sp>
-        <p:nvSpPr>
-          <p:cNvPr id="3" name="Slide Number Placeholder 2">
-            <a:extLst>
-              <a:ext uri="{FF2B5EF4-FFF2-40B4-BE49-F238E27FC236}">
-                <a16:creationId xmlns:a16="http://schemas.microsoft.com/office/drawing/2014/main" id="{A6A971A9-0C5C-DDFC-67F9-2E5A55F12F67}"/>
-              </a:ext>
-            </a:extLst>
-          </p:cNvPr>
-          <p:cNvSpPr>
-            <a:spLocks noGrp="1"/>
-          </p:cNvSpPr>
-          <p:nvPr>
-            <p:ph type="sldNum" sz="quarter" idx="12"/>
-          </p:nvPr>
-        </p:nvSpPr>
-        <p:spPr>
-          <a:xfrm>
-            <a:off x="9140971" y="6226198"/>
-            <a:ext cx="2743200" cy="365125"/>
-          </a:xfrm>
-        </p:spPr>
-        <p:txBody>
-          <a:bodyPr/>
-          <a:lstStyle/>
-          <a:p>
-            <a:fld id="{FE024F78-56A6-7740-B68D-8D4D026EDF3F}" type="slidenum">
-              <a:rPr lang="en-US" smtClean="0"/>
-              <a:pPr/>
-              <a:t>5</a:t>
-            </a:fld>
-            <a:endParaRPr lang="en-US" dirty="0"/>
-          </a:p>
-        </p:txBody>
-      </p:sp>
-      <p:pic>
-        <p:nvPicPr>
-          <p:cNvPr id="5" name="Kép 4"/>
-          <p:cNvPicPr>
-            <a:picLocks noChangeAspect="1"/>
-          </p:cNvPicPr>
-          <p:nvPr/>
-        </p:nvPicPr>
-        <p:blipFill>
-          <a:blip r:embed="rId3">
-            <a:extLst>
-              <a:ext uri="{28A0092B-C50C-407E-A947-70E740481C1C}">
-                <a14:useLocalDpi xmlns:a14="http://schemas.microsoft.com/office/drawing/2010/main" val="0"/>
-              </a:ext>
-            </a:extLst>
-          </a:blip>
-          <a:stretch>
-            <a:fillRect/>
-          </a:stretch>
-        </p:blipFill>
-        <p:spPr>
-          <a:xfrm>
-            <a:off x="669592" y="1516234"/>
-            <a:ext cx="8744374" cy="4154832"/>
-          </a:xfrm>
-          <a:prstGeom prst="rect">
-            <a:avLst/>
-          </a:prstGeom>
-        </p:spPr>
-      </p:pic>
-      <p:sp>
-        <p:nvSpPr>
-          <p:cNvPr id="8" name="Szövegdoboz 7"/>
-          <p:cNvSpPr txBox="1"/>
-          <p:nvPr/>
-        </p:nvSpPr>
-        <p:spPr>
-          <a:xfrm>
-            <a:off x="418011" y="615679"/>
-            <a:ext cx="2168434" cy="369332"/>
-          </a:xfrm>
-          <a:prstGeom prst="rect">
-            <a:avLst/>
-          </a:prstGeom>
-          <a:noFill/>
-        </p:spPr>
-        <p:txBody>
-          <a:bodyPr wrap="square" rtlCol="0">
-            <a:spAutoFit/>
-          </a:bodyPr>
-          <a:lstStyle/>
-          <a:p>
-            <a:r>
-              <a:rPr lang="hu-HU" dirty="0" smtClean="0">
-                <a:solidFill>
-                  <a:schemeClr val="accent3"/>
-                </a:solidFill>
-              </a:rPr>
-              <a:t>1. Pálya</a:t>
-            </a:r>
-            <a:endParaRPr lang="hu-HU" dirty="0">
-              <a:solidFill>
-                <a:schemeClr val="accent3"/>
-              </a:solidFill>
-            </a:endParaRPr>
-          </a:p>
-        </p:txBody>
-      </p:sp>
-    </p:spTree>
-    <p:extLst>
-      <p:ext uri="{BB962C8B-B14F-4D97-AF65-F5344CB8AC3E}">
-        <p14:creationId xmlns:p14="http://schemas.microsoft.com/office/powerpoint/2010/main" val="1397193754"/>
       </p:ext>
     </p:extLst>
   </p:cSld>
@@ -12874,55 +11985,9 @@
           </a:p>
         </p:txBody>
       </p:sp>
-      <p:sp>
-        <p:nvSpPr>
-          <p:cNvPr id="8" name="Szövegdoboz 7"/>
-          <p:cNvSpPr txBox="1"/>
-          <p:nvPr/>
-        </p:nvSpPr>
-        <p:spPr>
-          <a:xfrm>
-            <a:off x="426720" y="635726"/>
-            <a:ext cx="2168434" cy="369332"/>
-          </a:xfrm>
-          <a:prstGeom prst="rect">
-            <a:avLst/>
-          </a:prstGeom>
-          <a:noFill/>
-        </p:spPr>
-        <p:txBody>
-          <a:bodyPr wrap="square" rtlCol="0">
-            <a:spAutoFit/>
-          </a:bodyPr>
-          <a:lstStyle/>
-          <a:p>
-            <a:r>
-              <a:rPr lang="hu-HU" dirty="0">
-                <a:solidFill>
-                  <a:schemeClr val="accent3"/>
-                </a:solidFill>
-              </a:rPr>
-              <a:t>2</a:t>
-            </a:r>
-            <a:r>
-              <a:rPr lang="hu-HU" dirty="0" smtClean="0">
-                <a:solidFill>
-                  <a:schemeClr val="accent3"/>
-                </a:solidFill>
-              </a:rPr>
-              <a:t>. Pálya</a:t>
-            </a:r>
-            <a:endParaRPr lang="hu-HU" dirty="0">
-              <a:solidFill>
-                <a:schemeClr val="accent3"/>
-              </a:solidFill>
-            </a:endParaRPr>
-          </a:p>
-        </p:txBody>
-      </p:sp>
       <p:pic>
         <p:nvPicPr>
-          <p:cNvPr id="2" name="Kép 1"/>
+          <p:cNvPr id="5" name="Kép 4"/>
           <p:cNvPicPr>
             <a:picLocks noChangeAspect="1"/>
           </p:cNvPicPr>
@@ -12942,18 +12007,56 @@
         </p:blipFill>
         <p:spPr>
           <a:xfrm>
-            <a:off x="566796" y="1638495"/>
-            <a:ext cx="8828332" cy="4108731"/>
+            <a:off x="669592" y="1516234"/>
+            <a:ext cx="8744374" cy="4154832"/>
           </a:xfrm>
           <a:prstGeom prst="rect">
             <a:avLst/>
           </a:prstGeom>
         </p:spPr>
       </p:pic>
+      <p:sp>
+        <p:nvSpPr>
+          <p:cNvPr id="8" name="Szövegdoboz 7"/>
+          <p:cNvSpPr txBox="1"/>
+          <p:nvPr/>
+        </p:nvSpPr>
+        <p:spPr>
+          <a:xfrm>
+            <a:off x="418011" y="615679"/>
+            <a:ext cx="2168434" cy="369332"/>
+          </a:xfrm>
+          <a:prstGeom prst="rect">
+            <a:avLst/>
+          </a:prstGeom>
+          <a:noFill/>
+        </p:spPr>
+        <p:txBody>
+          <a:bodyPr wrap="square" rtlCol="0">
+            <a:spAutoFit/>
+          </a:bodyPr>
+          <a:lstStyle/>
+          <a:p>
+            <a:r>
+              <a:rPr lang="hu-HU" dirty="0" smtClean="0">
+                <a:solidFill>
+                  <a:schemeClr val="accent3"/>
+                </a:solidFill>
+              </a:rPr>
+              <a:t>1. Pálya</a:t>
+            </a:r>
+            <a:endParaRPr lang="hu-HU" dirty="0">
+              <a:solidFill>
+                <a:schemeClr val="accent3"/>
+              </a:solidFill>
+            </a:endParaRPr>
+          </a:p>
+        </p:txBody>
+      </p:sp>
     </p:spTree>
     <p:extLst>
       <p:ext uri="{BB962C8B-B14F-4D97-AF65-F5344CB8AC3E}">
-        <p14:creationId xmlns:p14="http://schemas.microsoft.com/office/powerpoint/2010/main" val="1549990548"/>
+        <p14:creationId xmlns:p14="http://schemas.microsoft.com/office/powerpoint/2010/main" val="1397193754"/>
       </p:ext>
     </p:extLst>
   </p:cSld>
@@ -13045,6 +12148,154 @@
           <a:lstStyle/>
           <a:p>
             <a:r>
+              <a:rPr lang="hu-HU" dirty="0">
+                <a:solidFill>
+                  <a:schemeClr val="accent3"/>
+                </a:solidFill>
+              </a:rPr>
+              <a:t>2</a:t>
+            </a:r>
+            <a:r>
+              <a:rPr lang="hu-HU" dirty="0" smtClean="0">
+                <a:solidFill>
+                  <a:schemeClr val="accent3"/>
+                </a:solidFill>
+              </a:rPr>
+              <a:t>. Pálya</a:t>
+            </a:r>
+            <a:endParaRPr lang="hu-HU" dirty="0">
+              <a:solidFill>
+                <a:schemeClr val="accent3"/>
+              </a:solidFill>
+            </a:endParaRPr>
+          </a:p>
+        </p:txBody>
+      </p:sp>
+      <p:pic>
+        <p:nvPicPr>
+          <p:cNvPr id="2" name="Kép 1"/>
+          <p:cNvPicPr>
+            <a:picLocks noChangeAspect="1"/>
+          </p:cNvPicPr>
+          <p:nvPr/>
+        </p:nvPicPr>
+        <p:blipFill>
+          <a:blip r:embed="rId3">
+            <a:extLst>
+              <a:ext uri="{28A0092B-C50C-407E-A947-70E740481C1C}">
+                <a14:useLocalDpi xmlns:a14="http://schemas.microsoft.com/office/drawing/2010/main" val="0"/>
+              </a:ext>
+            </a:extLst>
+          </a:blip>
+          <a:stretch>
+            <a:fillRect/>
+          </a:stretch>
+        </p:blipFill>
+        <p:spPr>
+          <a:xfrm>
+            <a:off x="566796" y="1638495"/>
+            <a:ext cx="8828332" cy="4108731"/>
+          </a:xfrm>
+          <a:prstGeom prst="rect">
+            <a:avLst/>
+          </a:prstGeom>
+        </p:spPr>
+      </p:pic>
+    </p:spTree>
+    <p:extLst>
+      <p:ext uri="{BB962C8B-B14F-4D97-AF65-F5344CB8AC3E}">
+        <p14:creationId xmlns:p14="http://schemas.microsoft.com/office/powerpoint/2010/main" val="1549990548"/>
+      </p:ext>
+    </p:extLst>
+  </p:cSld>
+  <p:clrMapOvr>
+    <a:masterClrMapping/>
+  </p:clrMapOvr>
+  <p:timing>
+    <p:tnLst>
+      <p:par>
+        <p:cTn id="1" dur="indefinite" restart="never" nodeType="tmRoot"/>
+      </p:par>
+    </p:tnLst>
+  </p:timing>
+</p:sld>
+</file>
+
+<file path=ppt/slides/slide8.xml><?xml version="1.0" encoding="utf-8"?>
+<p:sld xmlns:a="http://schemas.openxmlformats.org/drawingml/2006/main" xmlns:r="http://schemas.openxmlformats.org/officeDocument/2006/relationships" xmlns:p="http://schemas.openxmlformats.org/presentationml/2006/main">
+  <p:cSld>
+    <p:spTree>
+      <p:nvGrpSpPr>
+        <p:cNvPr id="1" name=""/>
+        <p:cNvGrpSpPr/>
+        <p:nvPr/>
+      </p:nvGrpSpPr>
+      <p:grpSpPr>
+        <a:xfrm>
+          <a:off x="0" y="0"/>
+          <a:ext cx="0" cy="0"/>
+          <a:chOff x="0" y="0"/>
+          <a:chExt cx="0" cy="0"/>
+        </a:xfrm>
+      </p:grpSpPr>
+      <p:sp>
+        <p:nvSpPr>
+          <p:cNvPr id="3" name="Slide Number Placeholder 2">
+            <a:extLst>
+              <a:ext uri="{FF2B5EF4-FFF2-40B4-BE49-F238E27FC236}">
+                <a16:creationId xmlns:a16="http://schemas.microsoft.com/office/drawing/2014/main" id="{A6A971A9-0C5C-DDFC-67F9-2E5A55F12F67}"/>
+              </a:ext>
+            </a:extLst>
+          </p:cNvPr>
+          <p:cNvSpPr>
+            <a:spLocks noGrp="1"/>
+          </p:cNvSpPr>
+          <p:nvPr>
+            <p:ph type="sldNum" sz="quarter" idx="12"/>
+          </p:nvPr>
+        </p:nvSpPr>
+        <p:spPr>
+          <a:xfrm>
+            <a:off x="9140971" y="6226198"/>
+            <a:ext cx="2743200" cy="365125"/>
+          </a:xfrm>
+        </p:spPr>
+        <p:txBody>
+          <a:bodyPr/>
+          <a:lstStyle/>
+          <a:p>
+            <a:fld id="{FE024F78-56A6-7740-B68D-8D4D026EDF3F}" type="slidenum">
+              <a:rPr lang="en-US" smtClean="0"/>
+              <a:pPr/>
+              <a:t>8</a:t>
+            </a:fld>
+            <a:endParaRPr lang="en-US" dirty="0"/>
+          </a:p>
+        </p:txBody>
+      </p:sp>
+      <p:sp>
+        <p:nvSpPr>
+          <p:cNvPr id="8" name="Szövegdoboz 7"/>
+          <p:cNvSpPr txBox="1"/>
+          <p:nvPr/>
+        </p:nvSpPr>
+        <p:spPr>
+          <a:xfrm>
+            <a:off x="426720" y="635726"/>
+            <a:ext cx="2168434" cy="369332"/>
+          </a:xfrm>
+          <a:prstGeom prst="rect">
+            <a:avLst/>
+          </a:prstGeom>
+          <a:noFill/>
+        </p:spPr>
+        <p:txBody>
+          <a:bodyPr wrap="square" rtlCol="0">
+            <a:spAutoFit/>
+          </a:bodyPr>
+          <a:lstStyle/>
+          <a:p>
+            <a:r>
               <a:rPr lang="hu-HU" dirty="0" smtClean="0">
                 <a:solidFill>
                   <a:schemeClr val="accent3"/>
@@ -13110,142 +12361,6 @@
 </p:sld>
 </file>
 
-<file path=ppt/slides/slide8.xml><?xml version="1.0" encoding="utf-8"?>
-<p:sld xmlns:a="http://schemas.openxmlformats.org/drawingml/2006/main" xmlns:r="http://schemas.openxmlformats.org/officeDocument/2006/relationships" xmlns:p="http://schemas.openxmlformats.org/presentationml/2006/main">
-  <p:cSld>
-    <p:spTree>
-      <p:nvGrpSpPr>
-        <p:cNvPr id="1" name=""/>
-        <p:cNvGrpSpPr/>
-        <p:nvPr/>
-      </p:nvGrpSpPr>
-      <p:grpSpPr>
-        <a:xfrm>
-          <a:off x="0" y="0"/>
-          <a:ext cx="0" cy="0"/>
-          <a:chOff x="0" y="0"/>
-          <a:chExt cx="0" cy="0"/>
-        </a:xfrm>
-      </p:grpSpPr>
-      <p:sp>
-        <p:nvSpPr>
-          <p:cNvPr id="2" name="Title 1">
-            <a:extLst>
-              <a:ext uri="{FF2B5EF4-FFF2-40B4-BE49-F238E27FC236}">
-                <a16:creationId xmlns:a16="http://schemas.microsoft.com/office/drawing/2014/main" id="{D9F60903-003B-273E-3584-5312F76C3EF3}"/>
-              </a:ext>
-            </a:extLst>
-          </p:cNvPr>
-          <p:cNvSpPr>
-            <a:spLocks noGrp="1"/>
-          </p:cNvSpPr>
-          <p:nvPr>
-            <p:ph type="title"/>
-          </p:nvPr>
-        </p:nvSpPr>
-        <p:spPr>
-          <a:xfrm>
-            <a:off x="3305669" y="113097"/>
-            <a:ext cx="7420819" cy="1656304"/>
-          </a:xfrm>
-        </p:spPr>
-        <p:txBody>
-          <a:bodyPr/>
-          <a:lstStyle/>
-          <a:p>
-            <a:r>
-              <a:rPr lang="hu-HU" dirty="0" err="1" smtClean="0"/>
-              <a:t>Github</a:t>
-            </a:r>
-            <a:r>
-              <a:rPr lang="hu-HU" dirty="0" smtClean="0"/>
-              <a:t> és munkamegosztás</a:t>
-            </a:r>
-            <a:endParaRPr lang="en-US" dirty="0"/>
-          </a:p>
-        </p:txBody>
-      </p:sp>
-      <p:sp>
-        <p:nvSpPr>
-          <p:cNvPr id="3" name="Slide Number Placeholder 2">
-            <a:extLst>
-              <a:ext uri="{FF2B5EF4-FFF2-40B4-BE49-F238E27FC236}">
-                <a16:creationId xmlns:a16="http://schemas.microsoft.com/office/drawing/2014/main" id="{64347AE7-D6A2-42FB-3D58-6297742FC352}"/>
-              </a:ext>
-            </a:extLst>
-          </p:cNvPr>
-          <p:cNvSpPr>
-            <a:spLocks noGrp="1"/>
-          </p:cNvSpPr>
-          <p:nvPr>
-            <p:ph type="sldNum" sz="quarter" idx="12"/>
-          </p:nvPr>
-        </p:nvSpPr>
-        <p:spPr>
-          <a:xfrm>
-            <a:off x="9140971" y="6226198"/>
-            <a:ext cx="2743200" cy="365125"/>
-          </a:xfrm>
-        </p:spPr>
-        <p:txBody>
-          <a:bodyPr/>
-          <a:lstStyle/>
-          <a:p>
-            <a:fld id="{FE024F78-56A6-7740-B68D-8D4D026EDF3F}" type="slidenum">
-              <a:rPr lang="en-US" smtClean="0"/>
-              <a:pPr/>
-              <a:t>8</a:t>
-            </a:fld>
-            <a:endParaRPr lang="en-US" dirty="0"/>
-          </a:p>
-        </p:txBody>
-      </p:sp>
-      <p:pic>
-        <p:nvPicPr>
-          <p:cNvPr id="6" name="Tartalom helye 5"/>
-          <p:cNvPicPr>
-            <a:picLocks noGrp="1" noChangeAspect="1"/>
-          </p:cNvPicPr>
-          <p:nvPr>
-            <p:ph sz="quarter" idx="31"/>
-          </p:nvPr>
-        </p:nvPicPr>
-        <p:blipFill>
-          <a:blip r:embed="rId3"/>
-          <a:stretch>
-            <a:fillRect/>
-          </a:stretch>
-        </p:blipFill>
-        <p:spPr>
-          <a:xfrm>
-            <a:off x="3305669" y="2371352"/>
-            <a:ext cx="7980640" cy="3425281"/>
-          </a:xfrm>
-          <a:prstGeom prst="rect">
-            <a:avLst/>
-          </a:prstGeom>
-        </p:spPr>
-      </p:pic>
-    </p:spTree>
-    <p:extLst>
-      <p:ext uri="{BB962C8B-B14F-4D97-AF65-F5344CB8AC3E}">
-        <p14:creationId xmlns:p14="http://schemas.microsoft.com/office/powerpoint/2010/main" val="1962637282"/>
-      </p:ext>
-    </p:extLst>
-  </p:cSld>
-  <p:clrMapOvr>
-    <a:masterClrMapping/>
-  </p:clrMapOvr>
-  <p:timing>
-    <p:tnLst>
-      <p:par>
-        <p:cTn id="1" dur="indefinite" restart="never" nodeType="tmRoot"/>
-      </p:par>
-    </p:tnLst>
-  </p:timing>
-</p:sld>
-</file>
-
 <file path=ppt/slides/slide9.xml><?xml version="1.0" encoding="utf-8"?>
 <p:sld xmlns:a="http://schemas.openxmlformats.org/drawingml/2006/main" xmlns:r="http://schemas.openxmlformats.org/officeDocument/2006/relationships" xmlns:p="http://schemas.openxmlformats.org/presentationml/2006/main">
   <p:cSld>
@@ -13271,7 +12386,7 @@
                 <a16:creationId xmlns:a16="http://schemas.microsoft.com/office/drawing/2014/main" id="{8692FC88-DAD7-F5AD-7831-DE54322108F6}"/>
               </a:ext>
               <a:ext uri="{C183D7F6-B498-43B3-948B-1728B52AA6E4}">
-                <adec:decorative xmlns:adec="http://schemas.microsoft.com/office/drawing/2017/decorative" xmlns="" val="1"/>
+                <adec:decorative xmlns="" xmlns:adec="http://schemas.microsoft.com/office/drawing/2017/decorative" val="1"/>
               </a:ext>
             </a:extLst>
           </p:cNvPr>
@@ -13322,63 +12437,213 @@
           </a:p>
         </p:txBody>
       </p:sp>
+      <p:pic>
+        <p:nvPicPr>
+          <p:cNvPr id="2" name="Kép 1"/>
+          <p:cNvPicPr>
+            <a:picLocks noChangeAspect="1"/>
+          </p:cNvPicPr>
+          <p:nvPr/>
+        </p:nvPicPr>
+        <p:blipFill>
+          <a:blip r:embed="rId3"/>
+          <a:stretch>
+            <a:fillRect/>
+          </a:stretch>
+        </p:blipFill>
+        <p:spPr>
+          <a:xfrm>
+            <a:off x="219808" y="1468316"/>
+            <a:ext cx="3393831" cy="2314998"/>
+          </a:xfrm>
+          <a:prstGeom prst="rect">
+            <a:avLst/>
+          </a:prstGeom>
+        </p:spPr>
+      </p:pic>
       <p:sp>
         <p:nvSpPr>
-          <p:cNvPr id="9" name="Title 1">
-            <a:extLst>
-              <a:ext uri="{FF2B5EF4-FFF2-40B4-BE49-F238E27FC236}">
-                <a16:creationId xmlns:a16="http://schemas.microsoft.com/office/drawing/2014/main" id="{0FD6A3FE-1BF6-4C1A-0553-EBD497A69F2D}"/>
-              </a:ext>
-            </a:extLst>
-          </p:cNvPr>
-          <p:cNvSpPr>
-            <a:spLocks noGrp="1"/>
-          </p:cNvSpPr>
-          <p:nvPr>
-            <p:ph type="title"/>
-          </p:nvPr>
+          <p:cNvPr id="5" name="Szövegdoboz 4"/>
+          <p:cNvSpPr txBox="1"/>
+          <p:nvPr/>
         </p:nvSpPr>
         <p:spPr>
           <a:xfrm>
-            <a:off x="2932448" y="264160"/>
-            <a:ext cx="6327105" cy="3373973"/>
+            <a:off x="105508" y="422031"/>
+            <a:ext cx="5046784" cy="369332"/>
           </a:xfrm>
+          <a:prstGeom prst="rect">
+            <a:avLst/>
+          </a:prstGeom>
+          <a:noFill/>
         </p:spPr>
         <p:txBody>
-          <a:bodyPr anchor="b"/>
+          <a:bodyPr wrap="square" rtlCol="0">
+            <a:spAutoFit/>
+          </a:bodyPr>
           <a:lstStyle/>
           <a:p>
-            <a:endParaRPr lang="en-US" dirty="0"/>
+            <a:r>
+              <a:rPr lang="hu-HU" dirty="0" err="1" smtClean="0">
+                <a:solidFill>
+                  <a:schemeClr val="bg1"/>
+                </a:solidFill>
+              </a:rPr>
+              <a:t>Unityben</a:t>
+            </a:r>
+            <a:r>
+              <a:rPr lang="hu-HU" dirty="0" smtClean="0">
+                <a:solidFill>
+                  <a:schemeClr val="bg1"/>
+                </a:solidFill>
+              </a:rPr>
+              <a:t> az elrendezés</a:t>
+            </a:r>
+            <a:endParaRPr lang="hu-HU" dirty="0">
+              <a:solidFill>
+                <a:schemeClr val="bg1"/>
+              </a:solidFill>
+            </a:endParaRPr>
           </a:p>
         </p:txBody>
       </p:sp>
+      <p:pic>
+        <p:nvPicPr>
+          <p:cNvPr id="7" name="Kép 6"/>
+          <p:cNvPicPr>
+            <a:picLocks noChangeAspect="1"/>
+          </p:cNvPicPr>
+          <p:nvPr/>
+        </p:nvPicPr>
+        <p:blipFill>
+          <a:blip r:embed="rId4"/>
+          <a:stretch>
+            <a:fillRect/>
+          </a:stretch>
+        </p:blipFill>
+        <p:spPr>
+          <a:xfrm>
+            <a:off x="4803701" y="1305501"/>
+            <a:ext cx="7075713" cy="2258362"/>
+          </a:xfrm>
+          <a:prstGeom prst="rect">
+            <a:avLst/>
+          </a:prstGeom>
+        </p:spPr>
+      </p:pic>
       <p:sp>
         <p:nvSpPr>
-          <p:cNvPr id="6" name="Subtitle 5">
-            <a:extLst>
-              <a:ext uri="{FF2B5EF4-FFF2-40B4-BE49-F238E27FC236}">
-                <a16:creationId xmlns:a16="http://schemas.microsoft.com/office/drawing/2014/main" id="{C15774B0-D971-67D7-27EB-FDB82B3A58CD}"/>
-              </a:ext>
-            </a:extLst>
-          </p:cNvPr>
-          <p:cNvSpPr>
-            <a:spLocks noGrp="1"/>
-          </p:cNvSpPr>
-          <p:nvPr>
-            <p:ph type="subTitle" idx="1"/>
-          </p:nvPr>
+          <p:cNvPr id="8" name="Szövegdoboz 7"/>
+          <p:cNvSpPr txBox="1"/>
+          <p:nvPr/>
         </p:nvSpPr>
         <p:spPr>
           <a:xfrm>
-            <a:off x="2932448" y="3962135"/>
-            <a:ext cx="6327105" cy="2653771"/>
+            <a:off x="4698194" y="483508"/>
+            <a:ext cx="4120491" cy="646331"/>
           </a:xfrm>
+          <a:prstGeom prst="rect">
+            <a:avLst/>
+          </a:prstGeom>
+          <a:noFill/>
         </p:spPr>
         <p:txBody>
-          <a:bodyPr/>
+          <a:bodyPr wrap="square" rtlCol="0">
+            <a:spAutoFit/>
+          </a:bodyPr>
           <a:lstStyle/>
           <a:p>
-            <a:endParaRPr lang="en-US" dirty="0"/>
+            <a:r>
+              <a:rPr lang="hu-HU" dirty="0" smtClean="0">
+                <a:solidFill>
+                  <a:schemeClr val="bg1"/>
+                </a:solidFill>
+              </a:rPr>
+              <a:t>A </a:t>
+            </a:r>
+            <a:r>
+              <a:rPr lang="hu-HU" dirty="0" err="1" smtClean="0">
+                <a:solidFill>
+                  <a:schemeClr val="bg1"/>
+                </a:solidFill>
+              </a:rPr>
+              <a:t>player</a:t>
+            </a:r>
+            <a:r>
+              <a:rPr lang="hu-HU" dirty="0" smtClean="0">
+                <a:solidFill>
+                  <a:schemeClr val="bg1"/>
+                </a:solidFill>
+              </a:rPr>
+              <a:t> animációjának működése ezen alapul </a:t>
+            </a:r>
+            <a:endParaRPr lang="hu-HU" dirty="0">
+              <a:solidFill>
+                <a:schemeClr val="bg1"/>
+              </a:solidFill>
+            </a:endParaRPr>
+          </a:p>
+        </p:txBody>
+      </p:sp>
+      <p:pic>
+        <p:nvPicPr>
+          <p:cNvPr id="10" name="Kép 9"/>
+          <p:cNvPicPr>
+            <a:picLocks noChangeAspect="1"/>
+          </p:cNvPicPr>
+          <p:nvPr/>
+        </p:nvPicPr>
+        <p:blipFill>
+          <a:blip r:embed="rId5"/>
+          <a:stretch>
+            <a:fillRect/>
+          </a:stretch>
+        </p:blipFill>
+        <p:spPr>
+          <a:xfrm>
+            <a:off x="2874619" y="5426633"/>
+            <a:ext cx="3858163" cy="752580"/>
+          </a:xfrm>
+          <a:prstGeom prst="rect">
+            <a:avLst/>
+          </a:prstGeom>
+        </p:spPr>
+      </p:pic>
+      <p:sp>
+        <p:nvSpPr>
+          <p:cNvPr id="11" name="Szövegdoboz 10"/>
+          <p:cNvSpPr txBox="1"/>
+          <p:nvPr/>
+        </p:nvSpPr>
+        <p:spPr>
+          <a:xfrm>
+            <a:off x="2874619" y="4642338"/>
+            <a:ext cx="2760785" cy="646331"/>
+          </a:xfrm>
+          <a:prstGeom prst="rect">
+            <a:avLst/>
+          </a:prstGeom>
+          <a:noFill/>
+        </p:spPr>
+        <p:txBody>
+          <a:bodyPr wrap="square" rtlCol="0">
+            <a:spAutoFit/>
+          </a:bodyPr>
+          <a:lstStyle/>
+          <a:p>
+            <a:r>
+              <a:rPr lang="hu-HU" dirty="0" smtClean="0">
+                <a:solidFill>
+                  <a:schemeClr val="bg1"/>
+                </a:solidFill>
+              </a:rPr>
+              <a:t>A játék ezeket a scripteket használja</a:t>
+            </a:r>
+            <a:endParaRPr lang="hu-HU" dirty="0">
+              <a:solidFill>
+                <a:schemeClr val="bg1"/>
+              </a:solidFill>
+            </a:endParaRPr>
           </a:p>
         </p:txBody>
       </p:sp>
@@ -14194,35 +13459,6 @@
 </file>
 
 <file path=customXml/item1.xml><?xml version="1.0" encoding="utf-8"?>
-<?mso-contentType ?>
-<FormTemplates xmlns="http://schemas.microsoft.com/sharepoint/v3/contenttype/forms">
-  <Display>DocumentLibraryForm</Display>
-  <Edit>DocumentLibraryForm</Edit>
-  <New>DocumentLibraryForm</New>
-</FormTemplates>
-</file>
-
-<file path=customXml/item2.xml><?xml version="1.0" encoding="utf-8"?>
-<p:properties xmlns:p="http://schemas.microsoft.com/office/2006/metadata/properties" xmlns:xsi="http://www.w3.org/2001/XMLSchema-instance" xmlns:pc="http://schemas.microsoft.com/office/infopath/2007/PartnerControls">
-  <documentManagement>
-    <_ip_UnifiedCompliancePolicyUIAction xmlns="http://schemas.microsoft.com/sharepoint/v3" xsi:nil="true"/>
-    <Image xmlns="71af3243-3dd4-4a8d-8c0d-dd76da1f02a5">
-      <Url xsi:nil="true"/>
-      <Description xsi:nil="true"/>
-    </Image>
-    <Status xmlns="71af3243-3dd4-4a8d-8c0d-dd76da1f02a5">Not started</Status>
-    <Background xmlns="71af3243-3dd4-4a8d-8c0d-dd76da1f02a5">false</Background>
-    <_ip_UnifiedCompliancePolicyProperties xmlns="http://schemas.microsoft.com/sharepoint/v3" xsi:nil="true"/>
-    <ImageTagsTaxHTField xmlns="71af3243-3dd4-4a8d-8c0d-dd76da1f02a5">
-      <Terms xmlns="http://schemas.microsoft.com/office/infopath/2007/PartnerControls"/>
-    </ImageTagsTaxHTField>
-    <TaxCatchAll xmlns="230e9df3-be65-4c73-a93b-d1236ebd677e" xsi:nil="true"/>
-    <MediaServiceKeyPoints xmlns="71af3243-3dd4-4a8d-8c0d-dd76da1f02a5" xsi:nil="true"/>
-  </documentManagement>
-</p:properties>
-</file>
-
-<file path=customXml/item3.xml><?xml version="1.0" encoding="utf-8"?>
 <ct:contentTypeSchema xmlns:ct="http://schemas.microsoft.com/office/2006/metadata/contentType" xmlns:ma="http://schemas.microsoft.com/office/2006/metadata/properties/metaAttributes" ct:_="" ma:_="" ma:contentTypeName="Document" ma:contentTypeID="0x01010079F111ED35F8CC479449609E8A0923A6" ma:contentTypeVersion="28" ma:contentTypeDescription="Create a new document." ma:contentTypeScope="" ma:versionID="60f5a4f2d2b0abadcf532d48ebf9cb71">
   <xsd:schema xmlns:xsd="http://www.w3.org/2001/XMLSchema" xmlns:xs="http://www.w3.org/2001/XMLSchema" xmlns:p="http://schemas.microsoft.com/office/2006/metadata/properties" xmlns:ns1="http://schemas.microsoft.com/sharepoint/v3" xmlns:ns2="71af3243-3dd4-4a8d-8c0d-dd76da1f02a5" xmlns:ns3="16c05727-aa75-4e4a-9b5f-8a80a1165891" xmlns:ns4="230e9df3-be65-4c73-a93b-d1236ebd677e" targetNamespace="http://schemas.microsoft.com/office/2006/metadata/properties" ma:root="true" ma:fieldsID="7dd78129e6a1811f84807ad11c651531" ns1:_="" ns2:_="" ns3:_="" ns4:_="">
     <xsd:import namespace="http://schemas.microsoft.com/sharepoint/v3"/>
@@ -14534,34 +13770,36 @@
 </ct:contentTypeSchema>
 </file>
 
-<file path=customXml/itemProps1.xml><?xml version="1.0" encoding="utf-8"?>
-<ds:datastoreItem xmlns:ds="http://schemas.openxmlformats.org/officeDocument/2006/customXml" ds:itemID="{A78D9019-7CE1-4B77-8F5D-67F6576598CB}">
-  <ds:schemaRefs>
-    <ds:schemaRef ds:uri="http://schemas.microsoft.com/sharepoint/v3/contenttype/forms"/>
-  </ds:schemaRefs>
-</ds:datastoreItem>
+<file path=customXml/item2.xml><?xml version="1.0" encoding="utf-8"?>
+<p:properties xmlns:p="http://schemas.microsoft.com/office/2006/metadata/properties" xmlns:xsi="http://www.w3.org/2001/XMLSchema-instance" xmlns:pc="http://schemas.microsoft.com/office/infopath/2007/PartnerControls">
+  <documentManagement>
+    <_ip_UnifiedCompliancePolicyUIAction xmlns="http://schemas.microsoft.com/sharepoint/v3" xsi:nil="true"/>
+    <Image xmlns="71af3243-3dd4-4a8d-8c0d-dd76da1f02a5">
+      <Url xsi:nil="true"/>
+      <Description xsi:nil="true"/>
+    </Image>
+    <Status xmlns="71af3243-3dd4-4a8d-8c0d-dd76da1f02a5">Not started</Status>
+    <Background xmlns="71af3243-3dd4-4a8d-8c0d-dd76da1f02a5">false</Background>
+    <_ip_UnifiedCompliancePolicyProperties xmlns="http://schemas.microsoft.com/sharepoint/v3" xsi:nil="true"/>
+    <ImageTagsTaxHTField xmlns="71af3243-3dd4-4a8d-8c0d-dd76da1f02a5">
+      <Terms xmlns="http://schemas.microsoft.com/office/infopath/2007/PartnerControls"/>
+    </ImageTagsTaxHTField>
+    <TaxCatchAll xmlns="230e9df3-be65-4c73-a93b-d1236ebd677e" xsi:nil="true"/>
+    <MediaServiceKeyPoints xmlns="71af3243-3dd4-4a8d-8c0d-dd76da1f02a5" xsi:nil="true"/>
+  </documentManagement>
+</p:properties>
 </file>
 
-<file path=customXml/itemProps2.xml><?xml version="1.0" encoding="utf-8"?>
-<ds:datastoreItem xmlns:ds="http://schemas.openxmlformats.org/officeDocument/2006/customXml" ds:itemID="{E42E6C21-1752-4E06-9FE3-208D45ADB668}">
-  <ds:schemaRefs>
-    <ds:schemaRef ds:uri="http://schemas.microsoft.com/office/2006/metadata/properties"/>
-    <ds:schemaRef ds:uri="http://purl.org/dc/terms/"/>
-    <ds:schemaRef ds:uri="230e9df3-be65-4c73-a93b-d1236ebd677e"/>
-    <ds:schemaRef ds:uri="http://schemas.microsoft.com/office/2006/documentManagement/types"/>
-    <ds:schemaRef ds:uri="16c05727-aa75-4e4a-9b5f-8a80a1165891"/>
-    <ds:schemaRef ds:uri="http://schemas.microsoft.com/office/infopath/2007/PartnerControls"/>
-    <ds:schemaRef ds:uri="http://schemas.openxmlformats.org/package/2006/metadata/core-properties"/>
-    <ds:schemaRef ds:uri="http://purl.org/dc/elements/1.1/"/>
-    <ds:schemaRef ds:uri="71af3243-3dd4-4a8d-8c0d-dd76da1f02a5"/>
-    <ds:schemaRef ds:uri="http://schemas.microsoft.com/sharepoint/v3"/>
-    <ds:schemaRef ds:uri="http://www.w3.org/XML/1998/namespace"/>
-    <ds:schemaRef ds:uri="http://purl.org/dc/dcmitype/"/>
-  </ds:schemaRefs>
-</ds:datastoreItem>
+<file path=customXml/item3.xml><?xml version="1.0" encoding="utf-8"?>
+<?mso-contentType ?>
+<FormTemplates xmlns="http://schemas.microsoft.com/sharepoint/v3/contenttype/forms">
+  <Display>DocumentLibraryForm</Display>
+  <Edit>DocumentLibraryForm</Edit>
+  <New>DocumentLibraryForm</New>
+</FormTemplates>
 </file>
 
-<file path=customXml/itemProps3.xml><?xml version="1.0" encoding="utf-8"?>
+<file path=customXml/itemProps1.xml><?xml version="1.0" encoding="utf-8"?>
 <ds:datastoreItem xmlns:ds="http://schemas.openxmlformats.org/officeDocument/2006/customXml" ds:itemID="{AF6E7B4D-FB62-47B7-AAA7-0DEC9938DB8A}">
   <ds:schemaRefs>
     <ds:schemaRef ds:uri="http://schemas.microsoft.com/office/2006/metadata/contentType"/>
@@ -14582,6 +13820,33 @@
 </ds:datastoreItem>
 </file>
 
+<file path=customXml/itemProps2.xml><?xml version="1.0" encoding="utf-8"?>
+<ds:datastoreItem xmlns:ds="http://schemas.openxmlformats.org/officeDocument/2006/customXml" ds:itemID="{E42E6C21-1752-4E06-9FE3-208D45ADB668}">
+  <ds:schemaRefs>
+    <ds:schemaRef ds:uri="http://purl.org/dc/elements/1.1/"/>
+    <ds:schemaRef ds:uri="http://schemas.openxmlformats.org/package/2006/metadata/core-properties"/>
+    <ds:schemaRef ds:uri="http://schemas.microsoft.com/office/2006/metadata/properties"/>
+    <ds:schemaRef ds:uri="71af3243-3dd4-4a8d-8c0d-dd76da1f02a5"/>
+    <ds:schemaRef ds:uri="230e9df3-be65-4c73-a93b-d1236ebd677e"/>
+    <ds:schemaRef ds:uri="http://purl.org/dc/dcmitype/"/>
+    <ds:schemaRef ds:uri="http://www.w3.org/XML/1998/namespace"/>
+    <ds:schemaRef ds:uri="16c05727-aa75-4e4a-9b5f-8a80a1165891"/>
+    <ds:schemaRef ds:uri="http://schemas.microsoft.com/office/2006/documentManagement/types"/>
+    <ds:schemaRef ds:uri="http://schemas.microsoft.com/office/infopath/2007/PartnerControls"/>
+    <ds:schemaRef ds:uri="http://schemas.microsoft.com/sharepoint/v3"/>
+    <ds:schemaRef ds:uri="http://purl.org/dc/terms/"/>
+  </ds:schemaRefs>
+</ds:datastoreItem>
+</file>
+
+<file path=customXml/itemProps3.xml><?xml version="1.0" encoding="utf-8"?>
+<ds:datastoreItem xmlns:ds="http://schemas.openxmlformats.org/officeDocument/2006/customXml" ds:itemID="{A78D9019-7CE1-4B77-8F5D-67F6576598CB}">
+  <ds:schemaRefs>
+    <ds:schemaRef ds:uri="http://schemas.microsoft.com/sharepoint/v3/contenttype/forms"/>
+  </ds:schemaRefs>
+</ds:datastoreItem>
+</file>
+
 <file path=docMetadata/LabelInfo.xml><?xml version="1.0" encoding="utf-8"?>
 <clbl:labelList xmlns:clbl="http://schemas.microsoft.com/office/2020/mipLabelMetadata"/>
 </file>
--- a/JUMPER.pptx
+++ b/JUMPER.pptx
@@ -5,25 +5,28 @@
     <p:sldMasterId id="2147483648" r:id="rId4"/>
   </p:sldMasterIdLst>
   <p:notesMasterIdLst>
-    <p:notesMasterId r:id="rId18"/>
+    <p:notesMasterId r:id="rId21"/>
   </p:notesMasterIdLst>
   <p:handoutMasterIdLst>
-    <p:handoutMasterId r:id="rId19"/>
+    <p:handoutMasterId r:id="rId22"/>
   </p:handoutMasterIdLst>
   <p:sldIdLst>
     <p:sldId id="342" r:id="rId5"/>
     <p:sldId id="359" r:id="rId6"/>
     <p:sldId id="374" r:id="rId7"/>
-    <p:sldId id="388" r:id="rId8"/>
-    <p:sldId id="383" r:id="rId9"/>
-    <p:sldId id="373" r:id="rId10"/>
-    <p:sldId id="382" r:id="rId11"/>
-    <p:sldId id="384" r:id="rId12"/>
+    <p:sldId id="383" r:id="rId8"/>
+    <p:sldId id="373" r:id="rId9"/>
+    <p:sldId id="382" r:id="rId10"/>
+    <p:sldId id="384" r:id="rId11"/>
+    <p:sldId id="375" r:id="rId12"/>
     <p:sldId id="365" r:id="rId13"/>
-    <p:sldId id="375" r:id="rId14"/>
-    <p:sldId id="385" r:id="rId15"/>
-    <p:sldId id="386" r:id="rId16"/>
-    <p:sldId id="387" r:id="rId17"/>
+    <p:sldId id="376" r:id="rId14"/>
+    <p:sldId id="377" r:id="rId15"/>
+    <p:sldId id="378" r:id="rId16"/>
+    <p:sldId id="379" r:id="rId17"/>
+    <p:sldId id="380" r:id="rId18"/>
+    <p:sldId id="381" r:id="rId19"/>
+    <p:sldId id="372" r:id="rId20"/>
   </p:sldIdLst>
   <p:sldSz cx="12192000" cy="6858000"/>
   <p:notesSz cx="6858000" cy="9144000"/>
@@ -772,6 +775,510 @@
 </p:notes>
 </file>
 
+<file path=ppt/notesSlides/notesSlide10.xml><?xml version="1.0" encoding="utf-8"?>
+<p:notes xmlns:a="http://schemas.openxmlformats.org/drawingml/2006/main" xmlns:r="http://schemas.openxmlformats.org/officeDocument/2006/relationships" xmlns:p="http://schemas.openxmlformats.org/presentationml/2006/main">
+  <p:cSld>
+    <p:spTree>
+      <p:nvGrpSpPr>
+        <p:cNvPr id="1" name=""/>
+        <p:cNvGrpSpPr/>
+        <p:nvPr/>
+      </p:nvGrpSpPr>
+      <p:grpSpPr>
+        <a:xfrm>
+          <a:off x="0" y="0"/>
+          <a:ext cx="0" cy="0"/>
+          <a:chOff x="0" y="0"/>
+          <a:chExt cx="0" cy="0"/>
+        </a:xfrm>
+      </p:grpSpPr>
+      <p:sp>
+        <p:nvSpPr>
+          <p:cNvPr id="2" name="Slide Image Placeholder 1"/>
+          <p:cNvSpPr>
+            <a:spLocks noGrp="1" noRot="1" noChangeAspect="1"/>
+          </p:cNvSpPr>
+          <p:nvPr>
+            <p:ph type="sldImg"/>
+          </p:nvPr>
+        </p:nvSpPr>
+        <p:spPr/>
+      </p:sp>
+      <p:sp>
+        <p:nvSpPr>
+          <p:cNvPr id="3" name="Notes Placeholder 2"/>
+          <p:cNvSpPr>
+            <a:spLocks noGrp="1"/>
+          </p:cNvSpPr>
+          <p:nvPr>
+            <p:ph type="body" idx="1"/>
+          </p:nvPr>
+        </p:nvSpPr>
+        <p:spPr/>
+        <p:txBody>
+          <a:bodyPr/>
+          <a:lstStyle/>
+          <a:p>
+            <a:endParaRPr lang="en-US" dirty="0"/>
+          </a:p>
+        </p:txBody>
+      </p:sp>
+      <p:sp>
+        <p:nvSpPr>
+          <p:cNvPr id="4" name="Slide Number Placeholder 3"/>
+          <p:cNvSpPr>
+            <a:spLocks noGrp="1"/>
+          </p:cNvSpPr>
+          <p:nvPr>
+            <p:ph type="sldNum" sz="quarter" idx="5"/>
+          </p:nvPr>
+        </p:nvSpPr>
+        <p:spPr/>
+        <p:txBody>
+          <a:bodyPr/>
+          <a:lstStyle/>
+          <a:p>
+            <a:fld id="{DEF75CB5-5666-5049-9AE0-38EFD385C21E}" type="slidenum">
+              <a:rPr lang="en-US" smtClean="0"/>
+              <a:t>11</a:t>
+            </a:fld>
+            <a:endParaRPr lang="en-US" dirty="0"/>
+          </a:p>
+        </p:txBody>
+      </p:sp>
+    </p:spTree>
+    <p:extLst>
+      <p:ext uri="{BB962C8B-B14F-4D97-AF65-F5344CB8AC3E}">
+        <p14:creationId xmlns:p14="http://schemas.microsoft.com/office/powerpoint/2010/main" val="712487217"/>
+      </p:ext>
+    </p:extLst>
+  </p:cSld>
+  <p:clrMapOvr>
+    <a:masterClrMapping/>
+  </p:clrMapOvr>
+</p:notes>
+</file>
+
+<file path=ppt/notesSlides/notesSlide11.xml><?xml version="1.0" encoding="utf-8"?>
+<p:notes xmlns:a="http://schemas.openxmlformats.org/drawingml/2006/main" xmlns:r="http://schemas.openxmlformats.org/officeDocument/2006/relationships" xmlns:p="http://schemas.openxmlformats.org/presentationml/2006/main">
+  <p:cSld>
+    <p:spTree>
+      <p:nvGrpSpPr>
+        <p:cNvPr id="1" name=""/>
+        <p:cNvGrpSpPr/>
+        <p:nvPr/>
+      </p:nvGrpSpPr>
+      <p:grpSpPr>
+        <a:xfrm>
+          <a:off x="0" y="0"/>
+          <a:ext cx="0" cy="0"/>
+          <a:chOff x="0" y="0"/>
+          <a:chExt cx="0" cy="0"/>
+        </a:xfrm>
+      </p:grpSpPr>
+      <p:sp>
+        <p:nvSpPr>
+          <p:cNvPr id="2" name="Slide Image Placeholder 1"/>
+          <p:cNvSpPr>
+            <a:spLocks noGrp="1" noRot="1" noChangeAspect="1"/>
+          </p:cNvSpPr>
+          <p:nvPr>
+            <p:ph type="sldImg"/>
+          </p:nvPr>
+        </p:nvSpPr>
+        <p:spPr/>
+      </p:sp>
+      <p:sp>
+        <p:nvSpPr>
+          <p:cNvPr id="3" name="Notes Placeholder 2"/>
+          <p:cNvSpPr>
+            <a:spLocks noGrp="1"/>
+          </p:cNvSpPr>
+          <p:nvPr>
+            <p:ph type="body" idx="1"/>
+          </p:nvPr>
+        </p:nvSpPr>
+        <p:spPr/>
+        <p:txBody>
+          <a:bodyPr/>
+          <a:lstStyle/>
+          <a:p>
+            <a:endParaRPr lang="en-US" dirty="0"/>
+          </a:p>
+        </p:txBody>
+      </p:sp>
+      <p:sp>
+        <p:nvSpPr>
+          <p:cNvPr id="4" name="Slide Number Placeholder 3"/>
+          <p:cNvSpPr>
+            <a:spLocks noGrp="1"/>
+          </p:cNvSpPr>
+          <p:nvPr>
+            <p:ph type="sldNum" sz="quarter" idx="5"/>
+          </p:nvPr>
+        </p:nvSpPr>
+        <p:spPr/>
+        <p:txBody>
+          <a:bodyPr/>
+          <a:lstStyle/>
+          <a:p>
+            <a:fld id="{DEF75CB5-5666-5049-9AE0-38EFD385C21E}" type="slidenum">
+              <a:rPr lang="en-US" smtClean="0"/>
+              <a:t>12</a:t>
+            </a:fld>
+            <a:endParaRPr lang="en-US" dirty="0"/>
+          </a:p>
+        </p:txBody>
+      </p:sp>
+    </p:spTree>
+    <p:extLst>
+      <p:ext uri="{BB962C8B-B14F-4D97-AF65-F5344CB8AC3E}">
+        <p14:creationId xmlns:p14="http://schemas.microsoft.com/office/powerpoint/2010/main" val="3765125580"/>
+      </p:ext>
+    </p:extLst>
+  </p:cSld>
+  <p:clrMapOvr>
+    <a:masterClrMapping/>
+  </p:clrMapOvr>
+</p:notes>
+</file>
+
+<file path=ppt/notesSlides/notesSlide12.xml><?xml version="1.0" encoding="utf-8"?>
+<p:notes xmlns:a="http://schemas.openxmlformats.org/drawingml/2006/main" xmlns:r="http://schemas.openxmlformats.org/officeDocument/2006/relationships" xmlns:p="http://schemas.openxmlformats.org/presentationml/2006/main">
+  <p:cSld>
+    <p:spTree>
+      <p:nvGrpSpPr>
+        <p:cNvPr id="1" name=""/>
+        <p:cNvGrpSpPr/>
+        <p:nvPr/>
+      </p:nvGrpSpPr>
+      <p:grpSpPr>
+        <a:xfrm>
+          <a:off x="0" y="0"/>
+          <a:ext cx="0" cy="0"/>
+          <a:chOff x="0" y="0"/>
+          <a:chExt cx="0" cy="0"/>
+        </a:xfrm>
+      </p:grpSpPr>
+      <p:sp>
+        <p:nvSpPr>
+          <p:cNvPr id="2" name="Slide Image Placeholder 1"/>
+          <p:cNvSpPr>
+            <a:spLocks noGrp="1" noRot="1" noChangeAspect="1"/>
+          </p:cNvSpPr>
+          <p:nvPr>
+            <p:ph type="sldImg"/>
+          </p:nvPr>
+        </p:nvSpPr>
+        <p:spPr/>
+      </p:sp>
+      <p:sp>
+        <p:nvSpPr>
+          <p:cNvPr id="3" name="Notes Placeholder 2"/>
+          <p:cNvSpPr>
+            <a:spLocks noGrp="1"/>
+          </p:cNvSpPr>
+          <p:nvPr>
+            <p:ph type="body" idx="1"/>
+          </p:nvPr>
+        </p:nvSpPr>
+        <p:spPr/>
+        <p:txBody>
+          <a:bodyPr/>
+          <a:lstStyle/>
+          <a:p>
+            <a:endParaRPr lang="en-US" dirty="0"/>
+          </a:p>
+        </p:txBody>
+      </p:sp>
+      <p:sp>
+        <p:nvSpPr>
+          <p:cNvPr id="4" name="Slide Number Placeholder 3"/>
+          <p:cNvSpPr>
+            <a:spLocks noGrp="1"/>
+          </p:cNvSpPr>
+          <p:nvPr>
+            <p:ph type="sldNum" sz="quarter" idx="5"/>
+          </p:nvPr>
+        </p:nvSpPr>
+        <p:spPr/>
+        <p:txBody>
+          <a:bodyPr/>
+          <a:lstStyle/>
+          <a:p>
+            <a:fld id="{DEF75CB5-5666-5049-9AE0-38EFD385C21E}" type="slidenum">
+              <a:rPr lang="en-US" smtClean="0"/>
+              <a:t>13</a:t>
+            </a:fld>
+            <a:endParaRPr lang="en-US" dirty="0"/>
+          </a:p>
+        </p:txBody>
+      </p:sp>
+    </p:spTree>
+    <p:extLst>
+      <p:ext uri="{BB962C8B-B14F-4D97-AF65-F5344CB8AC3E}">
+        <p14:creationId xmlns:p14="http://schemas.microsoft.com/office/powerpoint/2010/main" val="178419945"/>
+      </p:ext>
+    </p:extLst>
+  </p:cSld>
+  <p:clrMapOvr>
+    <a:masterClrMapping/>
+  </p:clrMapOvr>
+</p:notes>
+</file>
+
+<file path=ppt/notesSlides/notesSlide13.xml><?xml version="1.0" encoding="utf-8"?>
+<p:notes xmlns:a="http://schemas.openxmlformats.org/drawingml/2006/main" xmlns:r="http://schemas.openxmlformats.org/officeDocument/2006/relationships" xmlns:p="http://schemas.openxmlformats.org/presentationml/2006/main">
+  <p:cSld>
+    <p:spTree>
+      <p:nvGrpSpPr>
+        <p:cNvPr id="1" name=""/>
+        <p:cNvGrpSpPr/>
+        <p:nvPr/>
+      </p:nvGrpSpPr>
+      <p:grpSpPr>
+        <a:xfrm>
+          <a:off x="0" y="0"/>
+          <a:ext cx="0" cy="0"/>
+          <a:chOff x="0" y="0"/>
+          <a:chExt cx="0" cy="0"/>
+        </a:xfrm>
+      </p:grpSpPr>
+      <p:sp>
+        <p:nvSpPr>
+          <p:cNvPr id="2" name="Slide Image Placeholder 1"/>
+          <p:cNvSpPr>
+            <a:spLocks noGrp="1" noRot="1" noChangeAspect="1"/>
+          </p:cNvSpPr>
+          <p:nvPr>
+            <p:ph type="sldImg"/>
+          </p:nvPr>
+        </p:nvSpPr>
+        <p:spPr/>
+      </p:sp>
+      <p:sp>
+        <p:nvSpPr>
+          <p:cNvPr id="3" name="Notes Placeholder 2"/>
+          <p:cNvSpPr>
+            <a:spLocks noGrp="1"/>
+          </p:cNvSpPr>
+          <p:nvPr>
+            <p:ph type="body" idx="1"/>
+          </p:nvPr>
+        </p:nvSpPr>
+        <p:spPr/>
+        <p:txBody>
+          <a:bodyPr/>
+          <a:lstStyle/>
+          <a:p>
+            <a:endParaRPr lang="en-US" dirty="0"/>
+          </a:p>
+        </p:txBody>
+      </p:sp>
+      <p:sp>
+        <p:nvSpPr>
+          <p:cNvPr id="4" name="Slide Number Placeholder 3"/>
+          <p:cNvSpPr>
+            <a:spLocks noGrp="1"/>
+          </p:cNvSpPr>
+          <p:nvPr>
+            <p:ph type="sldNum" sz="quarter" idx="5"/>
+          </p:nvPr>
+        </p:nvSpPr>
+        <p:spPr/>
+        <p:txBody>
+          <a:bodyPr/>
+          <a:lstStyle/>
+          <a:p>
+            <a:fld id="{DEF75CB5-5666-5049-9AE0-38EFD385C21E}" type="slidenum">
+              <a:rPr lang="en-US" smtClean="0"/>
+              <a:t>14</a:t>
+            </a:fld>
+            <a:endParaRPr lang="en-US" dirty="0"/>
+          </a:p>
+        </p:txBody>
+      </p:sp>
+    </p:spTree>
+    <p:extLst>
+      <p:ext uri="{BB962C8B-B14F-4D97-AF65-F5344CB8AC3E}">
+        <p14:creationId xmlns:p14="http://schemas.microsoft.com/office/powerpoint/2010/main" val="839213642"/>
+      </p:ext>
+    </p:extLst>
+  </p:cSld>
+  <p:clrMapOvr>
+    <a:masterClrMapping/>
+  </p:clrMapOvr>
+</p:notes>
+</file>
+
+<file path=ppt/notesSlides/notesSlide14.xml><?xml version="1.0" encoding="utf-8"?>
+<p:notes xmlns:a="http://schemas.openxmlformats.org/drawingml/2006/main" xmlns:r="http://schemas.openxmlformats.org/officeDocument/2006/relationships" xmlns:p="http://schemas.openxmlformats.org/presentationml/2006/main">
+  <p:cSld>
+    <p:spTree>
+      <p:nvGrpSpPr>
+        <p:cNvPr id="1" name=""/>
+        <p:cNvGrpSpPr/>
+        <p:nvPr/>
+      </p:nvGrpSpPr>
+      <p:grpSpPr>
+        <a:xfrm>
+          <a:off x="0" y="0"/>
+          <a:ext cx="0" cy="0"/>
+          <a:chOff x="0" y="0"/>
+          <a:chExt cx="0" cy="0"/>
+        </a:xfrm>
+      </p:grpSpPr>
+      <p:sp>
+        <p:nvSpPr>
+          <p:cNvPr id="2" name="Slide Image Placeholder 1"/>
+          <p:cNvSpPr>
+            <a:spLocks noGrp="1" noRot="1" noChangeAspect="1"/>
+          </p:cNvSpPr>
+          <p:nvPr>
+            <p:ph type="sldImg"/>
+          </p:nvPr>
+        </p:nvSpPr>
+        <p:spPr/>
+      </p:sp>
+      <p:sp>
+        <p:nvSpPr>
+          <p:cNvPr id="3" name="Notes Placeholder 2"/>
+          <p:cNvSpPr>
+            <a:spLocks noGrp="1"/>
+          </p:cNvSpPr>
+          <p:nvPr>
+            <p:ph type="body" idx="1"/>
+          </p:nvPr>
+        </p:nvSpPr>
+        <p:spPr/>
+        <p:txBody>
+          <a:bodyPr/>
+          <a:lstStyle/>
+          <a:p>
+            <a:endParaRPr lang="en-US" dirty="0"/>
+          </a:p>
+        </p:txBody>
+      </p:sp>
+      <p:sp>
+        <p:nvSpPr>
+          <p:cNvPr id="4" name="Slide Number Placeholder 3"/>
+          <p:cNvSpPr>
+            <a:spLocks noGrp="1"/>
+          </p:cNvSpPr>
+          <p:nvPr>
+            <p:ph type="sldNum" sz="quarter" idx="5"/>
+          </p:nvPr>
+        </p:nvSpPr>
+        <p:spPr/>
+        <p:txBody>
+          <a:bodyPr/>
+          <a:lstStyle/>
+          <a:p>
+            <a:fld id="{DEF75CB5-5666-5049-9AE0-38EFD385C21E}" type="slidenum">
+              <a:rPr lang="en-US" smtClean="0"/>
+              <a:t>15</a:t>
+            </a:fld>
+            <a:endParaRPr lang="en-US" dirty="0"/>
+          </a:p>
+        </p:txBody>
+      </p:sp>
+    </p:spTree>
+    <p:extLst>
+      <p:ext uri="{BB962C8B-B14F-4D97-AF65-F5344CB8AC3E}">
+        <p14:creationId xmlns:p14="http://schemas.microsoft.com/office/powerpoint/2010/main" val="661510092"/>
+      </p:ext>
+    </p:extLst>
+  </p:cSld>
+  <p:clrMapOvr>
+    <a:masterClrMapping/>
+  </p:clrMapOvr>
+</p:notes>
+</file>
+
+<file path=ppt/notesSlides/notesSlide15.xml><?xml version="1.0" encoding="utf-8"?>
+<p:notes xmlns:a="http://schemas.openxmlformats.org/drawingml/2006/main" xmlns:r="http://schemas.openxmlformats.org/officeDocument/2006/relationships" xmlns:p="http://schemas.openxmlformats.org/presentationml/2006/main">
+  <p:cSld>
+    <p:spTree>
+      <p:nvGrpSpPr>
+        <p:cNvPr id="1" name=""/>
+        <p:cNvGrpSpPr/>
+        <p:nvPr/>
+      </p:nvGrpSpPr>
+      <p:grpSpPr>
+        <a:xfrm>
+          <a:off x="0" y="0"/>
+          <a:ext cx="0" cy="0"/>
+          <a:chOff x="0" y="0"/>
+          <a:chExt cx="0" cy="0"/>
+        </a:xfrm>
+      </p:grpSpPr>
+      <p:sp>
+        <p:nvSpPr>
+          <p:cNvPr id="2" name="Slide Image Placeholder 1"/>
+          <p:cNvSpPr>
+            <a:spLocks noGrp="1" noRot="1" noChangeAspect="1"/>
+          </p:cNvSpPr>
+          <p:nvPr>
+            <p:ph type="sldImg"/>
+          </p:nvPr>
+        </p:nvSpPr>
+        <p:spPr/>
+      </p:sp>
+      <p:sp>
+        <p:nvSpPr>
+          <p:cNvPr id="3" name="Notes Placeholder 2"/>
+          <p:cNvSpPr>
+            <a:spLocks noGrp="1"/>
+          </p:cNvSpPr>
+          <p:nvPr>
+            <p:ph type="body" idx="1"/>
+          </p:nvPr>
+        </p:nvSpPr>
+        <p:spPr/>
+        <p:txBody>
+          <a:bodyPr/>
+          <a:lstStyle/>
+          <a:p>
+            <a:endParaRPr lang="en-US" dirty="0"/>
+          </a:p>
+        </p:txBody>
+      </p:sp>
+      <p:sp>
+        <p:nvSpPr>
+          <p:cNvPr id="4" name="Slide Number Placeholder 3"/>
+          <p:cNvSpPr>
+            <a:spLocks noGrp="1"/>
+          </p:cNvSpPr>
+          <p:nvPr>
+            <p:ph type="sldNum" sz="quarter" idx="5"/>
+          </p:nvPr>
+        </p:nvSpPr>
+        <p:spPr/>
+        <p:txBody>
+          <a:bodyPr/>
+          <a:lstStyle/>
+          <a:p>
+            <a:fld id="{DEF75CB5-5666-5049-9AE0-38EFD385C21E}" type="slidenum">
+              <a:rPr lang="en-US" smtClean="0"/>
+              <a:t>16</a:t>
+            </a:fld>
+            <a:endParaRPr lang="en-US" dirty="0"/>
+          </a:p>
+        </p:txBody>
+      </p:sp>
+    </p:spTree>
+    <p:extLst>
+      <p:ext uri="{BB962C8B-B14F-4D97-AF65-F5344CB8AC3E}">
+        <p14:creationId xmlns:p14="http://schemas.microsoft.com/office/powerpoint/2010/main" val="4167890113"/>
+      </p:ext>
+    </p:extLst>
+  </p:cSld>
+  <p:clrMapOvr>
+    <a:masterClrMapping/>
+  </p:clrMapOvr>
+</p:notes>
+</file>
+
 <file path=ppt/notesSlides/notesSlide2.xml><?xml version="1.0" encoding="utf-8"?>
 <p:notes xmlns:a="http://schemas.openxmlformats.org/drawingml/2006/main" xmlns:r="http://schemas.openxmlformats.org/officeDocument/2006/relationships" xmlns:p="http://schemas.openxmlformats.org/presentationml/2006/main">
   <p:cSld>
@@ -816,6 +1323,26 @@
           <a:bodyPr/>
           <a:lstStyle/>
           <a:p>
+            <a:r>
+              <a:rPr lang="hu-HU" dirty="0" smtClean="0"/>
+              <a:t>A játék</a:t>
+            </a:r>
+            <a:r>
+              <a:rPr lang="hu-HU" baseline="0" dirty="0" smtClean="0"/>
+              <a:t> </a:t>
+            </a:r>
+            <a:r>
+              <a:rPr lang="hu-HU" baseline="0" dirty="0" err="1" smtClean="0"/>
+              <a:t>Unityben</a:t>
+            </a:r>
+            <a:r>
+              <a:rPr lang="hu-HU" baseline="0" dirty="0" smtClean="0"/>
+              <a:t> készült, és ott </a:t>
+            </a:r>
+            <a:r>
+              <a:rPr lang="hu-HU" baseline="0" smtClean="0"/>
+              <a:t>is fejlesztjük</a:t>
+            </a:r>
             <a:endParaRPr lang="en-US" dirty="0"/>
           </a:p>
         </p:txBody>
@@ -1077,7 +1604,7 @@
           <a:p>
             <a:fld id="{DEF75CB5-5666-5049-9AE0-38EFD385C21E}" type="slidenum">
               <a:rPr lang="en-US" smtClean="0"/>
-              <a:t>6</a:t>
+              <a:t>5</a:t>
             </a:fld>
             <a:endParaRPr lang="en-US" dirty="0"/>
           </a:p>
@@ -1177,7 +1704,7 @@
           <a:p>
             <a:fld id="{DEF75CB5-5666-5049-9AE0-38EFD385C21E}" type="slidenum">
               <a:rPr lang="en-US" smtClean="0"/>
-              <a:t>7</a:t>
+              <a:t>6</a:t>
             </a:fld>
             <a:endParaRPr lang="en-US" dirty="0"/>
           </a:p>
@@ -1261,7 +1788,7 @@
           <a:p>
             <a:fld id="{DEF75CB5-5666-5049-9AE0-38EFD385C21E}" type="slidenum">
               <a:rPr lang="en-US" smtClean="0"/>
-              <a:t>8</a:t>
+              <a:t>7</a:t>
             </a:fld>
             <a:endParaRPr lang="en-US" dirty="0"/>
           </a:p>
@@ -1281,6 +1808,90 @@
 </file>
 
 <file path=ppt/notesSlides/notesSlide7.xml><?xml version="1.0" encoding="utf-8"?>
+<p:notes xmlns:a="http://schemas.openxmlformats.org/drawingml/2006/main" xmlns:r="http://schemas.openxmlformats.org/officeDocument/2006/relationships" xmlns:p="http://schemas.openxmlformats.org/presentationml/2006/main">
+  <p:cSld>
+    <p:spTree>
+      <p:nvGrpSpPr>
+        <p:cNvPr id="1" name=""/>
+        <p:cNvGrpSpPr/>
+        <p:nvPr/>
+      </p:nvGrpSpPr>
+      <p:grpSpPr>
+        <a:xfrm>
+          <a:off x="0" y="0"/>
+          <a:ext cx="0" cy="0"/>
+          <a:chOff x="0" y="0"/>
+          <a:chExt cx="0" cy="0"/>
+        </a:xfrm>
+      </p:grpSpPr>
+      <p:sp>
+        <p:nvSpPr>
+          <p:cNvPr id="2" name="Slide Image Placeholder 1"/>
+          <p:cNvSpPr>
+            <a:spLocks noGrp="1" noRot="1" noChangeAspect="1"/>
+          </p:cNvSpPr>
+          <p:nvPr>
+            <p:ph type="sldImg"/>
+          </p:nvPr>
+        </p:nvSpPr>
+        <p:spPr/>
+      </p:sp>
+      <p:sp>
+        <p:nvSpPr>
+          <p:cNvPr id="3" name="Notes Placeholder 2"/>
+          <p:cNvSpPr>
+            <a:spLocks noGrp="1"/>
+          </p:cNvSpPr>
+          <p:nvPr>
+            <p:ph type="body" idx="1"/>
+          </p:nvPr>
+        </p:nvSpPr>
+        <p:spPr/>
+        <p:txBody>
+          <a:bodyPr/>
+          <a:lstStyle/>
+          <a:p>
+            <a:endParaRPr lang="en-US" dirty="0"/>
+          </a:p>
+        </p:txBody>
+      </p:sp>
+      <p:sp>
+        <p:nvSpPr>
+          <p:cNvPr id="4" name="Slide Number Placeholder 3"/>
+          <p:cNvSpPr>
+            <a:spLocks noGrp="1"/>
+          </p:cNvSpPr>
+          <p:nvPr>
+            <p:ph type="sldNum" sz="quarter" idx="5"/>
+          </p:nvPr>
+        </p:nvSpPr>
+        <p:spPr/>
+        <p:txBody>
+          <a:bodyPr/>
+          <a:lstStyle/>
+          <a:p>
+            <a:fld id="{DEF75CB5-5666-5049-9AE0-38EFD385C21E}" type="slidenum">
+              <a:rPr lang="en-US" smtClean="0"/>
+              <a:t>8</a:t>
+            </a:fld>
+            <a:endParaRPr lang="en-US" dirty="0"/>
+          </a:p>
+        </p:txBody>
+      </p:sp>
+    </p:spTree>
+    <p:extLst>
+      <p:ext uri="{BB962C8B-B14F-4D97-AF65-F5344CB8AC3E}">
+        <p14:creationId xmlns:p14="http://schemas.microsoft.com/office/powerpoint/2010/main" val="2982522483"/>
+      </p:ext>
+    </p:extLst>
+  </p:cSld>
+  <p:clrMapOvr>
+    <a:masterClrMapping/>
+  </p:clrMapOvr>
+</p:notes>
+</file>
+
+<file path=ppt/notesSlides/notesSlide8.xml><?xml version="1.0" encoding="utf-8"?>
 <p:notes xmlns:a="http://schemas.openxmlformats.org/drawingml/2006/main" xmlns:r="http://schemas.openxmlformats.org/officeDocument/2006/relationships" xmlns:p="http://schemas.openxmlformats.org/presentationml/2006/main">
   <p:cSld>
     <p:spTree>
@@ -1424,7 +2035,7 @@
 </p:notes>
 </file>
 
-<file path=ppt/notesSlides/notesSlide8.xml><?xml version="1.0" encoding="utf-8"?>
+<file path=ppt/notesSlides/notesSlide9.xml><?xml version="1.0" encoding="utf-8"?>
 <p:notes xmlns:a="http://schemas.openxmlformats.org/drawingml/2006/main" xmlns:r="http://schemas.openxmlformats.org/officeDocument/2006/relationships" xmlns:p="http://schemas.openxmlformats.org/presentationml/2006/main">
   <p:cSld>
     <p:spTree>
@@ -1498,7 +2109,7 @@
     </p:spTree>
     <p:extLst>
       <p:ext uri="{BB962C8B-B14F-4D97-AF65-F5344CB8AC3E}">
-        <p14:creationId xmlns:p14="http://schemas.microsoft.com/office/powerpoint/2010/main" val="2982522483"/>
+        <p14:creationId xmlns:p14="http://schemas.microsoft.com/office/powerpoint/2010/main" val="2493029087"/>
       </p:ext>
     </p:extLst>
   </p:cSld>
@@ -1568,7 +2179,7 @@
                 <a16:creationId xmlns:a16="http://schemas.microsoft.com/office/drawing/2014/main" id="{D1BA6450-E291-DC40-F198-C02B485137B0}"/>
               </a:ext>
               <a:ext uri="{C183D7F6-B498-43B3-948B-1728B52AA6E4}">
-                <adec:decorative xmlns="" xmlns:adec="http://schemas.microsoft.com/office/drawing/2017/decorative" val="1"/>
+                <adec:decorative xmlns:adec="http://schemas.microsoft.com/office/drawing/2017/decorative" xmlns="" val="1"/>
               </a:ext>
             </a:extLst>
           </p:cNvPr>
@@ -1802,7 +2413,7 @@
                 <a16:creationId xmlns:a16="http://schemas.microsoft.com/office/drawing/2014/main" id="{7123B0D0-B01D-0BB0-6127-A878BE49D18E}"/>
               </a:ext>
               <a:ext uri="{C183D7F6-B498-43B3-948B-1728B52AA6E4}">
-                <adec:decorative xmlns="" xmlns:adec="http://schemas.microsoft.com/office/drawing/2017/decorative" val="1"/>
+                <adec:decorative xmlns:adec="http://schemas.microsoft.com/office/drawing/2017/decorative" xmlns="" val="1"/>
               </a:ext>
             </a:extLst>
           </p:cNvPr>
@@ -2146,7 +2757,7 @@
                 <a16:creationId xmlns:a16="http://schemas.microsoft.com/office/drawing/2014/main" id="{F0712911-615E-724B-FC0F-996291526D31}"/>
               </a:ext>
               <a:ext uri="{C183D7F6-B498-43B3-948B-1728B52AA6E4}">
-                <adec:decorative xmlns="" xmlns:adec="http://schemas.microsoft.com/office/drawing/2017/decorative" val="1"/>
+                <adec:decorative xmlns:adec="http://schemas.microsoft.com/office/drawing/2017/decorative" xmlns="" val="1"/>
               </a:ext>
             </a:extLst>
           </p:cNvPr>
@@ -2275,7 +2886,7 @@
                 <a16:creationId xmlns:a16="http://schemas.microsoft.com/office/drawing/2014/main" id="{BCFFF0E2-6B47-67EB-D6AA-D972E7B7C367}"/>
               </a:ext>
               <a:ext uri="{C183D7F6-B498-43B3-948B-1728B52AA6E4}">
-                <adec:decorative xmlns="" xmlns:adec="http://schemas.microsoft.com/office/drawing/2017/decorative" val="1"/>
+                <adec:decorative xmlns:adec="http://schemas.microsoft.com/office/drawing/2017/decorative" xmlns="" val="1"/>
               </a:ext>
             </a:extLst>
           </p:cNvPr>
@@ -2363,7 +2974,7 @@
                 <a16:creationId xmlns:a16="http://schemas.microsoft.com/office/drawing/2014/main" id="{94827F6F-999F-23E9-8C09-325D1A76B07A}"/>
               </a:ext>
               <a:ext uri="{C183D7F6-B498-43B3-948B-1728B52AA6E4}">
-                <adec:decorative xmlns="" xmlns:adec="http://schemas.microsoft.com/office/drawing/2017/decorative" val="1"/>
+                <adec:decorative xmlns:adec="http://schemas.microsoft.com/office/drawing/2017/decorative" xmlns="" val="1"/>
               </a:ext>
             </a:extLst>
           </p:cNvPr>
@@ -2748,7 +3359,7 @@
                 <a16:creationId xmlns:a16="http://schemas.microsoft.com/office/drawing/2014/main" id="{4196A82D-0723-4BA3-0283-9F0D67B0CEF4}"/>
               </a:ext>
               <a:ext uri="{C183D7F6-B498-43B3-948B-1728B52AA6E4}">
-                <adec:decorative xmlns="" xmlns:adec="http://schemas.microsoft.com/office/drawing/2017/decorative" val="1"/>
+                <adec:decorative xmlns:adec="http://schemas.microsoft.com/office/drawing/2017/decorative" xmlns="" val="1"/>
               </a:ext>
             </a:extLst>
           </p:cNvPr>
@@ -2807,7 +3418,7 @@
                 <a16:creationId xmlns:a16="http://schemas.microsoft.com/office/drawing/2014/main" id="{6A20A5FD-BDFB-45F2-E644-E93FB81CA575}"/>
               </a:ext>
               <a:ext uri="{C183D7F6-B498-43B3-948B-1728B52AA6E4}">
-                <adec:decorative xmlns="" xmlns:adec="http://schemas.microsoft.com/office/drawing/2017/decorative" val="1"/>
+                <adec:decorative xmlns:adec="http://schemas.microsoft.com/office/drawing/2017/decorative" xmlns="" val="1"/>
               </a:ext>
             </a:extLst>
           </p:cNvPr>
@@ -3319,7 +3930,7 @@
                 <a16:creationId xmlns:a16="http://schemas.microsoft.com/office/drawing/2014/main" id="{02D51531-1219-2E4B-DCE7-C6FD9D809F0C}"/>
               </a:ext>
               <a:ext uri="{C183D7F6-B498-43B3-948B-1728B52AA6E4}">
-                <adec:decorative xmlns="" xmlns:adec="http://schemas.microsoft.com/office/drawing/2017/decorative" val="1"/>
+                <adec:decorative xmlns:adec="http://schemas.microsoft.com/office/drawing/2017/decorative" xmlns="" val="1"/>
               </a:ext>
             </a:extLst>
           </p:cNvPr>
@@ -3378,7 +3989,7 @@
                 <a16:creationId xmlns:a16="http://schemas.microsoft.com/office/drawing/2014/main" id="{BEC02E56-87A4-158A-F0B0-DB8E9BE3AE5E}"/>
               </a:ext>
               <a:ext uri="{C183D7F6-B498-43B3-948B-1728B52AA6E4}">
-                <adec:decorative xmlns="" xmlns:adec="http://schemas.microsoft.com/office/drawing/2017/decorative" val="1"/>
+                <adec:decorative xmlns:adec="http://schemas.microsoft.com/office/drawing/2017/decorative" xmlns="" val="1"/>
               </a:ext>
             </a:extLst>
           </p:cNvPr>
@@ -3518,7 +4129,7 @@
                 <a16:creationId xmlns:a16="http://schemas.microsoft.com/office/drawing/2014/main" id="{6468DE94-FC46-A848-7949-ABFEADADEA16}"/>
               </a:ext>
               <a:ext uri="{C183D7F6-B498-43B3-948B-1728B52AA6E4}">
-                <adec:decorative xmlns="" xmlns:adec="http://schemas.microsoft.com/office/drawing/2017/decorative" val="1"/>
+                <adec:decorative xmlns:adec="http://schemas.microsoft.com/office/drawing/2017/decorative" xmlns="" val="1"/>
               </a:ext>
             </a:extLst>
           </p:cNvPr>
@@ -3737,7 +4348,7 @@
                 <a16:creationId xmlns:a16="http://schemas.microsoft.com/office/drawing/2014/main" id="{289F5C3D-E9E6-75E0-BF7D-799B5CFE5ED0}"/>
               </a:ext>
               <a:ext uri="{C183D7F6-B498-43B3-948B-1728B52AA6E4}">
-                <adec:decorative xmlns="" xmlns:adec="http://schemas.microsoft.com/office/drawing/2017/decorative" val="1"/>
+                <adec:decorative xmlns:adec="http://schemas.microsoft.com/office/drawing/2017/decorative" xmlns="" val="1"/>
               </a:ext>
             </a:extLst>
           </p:cNvPr>
@@ -3780,7 +4391,7 @@
                     <a16:creationId xmlns:a16="http://schemas.microsoft.com/office/drawing/2014/main" id="{7C904D88-E1BE-F1FA-D405-F55DA966DA84}"/>
                   </a:ext>
                   <a:ext uri="{C183D7F6-B498-43B3-948B-1728B52AA6E4}">
-                    <adec:decorative xmlns="" xmlns:adec="http://schemas.microsoft.com/office/drawing/2017/decorative" val="1"/>
+                    <adec:decorative xmlns:adec="http://schemas.microsoft.com/office/drawing/2017/decorative" xmlns="" val="1"/>
                   </a:ext>
                 </a:extLst>
               </p:cNvPr>
@@ -3841,7 +4452,7 @@
                     <a16:creationId xmlns:a16="http://schemas.microsoft.com/office/drawing/2014/main" id="{1D8F0816-C429-D32E-058B-33405874DFA7}"/>
                   </a:ext>
                   <a:ext uri="{C183D7F6-B498-43B3-948B-1728B52AA6E4}">
-                    <adec:decorative xmlns="" xmlns:adec="http://schemas.microsoft.com/office/drawing/2017/decorative" val="1"/>
+                    <adec:decorative xmlns:adec="http://schemas.microsoft.com/office/drawing/2017/decorative" xmlns="" val="1"/>
                   </a:ext>
                 </a:extLst>
               </p:cNvPr>
@@ -3947,7 +4558,7 @@
                   <a16:creationId xmlns:a16="http://schemas.microsoft.com/office/drawing/2014/main" id="{14AC0A97-7D79-3DBE-FB53-A9EBFD806E06}"/>
                 </a:ext>
                 <a:ext uri="{C183D7F6-B498-43B3-948B-1728B52AA6E4}">
-                  <adec:decorative xmlns="" xmlns:adec="http://schemas.microsoft.com/office/drawing/2017/decorative" val="1"/>
+                  <adec:decorative xmlns:adec="http://schemas.microsoft.com/office/drawing/2017/decorative" xmlns="" val="1"/>
                 </a:ext>
               </a:extLst>
             </p:cNvPr>
@@ -4174,7 +4785,7 @@
                 <a16:creationId xmlns:a16="http://schemas.microsoft.com/office/drawing/2014/main" id="{61CFC792-44F7-2497-E19D-8FB08AFF94F7}"/>
               </a:ext>
               <a:ext uri="{C183D7F6-B498-43B3-948B-1728B52AA6E4}">
-                <adec:decorative xmlns="" xmlns:adec="http://schemas.microsoft.com/office/drawing/2017/decorative" val="1"/>
+                <adec:decorative xmlns:adec="http://schemas.microsoft.com/office/drawing/2017/decorative" xmlns="" val="1"/>
               </a:ext>
             </a:extLst>
           </p:cNvPr>
@@ -4311,7 +4922,7 @@
                 <a16:creationId xmlns:a16="http://schemas.microsoft.com/office/drawing/2014/main" id="{D1BA6450-E291-DC40-F198-C02B485137B0}"/>
               </a:ext>
               <a:ext uri="{C183D7F6-B498-43B3-948B-1728B52AA6E4}">
-                <adec:decorative xmlns="" xmlns:adec="http://schemas.microsoft.com/office/drawing/2017/decorative" val="1"/>
+                <adec:decorative xmlns:adec="http://schemas.microsoft.com/office/drawing/2017/decorative" xmlns="" val="1"/>
               </a:ext>
             </a:extLst>
           </p:cNvPr>
@@ -4467,7 +5078,7 @@
                 <a16:creationId xmlns:a16="http://schemas.microsoft.com/office/drawing/2014/main" id="{9A084D09-1B2D-4EE2-82A7-83196133B801}"/>
               </a:ext>
               <a:ext uri="{C183D7F6-B498-43B3-948B-1728B52AA6E4}">
-                <adec:decorative xmlns="" xmlns:adec="http://schemas.microsoft.com/office/drawing/2017/decorative" val="1"/>
+                <adec:decorative xmlns:adec="http://schemas.microsoft.com/office/drawing/2017/decorative" xmlns="" val="1"/>
               </a:ext>
             </a:extLst>
           </p:cNvPr>
@@ -4490,7 +5101,7 @@
                   <a16:creationId xmlns:a16="http://schemas.microsoft.com/office/drawing/2014/main" id="{53860AA6-1B14-DF89-B725-CC444E502028}"/>
                 </a:ext>
                 <a:ext uri="{C183D7F6-B498-43B3-948B-1728B52AA6E4}">
-                  <adec:decorative xmlns="" xmlns:adec="http://schemas.microsoft.com/office/drawing/2017/decorative" val="1"/>
+                  <adec:decorative xmlns:adec="http://schemas.microsoft.com/office/drawing/2017/decorative" xmlns="" val="1"/>
                 </a:ext>
               </a:extLst>
             </p:cNvPr>
@@ -4549,7 +5160,7 @@
                   <a16:creationId xmlns:a16="http://schemas.microsoft.com/office/drawing/2014/main" id="{D172E570-D67F-4980-88C2-CF6560C1C193}"/>
                 </a:ext>
                 <a:ext uri="{C183D7F6-B498-43B3-948B-1728B52AA6E4}">
-                  <adec:decorative xmlns="" xmlns:adec="http://schemas.microsoft.com/office/drawing/2017/decorative" val="1"/>
+                  <adec:decorative xmlns:adec="http://schemas.microsoft.com/office/drawing/2017/decorative" xmlns="" val="1"/>
                 </a:ext>
               </a:extLst>
             </p:cNvPr>
@@ -4608,7 +5219,7 @@
                     <a16:creationId xmlns:a16="http://schemas.microsoft.com/office/drawing/2014/main" id="{1066F635-8DB9-B091-8467-D8F0327217F4}"/>
                   </a:ext>
                   <a:ext uri="{C183D7F6-B498-43B3-948B-1728B52AA6E4}">
-                    <adec:decorative xmlns="" xmlns:adec="http://schemas.microsoft.com/office/drawing/2017/decorative" val="1"/>
+                    <adec:decorative xmlns:adec="http://schemas.microsoft.com/office/drawing/2017/decorative" xmlns="" val="1"/>
                   </a:ext>
                 </a:extLst>
               </p:cNvPr>
@@ -4669,7 +5280,7 @@
                     <a16:creationId xmlns:a16="http://schemas.microsoft.com/office/drawing/2014/main" id="{882D2FD3-A05B-400C-6347-115486FFD943}"/>
                   </a:ext>
                   <a:ext uri="{C183D7F6-B498-43B3-948B-1728B52AA6E4}">
-                    <adec:decorative xmlns="" xmlns:adec="http://schemas.microsoft.com/office/drawing/2017/decorative" val="1"/>
+                    <adec:decorative xmlns:adec="http://schemas.microsoft.com/office/drawing/2017/decorative" xmlns="" val="1"/>
                   </a:ext>
                 </a:extLst>
               </p:cNvPr>
@@ -4819,7 +5430,7 @@
                 <a16:creationId xmlns:a16="http://schemas.microsoft.com/office/drawing/2014/main" id="{34F613B1-323C-4C25-4526-1D3313A7161D}"/>
               </a:ext>
               <a:ext uri="{C183D7F6-B498-43B3-948B-1728B52AA6E4}">
-                <adec:decorative xmlns="" xmlns:adec="http://schemas.microsoft.com/office/drawing/2017/decorative" val="1"/>
+                <adec:decorative xmlns:adec="http://schemas.microsoft.com/office/drawing/2017/decorative" xmlns="" val="1"/>
               </a:ext>
             </a:extLst>
           </p:cNvPr>
@@ -5096,7 +5707,7 @@
                 <a16:creationId xmlns:a16="http://schemas.microsoft.com/office/drawing/2014/main" id="{8EB5B81B-FCE8-FE9C-8F0A-6488B25F0F6A}"/>
               </a:ext>
               <a:ext uri="{C183D7F6-B498-43B3-948B-1728B52AA6E4}">
-                <adec:decorative xmlns="" xmlns:adec="http://schemas.microsoft.com/office/drawing/2017/decorative" val="1"/>
+                <adec:decorative xmlns:adec="http://schemas.microsoft.com/office/drawing/2017/decorative" xmlns="" val="1"/>
               </a:ext>
             </a:extLst>
           </p:cNvPr>
@@ -5435,7 +6046,7 @@
                 <a16:creationId xmlns:a16="http://schemas.microsoft.com/office/drawing/2014/main" id="{3664209F-41AB-70E5-1B9E-7490900C59C9}"/>
               </a:ext>
               <a:ext uri="{C183D7F6-B498-43B3-948B-1728B52AA6E4}">
-                <adec:decorative xmlns="" xmlns:adec="http://schemas.microsoft.com/office/drawing/2017/decorative" val="1"/>
+                <adec:decorative xmlns:adec="http://schemas.microsoft.com/office/drawing/2017/decorative" xmlns="" val="1"/>
               </a:ext>
             </a:extLst>
           </p:cNvPr>
@@ -5506,7 +6117,7 @@
                 <a16:creationId xmlns:a16="http://schemas.microsoft.com/office/drawing/2014/main" id="{032D3409-585B-54E2-1DCC-AC58804E4AE7}"/>
               </a:ext>
               <a:ext uri="{C183D7F6-B498-43B3-948B-1728B52AA6E4}">
-                <adec:decorative xmlns="" xmlns:adec="http://schemas.microsoft.com/office/drawing/2017/decorative" val="1"/>
+                <adec:decorative xmlns:adec="http://schemas.microsoft.com/office/drawing/2017/decorative" xmlns="" val="1"/>
               </a:ext>
             </a:extLst>
           </p:cNvPr>
@@ -5882,7 +6493,7 @@
                 <a16:creationId xmlns:a16="http://schemas.microsoft.com/office/drawing/2014/main" id="{318CE367-BBCB-F4AB-635F-4C9995EAE350}"/>
               </a:ext>
               <a:ext uri="{C183D7F6-B498-43B3-948B-1728B52AA6E4}">
-                <adec:decorative xmlns="" xmlns:adec="http://schemas.microsoft.com/office/drawing/2017/decorative" val="1"/>
+                <adec:decorative xmlns:adec="http://schemas.microsoft.com/office/drawing/2017/decorative" xmlns="" val="1"/>
               </a:ext>
             </a:extLst>
           </p:cNvPr>
@@ -5920,7 +6531,7 @@
                 <a16:creationId xmlns:a16="http://schemas.microsoft.com/office/drawing/2014/main" id="{5CE3FBBA-81E2-31F1-EF51-02706B5B5C0A}"/>
               </a:ext>
               <a:ext uri="{C183D7F6-B498-43B3-948B-1728B52AA6E4}">
-                <adec:decorative xmlns="" xmlns:adec="http://schemas.microsoft.com/office/drawing/2017/decorative" val="1"/>
+                <adec:decorative xmlns:adec="http://schemas.microsoft.com/office/drawing/2017/decorative" xmlns="" val="1"/>
               </a:ext>
             </a:extLst>
           </p:cNvPr>
@@ -5979,7 +6590,7 @@
                 <a16:creationId xmlns:a16="http://schemas.microsoft.com/office/drawing/2014/main" id="{9AD3746D-3CD1-FFA5-0019-AD0C588B1924}"/>
               </a:ext>
               <a:ext uri="{C183D7F6-B498-43B3-948B-1728B52AA6E4}">
-                <adec:decorative xmlns="" xmlns:adec="http://schemas.microsoft.com/office/drawing/2017/decorative" val="1"/>
+                <adec:decorative xmlns:adec="http://schemas.microsoft.com/office/drawing/2017/decorative" xmlns="" val="1"/>
               </a:ext>
             </a:extLst>
           </p:cNvPr>
@@ -6414,7 +7025,7 @@
                 <a16:creationId xmlns:a16="http://schemas.microsoft.com/office/drawing/2014/main" id="{4361F2FA-20C7-5447-C138-CE2CA1867FE7}"/>
               </a:ext>
               <a:ext uri="{C183D7F6-B498-43B3-948B-1728B52AA6E4}">
-                <adec:decorative xmlns="" xmlns:adec="http://schemas.microsoft.com/office/drawing/2017/decorative" val="1"/>
+                <adec:decorative xmlns:adec="http://schemas.microsoft.com/office/drawing/2017/decorative" xmlns="" val="1"/>
               </a:ext>
             </a:extLst>
           </p:cNvPr>
@@ -6505,7 +7116,7 @@
                   <a16:creationId xmlns:a16="http://schemas.microsoft.com/office/drawing/2014/main" id="{CDC952AF-CE06-54F7-CB4A-1722F90AC3DF}"/>
                 </a:ext>
                 <a:ext uri="{C183D7F6-B498-43B3-948B-1728B52AA6E4}">
-                  <adec:decorative xmlns="" xmlns:adec="http://schemas.microsoft.com/office/drawing/2017/decorative" val="1"/>
+                  <adec:decorative xmlns:adec="http://schemas.microsoft.com/office/drawing/2017/decorative" xmlns="" val="1"/>
                 </a:ext>
               </a:extLst>
             </p:cNvPr>
@@ -6563,7 +7174,7 @@
                     <a16:creationId xmlns:a16="http://schemas.microsoft.com/office/drawing/2014/main" id="{312F4F85-6C79-201D-E20D-64CD4728E4C8}"/>
                   </a:ext>
                   <a:ext uri="{C183D7F6-B498-43B3-948B-1728B52AA6E4}">
-                    <adec:decorative xmlns="" xmlns:adec="http://schemas.microsoft.com/office/drawing/2017/decorative" val="1"/>
+                    <adec:decorative xmlns:adec="http://schemas.microsoft.com/office/drawing/2017/decorative" xmlns="" val="1"/>
                   </a:ext>
                 </a:extLst>
               </p:cNvPr>
@@ -6716,7 +7327,7 @@
                     <a16:creationId xmlns:a16="http://schemas.microsoft.com/office/drawing/2014/main" id="{01D71DAD-ECC6-A850-88E4-A4EDCF494A24}"/>
                   </a:ext>
                   <a:ext uri="{C183D7F6-B498-43B3-948B-1728B52AA6E4}">
-                    <adec:decorative xmlns="" xmlns:adec="http://schemas.microsoft.com/office/drawing/2017/decorative" val="1"/>
+                    <adec:decorative xmlns:adec="http://schemas.microsoft.com/office/drawing/2017/decorative" xmlns="" val="1"/>
                   </a:ext>
                 </a:extLst>
               </p:cNvPr>
@@ -6842,7 +7453,7 @@
                     <a16:creationId xmlns:a16="http://schemas.microsoft.com/office/drawing/2014/main" id="{B05BE7BE-7D54-A09B-8A67-6B28CF6BB6C0}"/>
                   </a:ext>
                   <a:ext uri="{C183D7F6-B498-43B3-948B-1728B52AA6E4}">
-                    <adec:decorative xmlns="" xmlns:adec="http://schemas.microsoft.com/office/drawing/2017/decorative" val="1"/>
+                    <adec:decorative xmlns:adec="http://schemas.microsoft.com/office/drawing/2017/decorative" xmlns="" val="1"/>
                   </a:ext>
                 </a:extLst>
               </p:cNvPr>
@@ -6995,7 +7606,7 @@
                     <a16:creationId xmlns:a16="http://schemas.microsoft.com/office/drawing/2014/main" id="{258346A9-F75C-6704-EEED-CF7A8A0F8010}"/>
                   </a:ext>
                   <a:ext uri="{C183D7F6-B498-43B3-948B-1728B52AA6E4}">
-                    <adec:decorative xmlns="" xmlns:adec="http://schemas.microsoft.com/office/drawing/2017/decorative" val="1"/>
+                    <adec:decorative xmlns:adec="http://schemas.microsoft.com/office/drawing/2017/decorative" xmlns="" val="1"/>
                   </a:ext>
                 </a:extLst>
               </p:cNvPr>
@@ -7296,7 +7907,7 @@
                 <a16:creationId xmlns:a16="http://schemas.microsoft.com/office/drawing/2014/main" id="{9C7D5518-914C-92E3-E9EC-26752C9F05AD}"/>
               </a:ext>
               <a:ext uri="{C183D7F6-B498-43B3-948B-1728B52AA6E4}">
-                <adec:decorative xmlns="" xmlns:adec="http://schemas.microsoft.com/office/drawing/2017/decorative" val="1"/>
+                <adec:decorative xmlns:adec="http://schemas.microsoft.com/office/drawing/2017/decorative" xmlns="" val="1"/>
               </a:ext>
             </a:extLst>
           </p:cNvPr>
@@ -7319,7 +7930,7 @@
                   <a16:creationId xmlns:a16="http://schemas.microsoft.com/office/drawing/2014/main" id="{C82D0B82-F74C-65EF-3BF6-8EEA16F36B7D}"/>
                 </a:ext>
                 <a:ext uri="{C183D7F6-B498-43B3-948B-1728B52AA6E4}">
-                  <adec:decorative xmlns="" xmlns:adec="http://schemas.microsoft.com/office/drawing/2017/decorative" val="1"/>
+                  <adec:decorative xmlns:adec="http://schemas.microsoft.com/office/drawing/2017/decorative" xmlns="" val="1"/>
                 </a:ext>
               </a:extLst>
             </p:cNvPr>
@@ -7433,7 +8044,7 @@
                     <a16:creationId xmlns:a16="http://schemas.microsoft.com/office/drawing/2014/main" id="{2BC89B10-C93E-8CE5-73B3-F6049168C313}"/>
                   </a:ext>
                   <a:ext uri="{C183D7F6-B498-43B3-948B-1728B52AA6E4}">
-                    <adec:decorative xmlns="" xmlns:adec="http://schemas.microsoft.com/office/drawing/2017/decorative" val="1"/>
+                    <adec:decorative xmlns:adec="http://schemas.microsoft.com/office/drawing/2017/decorative" xmlns="" val="1"/>
                   </a:ext>
                 </a:extLst>
               </p:cNvPr>
@@ -7586,7 +8197,7 @@
                     <a16:creationId xmlns:a16="http://schemas.microsoft.com/office/drawing/2014/main" id="{39DB2AA2-9661-AC91-932D-2F1BEC47BD84}"/>
                   </a:ext>
                   <a:ext uri="{C183D7F6-B498-43B3-948B-1728B52AA6E4}">
-                    <adec:decorative xmlns="" xmlns:adec="http://schemas.microsoft.com/office/drawing/2017/decorative" val="1"/>
+                    <adec:decorative xmlns:adec="http://schemas.microsoft.com/office/drawing/2017/decorative" xmlns="" val="1"/>
                   </a:ext>
                 </a:extLst>
               </p:cNvPr>
@@ -7691,7 +8302,7 @@
                     <a16:creationId xmlns:a16="http://schemas.microsoft.com/office/drawing/2014/main" id="{86C9AC9B-3792-E880-03FE-D46FB046AB63}"/>
                   </a:ext>
                   <a:ext uri="{C183D7F6-B498-43B3-948B-1728B52AA6E4}">
-                    <adec:decorative xmlns="" xmlns:adec="http://schemas.microsoft.com/office/drawing/2017/decorative" val="1"/>
+                    <adec:decorative xmlns:adec="http://schemas.microsoft.com/office/drawing/2017/decorative" xmlns="" val="1"/>
                   </a:ext>
                 </a:extLst>
               </p:cNvPr>
@@ -7817,7 +8428,7 @@
                     <a16:creationId xmlns:a16="http://schemas.microsoft.com/office/drawing/2014/main" id="{A746B023-387D-4EAC-052B-60F131E6E707}"/>
                   </a:ext>
                   <a:ext uri="{C183D7F6-B498-43B3-948B-1728B52AA6E4}">
-                    <adec:decorative xmlns="" xmlns:adec="http://schemas.microsoft.com/office/drawing/2017/decorative" val="1"/>
+                    <adec:decorative xmlns:adec="http://schemas.microsoft.com/office/drawing/2017/decorative" xmlns="" val="1"/>
                   </a:ext>
                 </a:extLst>
               </p:cNvPr>
@@ -7970,7 +8581,7 @@
                     <a16:creationId xmlns:a16="http://schemas.microsoft.com/office/drawing/2014/main" id="{20760125-21CF-A296-3EA7-3C6C0E9BCB2F}"/>
                   </a:ext>
                   <a:ext uri="{C183D7F6-B498-43B3-948B-1728B52AA6E4}">
-                    <adec:decorative xmlns="" xmlns:adec="http://schemas.microsoft.com/office/drawing/2017/decorative" val="1"/>
+                    <adec:decorative xmlns:adec="http://schemas.microsoft.com/office/drawing/2017/decorative" xmlns="" val="1"/>
                   </a:ext>
                 </a:extLst>
               </p:cNvPr>
@@ -8077,7 +8688,7 @@
                 <a16:creationId xmlns:a16="http://schemas.microsoft.com/office/drawing/2014/main" id="{7F851D11-41E3-33F2-CBA6-B2A9A5A2A517}"/>
               </a:ext>
               <a:ext uri="{C183D7F6-B498-43B3-948B-1728B52AA6E4}">
-                <adec:decorative xmlns="" xmlns:adec="http://schemas.microsoft.com/office/drawing/2017/decorative" val="1"/>
+                <adec:decorative xmlns:adec="http://schemas.microsoft.com/office/drawing/2017/decorative" xmlns="" val="1"/>
               </a:ext>
             </a:extLst>
           </p:cNvPr>
@@ -8609,7 +9220,7 @@
                 <a16:creationId xmlns:a16="http://schemas.microsoft.com/office/drawing/2014/main" id="{B3A7247A-846A-F316-B494-69B42CBF34DD}"/>
               </a:ext>
               <a:ext uri="{C183D7F6-B498-43B3-948B-1728B52AA6E4}">
-                <adec:decorative xmlns="" xmlns:adec="http://schemas.microsoft.com/office/drawing/2017/decorative" val="1"/>
+                <adec:decorative xmlns:adec="http://schemas.microsoft.com/office/drawing/2017/decorative" xmlns="" val="1"/>
               </a:ext>
             </a:extLst>
           </p:cNvPr>
@@ -8668,7 +9279,7 @@
                 <a16:creationId xmlns:a16="http://schemas.microsoft.com/office/drawing/2014/main" id="{884B3AF6-983E-0901-0045-6CDF4E93E1BA}"/>
               </a:ext>
               <a:ext uri="{C183D7F6-B498-43B3-948B-1728B52AA6E4}">
-                <adec:decorative xmlns="" xmlns:adec="http://schemas.microsoft.com/office/drawing/2017/decorative" val="1"/>
+                <adec:decorative xmlns:adec="http://schemas.microsoft.com/office/drawing/2017/decorative" xmlns="" val="1"/>
               </a:ext>
             </a:extLst>
           </p:cNvPr>
@@ -8724,7 +9335,7 @@
                 <a16:creationId xmlns:a16="http://schemas.microsoft.com/office/drawing/2014/main" id="{3C5B7647-403E-A66E-6CF4-0D3A99AA5154}"/>
               </a:ext>
               <a:ext uri="{C183D7F6-B498-43B3-948B-1728B52AA6E4}">
-                <adec:decorative xmlns="" xmlns:adec="http://schemas.microsoft.com/office/drawing/2017/decorative" val="1"/>
+                <adec:decorative xmlns:adec="http://schemas.microsoft.com/office/drawing/2017/decorative" xmlns="" val="1"/>
               </a:ext>
             </a:extLst>
           </p:cNvPr>
@@ -8747,7 +9358,7 @@
                   <a16:creationId xmlns:a16="http://schemas.microsoft.com/office/drawing/2014/main" id="{E48E731E-FEF1-9C59-64B0-9CB6E8853912}"/>
                 </a:ext>
                 <a:ext uri="{C183D7F6-B498-43B3-948B-1728B52AA6E4}">
-                  <adec:decorative xmlns="" xmlns:adec="http://schemas.microsoft.com/office/drawing/2017/decorative" val="1"/>
+                  <adec:decorative xmlns:adec="http://schemas.microsoft.com/office/drawing/2017/decorative" xmlns="" val="1"/>
                 </a:ext>
               </a:extLst>
             </p:cNvPr>
@@ -8900,7 +9511,7 @@
                   <a16:creationId xmlns:a16="http://schemas.microsoft.com/office/drawing/2014/main" id="{AFE83BB3-4D12-8E20-CA93-1834D7F0A434}"/>
                 </a:ext>
                 <a:ext uri="{C183D7F6-B498-43B3-948B-1728B52AA6E4}">
-                  <adec:decorative xmlns="" xmlns:adec="http://schemas.microsoft.com/office/drawing/2017/decorative" val="1"/>
+                  <adec:decorative xmlns:adec="http://schemas.microsoft.com/office/drawing/2017/decorative" xmlns="" val="1"/>
                 </a:ext>
               </a:extLst>
             </p:cNvPr>
@@ -9005,7 +9616,7 @@
                   <a16:creationId xmlns:a16="http://schemas.microsoft.com/office/drawing/2014/main" id="{3EB1D810-BC05-6C0E-0DE4-3604EBAADCC3}"/>
                 </a:ext>
                 <a:ext uri="{C183D7F6-B498-43B3-948B-1728B52AA6E4}">
-                  <adec:decorative xmlns="" xmlns:adec="http://schemas.microsoft.com/office/drawing/2017/decorative" val="1"/>
+                  <adec:decorative xmlns:adec="http://schemas.microsoft.com/office/drawing/2017/decorative" xmlns="" val="1"/>
                 </a:ext>
               </a:extLst>
             </p:cNvPr>
@@ -10273,7 +10884,7 @@
           <p:cNvPr id="2" name="Title 1">
             <a:extLst>
               <a:ext uri="{FF2B5EF4-FFF2-40B4-BE49-F238E27FC236}">
-                <a16:creationId xmlns:a16="http://schemas.microsoft.com/office/drawing/2014/main" id="{D9F60903-003B-273E-3584-5312F76C3EF3}"/>
+                <a16:creationId xmlns:a16="http://schemas.microsoft.com/office/drawing/2014/main" id="{6CCA29A4-AAFD-04EE-0732-0671E83D5EF1}"/>
               </a:ext>
             </a:extLst>
           </p:cNvPr>
@@ -10286,28 +10897,84 @@
         </p:nvSpPr>
         <p:spPr>
           <a:xfrm>
-            <a:off x="3305669" y="113097"/>
-            <a:ext cx="7420819" cy="1656304"/>
+            <a:off x="2399620" y="162560"/>
+            <a:ext cx="8843050" cy="1616904"/>
           </a:xfrm>
         </p:spPr>
         <p:txBody>
           <a:bodyPr/>
           <a:lstStyle/>
           <a:p>
-            <a:r>
-              <a:rPr lang="hu-HU" dirty="0" err="1" smtClean="0"/>
-              <a:t>Github</a:t>
-            </a:r>
             <a:endParaRPr lang="en-US" dirty="0"/>
           </a:p>
         </p:txBody>
       </p:sp>
       <p:sp>
         <p:nvSpPr>
-          <p:cNvPr id="3" name="Slide Number Placeholder 2">
+          <p:cNvPr id="3" name="Content Placeholder 2">
             <a:extLst>
               <a:ext uri="{FF2B5EF4-FFF2-40B4-BE49-F238E27FC236}">
-                <a16:creationId xmlns:a16="http://schemas.microsoft.com/office/drawing/2014/main" id="{64347AE7-D6A2-42FB-3D58-6297742FC352}"/>
+                <a16:creationId xmlns:a16="http://schemas.microsoft.com/office/drawing/2014/main" id="{F09FEE91-E849-1CB0-9E51-A58B99C631C5}"/>
+              </a:ext>
+            </a:extLst>
+          </p:cNvPr>
+          <p:cNvSpPr>
+            <a:spLocks noGrp="1"/>
+          </p:cNvSpPr>
+          <p:nvPr>
+            <p:ph sz="quarter" idx="35"/>
+          </p:nvPr>
+        </p:nvSpPr>
+        <p:spPr>
+          <a:xfrm>
+            <a:off x="2373002" y="2474811"/>
+            <a:ext cx="4015098" cy="3528397"/>
+          </a:xfrm>
+        </p:spPr>
+        <p:txBody>
+          <a:bodyPr/>
+          <a:lstStyle/>
+          <a:p>
+            <a:endParaRPr lang="en-US" dirty="0"/>
+          </a:p>
+        </p:txBody>
+      </p:sp>
+      <p:sp>
+        <p:nvSpPr>
+          <p:cNvPr id="4" name="Content Placeholder 3">
+            <a:extLst>
+              <a:ext uri="{FF2B5EF4-FFF2-40B4-BE49-F238E27FC236}">
+                <a16:creationId xmlns:a16="http://schemas.microsoft.com/office/drawing/2014/main" id="{9B774F1A-D233-C240-B22D-F82C6161FAC1}"/>
+              </a:ext>
+            </a:extLst>
+          </p:cNvPr>
+          <p:cNvSpPr>
+            <a:spLocks noGrp="1"/>
+          </p:cNvSpPr>
+          <p:nvPr>
+            <p:ph sz="quarter" idx="36"/>
+          </p:nvPr>
+        </p:nvSpPr>
+        <p:spPr>
+          <a:xfrm>
+            <a:off x="6995159" y="2474811"/>
+            <a:ext cx="4227332" cy="3528397"/>
+          </a:xfrm>
+        </p:spPr>
+        <p:txBody>
+          <a:bodyPr/>
+          <a:lstStyle/>
+          <a:p>
+            <a:endParaRPr lang="en-US" dirty="0"/>
+          </a:p>
+        </p:txBody>
+      </p:sp>
+      <p:sp>
+        <p:nvSpPr>
+          <p:cNvPr id="5" name="Slide Number Placeholder 4">
+            <a:extLst>
+              <a:ext uri="{FF2B5EF4-FFF2-40B4-BE49-F238E27FC236}">
+                <a16:creationId xmlns:a16="http://schemas.microsoft.com/office/drawing/2014/main" id="{23E23533-91C6-420C-B7D7-4977ACF73ACF}"/>
               </a:ext>
             </a:extLst>
           </p:cNvPr>
@@ -10337,100 +11004,10 @@
           </a:p>
         </p:txBody>
       </p:sp>
-      <p:pic>
-        <p:nvPicPr>
-          <p:cNvPr id="6" name="Tartalom helye 5"/>
-          <p:cNvPicPr>
-            <a:picLocks noGrp="1" noChangeAspect="1"/>
-          </p:cNvPicPr>
-          <p:nvPr>
-            <p:ph sz="quarter" idx="31"/>
-          </p:nvPr>
-        </p:nvPicPr>
-        <p:blipFill>
-          <a:blip r:embed="rId3"/>
-          <a:stretch>
-            <a:fillRect/>
-          </a:stretch>
-        </p:blipFill>
-        <p:spPr>
-          <a:xfrm>
-            <a:off x="3305669" y="2371352"/>
-            <a:ext cx="7980640" cy="3425281"/>
-          </a:xfrm>
-          <a:prstGeom prst="rect">
-            <a:avLst/>
-          </a:prstGeom>
-        </p:spPr>
-      </p:pic>
-      <p:sp>
-        <p:nvSpPr>
-          <p:cNvPr id="4" name="Szövegdoboz 3"/>
-          <p:cNvSpPr txBox="1"/>
-          <p:nvPr/>
-        </p:nvSpPr>
-        <p:spPr>
-          <a:xfrm>
-            <a:off x="3059723" y="6101862"/>
-            <a:ext cx="7552592" cy="646331"/>
-          </a:xfrm>
-          <a:prstGeom prst="rect">
-            <a:avLst/>
-          </a:prstGeom>
-          <a:noFill/>
-        </p:spPr>
-        <p:txBody>
-          <a:bodyPr wrap="square" rtlCol="0">
-            <a:spAutoFit/>
-          </a:bodyPr>
-          <a:lstStyle/>
-          <a:p>
-            <a:r>
-              <a:rPr lang="hu-HU" dirty="0" smtClean="0">
-                <a:solidFill>
-                  <a:schemeClr val="bg1"/>
-                </a:solidFill>
-              </a:rPr>
-              <a:t>A teljes játékot </a:t>
-            </a:r>
-            <a:r>
-              <a:rPr lang="hu-HU" dirty="0" err="1" smtClean="0">
-                <a:solidFill>
-                  <a:schemeClr val="bg1"/>
-                </a:solidFill>
-              </a:rPr>
-              <a:t>githubra</a:t>
-            </a:r>
-            <a:r>
-              <a:rPr lang="hu-HU" dirty="0">
-                <a:solidFill>
-                  <a:schemeClr val="bg1"/>
-                </a:solidFill>
-              </a:rPr>
-              <a:t> töltöttük fel</a:t>
-            </a:r>
-            <a:br>
-              <a:rPr lang="hu-HU" dirty="0">
-                <a:solidFill>
-                  <a:schemeClr val="bg1"/>
-                </a:solidFill>
-              </a:rPr>
-            </a:br>
-            <a:r>
-              <a:rPr lang="hu-HU" dirty="0">
-                <a:solidFill>
-                  <a:schemeClr val="bg1"/>
-                </a:solidFill>
-              </a:rPr>
-              <a:t>https://github.com/vargab3/Jumpermain</a:t>
-            </a:r>
-          </a:p>
-        </p:txBody>
-      </p:sp>
     </p:spTree>
     <p:extLst>
       <p:ext uri="{BB962C8B-B14F-4D97-AF65-F5344CB8AC3E}">
-        <p14:creationId xmlns:p14="http://schemas.microsoft.com/office/powerpoint/2010/main" val="1962637282"/>
+        <p14:creationId xmlns:p14="http://schemas.microsoft.com/office/powerpoint/2010/main" val="1073601555"/>
       </p:ext>
     </p:extLst>
   </p:cSld>
@@ -10464,112 +11041,148 @@
           <a:chExt cx="0" cy="0"/>
         </a:xfrm>
       </p:grpSpPr>
-      <p:pic>
-        <p:nvPicPr>
-          <p:cNvPr id="8" name="Kép 7"/>
-          <p:cNvPicPr>
-            <a:picLocks noChangeAspect="1"/>
-          </p:cNvPicPr>
-          <p:nvPr/>
-        </p:nvPicPr>
-        <p:blipFill>
-          <a:blip r:embed="rId2"/>
-          <a:stretch>
-            <a:fillRect/>
-          </a:stretch>
-        </p:blipFill>
+      <p:sp>
+        <p:nvSpPr>
+          <p:cNvPr id="2" name="Title 1">
+            <a:extLst>
+              <a:ext uri="{FF2B5EF4-FFF2-40B4-BE49-F238E27FC236}">
+                <a16:creationId xmlns:a16="http://schemas.microsoft.com/office/drawing/2014/main" id="{11883E06-8BEA-1DD3-D0D6-391C08880EBF}"/>
+              </a:ext>
+            </a:extLst>
+          </p:cNvPr>
+          <p:cNvSpPr>
+            <a:spLocks noGrp="1"/>
+          </p:cNvSpPr>
+          <p:nvPr>
+            <p:ph type="title"/>
+          </p:nvPr>
+        </p:nvSpPr>
         <p:spPr>
           <a:xfrm>
-            <a:off x="567973" y="2004605"/>
-            <a:ext cx="4699352" cy="4415245"/>
+            <a:off x="741680" y="430482"/>
+            <a:ext cx="10500989" cy="1327464"/>
           </a:xfrm>
-          <a:prstGeom prst="rect">
-            <a:avLst/>
-          </a:prstGeom>
         </p:spPr>
-      </p:pic>
-      <p:pic>
-        <p:nvPicPr>
-          <p:cNvPr id="9" name="Kép 8"/>
-          <p:cNvPicPr>
-            <a:picLocks noChangeAspect="1"/>
-          </p:cNvPicPr>
-          <p:nvPr/>
-        </p:nvPicPr>
-        <p:blipFill>
-          <a:blip r:embed="rId3"/>
-          <a:stretch>
-            <a:fillRect/>
-          </a:stretch>
-        </p:blipFill>
+        <p:txBody>
+          <a:bodyPr/>
+          <a:lstStyle/>
+          <a:p>
+            <a:endParaRPr lang="en-US" dirty="0"/>
+          </a:p>
+        </p:txBody>
+      </p:sp>
+      <p:sp>
+        <p:nvSpPr>
+          <p:cNvPr id="3" name="Content Placeholder 2">
+            <a:extLst>
+              <a:ext uri="{FF2B5EF4-FFF2-40B4-BE49-F238E27FC236}">
+                <a16:creationId xmlns:a16="http://schemas.microsoft.com/office/drawing/2014/main" id="{1CF175D3-F3DC-695F-474B-346EDCA5D60F}"/>
+              </a:ext>
+            </a:extLst>
+          </p:cNvPr>
+          <p:cNvSpPr>
+            <a:spLocks noGrp="1"/>
+          </p:cNvSpPr>
+          <p:nvPr>
+            <p:ph sz="quarter" idx="35"/>
+          </p:nvPr>
+        </p:nvSpPr>
         <p:spPr>
           <a:xfrm>
-            <a:off x="567973" y="1452540"/>
-            <a:ext cx="1476581" cy="314369"/>
+            <a:off x="807038" y="2465539"/>
+            <a:ext cx="3774587" cy="3723753"/>
           </a:xfrm>
-          <a:prstGeom prst="rect">
-            <a:avLst/>
-          </a:prstGeom>
         </p:spPr>
-      </p:pic>
-      <p:pic>
-        <p:nvPicPr>
-          <p:cNvPr id="10" name="Kép 9"/>
-          <p:cNvPicPr>
-            <a:picLocks noChangeAspect="1"/>
-          </p:cNvPicPr>
-          <p:nvPr/>
-        </p:nvPicPr>
-        <p:blipFill>
-          <a:blip r:embed="rId4"/>
-          <a:stretch>
-            <a:fillRect/>
-          </a:stretch>
-        </p:blipFill>
+        <p:txBody>
+          <a:bodyPr/>
+          <a:lstStyle/>
+          <a:p>
+            <a:endParaRPr lang="en-US" dirty="0"/>
+          </a:p>
+        </p:txBody>
+      </p:sp>
+      <p:sp>
+        <p:nvSpPr>
+          <p:cNvPr id="4" name="Content Placeholder 3">
+            <a:extLst>
+              <a:ext uri="{FF2B5EF4-FFF2-40B4-BE49-F238E27FC236}">
+                <a16:creationId xmlns:a16="http://schemas.microsoft.com/office/drawing/2014/main" id="{3770D91C-D5C0-248C-26D3-DE7C7C72E632}"/>
+              </a:ext>
+            </a:extLst>
+          </p:cNvPr>
+          <p:cNvSpPr>
+            <a:spLocks noGrp="1"/>
+          </p:cNvSpPr>
+          <p:nvPr>
+            <p:ph sz="quarter" idx="36"/>
+          </p:nvPr>
+        </p:nvSpPr>
         <p:spPr>
           <a:xfrm>
-            <a:off x="6389021" y="2004605"/>
-            <a:ext cx="4998514" cy="3196045"/>
+            <a:off x="4927600" y="2465539"/>
+            <a:ext cx="6315069" cy="3723753"/>
           </a:xfrm>
-          <a:prstGeom prst="rect">
-            <a:avLst/>
-          </a:prstGeom>
         </p:spPr>
-      </p:pic>
-      <p:pic>
-        <p:nvPicPr>
-          <p:cNvPr id="11" name="Kép 10"/>
-          <p:cNvPicPr>
-            <a:picLocks noChangeAspect="1"/>
-          </p:cNvPicPr>
-          <p:nvPr/>
-        </p:nvPicPr>
-        <p:blipFill>
-          <a:blip r:embed="rId5"/>
-          <a:stretch>
-            <a:fillRect/>
-          </a:stretch>
-        </p:blipFill>
+        <p:txBody>
+          <a:bodyPr/>
+          <a:lstStyle/>
+          <a:p>
+            <a:endParaRPr lang="en-US" dirty="0"/>
+          </a:p>
+        </p:txBody>
+      </p:sp>
+      <p:sp>
+        <p:nvSpPr>
+          <p:cNvPr id="5" name="Slide Number Placeholder 4">
+            <a:extLst>
+              <a:ext uri="{FF2B5EF4-FFF2-40B4-BE49-F238E27FC236}">
+                <a16:creationId xmlns:a16="http://schemas.microsoft.com/office/drawing/2014/main" id="{E87B8B6A-2B28-5C38-80E7-0EBE705FFBBF}"/>
+              </a:ext>
+            </a:extLst>
+          </p:cNvPr>
+          <p:cNvSpPr>
+            <a:spLocks noGrp="1"/>
+          </p:cNvSpPr>
+          <p:nvPr>
+            <p:ph type="sldNum" sz="quarter" idx="12"/>
+          </p:nvPr>
+        </p:nvSpPr>
         <p:spPr>
           <a:xfrm>
-            <a:off x="6781748" y="1328698"/>
-            <a:ext cx="743054" cy="438211"/>
+            <a:off x="9140971" y="6226198"/>
+            <a:ext cx="2743200" cy="365125"/>
           </a:xfrm>
-          <a:prstGeom prst="rect">
-            <a:avLst/>
-          </a:prstGeom>
         </p:spPr>
-      </p:pic>
+        <p:txBody>
+          <a:bodyPr/>
+          <a:lstStyle/>
+          <a:p>
+            <a:fld id="{FE024F78-56A6-7740-B68D-8D4D026EDF3F}" type="slidenum">
+              <a:rPr lang="en-US" smtClean="0"/>
+              <a:pPr/>
+              <a:t>11</a:t>
+            </a:fld>
+            <a:endParaRPr lang="en-US" dirty="0"/>
+          </a:p>
+        </p:txBody>
+      </p:sp>
     </p:spTree>
     <p:extLst>
       <p:ext uri="{BB962C8B-B14F-4D97-AF65-F5344CB8AC3E}">
-        <p14:creationId xmlns:p14="http://schemas.microsoft.com/office/powerpoint/2010/main" val="51023436"/>
+        <p14:creationId xmlns:p14="http://schemas.microsoft.com/office/powerpoint/2010/main" val="2728059627"/>
       </p:ext>
     </p:extLst>
   </p:cSld>
   <p:clrMapOvr>
     <a:masterClrMapping/>
   </p:clrMapOvr>
+  <p:timing>
+    <p:tnLst>
+      <p:par>
+        <p:cTn id="1" dur="indefinite" restart="never" nodeType="tmRoot"/>
+      </p:par>
+    </p:tnLst>
+  </p:timing>
 </p:sld>
 </file>
 
@@ -10590,220 +11203,153 @@
           <a:chExt cx="0" cy="0"/>
         </a:xfrm>
       </p:grpSpPr>
+      <p:sp>
+        <p:nvSpPr>
+          <p:cNvPr id="2" name="Title 1">
+            <a:extLst>
+              <a:ext uri="{FF2B5EF4-FFF2-40B4-BE49-F238E27FC236}">
+                <a16:creationId xmlns:a16="http://schemas.microsoft.com/office/drawing/2014/main" id="{D543EB8B-0AB9-7554-AEEA-E8D744959E9A}"/>
+              </a:ext>
+            </a:extLst>
+          </p:cNvPr>
+          <p:cNvSpPr>
+            <a:spLocks noGrp="1"/>
+          </p:cNvSpPr>
+          <p:nvPr>
+            <p:ph type="title"/>
+          </p:nvPr>
+        </p:nvSpPr>
+        <p:spPr>
+          <a:xfrm>
+            <a:off x="6889627" y="173736"/>
+            <a:ext cx="4352662" cy="2203704"/>
+          </a:xfrm>
+        </p:spPr>
+        <p:txBody>
+          <a:bodyPr/>
+          <a:lstStyle/>
+          <a:p>
+            <a:pPr lvl="0"/>
+            <a:endParaRPr lang="en-US" noProof="0" dirty="0"/>
+          </a:p>
+        </p:txBody>
+      </p:sp>
       <p:pic>
         <p:nvPicPr>
-          <p:cNvPr id="4" name="Kép 3"/>
+          <p:cNvPr id="6" name="Picture Placeholder 5" descr="A blue and purple spiral">
+            <a:extLst>
+              <a:ext uri="{FF2B5EF4-FFF2-40B4-BE49-F238E27FC236}">
+                <a16:creationId xmlns:a16="http://schemas.microsoft.com/office/drawing/2014/main" id="{05B64636-376E-96D4-B550-D764B2C6A6A7}"/>
+              </a:ext>
+            </a:extLst>
+          </p:cNvPr>
           <p:cNvPicPr>
-            <a:picLocks noChangeAspect="1"/>
+            <a:picLocks noGrp="1" noChangeAspect="1"/>
           </p:cNvPicPr>
-          <p:nvPr/>
+          <p:nvPr>
+            <p:ph type="pic" sz="quarter" idx="37"/>
+          </p:nvPr>
         </p:nvPicPr>
-        <p:blipFill>
-          <a:blip r:embed="rId2"/>
-          <a:stretch>
-            <a:fillRect/>
-          </a:stretch>
+        <p:blipFill rotWithShape="1">
+          <a:blip r:embed="rId3" cstate="screen">
+            <a:extLst>
+              <a:ext uri="{28A0092B-C50C-407E-A947-70E740481C1C}">
+                <a14:useLocalDpi xmlns:a14="http://schemas.microsoft.com/office/drawing/2010/main"/>
+              </a:ext>
+            </a:extLst>
+          </a:blip>
+          <a:srcRect t="202" b="202"/>
+          <a:stretch/>
         </p:blipFill>
         <p:spPr>
           <a:xfrm>
-            <a:off x="671407" y="1085824"/>
-            <a:ext cx="1514686" cy="362001"/>
+            <a:off x="336550" y="336550"/>
+            <a:ext cx="5303640" cy="6184900"/>
           </a:xfrm>
-          <a:prstGeom prst="rect">
-            <a:avLst/>
-          </a:prstGeom>
         </p:spPr>
       </p:pic>
-      <p:pic>
-        <p:nvPicPr>
-          <p:cNvPr id="5" name="Kép 4"/>
-          <p:cNvPicPr>
-            <a:picLocks noChangeAspect="1"/>
-          </p:cNvPicPr>
-          <p:nvPr/>
-        </p:nvPicPr>
-        <p:blipFill>
-          <a:blip r:embed="rId3"/>
-          <a:stretch>
-            <a:fillRect/>
-          </a:stretch>
-        </p:blipFill>
+      <p:sp>
+        <p:nvSpPr>
+          <p:cNvPr id="3" name="Content Placeholder 2">
+            <a:extLst>
+              <a:ext uri="{FF2B5EF4-FFF2-40B4-BE49-F238E27FC236}">
+                <a16:creationId xmlns:a16="http://schemas.microsoft.com/office/drawing/2014/main" id="{FB2F5F9A-B16D-CA49-7F40-A0142E41DC56}"/>
+              </a:ext>
+            </a:extLst>
+          </p:cNvPr>
+          <p:cNvSpPr>
+            <a:spLocks noGrp="1"/>
+          </p:cNvSpPr>
+          <p:nvPr>
+            <p:ph sz="quarter" idx="36"/>
+          </p:nvPr>
+        </p:nvSpPr>
         <p:spPr>
           <a:xfrm>
-            <a:off x="134937" y="1571103"/>
-            <a:ext cx="6318912" cy="5220247"/>
+            <a:off x="6889627" y="3104277"/>
+            <a:ext cx="4371560" cy="3022201"/>
           </a:xfrm>
-          <a:prstGeom prst="rect">
-            <a:avLst/>
-          </a:prstGeom>
         </p:spPr>
-      </p:pic>
-      <p:pic>
-        <p:nvPicPr>
-          <p:cNvPr id="6" name="Kép 5"/>
-          <p:cNvPicPr>
-            <a:picLocks noChangeAspect="1"/>
-          </p:cNvPicPr>
-          <p:nvPr/>
-        </p:nvPicPr>
-        <p:blipFill>
-          <a:blip r:embed="rId4"/>
-          <a:stretch>
-            <a:fillRect/>
-          </a:stretch>
-        </p:blipFill>
+        <p:txBody>
+          <a:bodyPr/>
+          <a:lstStyle/>
+          <a:p>
+            <a:endParaRPr lang="en-US" dirty="0"/>
+          </a:p>
+        </p:txBody>
+      </p:sp>
+      <p:sp>
+        <p:nvSpPr>
+          <p:cNvPr id="4" name="Slide Number Placeholder 3">
+            <a:extLst>
+              <a:ext uri="{FF2B5EF4-FFF2-40B4-BE49-F238E27FC236}">
+                <a16:creationId xmlns:a16="http://schemas.microsoft.com/office/drawing/2014/main" id="{921DB868-BEE2-49F7-9AC5-A3B143880250}"/>
+              </a:ext>
+            </a:extLst>
+          </p:cNvPr>
+          <p:cNvSpPr>
+            <a:spLocks noGrp="1"/>
+          </p:cNvSpPr>
+          <p:nvPr>
+            <p:ph type="sldNum" sz="quarter" idx="12"/>
+          </p:nvPr>
+        </p:nvSpPr>
         <p:spPr>
           <a:xfrm>
-            <a:off x="6822127" y="1276350"/>
-            <a:ext cx="4098643" cy="5515000"/>
+            <a:off x="9140971" y="6226198"/>
+            <a:ext cx="2743200" cy="365125"/>
           </a:xfrm>
-          <a:prstGeom prst="rect">
-            <a:avLst/>
-          </a:prstGeom>
         </p:spPr>
-      </p:pic>
-      <p:pic>
-        <p:nvPicPr>
-          <p:cNvPr id="7" name="Kép 6"/>
-          <p:cNvPicPr>
-            <a:picLocks noChangeAspect="1"/>
-          </p:cNvPicPr>
-          <p:nvPr/>
-        </p:nvPicPr>
-        <p:blipFill>
-          <a:blip r:embed="rId5"/>
-          <a:stretch>
-            <a:fillRect/>
-          </a:stretch>
-        </p:blipFill>
-        <p:spPr>
-          <a:xfrm>
-            <a:off x="6822127" y="666666"/>
-            <a:ext cx="1419423" cy="419158"/>
-          </a:xfrm>
-          <a:prstGeom prst="rect">
-            <a:avLst/>
-          </a:prstGeom>
-        </p:spPr>
-      </p:pic>
-      <p:sp>
-        <p:nvSpPr>
-          <p:cNvPr id="8" name="Szövegdoboz 7"/>
-          <p:cNvSpPr txBox="1"/>
-          <p:nvPr/>
-        </p:nvSpPr>
-        <p:spPr>
-          <a:xfrm>
-            <a:off x="8372474" y="733425"/>
-            <a:ext cx="3133725" cy="369332"/>
-          </a:xfrm>
-          <a:prstGeom prst="rect">
-            <a:avLst/>
-          </a:prstGeom>
-          <a:noFill/>
-        </p:spPr>
-        <p:txBody>
-          <a:bodyPr wrap="square" rtlCol="0">
-            <a:spAutoFit/>
-          </a:bodyPr>
+        <p:txBody>
+          <a:bodyPr/>
           <a:lstStyle/>
           <a:p>
-            <a:r>
-              <a:rPr lang="hu-HU" dirty="0" smtClean="0">
-                <a:solidFill>
-                  <a:schemeClr val="bg1"/>
-                </a:solidFill>
-              </a:rPr>
-              <a:t>Erről bővebben a </a:t>
-            </a:r>
-            <a:r>
-              <a:rPr lang="hu-HU" dirty="0" err="1" smtClean="0">
-                <a:solidFill>
-                  <a:schemeClr val="bg1"/>
-                </a:solidFill>
-              </a:rPr>
-              <a:t>githubon</a:t>
-            </a:r>
-            <a:r>
-              <a:rPr lang="hu-HU" dirty="0" smtClean="0">
-                <a:solidFill>
-                  <a:schemeClr val="bg1"/>
-                </a:solidFill>
-              </a:rPr>
-              <a:t> </a:t>
-            </a:r>
-            <a:endParaRPr lang="hu-HU" dirty="0">
-              <a:solidFill>
-                <a:schemeClr val="bg1"/>
-              </a:solidFill>
-            </a:endParaRPr>
-          </a:p>
-        </p:txBody>
-      </p:sp>
-      <p:sp>
-        <p:nvSpPr>
-          <p:cNvPr id="9" name="Szövegdoboz 8"/>
-          <p:cNvSpPr txBox="1"/>
-          <p:nvPr/>
-        </p:nvSpPr>
-        <p:spPr>
-          <a:xfrm>
-            <a:off x="3133725" y="666666"/>
-            <a:ext cx="3095625" cy="646331"/>
-          </a:xfrm>
-          <a:prstGeom prst="rect">
-            <a:avLst/>
-          </a:prstGeom>
-          <a:noFill/>
-        </p:spPr>
-        <p:txBody>
-          <a:bodyPr wrap="square" rtlCol="0">
-            <a:spAutoFit/>
-          </a:bodyPr>
-          <a:lstStyle/>
-          <a:p>
-            <a:r>
-              <a:rPr lang="hu-HU" dirty="0" smtClean="0">
-                <a:solidFill>
-                  <a:schemeClr val="bg1"/>
-                </a:solidFill>
-              </a:rPr>
-              <a:t>A többi script a </a:t>
-            </a:r>
-            <a:r>
-              <a:rPr lang="hu-HU" dirty="0" err="1" smtClean="0">
-                <a:solidFill>
-                  <a:schemeClr val="bg1"/>
-                </a:solidFill>
-              </a:rPr>
-              <a:t>githubon</a:t>
-            </a:r>
-            <a:r>
-              <a:rPr lang="hu-HU" dirty="0" smtClean="0">
-                <a:solidFill>
-                  <a:schemeClr val="bg1"/>
-                </a:solidFill>
-              </a:rPr>
-              <a:t> található</a:t>
-            </a:r>
-            <a:endParaRPr lang="hu-HU" dirty="0">
-              <a:solidFill>
-                <a:schemeClr val="bg1"/>
-              </a:solidFill>
-            </a:endParaRPr>
+            <a:fld id="{FE024F78-56A6-7740-B68D-8D4D026EDF3F}" type="slidenum">
+              <a:rPr lang="en-US" smtClean="0"/>
+              <a:pPr/>
+              <a:t>12</a:t>
+            </a:fld>
+            <a:endParaRPr lang="en-US" dirty="0"/>
           </a:p>
         </p:txBody>
       </p:sp>
     </p:spTree>
     <p:extLst>
       <p:ext uri="{BB962C8B-B14F-4D97-AF65-F5344CB8AC3E}">
-        <p14:creationId xmlns:p14="http://schemas.microsoft.com/office/powerpoint/2010/main" val="4056658136"/>
+        <p14:creationId xmlns:p14="http://schemas.microsoft.com/office/powerpoint/2010/main" val="910315636"/>
       </p:ext>
     </p:extLst>
   </p:cSld>
   <p:clrMapOvr>
     <a:masterClrMapping/>
   </p:clrMapOvr>
+  <p:timing>
+    <p:tnLst>
+      <p:par>
+        <p:cTn id="1" dur="indefinite" restart="never" nodeType="tmRoot"/>
+      </p:par>
+    </p:tnLst>
+  </p:timing>
 </p:sld>
 </file>
 
@@ -10824,16 +11370,526 @@
           <a:chExt cx="0" cy="0"/>
         </a:xfrm>
       </p:grpSpPr>
+      <p:sp>
+        <p:nvSpPr>
+          <p:cNvPr id="3" name="Title 2">
+            <a:extLst>
+              <a:ext uri="{FF2B5EF4-FFF2-40B4-BE49-F238E27FC236}">
+                <a16:creationId xmlns:a16="http://schemas.microsoft.com/office/drawing/2014/main" id="{06DE3104-398C-EF95-D86E-630F512487F9}"/>
+              </a:ext>
+            </a:extLst>
+          </p:cNvPr>
+          <p:cNvSpPr>
+            <a:spLocks noGrp="1"/>
+          </p:cNvSpPr>
+          <p:nvPr>
+            <p:ph type="title"/>
+          </p:nvPr>
+        </p:nvSpPr>
+        <p:spPr>
+          <a:xfrm>
+            <a:off x="835370" y="171396"/>
+            <a:ext cx="3736630" cy="2202350"/>
+          </a:xfrm>
+        </p:spPr>
+        <p:txBody>
+          <a:bodyPr/>
+          <a:lstStyle/>
+          <a:p>
+            <a:pPr lvl="0"/>
+            <a:endParaRPr lang="en-US" noProof="0" dirty="0"/>
+          </a:p>
+        </p:txBody>
+      </p:sp>
+      <p:sp>
+        <p:nvSpPr>
+          <p:cNvPr id="4" name="Content Placeholder 3">
+            <a:extLst>
+              <a:ext uri="{FF2B5EF4-FFF2-40B4-BE49-F238E27FC236}">
+                <a16:creationId xmlns:a16="http://schemas.microsoft.com/office/drawing/2014/main" id="{67328E6B-D306-C2F9-54E9-FD35599AC24B}"/>
+              </a:ext>
+            </a:extLst>
+          </p:cNvPr>
+          <p:cNvSpPr>
+            <a:spLocks noGrp="1"/>
+          </p:cNvSpPr>
+          <p:nvPr>
+            <p:ph sz="quarter" idx="36"/>
+          </p:nvPr>
+        </p:nvSpPr>
+        <p:spPr>
+          <a:xfrm>
+            <a:off x="841716" y="3078480"/>
+            <a:ext cx="3108193" cy="3047997"/>
+          </a:xfrm>
+        </p:spPr>
+        <p:txBody>
+          <a:bodyPr/>
+          <a:lstStyle/>
+          <a:p>
+            <a:endParaRPr lang="en-US" dirty="0"/>
+          </a:p>
+        </p:txBody>
+      </p:sp>
+      <p:sp>
+        <p:nvSpPr>
+          <p:cNvPr id="6" name="Táblázat helye 5">
+            <a:extLst>
+              <a:ext uri="{FF2B5EF4-FFF2-40B4-BE49-F238E27FC236}">
+                <a16:creationId xmlns:a16="http://schemas.microsoft.com/office/drawing/2014/main" id="{D377B164-5A63-5BAF-9E53-76845673E03B}"/>
+              </a:ext>
+            </a:extLst>
+          </p:cNvPr>
+          <p:cNvSpPr>
+            <a:spLocks noGrp="1"/>
+          </p:cNvSpPr>
+          <p:nvPr>
+            <p:ph type="tbl" sz="quarter" idx="37"/>
+          </p:nvPr>
+        </p:nvSpPr>
+        <p:spPr/>
+        <p:txBody>
+          <a:bodyPr/>
+          <a:lstStyle/>
+          <a:p>
+            <a:endParaRPr lang="hu-HU"/>
+          </a:p>
+        </p:txBody>
+      </p:sp>
     </p:spTree>
     <p:extLst>
       <p:ext uri="{BB962C8B-B14F-4D97-AF65-F5344CB8AC3E}">
-        <p14:creationId xmlns:p14="http://schemas.microsoft.com/office/powerpoint/2010/main" val="3285724352"/>
+        <p14:creationId xmlns:p14="http://schemas.microsoft.com/office/powerpoint/2010/main" val="2170071140"/>
       </p:ext>
     </p:extLst>
   </p:cSld>
   <p:clrMapOvr>
     <a:masterClrMapping/>
   </p:clrMapOvr>
+  <p:timing>
+    <p:tnLst>
+      <p:par>
+        <p:cTn id="1" dur="indefinite" restart="never" nodeType="tmRoot"/>
+      </p:par>
+    </p:tnLst>
+  </p:timing>
+</p:sld>
+</file>
+
+<file path=ppt/slides/slide14.xml><?xml version="1.0" encoding="utf-8"?>
+<p:sld xmlns:a="http://schemas.openxmlformats.org/drawingml/2006/main" xmlns:r="http://schemas.openxmlformats.org/officeDocument/2006/relationships" xmlns:p="http://schemas.openxmlformats.org/presentationml/2006/main">
+  <p:cSld>
+    <p:spTree>
+      <p:nvGrpSpPr>
+        <p:cNvPr id="1" name=""/>
+        <p:cNvGrpSpPr/>
+        <p:nvPr/>
+      </p:nvGrpSpPr>
+      <p:grpSpPr>
+        <a:xfrm>
+          <a:off x="0" y="0"/>
+          <a:ext cx="0" cy="0"/>
+          <a:chOff x="0" y="0"/>
+          <a:chExt cx="0" cy="0"/>
+        </a:xfrm>
+      </p:grpSpPr>
+      <p:sp>
+        <p:nvSpPr>
+          <p:cNvPr id="2" name="Title 1">
+            <a:extLst>
+              <a:ext uri="{FF2B5EF4-FFF2-40B4-BE49-F238E27FC236}">
+                <a16:creationId xmlns:a16="http://schemas.microsoft.com/office/drawing/2014/main" id="{A2DE810E-8E37-1D8A-245B-020E4E4C0B9F}"/>
+              </a:ext>
+            </a:extLst>
+          </p:cNvPr>
+          <p:cNvSpPr>
+            <a:spLocks noGrp="1"/>
+          </p:cNvSpPr>
+          <p:nvPr>
+            <p:ph type="title"/>
+          </p:nvPr>
+        </p:nvSpPr>
+        <p:spPr>
+          <a:xfrm>
+            <a:off x="733562" y="433906"/>
+            <a:ext cx="10515601" cy="1327464"/>
+          </a:xfrm>
+        </p:spPr>
+        <p:txBody>
+          <a:bodyPr/>
+          <a:lstStyle/>
+          <a:p>
+            <a:endParaRPr lang="en-US" dirty="0"/>
+          </a:p>
+        </p:txBody>
+      </p:sp>
+      <p:sp>
+        <p:nvSpPr>
+          <p:cNvPr id="3" name="Content Placeholder 2">
+            <a:extLst>
+              <a:ext uri="{FF2B5EF4-FFF2-40B4-BE49-F238E27FC236}">
+                <a16:creationId xmlns:a16="http://schemas.microsoft.com/office/drawing/2014/main" id="{7D7CECA3-144C-CD4B-9246-81B4F2E65466}"/>
+              </a:ext>
+            </a:extLst>
+          </p:cNvPr>
+          <p:cNvSpPr>
+            <a:spLocks noGrp="1"/>
+          </p:cNvSpPr>
+          <p:nvPr>
+            <p:ph sz="quarter" idx="36"/>
+          </p:nvPr>
+        </p:nvSpPr>
+        <p:spPr>
+          <a:xfrm>
+            <a:off x="814302" y="2465535"/>
+            <a:ext cx="7303538" cy="3427265"/>
+          </a:xfrm>
+        </p:spPr>
+        <p:txBody>
+          <a:bodyPr/>
+          <a:lstStyle/>
+          <a:p>
+            <a:endParaRPr lang="en-US" dirty="0"/>
+          </a:p>
+        </p:txBody>
+      </p:sp>
+      <p:sp>
+        <p:nvSpPr>
+          <p:cNvPr id="5" name="Content Placeholder 4">
+            <a:extLst>
+              <a:ext uri="{FF2B5EF4-FFF2-40B4-BE49-F238E27FC236}">
+                <a16:creationId xmlns:a16="http://schemas.microsoft.com/office/drawing/2014/main" id="{A33D1544-95D3-8A05-6E1B-C08C307C55D4}"/>
+              </a:ext>
+            </a:extLst>
+          </p:cNvPr>
+          <p:cNvSpPr>
+            <a:spLocks noGrp="1"/>
+          </p:cNvSpPr>
+          <p:nvPr>
+            <p:ph sz="quarter" idx="37"/>
+          </p:nvPr>
+        </p:nvSpPr>
+        <p:spPr>
+          <a:xfrm>
+            <a:off x="8392160" y="2465388"/>
+            <a:ext cx="2856865" cy="3427412"/>
+          </a:xfrm>
+        </p:spPr>
+        <p:txBody>
+          <a:bodyPr/>
+          <a:lstStyle/>
+          <a:p>
+            <a:endParaRPr lang="en-US" dirty="0"/>
+          </a:p>
+        </p:txBody>
+      </p:sp>
+      <p:sp>
+        <p:nvSpPr>
+          <p:cNvPr id="4" name="Slide Number Placeholder 3">
+            <a:extLst>
+              <a:ext uri="{FF2B5EF4-FFF2-40B4-BE49-F238E27FC236}">
+                <a16:creationId xmlns:a16="http://schemas.microsoft.com/office/drawing/2014/main" id="{FD1E69EA-A9E8-C521-7C62-DA1F24879918}"/>
+              </a:ext>
+            </a:extLst>
+          </p:cNvPr>
+          <p:cNvSpPr>
+            <a:spLocks noGrp="1"/>
+          </p:cNvSpPr>
+          <p:nvPr>
+            <p:ph type="sldNum" sz="quarter" idx="12"/>
+          </p:nvPr>
+        </p:nvSpPr>
+        <p:spPr>
+          <a:xfrm>
+            <a:off x="9140971" y="6226198"/>
+            <a:ext cx="2743200" cy="365125"/>
+          </a:xfrm>
+        </p:spPr>
+        <p:txBody>
+          <a:bodyPr/>
+          <a:lstStyle/>
+          <a:p>
+            <a:fld id="{FE024F78-56A6-7740-B68D-8D4D026EDF3F}" type="slidenum">
+              <a:rPr lang="en-US" smtClean="0"/>
+              <a:pPr/>
+              <a:t>14</a:t>
+            </a:fld>
+            <a:endParaRPr lang="en-US" dirty="0"/>
+          </a:p>
+        </p:txBody>
+      </p:sp>
+    </p:spTree>
+    <p:extLst>
+      <p:ext uri="{BB962C8B-B14F-4D97-AF65-F5344CB8AC3E}">
+        <p14:creationId xmlns:p14="http://schemas.microsoft.com/office/powerpoint/2010/main" val="79695288"/>
+      </p:ext>
+    </p:extLst>
+  </p:cSld>
+  <p:clrMapOvr>
+    <a:masterClrMapping/>
+  </p:clrMapOvr>
+  <p:timing>
+    <p:tnLst>
+      <p:par>
+        <p:cTn id="1" dur="indefinite" restart="never" nodeType="tmRoot"/>
+      </p:par>
+    </p:tnLst>
+  </p:timing>
+</p:sld>
+</file>
+
+<file path=ppt/slides/slide15.xml><?xml version="1.0" encoding="utf-8"?>
+<p:sld xmlns:a="http://schemas.openxmlformats.org/drawingml/2006/main" xmlns:r="http://schemas.openxmlformats.org/officeDocument/2006/relationships" xmlns:p="http://schemas.openxmlformats.org/presentationml/2006/main">
+  <p:cSld>
+    <p:spTree>
+      <p:nvGrpSpPr>
+        <p:cNvPr id="1" name=""/>
+        <p:cNvGrpSpPr/>
+        <p:nvPr/>
+      </p:nvGrpSpPr>
+      <p:grpSpPr>
+        <a:xfrm>
+          <a:off x="0" y="0"/>
+          <a:ext cx="0" cy="0"/>
+          <a:chOff x="0" y="0"/>
+          <a:chExt cx="0" cy="0"/>
+        </a:xfrm>
+      </p:grpSpPr>
+      <p:sp>
+        <p:nvSpPr>
+          <p:cNvPr id="3" name="Title 2">
+            <a:extLst>
+              <a:ext uri="{FF2B5EF4-FFF2-40B4-BE49-F238E27FC236}">
+                <a16:creationId xmlns:a16="http://schemas.microsoft.com/office/drawing/2014/main" id="{EEF125C3-99F8-5ABF-1328-0370F112121B}"/>
+              </a:ext>
+            </a:extLst>
+          </p:cNvPr>
+          <p:cNvSpPr>
+            <a:spLocks noGrp="1"/>
+          </p:cNvSpPr>
+          <p:nvPr>
+            <p:ph type="title"/>
+          </p:nvPr>
+        </p:nvSpPr>
+        <p:spPr>
+          <a:xfrm>
+            <a:off x="835370" y="643842"/>
+            <a:ext cx="10515601" cy="1140849"/>
+          </a:xfrm>
+        </p:spPr>
+        <p:txBody>
+          <a:bodyPr/>
+          <a:lstStyle/>
+          <a:p>
+            <a:endParaRPr lang="en-US" dirty="0"/>
+          </a:p>
+        </p:txBody>
+      </p:sp>
+      <p:sp>
+        <p:nvSpPr>
+          <p:cNvPr id="4" name="Slide Number Placeholder 3">
+            <a:extLst>
+              <a:ext uri="{FF2B5EF4-FFF2-40B4-BE49-F238E27FC236}">
+                <a16:creationId xmlns:a16="http://schemas.microsoft.com/office/drawing/2014/main" id="{48EA189C-8A41-5C63-2470-06541519CBCD}"/>
+              </a:ext>
+            </a:extLst>
+          </p:cNvPr>
+          <p:cNvSpPr>
+            <a:spLocks noGrp="1"/>
+          </p:cNvSpPr>
+          <p:nvPr>
+            <p:ph type="sldNum" sz="quarter" idx="12"/>
+          </p:nvPr>
+        </p:nvSpPr>
+        <p:spPr>
+          <a:xfrm>
+            <a:off x="9140971" y="6226198"/>
+            <a:ext cx="2743200" cy="365125"/>
+          </a:xfrm>
+        </p:spPr>
+        <p:txBody>
+          <a:bodyPr/>
+          <a:lstStyle/>
+          <a:p>
+            <a:fld id="{FE024F78-56A6-7740-B68D-8D4D026EDF3F}" type="slidenum">
+              <a:rPr lang="en-US" smtClean="0"/>
+              <a:pPr/>
+              <a:t>15</a:t>
+            </a:fld>
+            <a:endParaRPr lang="en-US" dirty="0"/>
+          </a:p>
+        </p:txBody>
+      </p:sp>
+      <p:sp>
+        <p:nvSpPr>
+          <p:cNvPr id="6" name="Táblázat helye 5">
+            <a:extLst>
+              <a:ext uri="{FF2B5EF4-FFF2-40B4-BE49-F238E27FC236}">
+                <a16:creationId xmlns:a16="http://schemas.microsoft.com/office/drawing/2014/main" id="{7368C06F-00A9-5FC3-93A5-E71DA73F1B96}"/>
+              </a:ext>
+            </a:extLst>
+          </p:cNvPr>
+          <p:cNvSpPr>
+            <a:spLocks noGrp="1"/>
+          </p:cNvSpPr>
+          <p:nvPr>
+            <p:ph type="tbl" sz="quarter" idx="13"/>
+          </p:nvPr>
+        </p:nvSpPr>
+        <p:spPr/>
+        <p:txBody>
+          <a:bodyPr/>
+          <a:lstStyle/>
+          <a:p>
+            <a:endParaRPr lang="hu-HU"/>
+          </a:p>
+        </p:txBody>
+      </p:sp>
+    </p:spTree>
+    <p:extLst>
+      <p:ext uri="{BB962C8B-B14F-4D97-AF65-F5344CB8AC3E}">
+        <p14:creationId xmlns:p14="http://schemas.microsoft.com/office/powerpoint/2010/main" val="3304068007"/>
+      </p:ext>
+    </p:extLst>
+  </p:cSld>
+  <p:clrMapOvr>
+    <a:masterClrMapping/>
+  </p:clrMapOvr>
+  <p:timing>
+    <p:tnLst>
+      <p:par>
+        <p:cTn id="1" dur="indefinite" restart="never" nodeType="tmRoot"/>
+      </p:par>
+    </p:tnLst>
+  </p:timing>
+</p:sld>
+</file>
+
+<file path=ppt/slides/slide16.xml><?xml version="1.0" encoding="utf-8"?>
+<p:sld xmlns:a="http://schemas.openxmlformats.org/drawingml/2006/main" xmlns:r="http://schemas.openxmlformats.org/officeDocument/2006/relationships" xmlns:p="http://schemas.openxmlformats.org/presentationml/2006/main">
+  <p:cSld>
+    <p:bg>
+      <p:bgPr>
+        <a:gradFill>
+          <a:gsLst>
+            <a:gs pos="78000">
+              <a:schemeClr val="accent6">
+                <a:lumMod val="50000"/>
+              </a:schemeClr>
+            </a:gs>
+            <a:gs pos="35040">
+              <a:srgbClr val="020B11"/>
+            </a:gs>
+            <a:gs pos="11979">
+              <a:schemeClr val="accent4">
+                <a:lumMod val="50000"/>
+              </a:schemeClr>
+            </a:gs>
+            <a:gs pos="0">
+              <a:schemeClr val="accent4"/>
+            </a:gs>
+            <a:gs pos="99000">
+              <a:schemeClr val="tx2">
+                <a:lumMod val="50000"/>
+              </a:schemeClr>
+            </a:gs>
+          </a:gsLst>
+          <a:lin ang="7800000" scaled="0"/>
+        </a:gradFill>
+        <a:effectLst/>
+      </p:bgPr>
+    </p:bg>
+    <p:spTree>
+      <p:nvGrpSpPr>
+        <p:cNvPr id="1" name=""/>
+        <p:cNvGrpSpPr/>
+        <p:nvPr/>
+      </p:nvGrpSpPr>
+      <p:grpSpPr>
+        <a:xfrm>
+          <a:off x="0" y="0"/>
+          <a:ext cx="0" cy="0"/>
+          <a:chOff x="0" y="0"/>
+          <a:chExt cx="0" cy="0"/>
+        </a:xfrm>
+      </p:grpSpPr>
+      <p:sp>
+        <p:nvSpPr>
+          <p:cNvPr id="24" name="Title 1">
+            <a:extLst>
+              <a:ext uri="{FF2B5EF4-FFF2-40B4-BE49-F238E27FC236}">
+                <a16:creationId xmlns:a16="http://schemas.microsoft.com/office/drawing/2014/main" id="{CE1ABEC8-43FD-4F21-A7D2-70200D86263C}"/>
+              </a:ext>
+            </a:extLst>
+          </p:cNvPr>
+          <p:cNvSpPr>
+            <a:spLocks noGrp="1"/>
+          </p:cNvSpPr>
+          <p:nvPr>
+            <p:ph type="title"/>
+          </p:nvPr>
+        </p:nvSpPr>
+        <p:spPr>
+          <a:xfrm>
+            <a:off x="835831" y="173735"/>
+            <a:ext cx="4409514" cy="2203704"/>
+          </a:xfrm>
+        </p:spPr>
+        <p:txBody>
+          <a:bodyPr/>
+          <a:lstStyle/>
+          <a:p>
+            <a:endParaRPr lang="en-US" dirty="0"/>
+          </a:p>
+        </p:txBody>
+      </p:sp>
+      <p:sp>
+        <p:nvSpPr>
+          <p:cNvPr id="14" name="Text Placeholder 2">
+            <a:extLst>
+              <a:ext uri="{FF2B5EF4-FFF2-40B4-BE49-F238E27FC236}">
+                <a16:creationId xmlns:a16="http://schemas.microsoft.com/office/drawing/2014/main" id="{AE5F2E56-9F77-E1C2-EC04-EA959822CA61}"/>
+              </a:ext>
+            </a:extLst>
+          </p:cNvPr>
+          <p:cNvSpPr>
+            <a:spLocks noGrp="1"/>
+          </p:cNvSpPr>
+          <p:nvPr>
+            <p:ph sz="quarter" idx="14"/>
+          </p:nvPr>
+        </p:nvSpPr>
+        <p:spPr>
+          <a:xfrm>
+            <a:off x="831850" y="3079119"/>
+            <a:ext cx="4413250" cy="2752725"/>
+          </a:xfrm>
+        </p:spPr>
+        <p:txBody>
+          <a:bodyPr/>
+          <a:lstStyle/>
+          <a:p>
+            <a:endParaRPr lang="en-US" dirty="0"/>
+          </a:p>
+        </p:txBody>
+      </p:sp>
+    </p:spTree>
+    <p:extLst>
+      <p:ext uri="{BB962C8B-B14F-4D97-AF65-F5344CB8AC3E}">
+        <p14:creationId xmlns:p14="http://schemas.microsoft.com/office/powerpoint/2010/main" val="2395464980"/>
+      </p:ext>
+    </p:extLst>
+  </p:cSld>
+  <p:clrMapOvr>
+    <a:masterClrMapping/>
+  </p:clrMapOvr>
+  <p:timing>
+    <p:tnLst>
+      <p:par>
+        <p:cTn id="1" dur="indefinite" restart="never" nodeType="tmRoot"/>
+      </p:par>
+    </p:tnLst>
+  </p:timing>
 </p:sld>
 </file>
 
@@ -11474,7 +12530,7 @@
       </p:grpSpPr>
       <p:sp>
         <p:nvSpPr>
-          <p:cNvPr id="5" name="Dia számának helye 4"/>
+          <p:cNvPr id="4" name="Dia számának helye 3"/>
           <p:cNvSpPr>
             <a:spLocks noGrp="1"/>
           </p:cNvSpPr>
@@ -11491,313 +12547,6 @@
               <a:rPr lang="en-US" smtClean="0"/>
               <a:pPr/>
               <a:t>4</a:t>
-            </a:fld>
-            <a:endParaRPr lang="en-US" dirty="0"/>
-          </a:p>
-        </p:txBody>
-      </p:sp>
-      <p:sp>
-        <p:nvSpPr>
-          <p:cNvPr id="6" name="Szövegdoboz 5"/>
-          <p:cNvSpPr txBox="1"/>
-          <p:nvPr/>
-        </p:nvSpPr>
-        <p:spPr>
-          <a:xfrm>
-            <a:off x="523875" y="371475"/>
-            <a:ext cx="4610100" cy="369332"/>
-          </a:xfrm>
-          <a:prstGeom prst="rect">
-            <a:avLst/>
-          </a:prstGeom>
-          <a:noFill/>
-        </p:spPr>
-        <p:txBody>
-          <a:bodyPr wrap="square" rtlCol="0">
-            <a:spAutoFit/>
-          </a:bodyPr>
-          <a:lstStyle/>
-          <a:p>
-            <a:r>
-              <a:rPr lang="hu-HU" dirty="0" smtClean="0">
-                <a:solidFill>
-                  <a:schemeClr val="bg1"/>
-                </a:solidFill>
-              </a:rPr>
-              <a:t>Bővebben a játékról</a:t>
-            </a:r>
-            <a:endParaRPr lang="hu-HU" dirty="0">
-              <a:solidFill>
-                <a:schemeClr val="bg1"/>
-              </a:solidFill>
-            </a:endParaRPr>
-          </a:p>
-        </p:txBody>
-      </p:sp>
-      <p:sp>
-        <p:nvSpPr>
-          <p:cNvPr id="7" name="Szövegdoboz 6"/>
-          <p:cNvSpPr txBox="1"/>
-          <p:nvPr/>
-        </p:nvSpPr>
-        <p:spPr>
-          <a:xfrm>
-            <a:off x="619125" y="1285875"/>
-            <a:ext cx="4248150" cy="923330"/>
-          </a:xfrm>
-          <a:prstGeom prst="rect">
-            <a:avLst/>
-          </a:prstGeom>
-          <a:noFill/>
-        </p:spPr>
-        <p:txBody>
-          <a:bodyPr wrap="square" rtlCol="0">
-            <a:spAutoFit/>
-          </a:bodyPr>
-          <a:lstStyle/>
-          <a:p>
-            <a:r>
-              <a:rPr lang="hu-HU" dirty="0" smtClean="0">
-                <a:solidFill>
-                  <a:schemeClr val="bg1"/>
-                </a:solidFill>
-              </a:rPr>
-              <a:t>A játék egy 2d-s </a:t>
-            </a:r>
-            <a:r>
-              <a:rPr lang="hu-HU" dirty="0" err="1" smtClean="0">
-                <a:solidFill>
-                  <a:schemeClr val="bg1"/>
-                </a:solidFill>
-              </a:rPr>
-              <a:t>unity</a:t>
-            </a:r>
-            <a:r>
-              <a:rPr lang="hu-HU" dirty="0" smtClean="0">
-                <a:solidFill>
-                  <a:schemeClr val="bg1"/>
-                </a:solidFill>
-              </a:rPr>
-              <a:t> </a:t>
-            </a:r>
-            <a:r>
-              <a:rPr lang="hu-HU" dirty="0" err="1" smtClean="0">
-                <a:solidFill>
-                  <a:schemeClr val="bg1"/>
-                </a:solidFill>
-              </a:rPr>
-              <a:t>platformer</a:t>
-            </a:r>
-            <a:r>
-              <a:rPr lang="hu-HU" dirty="0" smtClean="0">
-                <a:solidFill>
-                  <a:schemeClr val="bg1"/>
-                </a:solidFill>
-              </a:rPr>
-              <a:t> játék</a:t>
-            </a:r>
-          </a:p>
-          <a:p>
-            <a:r>
-              <a:rPr lang="hu-HU" dirty="0" smtClean="0">
-                <a:solidFill>
-                  <a:schemeClr val="bg1"/>
-                </a:solidFill>
-              </a:rPr>
-              <a:t>Először a </a:t>
-            </a:r>
-            <a:r>
-              <a:rPr lang="hu-HU" dirty="0" err="1" smtClean="0">
-                <a:solidFill>
-                  <a:schemeClr val="bg1"/>
-                </a:solidFill>
-              </a:rPr>
-              <a:t>demo</a:t>
-            </a:r>
-            <a:r>
-              <a:rPr lang="hu-HU" dirty="0" smtClean="0">
-                <a:solidFill>
-                  <a:schemeClr val="bg1"/>
-                </a:solidFill>
-              </a:rPr>
-              <a:t> készült el amit a következő diákban mutatunk be.</a:t>
-            </a:r>
-          </a:p>
-        </p:txBody>
-      </p:sp>
-      <p:pic>
-        <p:nvPicPr>
-          <p:cNvPr id="8" name="Kép 7"/>
-          <p:cNvPicPr>
-            <a:picLocks noChangeAspect="1"/>
-          </p:cNvPicPr>
-          <p:nvPr/>
-        </p:nvPicPr>
-        <p:blipFill>
-          <a:blip r:embed="rId2"/>
-          <a:stretch>
-            <a:fillRect/>
-          </a:stretch>
-        </p:blipFill>
-        <p:spPr>
-          <a:xfrm>
-            <a:off x="6967452" y="1928703"/>
-            <a:ext cx="1228896" cy="1571844"/>
-          </a:xfrm>
-          <a:prstGeom prst="rect">
-            <a:avLst/>
-          </a:prstGeom>
-        </p:spPr>
-      </p:pic>
-      <p:sp>
-        <p:nvSpPr>
-          <p:cNvPr id="9" name="Szövegdoboz 8"/>
-          <p:cNvSpPr txBox="1"/>
-          <p:nvPr/>
-        </p:nvSpPr>
-        <p:spPr>
-          <a:xfrm>
-            <a:off x="6967452" y="1509603"/>
-            <a:ext cx="2305050" cy="369332"/>
-          </a:xfrm>
-          <a:prstGeom prst="rect">
-            <a:avLst/>
-          </a:prstGeom>
-          <a:noFill/>
-        </p:spPr>
-        <p:txBody>
-          <a:bodyPr wrap="square" rtlCol="0">
-            <a:spAutoFit/>
-          </a:bodyPr>
-          <a:lstStyle/>
-          <a:p>
-            <a:r>
-              <a:rPr lang="hu-HU" dirty="0" smtClean="0">
-                <a:solidFill>
-                  <a:schemeClr val="bg1"/>
-                </a:solidFill>
-              </a:rPr>
-              <a:t>A karakter</a:t>
-            </a:r>
-            <a:endParaRPr lang="hu-HU" dirty="0">
-              <a:solidFill>
-                <a:schemeClr val="bg1"/>
-              </a:solidFill>
-            </a:endParaRPr>
-          </a:p>
-        </p:txBody>
-      </p:sp>
-      <p:sp>
-        <p:nvSpPr>
-          <p:cNvPr id="10" name="Szövegdoboz 9"/>
-          <p:cNvSpPr txBox="1"/>
-          <p:nvPr/>
-        </p:nvSpPr>
-        <p:spPr>
-          <a:xfrm>
-            <a:off x="714060" y="3638550"/>
-            <a:ext cx="2881227" cy="923330"/>
-          </a:xfrm>
-          <a:prstGeom prst="rect">
-            <a:avLst/>
-          </a:prstGeom>
-          <a:noFill/>
-        </p:spPr>
-        <p:txBody>
-          <a:bodyPr wrap="square" rtlCol="0">
-            <a:spAutoFit/>
-          </a:bodyPr>
-          <a:lstStyle/>
-          <a:p>
-            <a:r>
-              <a:rPr lang="hu-HU" dirty="0" smtClean="0">
-                <a:solidFill>
-                  <a:schemeClr val="bg1"/>
-                </a:solidFill>
-              </a:rPr>
-              <a:t>A karakterhez különböző animációkat rendeltünk hozzá</a:t>
-            </a:r>
-            <a:endParaRPr lang="hu-HU" dirty="0">
-              <a:solidFill>
-                <a:schemeClr val="bg1"/>
-              </a:solidFill>
-            </a:endParaRPr>
-          </a:p>
-        </p:txBody>
-      </p:sp>
-      <p:pic>
-        <p:nvPicPr>
-          <p:cNvPr id="11" name="Kép 10"/>
-          <p:cNvPicPr>
-            <a:picLocks noChangeAspect="1"/>
-          </p:cNvPicPr>
-          <p:nvPr/>
-        </p:nvPicPr>
-        <p:blipFill>
-          <a:blip r:embed="rId3"/>
-          <a:stretch>
-            <a:fillRect/>
-          </a:stretch>
-        </p:blipFill>
-        <p:spPr>
-          <a:xfrm>
-            <a:off x="714060" y="4685705"/>
-            <a:ext cx="4515480" cy="1400370"/>
-          </a:xfrm>
-          <a:prstGeom prst="rect">
-            <a:avLst/>
-          </a:prstGeom>
-        </p:spPr>
-      </p:pic>
-    </p:spTree>
-    <p:extLst>
-      <p:ext uri="{BB962C8B-B14F-4D97-AF65-F5344CB8AC3E}">
-        <p14:creationId xmlns:p14="http://schemas.microsoft.com/office/powerpoint/2010/main" val="3485720055"/>
-      </p:ext>
-    </p:extLst>
-  </p:cSld>
-  <p:clrMapOvr>
-    <a:masterClrMapping/>
-  </p:clrMapOvr>
-</p:sld>
-</file>
-
-<file path=ppt/slides/slide5.xml><?xml version="1.0" encoding="utf-8"?>
-<p:sld xmlns:a="http://schemas.openxmlformats.org/drawingml/2006/main" xmlns:r="http://schemas.openxmlformats.org/officeDocument/2006/relationships" xmlns:p="http://schemas.openxmlformats.org/presentationml/2006/main">
-  <p:cSld>
-    <p:spTree>
-      <p:nvGrpSpPr>
-        <p:cNvPr id="1" name=""/>
-        <p:cNvGrpSpPr/>
-        <p:nvPr/>
-      </p:nvGrpSpPr>
-      <p:grpSpPr>
-        <a:xfrm>
-          <a:off x="0" y="0"/>
-          <a:ext cx="0" cy="0"/>
-          <a:chOff x="0" y="0"/>
-          <a:chExt cx="0" cy="0"/>
-        </a:xfrm>
-      </p:grpSpPr>
-      <p:sp>
-        <p:nvSpPr>
-          <p:cNvPr id="4" name="Dia számának helye 3"/>
-          <p:cNvSpPr>
-            <a:spLocks noGrp="1"/>
-          </p:cNvSpPr>
-          <p:nvPr>
-            <p:ph type="sldNum" sz="quarter" idx="12"/>
-          </p:nvPr>
-        </p:nvSpPr>
-        <p:spPr/>
-        <p:txBody>
-          <a:bodyPr/>
-          <a:lstStyle/>
-          <a:p>
-            <a:fld id="{FE024F78-56A6-7740-B68D-8D4D026EDF3F}" type="slidenum">
-              <a:rPr lang="en-US" smtClean="0"/>
-              <a:pPr/>
-              <a:t>5</a:t>
             </a:fld>
             <a:endParaRPr lang="en-US" dirty="0"/>
           </a:p>
@@ -11933,7 +12682,7 @@
 </p:sld>
 </file>
 
-<file path=ppt/slides/slide6.xml><?xml version="1.0" encoding="utf-8"?>
+<file path=ppt/slides/slide5.xml><?xml version="1.0" encoding="utf-8"?>
 <p:sld xmlns:a="http://schemas.openxmlformats.org/drawingml/2006/main" xmlns:r="http://schemas.openxmlformats.org/officeDocument/2006/relationships" xmlns:p="http://schemas.openxmlformats.org/presentationml/2006/main">
   <p:cSld>
     <p:spTree>
@@ -11979,7 +12728,7 @@
             <a:fld id="{FE024F78-56A6-7740-B68D-8D4D026EDF3F}" type="slidenum">
               <a:rPr lang="en-US" smtClean="0"/>
               <a:pPr/>
-              <a:t>6</a:t>
+              <a:t>5</a:t>
             </a:fld>
             <a:endParaRPr lang="en-US" dirty="0"/>
           </a:p>
@@ -12073,7 +12822,7 @@
 </p:sld>
 </file>
 
-<file path=ppt/slides/slide7.xml><?xml version="1.0" encoding="utf-8"?>
+<file path=ppt/slides/slide6.xml><?xml version="1.0" encoding="utf-8"?>
 <p:sld xmlns:a="http://schemas.openxmlformats.org/drawingml/2006/main" xmlns:r="http://schemas.openxmlformats.org/officeDocument/2006/relationships" xmlns:p="http://schemas.openxmlformats.org/presentationml/2006/main">
   <p:cSld>
     <p:spTree>
@@ -12119,7 +12868,7 @@
             <a:fld id="{FE024F78-56A6-7740-B68D-8D4D026EDF3F}" type="slidenum">
               <a:rPr lang="en-US" smtClean="0"/>
               <a:pPr/>
-              <a:t>7</a:t>
+              <a:t>6</a:t>
             </a:fld>
             <a:endParaRPr lang="en-US" dirty="0"/>
           </a:p>
@@ -12221,7 +12970,7 @@
 </p:sld>
 </file>
 
-<file path=ppt/slides/slide8.xml><?xml version="1.0" encoding="utf-8"?>
+<file path=ppt/slides/slide7.xml><?xml version="1.0" encoding="utf-8"?>
 <p:sld xmlns:a="http://schemas.openxmlformats.org/drawingml/2006/main" xmlns:r="http://schemas.openxmlformats.org/officeDocument/2006/relationships" xmlns:p="http://schemas.openxmlformats.org/presentationml/2006/main">
   <p:cSld>
     <p:spTree>
@@ -12267,7 +13016,7 @@
             <a:fld id="{FE024F78-56A6-7740-B68D-8D4D026EDF3F}" type="slidenum">
               <a:rPr lang="en-US" smtClean="0"/>
               <a:pPr/>
-              <a:t>8</a:t>
+              <a:t>7</a:t>
             </a:fld>
             <a:endParaRPr lang="en-US" dirty="0"/>
           </a:p>
@@ -12361,6 +13110,142 @@
 </p:sld>
 </file>
 
+<file path=ppt/slides/slide8.xml><?xml version="1.0" encoding="utf-8"?>
+<p:sld xmlns:a="http://schemas.openxmlformats.org/drawingml/2006/main" xmlns:r="http://schemas.openxmlformats.org/officeDocument/2006/relationships" xmlns:p="http://schemas.openxmlformats.org/presentationml/2006/main">
+  <p:cSld>
+    <p:spTree>
+      <p:nvGrpSpPr>
+        <p:cNvPr id="1" name=""/>
+        <p:cNvGrpSpPr/>
+        <p:nvPr/>
+      </p:nvGrpSpPr>
+      <p:grpSpPr>
+        <a:xfrm>
+          <a:off x="0" y="0"/>
+          <a:ext cx="0" cy="0"/>
+          <a:chOff x="0" y="0"/>
+          <a:chExt cx="0" cy="0"/>
+        </a:xfrm>
+      </p:grpSpPr>
+      <p:sp>
+        <p:nvSpPr>
+          <p:cNvPr id="2" name="Title 1">
+            <a:extLst>
+              <a:ext uri="{FF2B5EF4-FFF2-40B4-BE49-F238E27FC236}">
+                <a16:creationId xmlns:a16="http://schemas.microsoft.com/office/drawing/2014/main" id="{D9F60903-003B-273E-3584-5312F76C3EF3}"/>
+              </a:ext>
+            </a:extLst>
+          </p:cNvPr>
+          <p:cNvSpPr>
+            <a:spLocks noGrp="1"/>
+          </p:cNvSpPr>
+          <p:nvPr>
+            <p:ph type="title"/>
+          </p:nvPr>
+        </p:nvSpPr>
+        <p:spPr>
+          <a:xfrm>
+            <a:off x="3305669" y="113097"/>
+            <a:ext cx="7420819" cy="1656304"/>
+          </a:xfrm>
+        </p:spPr>
+        <p:txBody>
+          <a:bodyPr/>
+          <a:lstStyle/>
+          <a:p>
+            <a:r>
+              <a:rPr lang="hu-HU" dirty="0" err="1" smtClean="0"/>
+              <a:t>Github</a:t>
+            </a:r>
+            <a:r>
+              <a:rPr lang="hu-HU" dirty="0" smtClean="0"/>
+              <a:t> és munkamegosztás</a:t>
+            </a:r>
+            <a:endParaRPr lang="en-US" dirty="0"/>
+          </a:p>
+        </p:txBody>
+      </p:sp>
+      <p:sp>
+        <p:nvSpPr>
+          <p:cNvPr id="3" name="Slide Number Placeholder 2">
+            <a:extLst>
+              <a:ext uri="{FF2B5EF4-FFF2-40B4-BE49-F238E27FC236}">
+                <a16:creationId xmlns:a16="http://schemas.microsoft.com/office/drawing/2014/main" id="{64347AE7-D6A2-42FB-3D58-6297742FC352}"/>
+              </a:ext>
+            </a:extLst>
+          </p:cNvPr>
+          <p:cNvSpPr>
+            <a:spLocks noGrp="1"/>
+          </p:cNvSpPr>
+          <p:nvPr>
+            <p:ph type="sldNum" sz="quarter" idx="12"/>
+          </p:nvPr>
+        </p:nvSpPr>
+        <p:spPr>
+          <a:xfrm>
+            <a:off x="9140971" y="6226198"/>
+            <a:ext cx="2743200" cy="365125"/>
+          </a:xfrm>
+        </p:spPr>
+        <p:txBody>
+          <a:bodyPr/>
+          <a:lstStyle/>
+          <a:p>
+            <a:fld id="{FE024F78-56A6-7740-B68D-8D4D026EDF3F}" type="slidenum">
+              <a:rPr lang="en-US" smtClean="0"/>
+              <a:pPr/>
+              <a:t>8</a:t>
+            </a:fld>
+            <a:endParaRPr lang="en-US" dirty="0"/>
+          </a:p>
+        </p:txBody>
+      </p:sp>
+      <p:pic>
+        <p:nvPicPr>
+          <p:cNvPr id="6" name="Tartalom helye 5"/>
+          <p:cNvPicPr>
+            <a:picLocks noGrp="1" noChangeAspect="1"/>
+          </p:cNvPicPr>
+          <p:nvPr>
+            <p:ph sz="quarter" idx="31"/>
+          </p:nvPr>
+        </p:nvPicPr>
+        <p:blipFill>
+          <a:blip r:embed="rId3"/>
+          <a:stretch>
+            <a:fillRect/>
+          </a:stretch>
+        </p:blipFill>
+        <p:spPr>
+          <a:xfrm>
+            <a:off x="3305669" y="2371352"/>
+            <a:ext cx="7980640" cy="3425281"/>
+          </a:xfrm>
+          <a:prstGeom prst="rect">
+            <a:avLst/>
+          </a:prstGeom>
+        </p:spPr>
+      </p:pic>
+    </p:spTree>
+    <p:extLst>
+      <p:ext uri="{BB962C8B-B14F-4D97-AF65-F5344CB8AC3E}">
+        <p14:creationId xmlns:p14="http://schemas.microsoft.com/office/powerpoint/2010/main" val="1962637282"/>
+      </p:ext>
+    </p:extLst>
+  </p:cSld>
+  <p:clrMapOvr>
+    <a:masterClrMapping/>
+  </p:clrMapOvr>
+  <p:timing>
+    <p:tnLst>
+      <p:par>
+        <p:cTn id="1" dur="indefinite" restart="never" nodeType="tmRoot"/>
+      </p:par>
+    </p:tnLst>
+  </p:timing>
+</p:sld>
+</file>
+
 <file path=ppt/slides/slide9.xml><?xml version="1.0" encoding="utf-8"?>
 <p:sld xmlns:a="http://schemas.openxmlformats.org/drawingml/2006/main" xmlns:r="http://schemas.openxmlformats.org/officeDocument/2006/relationships" xmlns:p="http://schemas.openxmlformats.org/presentationml/2006/main">
   <p:cSld>
@@ -12386,7 +13271,7 @@
                 <a16:creationId xmlns:a16="http://schemas.microsoft.com/office/drawing/2014/main" id="{8692FC88-DAD7-F5AD-7831-DE54322108F6}"/>
               </a:ext>
               <a:ext uri="{C183D7F6-B498-43B3-948B-1728B52AA6E4}">
-                <adec:decorative xmlns="" xmlns:adec="http://schemas.microsoft.com/office/drawing/2017/decorative" val="1"/>
+                <adec:decorative xmlns:adec="http://schemas.microsoft.com/office/drawing/2017/decorative" xmlns="" val="1"/>
               </a:ext>
             </a:extLst>
           </p:cNvPr>
@@ -12437,213 +13322,63 @@
           </a:p>
         </p:txBody>
       </p:sp>
-      <p:pic>
-        <p:nvPicPr>
-          <p:cNvPr id="2" name="Kép 1"/>
-          <p:cNvPicPr>
-            <a:picLocks noChangeAspect="1"/>
-          </p:cNvPicPr>
-          <p:nvPr/>
-        </p:nvPicPr>
-        <p:blipFill>
-          <a:blip r:embed="rId3"/>
-          <a:stretch>
-            <a:fillRect/>
-          </a:stretch>
-        </p:blipFill>
+      <p:sp>
+        <p:nvSpPr>
+          <p:cNvPr id="9" name="Title 1">
+            <a:extLst>
+              <a:ext uri="{FF2B5EF4-FFF2-40B4-BE49-F238E27FC236}">
+                <a16:creationId xmlns:a16="http://schemas.microsoft.com/office/drawing/2014/main" id="{0FD6A3FE-1BF6-4C1A-0553-EBD497A69F2D}"/>
+              </a:ext>
+            </a:extLst>
+          </p:cNvPr>
+          <p:cNvSpPr>
+            <a:spLocks noGrp="1"/>
+          </p:cNvSpPr>
+          <p:nvPr>
+            <p:ph type="title"/>
+          </p:nvPr>
+        </p:nvSpPr>
         <p:spPr>
           <a:xfrm>
-            <a:off x="219808" y="1468316"/>
-            <a:ext cx="3393831" cy="2314998"/>
+            <a:off x="2932448" y="264160"/>
+            <a:ext cx="6327105" cy="3373973"/>
           </a:xfrm>
-          <a:prstGeom prst="rect">
-            <a:avLst/>
-          </a:prstGeom>
         </p:spPr>
-      </p:pic>
-      <p:sp>
-        <p:nvSpPr>
-          <p:cNvPr id="5" name="Szövegdoboz 4"/>
-          <p:cNvSpPr txBox="1"/>
-          <p:nvPr/>
+        <p:txBody>
+          <a:bodyPr anchor="b"/>
+          <a:lstStyle/>
+          <a:p>
+            <a:endParaRPr lang="en-US" dirty="0"/>
+          </a:p>
+        </p:txBody>
+      </p:sp>
+      <p:sp>
+        <p:nvSpPr>
+          <p:cNvPr id="6" name="Subtitle 5">
+            <a:extLst>
+              <a:ext uri="{FF2B5EF4-FFF2-40B4-BE49-F238E27FC236}">
+                <a16:creationId xmlns:a16="http://schemas.microsoft.com/office/drawing/2014/main" id="{C15774B0-D971-67D7-27EB-FDB82B3A58CD}"/>
+              </a:ext>
+            </a:extLst>
+          </p:cNvPr>
+          <p:cNvSpPr>
+            <a:spLocks noGrp="1"/>
+          </p:cNvSpPr>
+          <p:nvPr>
+            <p:ph type="subTitle" idx="1"/>
+          </p:nvPr>
         </p:nvSpPr>
         <p:spPr>
           <a:xfrm>
-            <a:off x="105508" y="422031"/>
-            <a:ext cx="5046784" cy="369332"/>
+            <a:off x="2932448" y="3962135"/>
+            <a:ext cx="6327105" cy="2653771"/>
           </a:xfrm>
-          <a:prstGeom prst="rect">
-            <a:avLst/>
-          </a:prstGeom>
-          <a:noFill/>
         </p:spPr>
         <p:txBody>
-          <a:bodyPr wrap="square" rtlCol="0">
-            <a:spAutoFit/>
-          </a:bodyPr>
+          <a:bodyPr/>
           <a:lstStyle/>
           <a:p>
-            <a:r>
-              <a:rPr lang="hu-HU" dirty="0" err="1" smtClean="0">
-                <a:solidFill>
-                  <a:schemeClr val="bg1"/>
-                </a:solidFill>
-              </a:rPr>
-              <a:t>Unityben</a:t>
-            </a:r>
-            <a:r>
-              <a:rPr lang="hu-HU" dirty="0" smtClean="0">
-                <a:solidFill>
-                  <a:schemeClr val="bg1"/>
-                </a:solidFill>
-              </a:rPr>
-              <a:t> az elrendezés</a:t>
-            </a:r>
-            <a:endParaRPr lang="hu-HU" dirty="0">
-              <a:solidFill>
-                <a:schemeClr val="bg1"/>
-              </a:solidFill>
-            </a:endParaRPr>
-          </a:p>
-        </p:txBody>
-      </p:sp>
-      <p:pic>
-        <p:nvPicPr>
-          <p:cNvPr id="7" name="Kép 6"/>
-          <p:cNvPicPr>
-            <a:picLocks noChangeAspect="1"/>
-          </p:cNvPicPr>
-          <p:nvPr/>
-        </p:nvPicPr>
-        <p:blipFill>
-          <a:blip r:embed="rId4"/>
-          <a:stretch>
-            <a:fillRect/>
-          </a:stretch>
-        </p:blipFill>
-        <p:spPr>
-          <a:xfrm>
-            <a:off x="4803701" y="1305501"/>
-            <a:ext cx="7075713" cy="2258362"/>
-          </a:xfrm>
-          <a:prstGeom prst="rect">
-            <a:avLst/>
-          </a:prstGeom>
-        </p:spPr>
-      </p:pic>
-      <p:sp>
-        <p:nvSpPr>
-          <p:cNvPr id="8" name="Szövegdoboz 7"/>
-          <p:cNvSpPr txBox="1"/>
-          <p:nvPr/>
-        </p:nvSpPr>
-        <p:spPr>
-          <a:xfrm>
-            <a:off x="4698194" y="483508"/>
-            <a:ext cx="4120491" cy="646331"/>
-          </a:xfrm>
-          <a:prstGeom prst="rect">
-            <a:avLst/>
-          </a:prstGeom>
-          <a:noFill/>
-        </p:spPr>
-        <p:txBody>
-          <a:bodyPr wrap="square" rtlCol="0">
-            <a:spAutoFit/>
-          </a:bodyPr>
-          <a:lstStyle/>
-          <a:p>
-            <a:r>
-              <a:rPr lang="hu-HU" dirty="0" smtClean="0">
-                <a:solidFill>
-                  <a:schemeClr val="bg1"/>
-                </a:solidFill>
-              </a:rPr>
-              <a:t>A </a:t>
-            </a:r>
-            <a:r>
-              <a:rPr lang="hu-HU" dirty="0" err="1" smtClean="0">
-                <a:solidFill>
-                  <a:schemeClr val="bg1"/>
-                </a:solidFill>
-              </a:rPr>
-              <a:t>player</a:t>
-            </a:r>
-            <a:r>
-              <a:rPr lang="hu-HU" dirty="0" smtClean="0">
-                <a:solidFill>
-                  <a:schemeClr val="bg1"/>
-                </a:solidFill>
-              </a:rPr>
-              <a:t> animációjának működése ezen alapul </a:t>
-            </a:r>
-            <a:endParaRPr lang="hu-HU" dirty="0">
-              <a:solidFill>
-                <a:schemeClr val="bg1"/>
-              </a:solidFill>
-            </a:endParaRPr>
-          </a:p>
-        </p:txBody>
-      </p:sp>
-      <p:pic>
-        <p:nvPicPr>
-          <p:cNvPr id="10" name="Kép 9"/>
-          <p:cNvPicPr>
-            <a:picLocks noChangeAspect="1"/>
-          </p:cNvPicPr>
-          <p:nvPr/>
-        </p:nvPicPr>
-        <p:blipFill>
-          <a:blip r:embed="rId5"/>
-          <a:stretch>
-            <a:fillRect/>
-          </a:stretch>
-        </p:blipFill>
-        <p:spPr>
-          <a:xfrm>
-            <a:off x="2874619" y="5426633"/>
-            <a:ext cx="3858163" cy="752580"/>
-          </a:xfrm>
-          <a:prstGeom prst="rect">
-            <a:avLst/>
-          </a:prstGeom>
-        </p:spPr>
-      </p:pic>
-      <p:sp>
-        <p:nvSpPr>
-          <p:cNvPr id="11" name="Szövegdoboz 10"/>
-          <p:cNvSpPr txBox="1"/>
-          <p:nvPr/>
-        </p:nvSpPr>
-        <p:spPr>
-          <a:xfrm>
-            <a:off x="2874619" y="4642338"/>
-            <a:ext cx="2760785" cy="646331"/>
-          </a:xfrm>
-          <a:prstGeom prst="rect">
-            <a:avLst/>
-          </a:prstGeom>
-          <a:noFill/>
-        </p:spPr>
-        <p:txBody>
-          <a:bodyPr wrap="square" rtlCol="0">
-            <a:spAutoFit/>
-          </a:bodyPr>
-          <a:lstStyle/>
-          <a:p>
-            <a:r>
-              <a:rPr lang="hu-HU" dirty="0" smtClean="0">
-                <a:solidFill>
-                  <a:schemeClr val="bg1"/>
-                </a:solidFill>
-              </a:rPr>
-              <a:t>A játék ezeket a scripteket használja</a:t>
-            </a:r>
-            <a:endParaRPr lang="hu-HU" dirty="0">
-              <a:solidFill>
-                <a:schemeClr val="bg1"/>
-              </a:solidFill>
-            </a:endParaRPr>
+            <a:endParaRPr lang="en-US" dirty="0"/>
           </a:p>
         </p:txBody>
       </p:sp>
@@ -13459,6 +14194,35 @@
 </file>
 
 <file path=customXml/item1.xml><?xml version="1.0" encoding="utf-8"?>
+<?mso-contentType ?>
+<FormTemplates xmlns="http://schemas.microsoft.com/sharepoint/v3/contenttype/forms">
+  <Display>DocumentLibraryForm</Display>
+  <Edit>DocumentLibraryForm</Edit>
+  <New>DocumentLibraryForm</New>
+</FormTemplates>
+</file>
+
+<file path=customXml/item2.xml><?xml version="1.0" encoding="utf-8"?>
+<p:properties xmlns:p="http://schemas.microsoft.com/office/2006/metadata/properties" xmlns:xsi="http://www.w3.org/2001/XMLSchema-instance" xmlns:pc="http://schemas.microsoft.com/office/infopath/2007/PartnerControls">
+  <documentManagement>
+    <_ip_UnifiedCompliancePolicyUIAction xmlns="http://schemas.microsoft.com/sharepoint/v3" xsi:nil="true"/>
+    <Image xmlns="71af3243-3dd4-4a8d-8c0d-dd76da1f02a5">
+      <Url xsi:nil="true"/>
+      <Description xsi:nil="true"/>
+    </Image>
+    <Status xmlns="71af3243-3dd4-4a8d-8c0d-dd76da1f02a5">Not started</Status>
+    <Background xmlns="71af3243-3dd4-4a8d-8c0d-dd76da1f02a5">false</Background>
+    <_ip_UnifiedCompliancePolicyProperties xmlns="http://schemas.microsoft.com/sharepoint/v3" xsi:nil="true"/>
+    <ImageTagsTaxHTField xmlns="71af3243-3dd4-4a8d-8c0d-dd76da1f02a5">
+      <Terms xmlns="http://schemas.microsoft.com/office/infopath/2007/PartnerControls"/>
+    </ImageTagsTaxHTField>
+    <TaxCatchAll xmlns="230e9df3-be65-4c73-a93b-d1236ebd677e" xsi:nil="true"/>
+    <MediaServiceKeyPoints xmlns="71af3243-3dd4-4a8d-8c0d-dd76da1f02a5" xsi:nil="true"/>
+  </documentManagement>
+</p:properties>
+</file>
+
+<file path=customXml/item3.xml><?xml version="1.0" encoding="utf-8"?>
 <ct:contentTypeSchema xmlns:ct="http://schemas.microsoft.com/office/2006/metadata/contentType" xmlns:ma="http://schemas.microsoft.com/office/2006/metadata/properties/metaAttributes" ct:_="" ma:_="" ma:contentTypeName="Document" ma:contentTypeID="0x01010079F111ED35F8CC479449609E8A0923A6" ma:contentTypeVersion="28" ma:contentTypeDescription="Create a new document." ma:contentTypeScope="" ma:versionID="60f5a4f2d2b0abadcf532d48ebf9cb71">
   <xsd:schema xmlns:xsd="http://www.w3.org/2001/XMLSchema" xmlns:xs="http://www.w3.org/2001/XMLSchema" xmlns:p="http://schemas.microsoft.com/office/2006/metadata/properties" xmlns:ns1="http://schemas.microsoft.com/sharepoint/v3" xmlns:ns2="71af3243-3dd4-4a8d-8c0d-dd76da1f02a5" xmlns:ns3="16c05727-aa75-4e4a-9b5f-8a80a1165891" xmlns:ns4="230e9df3-be65-4c73-a93b-d1236ebd677e" targetNamespace="http://schemas.microsoft.com/office/2006/metadata/properties" ma:root="true" ma:fieldsID="7dd78129e6a1811f84807ad11c651531" ns1:_="" ns2:_="" ns3:_="" ns4:_="">
     <xsd:import namespace="http://schemas.microsoft.com/sharepoint/v3"/>
@@ -13770,36 +14534,34 @@
 </ct:contentTypeSchema>
 </file>
 
-<file path=customXml/item2.xml><?xml version="1.0" encoding="utf-8"?>
-<p:properties xmlns:p="http://schemas.microsoft.com/office/2006/metadata/properties" xmlns:xsi="http://www.w3.org/2001/XMLSchema-instance" xmlns:pc="http://schemas.microsoft.com/office/infopath/2007/PartnerControls">
-  <documentManagement>
-    <_ip_UnifiedCompliancePolicyUIAction xmlns="http://schemas.microsoft.com/sharepoint/v3" xsi:nil="true"/>
-    <Image xmlns="71af3243-3dd4-4a8d-8c0d-dd76da1f02a5">
-      <Url xsi:nil="true"/>
-      <Description xsi:nil="true"/>
-    </Image>
-    <Status xmlns="71af3243-3dd4-4a8d-8c0d-dd76da1f02a5">Not started</Status>
-    <Background xmlns="71af3243-3dd4-4a8d-8c0d-dd76da1f02a5">false</Background>
-    <_ip_UnifiedCompliancePolicyProperties xmlns="http://schemas.microsoft.com/sharepoint/v3" xsi:nil="true"/>
-    <ImageTagsTaxHTField xmlns="71af3243-3dd4-4a8d-8c0d-dd76da1f02a5">
-      <Terms xmlns="http://schemas.microsoft.com/office/infopath/2007/PartnerControls"/>
-    </ImageTagsTaxHTField>
-    <TaxCatchAll xmlns="230e9df3-be65-4c73-a93b-d1236ebd677e" xsi:nil="true"/>
-    <MediaServiceKeyPoints xmlns="71af3243-3dd4-4a8d-8c0d-dd76da1f02a5" xsi:nil="true"/>
-  </documentManagement>
-</p:properties>
+<file path=customXml/itemProps1.xml><?xml version="1.0" encoding="utf-8"?>
+<ds:datastoreItem xmlns:ds="http://schemas.openxmlformats.org/officeDocument/2006/customXml" ds:itemID="{A78D9019-7CE1-4B77-8F5D-67F6576598CB}">
+  <ds:schemaRefs>
+    <ds:schemaRef ds:uri="http://schemas.microsoft.com/sharepoint/v3/contenttype/forms"/>
+  </ds:schemaRefs>
+</ds:datastoreItem>
 </file>
 
-<file path=customXml/item3.xml><?xml version="1.0" encoding="utf-8"?>
-<?mso-contentType ?>
-<FormTemplates xmlns="http://schemas.microsoft.com/sharepoint/v3/contenttype/forms">
-  <Display>DocumentLibraryForm</Display>
-  <Edit>DocumentLibraryForm</Edit>
-  <New>DocumentLibraryForm</New>
-</FormTemplates>
+<file path=customXml/itemProps2.xml><?xml version="1.0" encoding="utf-8"?>
+<ds:datastoreItem xmlns:ds="http://schemas.openxmlformats.org/officeDocument/2006/customXml" ds:itemID="{E42E6C21-1752-4E06-9FE3-208D45ADB668}">
+  <ds:schemaRefs>
+    <ds:schemaRef ds:uri="http://schemas.microsoft.com/office/2006/metadata/properties"/>
+    <ds:schemaRef ds:uri="http://purl.org/dc/terms/"/>
+    <ds:schemaRef ds:uri="230e9df3-be65-4c73-a93b-d1236ebd677e"/>
+    <ds:schemaRef ds:uri="http://schemas.microsoft.com/office/2006/documentManagement/types"/>
+    <ds:schemaRef ds:uri="16c05727-aa75-4e4a-9b5f-8a80a1165891"/>
+    <ds:schemaRef ds:uri="http://schemas.microsoft.com/office/infopath/2007/PartnerControls"/>
+    <ds:schemaRef ds:uri="http://schemas.openxmlformats.org/package/2006/metadata/core-properties"/>
+    <ds:schemaRef ds:uri="http://purl.org/dc/elements/1.1/"/>
+    <ds:schemaRef ds:uri="71af3243-3dd4-4a8d-8c0d-dd76da1f02a5"/>
+    <ds:schemaRef ds:uri="http://schemas.microsoft.com/sharepoint/v3"/>
+    <ds:schemaRef ds:uri="http://www.w3.org/XML/1998/namespace"/>
+    <ds:schemaRef ds:uri="http://purl.org/dc/dcmitype/"/>
+  </ds:schemaRefs>
+</ds:datastoreItem>
 </file>
 
-<file path=customXml/itemProps1.xml><?xml version="1.0" encoding="utf-8"?>
+<file path=customXml/itemProps3.xml><?xml version="1.0" encoding="utf-8"?>
 <ds:datastoreItem xmlns:ds="http://schemas.openxmlformats.org/officeDocument/2006/customXml" ds:itemID="{AF6E7B4D-FB62-47B7-AAA7-0DEC9938DB8A}">
   <ds:schemaRefs>
     <ds:schemaRef ds:uri="http://schemas.microsoft.com/office/2006/metadata/contentType"/>
@@ -13820,33 +14582,6 @@
 </ds:datastoreItem>
 </file>
 
-<file path=customXml/itemProps2.xml><?xml version="1.0" encoding="utf-8"?>
-<ds:datastoreItem xmlns:ds="http://schemas.openxmlformats.org/officeDocument/2006/customXml" ds:itemID="{E42E6C21-1752-4E06-9FE3-208D45ADB668}">
-  <ds:schemaRefs>
-    <ds:schemaRef ds:uri="http://purl.org/dc/elements/1.1/"/>
-    <ds:schemaRef ds:uri="http://schemas.openxmlformats.org/package/2006/metadata/core-properties"/>
-    <ds:schemaRef ds:uri="http://schemas.microsoft.com/office/2006/metadata/properties"/>
-    <ds:schemaRef ds:uri="71af3243-3dd4-4a8d-8c0d-dd76da1f02a5"/>
-    <ds:schemaRef ds:uri="230e9df3-be65-4c73-a93b-d1236ebd677e"/>
-    <ds:schemaRef ds:uri="http://purl.org/dc/dcmitype/"/>
-    <ds:schemaRef ds:uri="http://www.w3.org/XML/1998/namespace"/>
-    <ds:schemaRef ds:uri="16c05727-aa75-4e4a-9b5f-8a80a1165891"/>
-    <ds:schemaRef ds:uri="http://schemas.microsoft.com/office/2006/documentManagement/types"/>
-    <ds:schemaRef ds:uri="http://schemas.microsoft.com/office/infopath/2007/PartnerControls"/>
-    <ds:schemaRef ds:uri="http://schemas.microsoft.com/sharepoint/v3"/>
-    <ds:schemaRef ds:uri="http://purl.org/dc/terms/"/>
-  </ds:schemaRefs>
-</ds:datastoreItem>
-</file>
-
-<file path=customXml/itemProps3.xml><?xml version="1.0" encoding="utf-8"?>
-<ds:datastoreItem xmlns:ds="http://schemas.openxmlformats.org/officeDocument/2006/customXml" ds:itemID="{A78D9019-7CE1-4B77-8F5D-67F6576598CB}">
-  <ds:schemaRefs>
-    <ds:schemaRef ds:uri="http://schemas.microsoft.com/sharepoint/v3/contenttype/forms"/>
-  </ds:schemaRefs>
-</ds:datastoreItem>
-</file>
-
 <file path=docMetadata/LabelInfo.xml><?xml version="1.0" encoding="utf-8"?>
 <clbl:labelList xmlns:clbl="http://schemas.microsoft.com/office/2020/mipLabelMetadata"/>
 </file>
--- a/JUMPER.pptx
+++ b/JUMPER.pptx
@@ -5,28 +5,25 @@
     <p:sldMasterId id="2147483648" r:id="rId4"/>
   </p:sldMasterIdLst>
   <p:notesMasterIdLst>
-    <p:notesMasterId r:id="rId21"/>
+    <p:notesMasterId r:id="rId18"/>
   </p:notesMasterIdLst>
   <p:handoutMasterIdLst>
-    <p:handoutMasterId r:id="rId22"/>
+    <p:handoutMasterId r:id="rId19"/>
   </p:handoutMasterIdLst>
   <p:sldIdLst>
     <p:sldId id="342" r:id="rId5"/>
     <p:sldId id="359" r:id="rId6"/>
     <p:sldId id="374" r:id="rId7"/>
-    <p:sldId id="383" r:id="rId8"/>
-    <p:sldId id="373" r:id="rId9"/>
-    <p:sldId id="382" r:id="rId10"/>
-    <p:sldId id="384" r:id="rId11"/>
-    <p:sldId id="375" r:id="rId12"/>
+    <p:sldId id="388" r:id="rId8"/>
+    <p:sldId id="383" r:id="rId9"/>
+    <p:sldId id="373" r:id="rId10"/>
+    <p:sldId id="382" r:id="rId11"/>
+    <p:sldId id="384" r:id="rId12"/>
     <p:sldId id="365" r:id="rId13"/>
-    <p:sldId id="376" r:id="rId14"/>
-    <p:sldId id="377" r:id="rId15"/>
-    <p:sldId id="378" r:id="rId16"/>
-    <p:sldId id="379" r:id="rId17"/>
-    <p:sldId id="380" r:id="rId18"/>
-    <p:sldId id="381" r:id="rId19"/>
-    <p:sldId id="372" r:id="rId20"/>
+    <p:sldId id="375" r:id="rId14"/>
+    <p:sldId id="385" r:id="rId15"/>
+    <p:sldId id="386" r:id="rId16"/>
+    <p:sldId id="389" r:id="rId17"/>
   </p:sldIdLst>
   <p:sldSz cx="12192000" cy="6858000"/>
   <p:notesSz cx="6858000" cy="9144000"/>
@@ -775,510 +772,6 @@
 </p:notes>
 </file>
 
-<file path=ppt/notesSlides/notesSlide10.xml><?xml version="1.0" encoding="utf-8"?>
-<p:notes xmlns:a="http://schemas.openxmlformats.org/drawingml/2006/main" xmlns:r="http://schemas.openxmlformats.org/officeDocument/2006/relationships" xmlns:p="http://schemas.openxmlformats.org/presentationml/2006/main">
-  <p:cSld>
-    <p:spTree>
-      <p:nvGrpSpPr>
-        <p:cNvPr id="1" name=""/>
-        <p:cNvGrpSpPr/>
-        <p:nvPr/>
-      </p:nvGrpSpPr>
-      <p:grpSpPr>
-        <a:xfrm>
-          <a:off x="0" y="0"/>
-          <a:ext cx="0" cy="0"/>
-          <a:chOff x="0" y="0"/>
-          <a:chExt cx="0" cy="0"/>
-        </a:xfrm>
-      </p:grpSpPr>
-      <p:sp>
-        <p:nvSpPr>
-          <p:cNvPr id="2" name="Slide Image Placeholder 1"/>
-          <p:cNvSpPr>
-            <a:spLocks noGrp="1" noRot="1" noChangeAspect="1"/>
-          </p:cNvSpPr>
-          <p:nvPr>
-            <p:ph type="sldImg"/>
-          </p:nvPr>
-        </p:nvSpPr>
-        <p:spPr/>
-      </p:sp>
-      <p:sp>
-        <p:nvSpPr>
-          <p:cNvPr id="3" name="Notes Placeholder 2"/>
-          <p:cNvSpPr>
-            <a:spLocks noGrp="1"/>
-          </p:cNvSpPr>
-          <p:nvPr>
-            <p:ph type="body" idx="1"/>
-          </p:nvPr>
-        </p:nvSpPr>
-        <p:spPr/>
-        <p:txBody>
-          <a:bodyPr/>
-          <a:lstStyle/>
-          <a:p>
-            <a:endParaRPr lang="en-US" dirty="0"/>
-          </a:p>
-        </p:txBody>
-      </p:sp>
-      <p:sp>
-        <p:nvSpPr>
-          <p:cNvPr id="4" name="Slide Number Placeholder 3"/>
-          <p:cNvSpPr>
-            <a:spLocks noGrp="1"/>
-          </p:cNvSpPr>
-          <p:nvPr>
-            <p:ph type="sldNum" sz="quarter" idx="5"/>
-          </p:nvPr>
-        </p:nvSpPr>
-        <p:spPr/>
-        <p:txBody>
-          <a:bodyPr/>
-          <a:lstStyle/>
-          <a:p>
-            <a:fld id="{DEF75CB5-5666-5049-9AE0-38EFD385C21E}" type="slidenum">
-              <a:rPr lang="en-US" smtClean="0"/>
-              <a:t>11</a:t>
-            </a:fld>
-            <a:endParaRPr lang="en-US" dirty="0"/>
-          </a:p>
-        </p:txBody>
-      </p:sp>
-    </p:spTree>
-    <p:extLst>
-      <p:ext uri="{BB962C8B-B14F-4D97-AF65-F5344CB8AC3E}">
-        <p14:creationId xmlns:p14="http://schemas.microsoft.com/office/powerpoint/2010/main" val="712487217"/>
-      </p:ext>
-    </p:extLst>
-  </p:cSld>
-  <p:clrMapOvr>
-    <a:masterClrMapping/>
-  </p:clrMapOvr>
-</p:notes>
-</file>
-
-<file path=ppt/notesSlides/notesSlide11.xml><?xml version="1.0" encoding="utf-8"?>
-<p:notes xmlns:a="http://schemas.openxmlformats.org/drawingml/2006/main" xmlns:r="http://schemas.openxmlformats.org/officeDocument/2006/relationships" xmlns:p="http://schemas.openxmlformats.org/presentationml/2006/main">
-  <p:cSld>
-    <p:spTree>
-      <p:nvGrpSpPr>
-        <p:cNvPr id="1" name=""/>
-        <p:cNvGrpSpPr/>
-        <p:nvPr/>
-      </p:nvGrpSpPr>
-      <p:grpSpPr>
-        <a:xfrm>
-          <a:off x="0" y="0"/>
-          <a:ext cx="0" cy="0"/>
-          <a:chOff x="0" y="0"/>
-          <a:chExt cx="0" cy="0"/>
-        </a:xfrm>
-      </p:grpSpPr>
-      <p:sp>
-        <p:nvSpPr>
-          <p:cNvPr id="2" name="Slide Image Placeholder 1"/>
-          <p:cNvSpPr>
-            <a:spLocks noGrp="1" noRot="1" noChangeAspect="1"/>
-          </p:cNvSpPr>
-          <p:nvPr>
-            <p:ph type="sldImg"/>
-          </p:nvPr>
-        </p:nvSpPr>
-        <p:spPr/>
-      </p:sp>
-      <p:sp>
-        <p:nvSpPr>
-          <p:cNvPr id="3" name="Notes Placeholder 2"/>
-          <p:cNvSpPr>
-            <a:spLocks noGrp="1"/>
-          </p:cNvSpPr>
-          <p:nvPr>
-            <p:ph type="body" idx="1"/>
-          </p:nvPr>
-        </p:nvSpPr>
-        <p:spPr/>
-        <p:txBody>
-          <a:bodyPr/>
-          <a:lstStyle/>
-          <a:p>
-            <a:endParaRPr lang="en-US" dirty="0"/>
-          </a:p>
-        </p:txBody>
-      </p:sp>
-      <p:sp>
-        <p:nvSpPr>
-          <p:cNvPr id="4" name="Slide Number Placeholder 3"/>
-          <p:cNvSpPr>
-            <a:spLocks noGrp="1"/>
-          </p:cNvSpPr>
-          <p:nvPr>
-            <p:ph type="sldNum" sz="quarter" idx="5"/>
-          </p:nvPr>
-        </p:nvSpPr>
-        <p:spPr/>
-        <p:txBody>
-          <a:bodyPr/>
-          <a:lstStyle/>
-          <a:p>
-            <a:fld id="{DEF75CB5-5666-5049-9AE0-38EFD385C21E}" type="slidenum">
-              <a:rPr lang="en-US" smtClean="0"/>
-              <a:t>12</a:t>
-            </a:fld>
-            <a:endParaRPr lang="en-US" dirty="0"/>
-          </a:p>
-        </p:txBody>
-      </p:sp>
-    </p:spTree>
-    <p:extLst>
-      <p:ext uri="{BB962C8B-B14F-4D97-AF65-F5344CB8AC3E}">
-        <p14:creationId xmlns:p14="http://schemas.microsoft.com/office/powerpoint/2010/main" val="3765125580"/>
-      </p:ext>
-    </p:extLst>
-  </p:cSld>
-  <p:clrMapOvr>
-    <a:masterClrMapping/>
-  </p:clrMapOvr>
-</p:notes>
-</file>
-
-<file path=ppt/notesSlides/notesSlide12.xml><?xml version="1.0" encoding="utf-8"?>
-<p:notes xmlns:a="http://schemas.openxmlformats.org/drawingml/2006/main" xmlns:r="http://schemas.openxmlformats.org/officeDocument/2006/relationships" xmlns:p="http://schemas.openxmlformats.org/presentationml/2006/main">
-  <p:cSld>
-    <p:spTree>
-      <p:nvGrpSpPr>
-        <p:cNvPr id="1" name=""/>
-        <p:cNvGrpSpPr/>
-        <p:nvPr/>
-      </p:nvGrpSpPr>
-      <p:grpSpPr>
-        <a:xfrm>
-          <a:off x="0" y="0"/>
-          <a:ext cx="0" cy="0"/>
-          <a:chOff x="0" y="0"/>
-          <a:chExt cx="0" cy="0"/>
-        </a:xfrm>
-      </p:grpSpPr>
-      <p:sp>
-        <p:nvSpPr>
-          <p:cNvPr id="2" name="Slide Image Placeholder 1"/>
-          <p:cNvSpPr>
-            <a:spLocks noGrp="1" noRot="1" noChangeAspect="1"/>
-          </p:cNvSpPr>
-          <p:nvPr>
-            <p:ph type="sldImg"/>
-          </p:nvPr>
-        </p:nvSpPr>
-        <p:spPr/>
-      </p:sp>
-      <p:sp>
-        <p:nvSpPr>
-          <p:cNvPr id="3" name="Notes Placeholder 2"/>
-          <p:cNvSpPr>
-            <a:spLocks noGrp="1"/>
-          </p:cNvSpPr>
-          <p:nvPr>
-            <p:ph type="body" idx="1"/>
-          </p:nvPr>
-        </p:nvSpPr>
-        <p:spPr/>
-        <p:txBody>
-          <a:bodyPr/>
-          <a:lstStyle/>
-          <a:p>
-            <a:endParaRPr lang="en-US" dirty="0"/>
-          </a:p>
-        </p:txBody>
-      </p:sp>
-      <p:sp>
-        <p:nvSpPr>
-          <p:cNvPr id="4" name="Slide Number Placeholder 3"/>
-          <p:cNvSpPr>
-            <a:spLocks noGrp="1"/>
-          </p:cNvSpPr>
-          <p:nvPr>
-            <p:ph type="sldNum" sz="quarter" idx="5"/>
-          </p:nvPr>
-        </p:nvSpPr>
-        <p:spPr/>
-        <p:txBody>
-          <a:bodyPr/>
-          <a:lstStyle/>
-          <a:p>
-            <a:fld id="{DEF75CB5-5666-5049-9AE0-38EFD385C21E}" type="slidenum">
-              <a:rPr lang="en-US" smtClean="0"/>
-              <a:t>13</a:t>
-            </a:fld>
-            <a:endParaRPr lang="en-US" dirty="0"/>
-          </a:p>
-        </p:txBody>
-      </p:sp>
-    </p:spTree>
-    <p:extLst>
-      <p:ext uri="{BB962C8B-B14F-4D97-AF65-F5344CB8AC3E}">
-        <p14:creationId xmlns:p14="http://schemas.microsoft.com/office/powerpoint/2010/main" val="178419945"/>
-      </p:ext>
-    </p:extLst>
-  </p:cSld>
-  <p:clrMapOvr>
-    <a:masterClrMapping/>
-  </p:clrMapOvr>
-</p:notes>
-</file>
-
-<file path=ppt/notesSlides/notesSlide13.xml><?xml version="1.0" encoding="utf-8"?>
-<p:notes xmlns:a="http://schemas.openxmlformats.org/drawingml/2006/main" xmlns:r="http://schemas.openxmlformats.org/officeDocument/2006/relationships" xmlns:p="http://schemas.openxmlformats.org/presentationml/2006/main">
-  <p:cSld>
-    <p:spTree>
-      <p:nvGrpSpPr>
-        <p:cNvPr id="1" name=""/>
-        <p:cNvGrpSpPr/>
-        <p:nvPr/>
-      </p:nvGrpSpPr>
-      <p:grpSpPr>
-        <a:xfrm>
-          <a:off x="0" y="0"/>
-          <a:ext cx="0" cy="0"/>
-          <a:chOff x="0" y="0"/>
-          <a:chExt cx="0" cy="0"/>
-        </a:xfrm>
-      </p:grpSpPr>
-      <p:sp>
-        <p:nvSpPr>
-          <p:cNvPr id="2" name="Slide Image Placeholder 1"/>
-          <p:cNvSpPr>
-            <a:spLocks noGrp="1" noRot="1" noChangeAspect="1"/>
-          </p:cNvSpPr>
-          <p:nvPr>
-            <p:ph type="sldImg"/>
-          </p:nvPr>
-        </p:nvSpPr>
-        <p:spPr/>
-      </p:sp>
-      <p:sp>
-        <p:nvSpPr>
-          <p:cNvPr id="3" name="Notes Placeholder 2"/>
-          <p:cNvSpPr>
-            <a:spLocks noGrp="1"/>
-          </p:cNvSpPr>
-          <p:nvPr>
-            <p:ph type="body" idx="1"/>
-          </p:nvPr>
-        </p:nvSpPr>
-        <p:spPr/>
-        <p:txBody>
-          <a:bodyPr/>
-          <a:lstStyle/>
-          <a:p>
-            <a:endParaRPr lang="en-US" dirty="0"/>
-          </a:p>
-        </p:txBody>
-      </p:sp>
-      <p:sp>
-        <p:nvSpPr>
-          <p:cNvPr id="4" name="Slide Number Placeholder 3"/>
-          <p:cNvSpPr>
-            <a:spLocks noGrp="1"/>
-          </p:cNvSpPr>
-          <p:nvPr>
-            <p:ph type="sldNum" sz="quarter" idx="5"/>
-          </p:nvPr>
-        </p:nvSpPr>
-        <p:spPr/>
-        <p:txBody>
-          <a:bodyPr/>
-          <a:lstStyle/>
-          <a:p>
-            <a:fld id="{DEF75CB5-5666-5049-9AE0-38EFD385C21E}" type="slidenum">
-              <a:rPr lang="en-US" smtClean="0"/>
-              <a:t>14</a:t>
-            </a:fld>
-            <a:endParaRPr lang="en-US" dirty="0"/>
-          </a:p>
-        </p:txBody>
-      </p:sp>
-    </p:spTree>
-    <p:extLst>
-      <p:ext uri="{BB962C8B-B14F-4D97-AF65-F5344CB8AC3E}">
-        <p14:creationId xmlns:p14="http://schemas.microsoft.com/office/powerpoint/2010/main" val="839213642"/>
-      </p:ext>
-    </p:extLst>
-  </p:cSld>
-  <p:clrMapOvr>
-    <a:masterClrMapping/>
-  </p:clrMapOvr>
-</p:notes>
-</file>
-
-<file path=ppt/notesSlides/notesSlide14.xml><?xml version="1.0" encoding="utf-8"?>
-<p:notes xmlns:a="http://schemas.openxmlformats.org/drawingml/2006/main" xmlns:r="http://schemas.openxmlformats.org/officeDocument/2006/relationships" xmlns:p="http://schemas.openxmlformats.org/presentationml/2006/main">
-  <p:cSld>
-    <p:spTree>
-      <p:nvGrpSpPr>
-        <p:cNvPr id="1" name=""/>
-        <p:cNvGrpSpPr/>
-        <p:nvPr/>
-      </p:nvGrpSpPr>
-      <p:grpSpPr>
-        <a:xfrm>
-          <a:off x="0" y="0"/>
-          <a:ext cx="0" cy="0"/>
-          <a:chOff x="0" y="0"/>
-          <a:chExt cx="0" cy="0"/>
-        </a:xfrm>
-      </p:grpSpPr>
-      <p:sp>
-        <p:nvSpPr>
-          <p:cNvPr id="2" name="Slide Image Placeholder 1"/>
-          <p:cNvSpPr>
-            <a:spLocks noGrp="1" noRot="1" noChangeAspect="1"/>
-          </p:cNvSpPr>
-          <p:nvPr>
-            <p:ph type="sldImg"/>
-          </p:nvPr>
-        </p:nvSpPr>
-        <p:spPr/>
-      </p:sp>
-      <p:sp>
-        <p:nvSpPr>
-          <p:cNvPr id="3" name="Notes Placeholder 2"/>
-          <p:cNvSpPr>
-            <a:spLocks noGrp="1"/>
-          </p:cNvSpPr>
-          <p:nvPr>
-            <p:ph type="body" idx="1"/>
-          </p:nvPr>
-        </p:nvSpPr>
-        <p:spPr/>
-        <p:txBody>
-          <a:bodyPr/>
-          <a:lstStyle/>
-          <a:p>
-            <a:endParaRPr lang="en-US" dirty="0"/>
-          </a:p>
-        </p:txBody>
-      </p:sp>
-      <p:sp>
-        <p:nvSpPr>
-          <p:cNvPr id="4" name="Slide Number Placeholder 3"/>
-          <p:cNvSpPr>
-            <a:spLocks noGrp="1"/>
-          </p:cNvSpPr>
-          <p:nvPr>
-            <p:ph type="sldNum" sz="quarter" idx="5"/>
-          </p:nvPr>
-        </p:nvSpPr>
-        <p:spPr/>
-        <p:txBody>
-          <a:bodyPr/>
-          <a:lstStyle/>
-          <a:p>
-            <a:fld id="{DEF75CB5-5666-5049-9AE0-38EFD385C21E}" type="slidenum">
-              <a:rPr lang="en-US" smtClean="0"/>
-              <a:t>15</a:t>
-            </a:fld>
-            <a:endParaRPr lang="en-US" dirty="0"/>
-          </a:p>
-        </p:txBody>
-      </p:sp>
-    </p:spTree>
-    <p:extLst>
-      <p:ext uri="{BB962C8B-B14F-4D97-AF65-F5344CB8AC3E}">
-        <p14:creationId xmlns:p14="http://schemas.microsoft.com/office/powerpoint/2010/main" val="661510092"/>
-      </p:ext>
-    </p:extLst>
-  </p:cSld>
-  <p:clrMapOvr>
-    <a:masterClrMapping/>
-  </p:clrMapOvr>
-</p:notes>
-</file>
-
-<file path=ppt/notesSlides/notesSlide15.xml><?xml version="1.0" encoding="utf-8"?>
-<p:notes xmlns:a="http://schemas.openxmlformats.org/drawingml/2006/main" xmlns:r="http://schemas.openxmlformats.org/officeDocument/2006/relationships" xmlns:p="http://schemas.openxmlformats.org/presentationml/2006/main">
-  <p:cSld>
-    <p:spTree>
-      <p:nvGrpSpPr>
-        <p:cNvPr id="1" name=""/>
-        <p:cNvGrpSpPr/>
-        <p:nvPr/>
-      </p:nvGrpSpPr>
-      <p:grpSpPr>
-        <a:xfrm>
-          <a:off x="0" y="0"/>
-          <a:ext cx="0" cy="0"/>
-          <a:chOff x="0" y="0"/>
-          <a:chExt cx="0" cy="0"/>
-        </a:xfrm>
-      </p:grpSpPr>
-      <p:sp>
-        <p:nvSpPr>
-          <p:cNvPr id="2" name="Slide Image Placeholder 1"/>
-          <p:cNvSpPr>
-            <a:spLocks noGrp="1" noRot="1" noChangeAspect="1"/>
-          </p:cNvSpPr>
-          <p:nvPr>
-            <p:ph type="sldImg"/>
-          </p:nvPr>
-        </p:nvSpPr>
-        <p:spPr/>
-      </p:sp>
-      <p:sp>
-        <p:nvSpPr>
-          <p:cNvPr id="3" name="Notes Placeholder 2"/>
-          <p:cNvSpPr>
-            <a:spLocks noGrp="1"/>
-          </p:cNvSpPr>
-          <p:nvPr>
-            <p:ph type="body" idx="1"/>
-          </p:nvPr>
-        </p:nvSpPr>
-        <p:spPr/>
-        <p:txBody>
-          <a:bodyPr/>
-          <a:lstStyle/>
-          <a:p>
-            <a:endParaRPr lang="en-US" dirty="0"/>
-          </a:p>
-        </p:txBody>
-      </p:sp>
-      <p:sp>
-        <p:nvSpPr>
-          <p:cNvPr id="4" name="Slide Number Placeholder 3"/>
-          <p:cNvSpPr>
-            <a:spLocks noGrp="1"/>
-          </p:cNvSpPr>
-          <p:nvPr>
-            <p:ph type="sldNum" sz="quarter" idx="5"/>
-          </p:nvPr>
-        </p:nvSpPr>
-        <p:spPr/>
-        <p:txBody>
-          <a:bodyPr/>
-          <a:lstStyle/>
-          <a:p>
-            <a:fld id="{DEF75CB5-5666-5049-9AE0-38EFD385C21E}" type="slidenum">
-              <a:rPr lang="en-US" smtClean="0"/>
-              <a:t>16</a:t>
-            </a:fld>
-            <a:endParaRPr lang="en-US" dirty="0"/>
-          </a:p>
-        </p:txBody>
-      </p:sp>
-    </p:spTree>
-    <p:extLst>
-      <p:ext uri="{BB962C8B-B14F-4D97-AF65-F5344CB8AC3E}">
-        <p14:creationId xmlns:p14="http://schemas.microsoft.com/office/powerpoint/2010/main" val="4167890113"/>
-      </p:ext>
-    </p:extLst>
-  </p:cSld>
-  <p:clrMapOvr>
-    <a:masterClrMapping/>
-  </p:clrMapOvr>
-</p:notes>
-</file>
-
 <file path=ppt/notesSlides/notesSlide2.xml><?xml version="1.0" encoding="utf-8"?>
 <p:notes xmlns:a="http://schemas.openxmlformats.org/drawingml/2006/main" xmlns:r="http://schemas.openxmlformats.org/officeDocument/2006/relationships" xmlns:p="http://schemas.openxmlformats.org/presentationml/2006/main">
   <p:cSld>
@@ -1323,26 +816,6 @@
           <a:bodyPr/>
           <a:lstStyle/>
           <a:p>
-            <a:r>
-              <a:rPr lang="hu-HU" dirty="0" smtClean="0"/>
-              <a:t>A játék</a:t>
-            </a:r>
-            <a:r>
-              <a:rPr lang="hu-HU" baseline="0" dirty="0" smtClean="0"/>
-              <a:t> </a:t>
-            </a:r>
-            <a:r>
-              <a:rPr lang="hu-HU" baseline="0" dirty="0" err="1" smtClean="0"/>
-              <a:t>Unityben</a:t>
-            </a:r>
-            <a:r>
-              <a:rPr lang="hu-HU" baseline="0" dirty="0" smtClean="0"/>
-              <a:t> készült, és ott </a:t>
-            </a:r>
-            <a:r>
-              <a:rPr lang="hu-HU" baseline="0" smtClean="0"/>
-              <a:t>is fejlesztjük</a:t>
-            </a:r>
             <a:endParaRPr lang="en-US" dirty="0"/>
           </a:p>
         </p:txBody>
@@ -1604,7 +1077,7 @@
           <a:p>
             <a:fld id="{DEF75CB5-5666-5049-9AE0-38EFD385C21E}" type="slidenum">
               <a:rPr lang="en-US" smtClean="0"/>
-              <a:t>5</a:t>
+              <a:t>6</a:t>
             </a:fld>
             <a:endParaRPr lang="en-US" dirty="0"/>
           </a:p>
@@ -1704,7 +1177,7 @@
           <a:p>
             <a:fld id="{DEF75CB5-5666-5049-9AE0-38EFD385C21E}" type="slidenum">
               <a:rPr lang="en-US" smtClean="0"/>
-              <a:t>6</a:t>
+              <a:t>7</a:t>
             </a:fld>
             <a:endParaRPr lang="en-US" dirty="0"/>
           </a:p>
@@ -1767,6 +1240,10 @@
           <a:bodyPr/>
           <a:lstStyle/>
           <a:p>
+            <a:r>
+              <a:rPr lang="hu-HU" baseline="0" dirty="0" smtClean="0"/>
+              <a:t>Ha a játékos eléri a célt az első szintnek vége</a:t>
+            </a:r>
             <a:endParaRPr lang="en-US" dirty="0"/>
           </a:p>
         </p:txBody>
@@ -1788,7 +1265,7 @@
           <a:p>
             <a:fld id="{DEF75CB5-5666-5049-9AE0-38EFD385C21E}" type="slidenum">
               <a:rPr lang="en-US" smtClean="0"/>
-              <a:t>7</a:t>
+              <a:t>8</a:t>
             </a:fld>
             <a:endParaRPr lang="en-US" dirty="0"/>
           </a:p>
@@ -1808,90 +1285,6 @@
 </file>
 
 <file path=ppt/notesSlides/notesSlide7.xml><?xml version="1.0" encoding="utf-8"?>
-<p:notes xmlns:a="http://schemas.openxmlformats.org/drawingml/2006/main" xmlns:r="http://schemas.openxmlformats.org/officeDocument/2006/relationships" xmlns:p="http://schemas.openxmlformats.org/presentationml/2006/main">
-  <p:cSld>
-    <p:spTree>
-      <p:nvGrpSpPr>
-        <p:cNvPr id="1" name=""/>
-        <p:cNvGrpSpPr/>
-        <p:nvPr/>
-      </p:nvGrpSpPr>
-      <p:grpSpPr>
-        <a:xfrm>
-          <a:off x="0" y="0"/>
-          <a:ext cx="0" cy="0"/>
-          <a:chOff x="0" y="0"/>
-          <a:chExt cx="0" cy="0"/>
-        </a:xfrm>
-      </p:grpSpPr>
-      <p:sp>
-        <p:nvSpPr>
-          <p:cNvPr id="2" name="Slide Image Placeholder 1"/>
-          <p:cNvSpPr>
-            <a:spLocks noGrp="1" noRot="1" noChangeAspect="1"/>
-          </p:cNvSpPr>
-          <p:nvPr>
-            <p:ph type="sldImg"/>
-          </p:nvPr>
-        </p:nvSpPr>
-        <p:spPr/>
-      </p:sp>
-      <p:sp>
-        <p:nvSpPr>
-          <p:cNvPr id="3" name="Notes Placeholder 2"/>
-          <p:cNvSpPr>
-            <a:spLocks noGrp="1"/>
-          </p:cNvSpPr>
-          <p:nvPr>
-            <p:ph type="body" idx="1"/>
-          </p:nvPr>
-        </p:nvSpPr>
-        <p:spPr/>
-        <p:txBody>
-          <a:bodyPr/>
-          <a:lstStyle/>
-          <a:p>
-            <a:endParaRPr lang="en-US" dirty="0"/>
-          </a:p>
-        </p:txBody>
-      </p:sp>
-      <p:sp>
-        <p:nvSpPr>
-          <p:cNvPr id="4" name="Slide Number Placeholder 3"/>
-          <p:cNvSpPr>
-            <a:spLocks noGrp="1"/>
-          </p:cNvSpPr>
-          <p:nvPr>
-            <p:ph type="sldNum" sz="quarter" idx="5"/>
-          </p:nvPr>
-        </p:nvSpPr>
-        <p:spPr/>
-        <p:txBody>
-          <a:bodyPr/>
-          <a:lstStyle/>
-          <a:p>
-            <a:fld id="{DEF75CB5-5666-5049-9AE0-38EFD385C21E}" type="slidenum">
-              <a:rPr lang="en-US" smtClean="0"/>
-              <a:t>8</a:t>
-            </a:fld>
-            <a:endParaRPr lang="en-US" dirty="0"/>
-          </a:p>
-        </p:txBody>
-      </p:sp>
-    </p:spTree>
-    <p:extLst>
-      <p:ext uri="{BB962C8B-B14F-4D97-AF65-F5344CB8AC3E}">
-        <p14:creationId xmlns:p14="http://schemas.microsoft.com/office/powerpoint/2010/main" val="2982522483"/>
-      </p:ext>
-    </p:extLst>
-  </p:cSld>
-  <p:clrMapOvr>
-    <a:masterClrMapping/>
-  </p:clrMapOvr>
-</p:notes>
-</file>
-
-<file path=ppt/notesSlides/notesSlide8.xml><?xml version="1.0" encoding="utf-8"?>
 <p:notes xmlns:a="http://schemas.openxmlformats.org/drawingml/2006/main" xmlns:r="http://schemas.openxmlformats.org/officeDocument/2006/relationships" xmlns:p="http://schemas.openxmlformats.org/presentationml/2006/main">
   <p:cSld>
     <p:spTree>
@@ -2035,7 +1428,7 @@
 </p:notes>
 </file>
 
-<file path=ppt/notesSlides/notesSlide9.xml><?xml version="1.0" encoding="utf-8"?>
+<file path=ppt/notesSlides/notesSlide8.xml><?xml version="1.0" encoding="utf-8"?>
 <p:notes xmlns:a="http://schemas.openxmlformats.org/drawingml/2006/main" xmlns:r="http://schemas.openxmlformats.org/officeDocument/2006/relationships" xmlns:p="http://schemas.openxmlformats.org/presentationml/2006/main">
   <p:cSld>
     <p:spTree>
@@ -2109,7 +1502,7 @@
     </p:spTree>
     <p:extLst>
       <p:ext uri="{BB962C8B-B14F-4D97-AF65-F5344CB8AC3E}">
-        <p14:creationId xmlns:p14="http://schemas.microsoft.com/office/powerpoint/2010/main" val="2493029087"/>
+        <p14:creationId xmlns:p14="http://schemas.microsoft.com/office/powerpoint/2010/main" val="2982522483"/>
       </p:ext>
     </p:extLst>
   </p:cSld>
@@ -10884,7 +10277,7 @@
           <p:cNvPr id="2" name="Title 1">
             <a:extLst>
               <a:ext uri="{FF2B5EF4-FFF2-40B4-BE49-F238E27FC236}">
-                <a16:creationId xmlns:a16="http://schemas.microsoft.com/office/drawing/2014/main" id="{6CCA29A4-AAFD-04EE-0732-0671E83D5EF1}"/>
+                <a16:creationId xmlns:a16="http://schemas.microsoft.com/office/drawing/2014/main" id="{D9F60903-003B-273E-3584-5312F76C3EF3}"/>
               </a:ext>
             </a:extLst>
           </p:cNvPr>
@@ -10897,84 +10290,28 @@
         </p:nvSpPr>
         <p:spPr>
           <a:xfrm>
-            <a:off x="2399620" y="162560"/>
-            <a:ext cx="8843050" cy="1616904"/>
+            <a:off x="3305669" y="113097"/>
+            <a:ext cx="7420819" cy="1656304"/>
           </a:xfrm>
         </p:spPr>
         <p:txBody>
           <a:bodyPr/>
           <a:lstStyle/>
           <a:p>
+            <a:r>
+              <a:rPr lang="hu-HU" dirty="0" err="1" smtClean="0"/>
+              <a:t>Github</a:t>
+            </a:r>
             <a:endParaRPr lang="en-US" dirty="0"/>
           </a:p>
         </p:txBody>
       </p:sp>
       <p:sp>
         <p:nvSpPr>
-          <p:cNvPr id="3" name="Content Placeholder 2">
+          <p:cNvPr id="3" name="Slide Number Placeholder 2">
             <a:extLst>
               <a:ext uri="{FF2B5EF4-FFF2-40B4-BE49-F238E27FC236}">
-                <a16:creationId xmlns:a16="http://schemas.microsoft.com/office/drawing/2014/main" id="{F09FEE91-E849-1CB0-9E51-A58B99C631C5}"/>
-              </a:ext>
-            </a:extLst>
-          </p:cNvPr>
-          <p:cNvSpPr>
-            <a:spLocks noGrp="1"/>
-          </p:cNvSpPr>
-          <p:nvPr>
-            <p:ph sz="quarter" idx="35"/>
-          </p:nvPr>
-        </p:nvSpPr>
-        <p:spPr>
-          <a:xfrm>
-            <a:off x="2373002" y="2474811"/>
-            <a:ext cx="4015098" cy="3528397"/>
-          </a:xfrm>
-        </p:spPr>
-        <p:txBody>
-          <a:bodyPr/>
-          <a:lstStyle/>
-          <a:p>
-            <a:endParaRPr lang="en-US" dirty="0"/>
-          </a:p>
-        </p:txBody>
-      </p:sp>
-      <p:sp>
-        <p:nvSpPr>
-          <p:cNvPr id="4" name="Content Placeholder 3">
-            <a:extLst>
-              <a:ext uri="{FF2B5EF4-FFF2-40B4-BE49-F238E27FC236}">
-                <a16:creationId xmlns:a16="http://schemas.microsoft.com/office/drawing/2014/main" id="{9B774F1A-D233-C240-B22D-F82C6161FAC1}"/>
-              </a:ext>
-            </a:extLst>
-          </p:cNvPr>
-          <p:cNvSpPr>
-            <a:spLocks noGrp="1"/>
-          </p:cNvSpPr>
-          <p:nvPr>
-            <p:ph sz="quarter" idx="36"/>
-          </p:nvPr>
-        </p:nvSpPr>
-        <p:spPr>
-          <a:xfrm>
-            <a:off x="6995159" y="2474811"/>
-            <a:ext cx="4227332" cy="3528397"/>
-          </a:xfrm>
-        </p:spPr>
-        <p:txBody>
-          <a:bodyPr/>
-          <a:lstStyle/>
-          <a:p>
-            <a:endParaRPr lang="en-US" dirty="0"/>
-          </a:p>
-        </p:txBody>
-      </p:sp>
-      <p:sp>
-        <p:nvSpPr>
-          <p:cNvPr id="5" name="Slide Number Placeholder 4">
-            <a:extLst>
-              <a:ext uri="{FF2B5EF4-FFF2-40B4-BE49-F238E27FC236}">
-                <a16:creationId xmlns:a16="http://schemas.microsoft.com/office/drawing/2014/main" id="{23E23533-91C6-420C-B7D7-4977ACF73ACF}"/>
+                <a16:creationId xmlns:a16="http://schemas.microsoft.com/office/drawing/2014/main" id="{64347AE7-D6A2-42FB-3D58-6297742FC352}"/>
               </a:ext>
             </a:extLst>
           </p:cNvPr>
@@ -11004,10 +10341,100 @@
           </a:p>
         </p:txBody>
       </p:sp>
+      <p:pic>
+        <p:nvPicPr>
+          <p:cNvPr id="6" name="Tartalom helye 5"/>
+          <p:cNvPicPr>
+            <a:picLocks noGrp="1" noChangeAspect="1"/>
+          </p:cNvPicPr>
+          <p:nvPr>
+            <p:ph sz="quarter" idx="31"/>
+          </p:nvPr>
+        </p:nvPicPr>
+        <p:blipFill>
+          <a:blip r:embed="rId3"/>
+          <a:stretch>
+            <a:fillRect/>
+          </a:stretch>
+        </p:blipFill>
+        <p:spPr>
+          <a:xfrm>
+            <a:off x="3305669" y="2371352"/>
+            <a:ext cx="7980640" cy="3425281"/>
+          </a:xfrm>
+          <a:prstGeom prst="rect">
+            <a:avLst/>
+          </a:prstGeom>
+        </p:spPr>
+      </p:pic>
+      <p:sp>
+        <p:nvSpPr>
+          <p:cNvPr id="4" name="Szövegdoboz 3"/>
+          <p:cNvSpPr txBox="1"/>
+          <p:nvPr/>
+        </p:nvSpPr>
+        <p:spPr>
+          <a:xfrm>
+            <a:off x="3059723" y="6101862"/>
+            <a:ext cx="7552592" cy="646331"/>
+          </a:xfrm>
+          <a:prstGeom prst="rect">
+            <a:avLst/>
+          </a:prstGeom>
+          <a:noFill/>
+        </p:spPr>
+        <p:txBody>
+          <a:bodyPr wrap="square" rtlCol="0">
+            <a:spAutoFit/>
+          </a:bodyPr>
+          <a:lstStyle/>
+          <a:p>
+            <a:r>
+              <a:rPr lang="hu-HU" dirty="0" smtClean="0">
+                <a:solidFill>
+                  <a:schemeClr val="bg1"/>
+                </a:solidFill>
+              </a:rPr>
+              <a:t>A teljes játékot </a:t>
+            </a:r>
+            <a:r>
+              <a:rPr lang="hu-HU" dirty="0" err="1" smtClean="0">
+                <a:solidFill>
+                  <a:schemeClr val="bg1"/>
+                </a:solidFill>
+              </a:rPr>
+              <a:t>githubra</a:t>
+            </a:r>
+            <a:r>
+              <a:rPr lang="hu-HU" dirty="0">
+                <a:solidFill>
+                  <a:schemeClr val="bg1"/>
+                </a:solidFill>
+              </a:rPr>
+              <a:t> töltöttük fel</a:t>
+            </a:r>
+            <a:br>
+              <a:rPr lang="hu-HU" dirty="0">
+                <a:solidFill>
+                  <a:schemeClr val="bg1"/>
+                </a:solidFill>
+              </a:rPr>
+            </a:br>
+            <a:r>
+              <a:rPr lang="hu-HU" dirty="0">
+                <a:solidFill>
+                  <a:schemeClr val="bg1"/>
+                </a:solidFill>
+              </a:rPr>
+              <a:t>https://github.com/vargab3/Jumpermain</a:t>
+            </a:r>
+          </a:p>
+        </p:txBody>
+      </p:sp>
     </p:spTree>
     <p:extLst>
       <p:ext uri="{BB962C8B-B14F-4D97-AF65-F5344CB8AC3E}">
-        <p14:creationId xmlns:p14="http://schemas.microsoft.com/office/powerpoint/2010/main" val="1073601555"/>
+        <p14:creationId xmlns:p14="http://schemas.microsoft.com/office/powerpoint/2010/main" val="1962637282"/>
       </p:ext>
     </p:extLst>
   </p:cSld>
@@ -11041,148 +10468,112 @@
           <a:chExt cx="0" cy="0"/>
         </a:xfrm>
       </p:grpSpPr>
-      <p:sp>
-        <p:nvSpPr>
-          <p:cNvPr id="2" name="Title 1">
-            <a:extLst>
-              <a:ext uri="{FF2B5EF4-FFF2-40B4-BE49-F238E27FC236}">
-                <a16:creationId xmlns:a16="http://schemas.microsoft.com/office/drawing/2014/main" id="{11883E06-8BEA-1DD3-D0D6-391C08880EBF}"/>
-              </a:ext>
-            </a:extLst>
-          </p:cNvPr>
-          <p:cNvSpPr>
-            <a:spLocks noGrp="1"/>
-          </p:cNvSpPr>
-          <p:nvPr>
-            <p:ph type="title"/>
-          </p:nvPr>
-        </p:nvSpPr>
+      <p:pic>
+        <p:nvPicPr>
+          <p:cNvPr id="8" name="Kép 7"/>
+          <p:cNvPicPr>
+            <a:picLocks noChangeAspect="1"/>
+          </p:cNvPicPr>
+          <p:nvPr/>
+        </p:nvPicPr>
+        <p:blipFill>
+          <a:blip r:embed="rId2"/>
+          <a:stretch>
+            <a:fillRect/>
+          </a:stretch>
+        </p:blipFill>
         <p:spPr>
           <a:xfrm>
-            <a:off x="741680" y="430482"/>
-            <a:ext cx="10500989" cy="1327464"/>
+            <a:off x="567973" y="2004605"/>
+            <a:ext cx="4699352" cy="4415245"/>
           </a:xfrm>
+          <a:prstGeom prst="rect">
+            <a:avLst/>
+          </a:prstGeom>
         </p:spPr>
-        <p:txBody>
-          <a:bodyPr/>
-          <a:lstStyle/>
-          <a:p>
-            <a:endParaRPr lang="en-US" dirty="0"/>
-          </a:p>
-        </p:txBody>
-      </p:sp>
-      <p:sp>
-        <p:nvSpPr>
-          <p:cNvPr id="3" name="Content Placeholder 2">
-            <a:extLst>
-              <a:ext uri="{FF2B5EF4-FFF2-40B4-BE49-F238E27FC236}">
-                <a16:creationId xmlns:a16="http://schemas.microsoft.com/office/drawing/2014/main" id="{1CF175D3-F3DC-695F-474B-346EDCA5D60F}"/>
-              </a:ext>
-            </a:extLst>
-          </p:cNvPr>
-          <p:cNvSpPr>
-            <a:spLocks noGrp="1"/>
-          </p:cNvSpPr>
-          <p:nvPr>
-            <p:ph sz="quarter" idx="35"/>
-          </p:nvPr>
-        </p:nvSpPr>
+      </p:pic>
+      <p:pic>
+        <p:nvPicPr>
+          <p:cNvPr id="9" name="Kép 8"/>
+          <p:cNvPicPr>
+            <a:picLocks noChangeAspect="1"/>
+          </p:cNvPicPr>
+          <p:nvPr/>
+        </p:nvPicPr>
+        <p:blipFill>
+          <a:blip r:embed="rId3"/>
+          <a:stretch>
+            <a:fillRect/>
+          </a:stretch>
+        </p:blipFill>
         <p:spPr>
           <a:xfrm>
-            <a:off x="807038" y="2465539"/>
-            <a:ext cx="3774587" cy="3723753"/>
+            <a:off x="567973" y="1452540"/>
+            <a:ext cx="1476581" cy="314369"/>
           </a:xfrm>
+          <a:prstGeom prst="rect">
+            <a:avLst/>
+          </a:prstGeom>
         </p:spPr>
-        <p:txBody>
-          <a:bodyPr/>
-          <a:lstStyle/>
-          <a:p>
-            <a:endParaRPr lang="en-US" dirty="0"/>
-          </a:p>
-        </p:txBody>
-      </p:sp>
-      <p:sp>
-        <p:nvSpPr>
-          <p:cNvPr id="4" name="Content Placeholder 3">
-            <a:extLst>
-              <a:ext uri="{FF2B5EF4-FFF2-40B4-BE49-F238E27FC236}">
-                <a16:creationId xmlns:a16="http://schemas.microsoft.com/office/drawing/2014/main" id="{3770D91C-D5C0-248C-26D3-DE7C7C72E632}"/>
-              </a:ext>
-            </a:extLst>
-          </p:cNvPr>
-          <p:cNvSpPr>
-            <a:spLocks noGrp="1"/>
-          </p:cNvSpPr>
-          <p:nvPr>
-            <p:ph sz="quarter" idx="36"/>
-          </p:nvPr>
-        </p:nvSpPr>
+      </p:pic>
+      <p:pic>
+        <p:nvPicPr>
+          <p:cNvPr id="10" name="Kép 9"/>
+          <p:cNvPicPr>
+            <a:picLocks noChangeAspect="1"/>
+          </p:cNvPicPr>
+          <p:nvPr/>
+        </p:nvPicPr>
+        <p:blipFill>
+          <a:blip r:embed="rId4"/>
+          <a:stretch>
+            <a:fillRect/>
+          </a:stretch>
+        </p:blipFill>
         <p:spPr>
           <a:xfrm>
-            <a:off x="4927600" y="2465539"/>
-            <a:ext cx="6315069" cy="3723753"/>
+            <a:off x="6389021" y="2004605"/>
+            <a:ext cx="4998514" cy="3196045"/>
           </a:xfrm>
+          <a:prstGeom prst="rect">
+            <a:avLst/>
+          </a:prstGeom>
         </p:spPr>
-        <p:txBody>
-          <a:bodyPr/>
-          <a:lstStyle/>
-          <a:p>
-            <a:endParaRPr lang="en-US" dirty="0"/>
-          </a:p>
-        </p:txBody>
-      </p:sp>
-      <p:sp>
-        <p:nvSpPr>
-          <p:cNvPr id="5" name="Slide Number Placeholder 4">
-            <a:extLst>
-              <a:ext uri="{FF2B5EF4-FFF2-40B4-BE49-F238E27FC236}">
-                <a16:creationId xmlns:a16="http://schemas.microsoft.com/office/drawing/2014/main" id="{E87B8B6A-2B28-5C38-80E7-0EBE705FFBBF}"/>
-              </a:ext>
-            </a:extLst>
-          </p:cNvPr>
-          <p:cNvSpPr>
-            <a:spLocks noGrp="1"/>
-          </p:cNvSpPr>
-          <p:nvPr>
-            <p:ph type="sldNum" sz="quarter" idx="12"/>
-          </p:nvPr>
-        </p:nvSpPr>
+      </p:pic>
+      <p:pic>
+        <p:nvPicPr>
+          <p:cNvPr id="11" name="Kép 10"/>
+          <p:cNvPicPr>
+            <a:picLocks noChangeAspect="1"/>
+          </p:cNvPicPr>
+          <p:nvPr/>
+        </p:nvPicPr>
+        <p:blipFill>
+          <a:blip r:embed="rId5"/>
+          <a:stretch>
+            <a:fillRect/>
+          </a:stretch>
+        </p:blipFill>
         <p:spPr>
           <a:xfrm>
-            <a:off x="9140971" y="6226198"/>
-            <a:ext cx="2743200" cy="365125"/>
+            <a:off x="6781748" y="1328698"/>
+            <a:ext cx="743054" cy="438211"/>
           </a:xfrm>
+          <a:prstGeom prst="rect">
+            <a:avLst/>
+          </a:prstGeom>
         </p:spPr>
-        <p:txBody>
-          <a:bodyPr/>
-          <a:lstStyle/>
-          <a:p>
-            <a:fld id="{FE024F78-56A6-7740-B68D-8D4D026EDF3F}" type="slidenum">
-              <a:rPr lang="en-US" smtClean="0"/>
-              <a:pPr/>
-              <a:t>11</a:t>
-            </a:fld>
-            <a:endParaRPr lang="en-US" dirty="0"/>
-          </a:p>
-        </p:txBody>
-      </p:sp>
+      </p:pic>
     </p:spTree>
     <p:extLst>
       <p:ext uri="{BB962C8B-B14F-4D97-AF65-F5344CB8AC3E}">
-        <p14:creationId xmlns:p14="http://schemas.microsoft.com/office/powerpoint/2010/main" val="2728059627"/>
+        <p14:creationId xmlns:p14="http://schemas.microsoft.com/office/powerpoint/2010/main" val="51023436"/>
       </p:ext>
     </p:extLst>
   </p:cSld>
   <p:clrMapOvr>
     <a:masterClrMapping/>
   </p:clrMapOvr>
-  <p:timing>
-    <p:tnLst>
-      <p:par>
-        <p:cTn id="1" dur="indefinite" restart="never" nodeType="tmRoot"/>
-      </p:par>
-    </p:tnLst>
-  </p:timing>
 </p:sld>
 </file>
 
@@ -11203,153 +10594,228 @@
           <a:chExt cx="0" cy="0"/>
         </a:xfrm>
       </p:grpSpPr>
-      <p:sp>
-        <p:nvSpPr>
-          <p:cNvPr id="2" name="Title 1">
-            <a:extLst>
-              <a:ext uri="{FF2B5EF4-FFF2-40B4-BE49-F238E27FC236}">
-                <a16:creationId xmlns:a16="http://schemas.microsoft.com/office/drawing/2014/main" id="{D543EB8B-0AB9-7554-AEEA-E8D744959E9A}"/>
-              </a:ext>
-            </a:extLst>
-          </p:cNvPr>
-          <p:cNvSpPr>
-            <a:spLocks noGrp="1"/>
-          </p:cNvSpPr>
-          <p:nvPr>
-            <p:ph type="title"/>
-          </p:nvPr>
-        </p:nvSpPr>
-        <p:spPr>
-          <a:xfrm>
-            <a:off x="6889627" y="173736"/>
-            <a:ext cx="4352662" cy="2203704"/>
-          </a:xfrm>
-        </p:spPr>
-        <p:txBody>
-          <a:bodyPr/>
-          <a:lstStyle/>
-          <a:p>
-            <a:pPr lvl="0"/>
-            <a:endParaRPr lang="en-US" noProof="0" dirty="0"/>
-          </a:p>
-        </p:txBody>
-      </p:sp>
       <p:pic>
         <p:nvPicPr>
-          <p:cNvPr id="6" name="Picture Placeholder 5" descr="A blue and purple spiral">
-            <a:extLst>
-              <a:ext uri="{FF2B5EF4-FFF2-40B4-BE49-F238E27FC236}">
-                <a16:creationId xmlns:a16="http://schemas.microsoft.com/office/drawing/2014/main" id="{05B64636-376E-96D4-B550-D764B2C6A6A7}"/>
-              </a:ext>
-            </a:extLst>
-          </p:cNvPr>
+          <p:cNvPr id="4" name="Kép 3"/>
           <p:cNvPicPr>
-            <a:picLocks noGrp="1" noChangeAspect="1"/>
+            <a:picLocks noChangeAspect="1"/>
           </p:cNvPicPr>
-          <p:nvPr>
-            <p:ph type="pic" sz="quarter" idx="37"/>
-          </p:nvPr>
+          <p:nvPr/>
         </p:nvPicPr>
-        <p:blipFill rotWithShape="1">
-          <a:blip r:embed="rId3" cstate="screen">
-            <a:extLst>
-              <a:ext uri="{28A0092B-C50C-407E-A947-70E740481C1C}">
-                <a14:useLocalDpi xmlns:a14="http://schemas.microsoft.com/office/drawing/2010/main"/>
-              </a:ext>
-            </a:extLst>
-          </a:blip>
-          <a:srcRect t="202" b="202"/>
-          <a:stretch/>
+        <p:blipFill>
+          <a:blip r:embed="rId2"/>
+          <a:stretch>
+            <a:fillRect/>
+          </a:stretch>
         </p:blipFill>
         <p:spPr>
           <a:xfrm>
-            <a:off x="336550" y="336550"/>
-            <a:ext cx="5303640" cy="6184900"/>
+            <a:off x="671407" y="1085824"/>
+            <a:ext cx="1514686" cy="362001"/>
           </a:xfrm>
+          <a:prstGeom prst="rect">
+            <a:avLst/>
+          </a:prstGeom>
+        </p:spPr>
+      </p:pic>
+      <p:pic>
+        <p:nvPicPr>
+          <p:cNvPr id="5" name="Kép 4"/>
+          <p:cNvPicPr>
+            <a:picLocks noChangeAspect="1"/>
+          </p:cNvPicPr>
+          <p:nvPr/>
+        </p:nvPicPr>
+        <p:blipFill>
+          <a:blip r:embed="rId3"/>
+          <a:stretch>
+            <a:fillRect/>
+          </a:stretch>
+        </p:blipFill>
+        <p:spPr>
+          <a:xfrm>
+            <a:off x="134937" y="1571103"/>
+            <a:ext cx="6318912" cy="5220247"/>
+          </a:xfrm>
+          <a:prstGeom prst="rect">
+            <a:avLst/>
+          </a:prstGeom>
+        </p:spPr>
+      </p:pic>
+      <p:pic>
+        <p:nvPicPr>
+          <p:cNvPr id="6" name="Kép 5"/>
+          <p:cNvPicPr>
+            <a:picLocks noChangeAspect="1"/>
+          </p:cNvPicPr>
+          <p:nvPr/>
+        </p:nvPicPr>
+        <p:blipFill>
+          <a:blip r:embed="rId4"/>
+          <a:stretch>
+            <a:fillRect/>
+          </a:stretch>
+        </p:blipFill>
+        <p:spPr>
+          <a:xfrm>
+            <a:off x="6822127" y="1276350"/>
+            <a:ext cx="4098643" cy="5515000"/>
+          </a:xfrm>
+          <a:prstGeom prst="rect">
+            <a:avLst/>
+          </a:prstGeom>
+        </p:spPr>
+      </p:pic>
+      <p:pic>
+        <p:nvPicPr>
+          <p:cNvPr id="7" name="Kép 6"/>
+          <p:cNvPicPr>
+            <a:picLocks noChangeAspect="1"/>
+          </p:cNvPicPr>
+          <p:nvPr/>
+        </p:nvPicPr>
+        <p:blipFill>
+          <a:blip r:embed="rId5"/>
+          <a:stretch>
+            <a:fillRect/>
+          </a:stretch>
+        </p:blipFill>
+        <p:spPr>
+          <a:xfrm>
+            <a:off x="6822127" y="666666"/>
+            <a:ext cx="1419423" cy="419158"/>
+          </a:xfrm>
+          <a:prstGeom prst="rect">
+            <a:avLst/>
+          </a:prstGeom>
         </p:spPr>
       </p:pic>
       <p:sp>
         <p:nvSpPr>
-          <p:cNvPr id="3" name="Content Placeholder 2">
-            <a:extLst>
-              <a:ext uri="{FF2B5EF4-FFF2-40B4-BE49-F238E27FC236}">
-                <a16:creationId xmlns:a16="http://schemas.microsoft.com/office/drawing/2014/main" id="{FB2F5F9A-B16D-CA49-7F40-A0142E41DC56}"/>
-              </a:ext>
-            </a:extLst>
-          </p:cNvPr>
-          <p:cNvSpPr>
-            <a:spLocks noGrp="1"/>
-          </p:cNvSpPr>
-          <p:nvPr>
-            <p:ph sz="quarter" idx="36"/>
-          </p:nvPr>
+          <p:cNvPr id="8" name="Szövegdoboz 7"/>
+          <p:cNvSpPr txBox="1"/>
+          <p:nvPr/>
         </p:nvSpPr>
         <p:spPr>
           <a:xfrm>
-            <a:off x="6889627" y="3104277"/>
-            <a:ext cx="4371560" cy="3022201"/>
+            <a:off x="8372474" y="733425"/>
+            <a:ext cx="3133725" cy="369332"/>
           </a:xfrm>
+          <a:prstGeom prst="rect">
+            <a:avLst/>
+          </a:prstGeom>
+          <a:noFill/>
         </p:spPr>
         <p:txBody>
-          <a:bodyPr/>
+          <a:bodyPr wrap="square" rtlCol="0">
+            <a:spAutoFit/>
+          </a:bodyPr>
           <a:lstStyle/>
           <a:p>
-            <a:endParaRPr lang="en-US" dirty="0"/>
+            <a:r>
+              <a:rPr lang="hu-HU" dirty="0" smtClean="0">
+                <a:solidFill>
+                  <a:schemeClr val="bg1"/>
+                </a:solidFill>
+              </a:rPr>
+              <a:t>Erről bővebben a </a:t>
+            </a:r>
+            <a:r>
+              <a:rPr lang="hu-HU" dirty="0" err="1" smtClean="0">
+                <a:solidFill>
+                  <a:schemeClr val="bg1"/>
+                </a:solidFill>
+              </a:rPr>
+              <a:t>github-on</a:t>
+            </a:r>
+            <a:r>
+              <a:rPr lang="hu-HU" dirty="0" smtClean="0">
+                <a:solidFill>
+                  <a:schemeClr val="bg1"/>
+                </a:solidFill>
+              </a:rPr>
+              <a:t> </a:t>
+            </a:r>
+            <a:endParaRPr lang="hu-HU" dirty="0">
+              <a:solidFill>
+                <a:schemeClr val="bg1"/>
+              </a:solidFill>
+            </a:endParaRPr>
           </a:p>
         </p:txBody>
       </p:sp>
       <p:sp>
         <p:nvSpPr>
-          <p:cNvPr id="4" name="Slide Number Placeholder 3">
-            <a:extLst>
-              <a:ext uri="{FF2B5EF4-FFF2-40B4-BE49-F238E27FC236}">
-                <a16:creationId xmlns:a16="http://schemas.microsoft.com/office/drawing/2014/main" id="{921DB868-BEE2-49F7-9AC5-A3B143880250}"/>
-              </a:ext>
-            </a:extLst>
-          </p:cNvPr>
-          <p:cNvSpPr>
-            <a:spLocks noGrp="1"/>
-          </p:cNvSpPr>
-          <p:nvPr>
-            <p:ph type="sldNum" sz="quarter" idx="12"/>
-          </p:nvPr>
+          <p:cNvPr id="9" name="Szövegdoboz 8"/>
+          <p:cNvSpPr txBox="1"/>
+          <p:nvPr/>
         </p:nvSpPr>
         <p:spPr>
           <a:xfrm>
-            <a:off x="9140971" y="6226198"/>
-            <a:ext cx="2743200" cy="365125"/>
+            <a:off x="3133725" y="666666"/>
+            <a:ext cx="3095625" cy="646331"/>
           </a:xfrm>
+          <a:prstGeom prst="rect">
+            <a:avLst/>
+          </a:prstGeom>
+          <a:noFill/>
         </p:spPr>
         <p:txBody>
-          <a:bodyPr/>
+          <a:bodyPr wrap="square" rtlCol="0">
+            <a:spAutoFit/>
+          </a:bodyPr>
           <a:lstStyle/>
           <a:p>
-            <a:fld id="{FE024F78-56A6-7740-B68D-8D4D026EDF3F}" type="slidenum">
-              <a:rPr lang="en-US" smtClean="0"/>
-              <a:pPr/>
-              <a:t>12</a:t>
-            </a:fld>
-            <a:endParaRPr lang="en-US" dirty="0"/>
+            <a:r>
+              <a:rPr lang="hu-HU" dirty="0" smtClean="0">
+                <a:solidFill>
+                  <a:schemeClr val="bg1"/>
+                </a:solidFill>
+              </a:rPr>
+              <a:t>A többi script a </a:t>
+            </a:r>
+            <a:r>
+              <a:rPr lang="hu-HU" dirty="0" err="1" smtClean="0">
+                <a:solidFill>
+                  <a:schemeClr val="bg1"/>
+                </a:solidFill>
+              </a:rPr>
+              <a:t>github-on</a:t>
+            </a:r>
+            <a:r>
+              <a:rPr lang="hu-HU" dirty="0" smtClean="0">
+                <a:solidFill>
+                  <a:schemeClr val="bg1"/>
+                </a:solidFill>
+              </a:rPr>
+              <a:t> </a:t>
+            </a:r>
+            <a:r>
+              <a:rPr lang="hu-HU" dirty="0" smtClean="0">
+                <a:solidFill>
+                  <a:schemeClr val="bg1"/>
+                </a:solidFill>
+              </a:rPr>
+              <a:t>található</a:t>
+            </a:r>
+            <a:endParaRPr lang="hu-HU" dirty="0">
+              <a:solidFill>
+                <a:schemeClr val="bg1"/>
+              </a:solidFill>
+            </a:endParaRPr>
           </a:p>
         </p:txBody>
       </p:sp>
     </p:spTree>
     <p:extLst>
       <p:ext uri="{BB962C8B-B14F-4D97-AF65-F5344CB8AC3E}">
-        <p14:creationId xmlns:p14="http://schemas.microsoft.com/office/powerpoint/2010/main" val="910315636"/>
+        <p14:creationId xmlns:p14="http://schemas.microsoft.com/office/powerpoint/2010/main" val="4056658136"/>
       </p:ext>
     </p:extLst>
   </p:cSld>
   <p:clrMapOvr>
     <a:masterClrMapping/>
   </p:clrMapOvr>
-  <p:timing>
-    <p:tnLst>
-      <p:par>
-        <p:cTn id="1" dur="indefinite" restart="never" nodeType="tmRoot"/>
-      </p:par>
-    </p:tnLst>
-  </p:timing>
 </p:sld>
 </file>
 
@@ -11372,13 +10838,7 @@
       </p:grpSpPr>
       <p:sp>
         <p:nvSpPr>
-          <p:cNvPr id="3" name="Title 2">
-            <a:extLst>
-              <a:ext uri="{FF2B5EF4-FFF2-40B4-BE49-F238E27FC236}">
-                <a16:creationId xmlns:a16="http://schemas.microsoft.com/office/drawing/2014/main" id="{06DE3104-398C-EF95-D86E-630F512487F9}"/>
-              </a:ext>
-            </a:extLst>
-          </p:cNvPr>
+          <p:cNvPr id="2" name="Cím 1"/>
           <p:cNvSpPr>
             <a:spLocks noGrp="1"/>
           </p:cNvSpPr>
@@ -11386,510 +10846,87 @@
             <p:ph type="title"/>
           </p:nvPr>
         </p:nvSpPr>
-        <p:spPr>
-          <a:xfrm>
-            <a:off x="835370" y="171396"/>
-            <a:ext cx="3736630" cy="2202350"/>
-          </a:xfrm>
-        </p:spPr>
+        <p:spPr/>
         <p:txBody>
           <a:bodyPr/>
           <a:lstStyle/>
           <a:p>
-            <a:pPr lvl="0"/>
-            <a:endParaRPr lang="en-US" noProof="0" dirty="0"/>
+            <a:r>
+              <a:rPr lang="hu-HU" dirty="0" smtClean="0"/>
+              <a:t>Köszönjük a figyelmet!</a:t>
+            </a:r>
+            <a:endParaRPr lang="hu-HU" dirty="0"/>
           </a:p>
         </p:txBody>
       </p:sp>
       <p:sp>
         <p:nvSpPr>
-          <p:cNvPr id="4" name="Content Placeholder 3">
-            <a:extLst>
-              <a:ext uri="{FF2B5EF4-FFF2-40B4-BE49-F238E27FC236}">
-                <a16:creationId xmlns:a16="http://schemas.microsoft.com/office/drawing/2014/main" id="{67328E6B-D306-C2F9-54E9-FD35599AC24B}"/>
-              </a:ext>
-            </a:extLst>
-          </p:cNvPr>
-          <p:cNvSpPr>
-            <a:spLocks noGrp="1"/>
-          </p:cNvSpPr>
-          <p:nvPr>
-            <p:ph sz="quarter" idx="36"/>
-          </p:nvPr>
+          <p:cNvPr id="3" name="Szövegdoboz 2"/>
+          <p:cNvSpPr txBox="1"/>
+          <p:nvPr/>
         </p:nvSpPr>
         <p:spPr>
           <a:xfrm>
-            <a:off x="841716" y="3078480"/>
-            <a:ext cx="3108193" cy="3047997"/>
+            <a:off x="2516777" y="4093028"/>
+            <a:ext cx="7158446" cy="923330"/>
           </a:xfrm>
+          <a:prstGeom prst="rect">
+            <a:avLst/>
+          </a:prstGeom>
+          <a:noFill/>
         </p:spPr>
         <p:txBody>
-          <a:bodyPr/>
+          <a:bodyPr wrap="square" rtlCol="0">
+            <a:spAutoFit/>
+          </a:bodyPr>
           <a:lstStyle/>
           <a:p>
-            <a:endParaRPr lang="en-US" dirty="0"/>
-          </a:p>
-        </p:txBody>
-      </p:sp>
-      <p:sp>
-        <p:nvSpPr>
-          <p:cNvPr id="6" name="Táblázat helye 5">
-            <a:extLst>
-              <a:ext uri="{FF2B5EF4-FFF2-40B4-BE49-F238E27FC236}">
-                <a16:creationId xmlns:a16="http://schemas.microsoft.com/office/drawing/2014/main" id="{D377B164-5A63-5BAF-9E53-76845673E03B}"/>
-              </a:ext>
-            </a:extLst>
-          </p:cNvPr>
-          <p:cNvSpPr>
-            <a:spLocks noGrp="1"/>
-          </p:cNvSpPr>
-          <p:nvPr>
-            <p:ph type="tbl" sz="quarter" idx="37"/>
-          </p:nvPr>
-        </p:nvSpPr>
-        <p:spPr/>
-        <p:txBody>
-          <a:bodyPr/>
-          <a:lstStyle/>
-          <a:p>
-            <a:endParaRPr lang="hu-HU"/>
+            <a:r>
+              <a:rPr lang="hu-HU" dirty="0" smtClean="0">
+                <a:solidFill>
+                  <a:schemeClr val="bg1"/>
+                </a:solidFill>
+              </a:rPr>
+              <a:t>Bármilyen üzleti megkeresést elfogadunk és azonnal válaszolunk!</a:t>
+            </a:r>
+          </a:p>
+          <a:p>
+            <a:pPr algn="ctr"/>
+            <a:r>
+              <a:rPr lang="hu-HU" dirty="0" smtClean="0">
+                <a:solidFill>
+                  <a:schemeClr val="accent3">
+                    <a:lumMod val="60000"/>
+                    <a:lumOff val="40000"/>
+                  </a:schemeClr>
+                </a:solidFill>
+              </a:rPr>
+              <a:t>Tóth Csaba, Varga Benedek, Bihari Vilmos</a:t>
+            </a:r>
+          </a:p>
+          <a:p>
+            <a:pPr algn="ctr"/>
+            <a:r>
+              <a:rPr lang="hu-HU" dirty="0" smtClean="0">
+                <a:solidFill>
+                  <a:schemeClr val="bg1"/>
+                </a:solidFill>
+              </a:rPr>
+              <a:t> céges email: vargab3@kkszki.hu</a:t>
+            </a:r>
           </a:p>
         </p:txBody>
       </p:sp>
     </p:spTree>
     <p:extLst>
       <p:ext uri="{BB962C8B-B14F-4D97-AF65-F5344CB8AC3E}">
-        <p14:creationId xmlns:p14="http://schemas.microsoft.com/office/powerpoint/2010/main" val="2170071140"/>
+        <p14:creationId xmlns:p14="http://schemas.microsoft.com/office/powerpoint/2010/main" val="3546891504"/>
       </p:ext>
     </p:extLst>
   </p:cSld>
   <p:clrMapOvr>
     <a:masterClrMapping/>
   </p:clrMapOvr>
-  <p:timing>
-    <p:tnLst>
-      <p:par>
-        <p:cTn id="1" dur="indefinite" restart="never" nodeType="tmRoot"/>
-      </p:par>
-    </p:tnLst>
-  </p:timing>
-</p:sld>
-</file>
-
-<file path=ppt/slides/slide14.xml><?xml version="1.0" encoding="utf-8"?>
-<p:sld xmlns:a="http://schemas.openxmlformats.org/drawingml/2006/main" xmlns:r="http://schemas.openxmlformats.org/officeDocument/2006/relationships" xmlns:p="http://schemas.openxmlformats.org/presentationml/2006/main">
-  <p:cSld>
-    <p:spTree>
-      <p:nvGrpSpPr>
-        <p:cNvPr id="1" name=""/>
-        <p:cNvGrpSpPr/>
-        <p:nvPr/>
-      </p:nvGrpSpPr>
-      <p:grpSpPr>
-        <a:xfrm>
-          <a:off x="0" y="0"/>
-          <a:ext cx="0" cy="0"/>
-          <a:chOff x="0" y="0"/>
-          <a:chExt cx="0" cy="0"/>
-        </a:xfrm>
-      </p:grpSpPr>
-      <p:sp>
-        <p:nvSpPr>
-          <p:cNvPr id="2" name="Title 1">
-            <a:extLst>
-              <a:ext uri="{FF2B5EF4-FFF2-40B4-BE49-F238E27FC236}">
-                <a16:creationId xmlns:a16="http://schemas.microsoft.com/office/drawing/2014/main" id="{A2DE810E-8E37-1D8A-245B-020E4E4C0B9F}"/>
-              </a:ext>
-            </a:extLst>
-          </p:cNvPr>
-          <p:cNvSpPr>
-            <a:spLocks noGrp="1"/>
-          </p:cNvSpPr>
-          <p:nvPr>
-            <p:ph type="title"/>
-          </p:nvPr>
-        </p:nvSpPr>
-        <p:spPr>
-          <a:xfrm>
-            <a:off x="733562" y="433906"/>
-            <a:ext cx="10515601" cy="1327464"/>
-          </a:xfrm>
-        </p:spPr>
-        <p:txBody>
-          <a:bodyPr/>
-          <a:lstStyle/>
-          <a:p>
-            <a:endParaRPr lang="en-US" dirty="0"/>
-          </a:p>
-        </p:txBody>
-      </p:sp>
-      <p:sp>
-        <p:nvSpPr>
-          <p:cNvPr id="3" name="Content Placeholder 2">
-            <a:extLst>
-              <a:ext uri="{FF2B5EF4-FFF2-40B4-BE49-F238E27FC236}">
-                <a16:creationId xmlns:a16="http://schemas.microsoft.com/office/drawing/2014/main" id="{7D7CECA3-144C-CD4B-9246-81B4F2E65466}"/>
-              </a:ext>
-            </a:extLst>
-          </p:cNvPr>
-          <p:cNvSpPr>
-            <a:spLocks noGrp="1"/>
-          </p:cNvSpPr>
-          <p:nvPr>
-            <p:ph sz="quarter" idx="36"/>
-          </p:nvPr>
-        </p:nvSpPr>
-        <p:spPr>
-          <a:xfrm>
-            <a:off x="814302" y="2465535"/>
-            <a:ext cx="7303538" cy="3427265"/>
-          </a:xfrm>
-        </p:spPr>
-        <p:txBody>
-          <a:bodyPr/>
-          <a:lstStyle/>
-          <a:p>
-            <a:endParaRPr lang="en-US" dirty="0"/>
-          </a:p>
-        </p:txBody>
-      </p:sp>
-      <p:sp>
-        <p:nvSpPr>
-          <p:cNvPr id="5" name="Content Placeholder 4">
-            <a:extLst>
-              <a:ext uri="{FF2B5EF4-FFF2-40B4-BE49-F238E27FC236}">
-                <a16:creationId xmlns:a16="http://schemas.microsoft.com/office/drawing/2014/main" id="{A33D1544-95D3-8A05-6E1B-C08C307C55D4}"/>
-              </a:ext>
-            </a:extLst>
-          </p:cNvPr>
-          <p:cNvSpPr>
-            <a:spLocks noGrp="1"/>
-          </p:cNvSpPr>
-          <p:nvPr>
-            <p:ph sz="quarter" idx="37"/>
-          </p:nvPr>
-        </p:nvSpPr>
-        <p:spPr>
-          <a:xfrm>
-            <a:off x="8392160" y="2465388"/>
-            <a:ext cx="2856865" cy="3427412"/>
-          </a:xfrm>
-        </p:spPr>
-        <p:txBody>
-          <a:bodyPr/>
-          <a:lstStyle/>
-          <a:p>
-            <a:endParaRPr lang="en-US" dirty="0"/>
-          </a:p>
-        </p:txBody>
-      </p:sp>
-      <p:sp>
-        <p:nvSpPr>
-          <p:cNvPr id="4" name="Slide Number Placeholder 3">
-            <a:extLst>
-              <a:ext uri="{FF2B5EF4-FFF2-40B4-BE49-F238E27FC236}">
-                <a16:creationId xmlns:a16="http://schemas.microsoft.com/office/drawing/2014/main" id="{FD1E69EA-A9E8-C521-7C62-DA1F24879918}"/>
-              </a:ext>
-            </a:extLst>
-          </p:cNvPr>
-          <p:cNvSpPr>
-            <a:spLocks noGrp="1"/>
-          </p:cNvSpPr>
-          <p:nvPr>
-            <p:ph type="sldNum" sz="quarter" idx="12"/>
-          </p:nvPr>
-        </p:nvSpPr>
-        <p:spPr>
-          <a:xfrm>
-            <a:off x="9140971" y="6226198"/>
-            <a:ext cx="2743200" cy="365125"/>
-          </a:xfrm>
-        </p:spPr>
-        <p:txBody>
-          <a:bodyPr/>
-          <a:lstStyle/>
-          <a:p>
-            <a:fld id="{FE024F78-56A6-7740-B68D-8D4D026EDF3F}" type="slidenum">
-              <a:rPr lang="en-US" smtClean="0"/>
-              <a:pPr/>
-              <a:t>14</a:t>
-            </a:fld>
-            <a:endParaRPr lang="en-US" dirty="0"/>
-          </a:p>
-        </p:txBody>
-      </p:sp>
-    </p:spTree>
-    <p:extLst>
-      <p:ext uri="{BB962C8B-B14F-4D97-AF65-F5344CB8AC3E}">
-        <p14:creationId xmlns:p14="http://schemas.microsoft.com/office/powerpoint/2010/main" val="79695288"/>
-      </p:ext>
-    </p:extLst>
-  </p:cSld>
-  <p:clrMapOvr>
-    <a:masterClrMapping/>
-  </p:clrMapOvr>
-  <p:timing>
-    <p:tnLst>
-      <p:par>
-        <p:cTn id="1" dur="indefinite" restart="never" nodeType="tmRoot"/>
-      </p:par>
-    </p:tnLst>
-  </p:timing>
-</p:sld>
-</file>
-
-<file path=ppt/slides/slide15.xml><?xml version="1.0" encoding="utf-8"?>
-<p:sld xmlns:a="http://schemas.openxmlformats.org/drawingml/2006/main" xmlns:r="http://schemas.openxmlformats.org/officeDocument/2006/relationships" xmlns:p="http://schemas.openxmlformats.org/presentationml/2006/main">
-  <p:cSld>
-    <p:spTree>
-      <p:nvGrpSpPr>
-        <p:cNvPr id="1" name=""/>
-        <p:cNvGrpSpPr/>
-        <p:nvPr/>
-      </p:nvGrpSpPr>
-      <p:grpSpPr>
-        <a:xfrm>
-          <a:off x="0" y="0"/>
-          <a:ext cx="0" cy="0"/>
-          <a:chOff x="0" y="0"/>
-          <a:chExt cx="0" cy="0"/>
-        </a:xfrm>
-      </p:grpSpPr>
-      <p:sp>
-        <p:nvSpPr>
-          <p:cNvPr id="3" name="Title 2">
-            <a:extLst>
-              <a:ext uri="{FF2B5EF4-FFF2-40B4-BE49-F238E27FC236}">
-                <a16:creationId xmlns:a16="http://schemas.microsoft.com/office/drawing/2014/main" id="{EEF125C3-99F8-5ABF-1328-0370F112121B}"/>
-              </a:ext>
-            </a:extLst>
-          </p:cNvPr>
-          <p:cNvSpPr>
-            <a:spLocks noGrp="1"/>
-          </p:cNvSpPr>
-          <p:nvPr>
-            <p:ph type="title"/>
-          </p:nvPr>
-        </p:nvSpPr>
-        <p:spPr>
-          <a:xfrm>
-            <a:off x="835370" y="643842"/>
-            <a:ext cx="10515601" cy="1140849"/>
-          </a:xfrm>
-        </p:spPr>
-        <p:txBody>
-          <a:bodyPr/>
-          <a:lstStyle/>
-          <a:p>
-            <a:endParaRPr lang="en-US" dirty="0"/>
-          </a:p>
-        </p:txBody>
-      </p:sp>
-      <p:sp>
-        <p:nvSpPr>
-          <p:cNvPr id="4" name="Slide Number Placeholder 3">
-            <a:extLst>
-              <a:ext uri="{FF2B5EF4-FFF2-40B4-BE49-F238E27FC236}">
-                <a16:creationId xmlns:a16="http://schemas.microsoft.com/office/drawing/2014/main" id="{48EA189C-8A41-5C63-2470-06541519CBCD}"/>
-              </a:ext>
-            </a:extLst>
-          </p:cNvPr>
-          <p:cNvSpPr>
-            <a:spLocks noGrp="1"/>
-          </p:cNvSpPr>
-          <p:nvPr>
-            <p:ph type="sldNum" sz="quarter" idx="12"/>
-          </p:nvPr>
-        </p:nvSpPr>
-        <p:spPr>
-          <a:xfrm>
-            <a:off x="9140971" y="6226198"/>
-            <a:ext cx="2743200" cy="365125"/>
-          </a:xfrm>
-        </p:spPr>
-        <p:txBody>
-          <a:bodyPr/>
-          <a:lstStyle/>
-          <a:p>
-            <a:fld id="{FE024F78-56A6-7740-B68D-8D4D026EDF3F}" type="slidenum">
-              <a:rPr lang="en-US" smtClean="0"/>
-              <a:pPr/>
-              <a:t>15</a:t>
-            </a:fld>
-            <a:endParaRPr lang="en-US" dirty="0"/>
-          </a:p>
-        </p:txBody>
-      </p:sp>
-      <p:sp>
-        <p:nvSpPr>
-          <p:cNvPr id="6" name="Táblázat helye 5">
-            <a:extLst>
-              <a:ext uri="{FF2B5EF4-FFF2-40B4-BE49-F238E27FC236}">
-                <a16:creationId xmlns:a16="http://schemas.microsoft.com/office/drawing/2014/main" id="{7368C06F-00A9-5FC3-93A5-E71DA73F1B96}"/>
-              </a:ext>
-            </a:extLst>
-          </p:cNvPr>
-          <p:cNvSpPr>
-            <a:spLocks noGrp="1"/>
-          </p:cNvSpPr>
-          <p:nvPr>
-            <p:ph type="tbl" sz="quarter" idx="13"/>
-          </p:nvPr>
-        </p:nvSpPr>
-        <p:spPr/>
-        <p:txBody>
-          <a:bodyPr/>
-          <a:lstStyle/>
-          <a:p>
-            <a:endParaRPr lang="hu-HU"/>
-          </a:p>
-        </p:txBody>
-      </p:sp>
-    </p:spTree>
-    <p:extLst>
-      <p:ext uri="{BB962C8B-B14F-4D97-AF65-F5344CB8AC3E}">
-        <p14:creationId xmlns:p14="http://schemas.microsoft.com/office/powerpoint/2010/main" val="3304068007"/>
-      </p:ext>
-    </p:extLst>
-  </p:cSld>
-  <p:clrMapOvr>
-    <a:masterClrMapping/>
-  </p:clrMapOvr>
-  <p:timing>
-    <p:tnLst>
-      <p:par>
-        <p:cTn id="1" dur="indefinite" restart="never" nodeType="tmRoot"/>
-      </p:par>
-    </p:tnLst>
-  </p:timing>
-</p:sld>
-</file>
-
-<file path=ppt/slides/slide16.xml><?xml version="1.0" encoding="utf-8"?>
-<p:sld xmlns:a="http://schemas.openxmlformats.org/drawingml/2006/main" xmlns:r="http://schemas.openxmlformats.org/officeDocument/2006/relationships" xmlns:p="http://schemas.openxmlformats.org/presentationml/2006/main">
-  <p:cSld>
-    <p:bg>
-      <p:bgPr>
-        <a:gradFill>
-          <a:gsLst>
-            <a:gs pos="78000">
-              <a:schemeClr val="accent6">
-                <a:lumMod val="50000"/>
-              </a:schemeClr>
-            </a:gs>
-            <a:gs pos="35040">
-              <a:srgbClr val="020B11"/>
-            </a:gs>
-            <a:gs pos="11979">
-              <a:schemeClr val="accent4">
-                <a:lumMod val="50000"/>
-              </a:schemeClr>
-            </a:gs>
-            <a:gs pos="0">
-              <a:schemeClr val="accent4"/>
-            </a:gs>
-            <a:gs pos="99000">
-              <a:schemeClr val="tx2">
-                <a:lumMod val="50000"/>
-              </a:schemeClr>
-            </a:gs>
-          </a:gsLst>
-          <a:lin ang="7800000" scaled="0"/>
-        </a:gradFill>
-        <a:effectLst/>
-      </p:bgPr>
-    </p:bg>
-    <p:spTree>
-      <p:nvGrpSpPr>
-        <p:cNvPr id="1" name=""/>
-        <p:cNvGrpSpPr/>
-        <p:nvPr/>
-      </p:nvGrpSpPr>
-      <p:grpSpPr>
-        <a:xfrm>
-          <a:off x="0" y="0"/>
-          <a:ext cx="0" cy="0"/>
-          <a:chOff x="0" y="0"/>
-          <a:chExt cx="0" cy="0"/>
-        </a:xfrm>
-      </p:grpSpPr>
-      <p:sp>
-        <p:nvSpPr>
-          <p:cNvPr id="24" name="Title 1">
-            <a:extLst>
-              <a:ext uri="{FF2B5EF4-FFF2-40B4-BE49-F238E27FC236}">
-                <a16:creationId xmlns:a16="http://schemas.microsoft.com/office/drawing/2014/main" id="{CE1ABEC8-43FD-4F21-A7D2-70200D86263C}"/>
-              </a:ext>
-            </a:extLst>
-          </p:cNvPr>
-          <p:cNvSpPr>
-            <a:spLocks noGrp="1"/>
-          </p:cNvSpPr>
-          <p:nvPr>
-            <p:ph type="title"/>
-          </p:nvPr>
-        </p:nvSpPr>
-        <p:spPr>
-          <a:xfrm>
-            <a:off x="835831" y="173735"/>
-            <a:ext cx="4409514" cy="2203704"/>
-          </a:xfrm>
-        </p:spPr>
-        <p:txBody>
-          <a:bodyPr/>
-          <a:lstStyle/>
-          <a:p>
-            <a:endParaRPr lang="en-US" dirty="0"/>
-          </a:p>
-        </p:txBody>
-      </p:sp>
-      <p:sp>
-        <p:nvSpPr>
-          <p:cNvPr id="14" name="Text Placeholder 2">
-            <a:extLst>
-              <a:ext uri="{FF2B5EF4-FFF2-40B4-BE49-F238E27FC236}">
-                <a16:creationId xmlns:a16="http://schemas.microsoft.com/office/drawing/2014/main" id="{AE5F2E56-9F77-E1C2-EC04-EA959822CA61}"/>
-              </a:ext>
-            </a:extLst>
-          </p:cNvPr>
-          <p:cNvSpPr>
-            <a:spLocks noGrp="1"/>
-          </p:cNvSpPr>
-          <p:nvPr>
-            <p:ph sz="quarter" idx="14"/>
-          </p:nvPr>
-        </p:nvSpPr>
-        <p:spPr>
-          <a:xfrm>
-            <a:off x="831850" y="3079119"/>
-            <a:ext cx="4413250" cy="2752725"/>
-          </a:xfrm>
-        </p:spPr>
-        <p:txBody>
-          <a:bodyPr/>
-          <a:lstStyle/>
-          <a:p>
-            <a:endParaRPr lang="en-US" dirty="0"/>
-          </a:p>
-        </p:txBody>
-      </p:sp>
-    </p:spTree>
-    <p:extLst>
-      <p:ext uri="{BB962C8B-B14F-4D97-AF65-F5344CB8AC3E}">
-        <p14:creationId xmlns:p14="http://schemas.microsoft.com/office/powerpoint/2010/main" val="2395464980"/>
-      </p:ext>
-    </p:extLst>
-  </p:cSld>
-  <p:clrMapOvr>
-    <a:masterClrMapping/>
-  </p:clrMapOvr>
-  <p:timing>
-    <p:tnLst>
-      <p:par>
-        <p:cTn id="1" dur="indefinite" restart="never" nodeType="tmRoot"/>
-      </p:par>
-    </p:tnLst>
-  </p:timing>
 </p:sld>
 </file>
 
@@ -12530,6 +11567,325 @@
       </p:grpSpPr>
       <p:sp>
         <p:nvSpPr>
+          <p:cNvPr id="5" name="Dia számának helye 4"/>
+          <p:cNvSpPr>
+            <a:spLocks noGrp="1"/>
+          </p:cNvSpPr>
+          <p:nvPr>
+            <p:ph type="sldNum" sz="quarter" idx="12"/>
+          </p:nvPr>
+        </p:nvSpPr>
+        <p:spPr/>
+        <p:txBody>
+          <a:bodyPr/>
+          <a:lstStyle/>
+          <a:p>
+            <a:fld id="{FE024F78-56A6-7740-B68D-8D4D026EDF3F}" type="slidenum">
+              <a:rPr lang="en-US" smtClean="0"/>
+              <a:pPr/>
+              <a:t>4</a:t>
+            </a:fld>
+            <a:endParaRPr lang="en-US" dirty="0"/>
+          </a:p>
+        </p:txBody>
+      </p:sp>
+      <p:sp>
+        <p:nvSpPr>
+          <p:cNvPr id="6" name="Szövegdoboz 5"/>
+          <p:cNvSpPr txBox="1"/>
+          <p:nvPr/>
+        </p:nvSpPr>
+        <p:spPr>
+          <a:xfrm>
+            <a:off x="523875" y="371475"/>
+            <a:ext cx="4610100" cy="584775"/>
+          </a:xfrm>
+          <a:prstGeom prst="rect">
+            <a:avLst/>
+          </a:prstGeom>
+          <a:noFill/>
+        </p:spPr>
+        <p:txBody>
+          <a:bodyPr wrap="square" rtlCol="0">
+            <a:spAutoFit/>
+          </a:bodyPr>
+          <a:lstStyle/>
+          <a:p>
+            <a:r>
+              <a:rPr lang="hu-HU" sz="3200" dirty="0" smtClean="0">
+                <a:solidFill>
+                  <a:schemeClr val="accent3"/>
+                </a:solidFill>
+              </a:rPr>
+              <a:t>Bővebben a játékról</a:t>
+            </a:r>
+            <a:endParaRPr lang="hu-HU" sz="3200" dirty="0">
+              <a:solidFill>
+                <a:schemeClr val="accent3"/>
+              </a:solidFill>
+            </a:endParaRPr>
+          </a:p>
+        </p:txBody>
+      </p:sp>
+      <p:sp>
+        <p:nvSpPr>
+          <p:cNvPr id="7" name="Szövegdoboz 6"/>
+          <p:cNvSpPr txBox="1"/>
+          <p:nvPr/>
+        </p:nvSpPr>
+        <p:spPr>
+          <a:xfrm>
+            <a:off x="619125" y="1285875"/>
+            <a:ext cx="4248150" cy="1200329"/>
+          </a:xfrm>
+          <a:prstGeom prst="rect">
+            <a:avLst/>
+          </a:prstGeom>
+          <a:noFill/>
+        </p:spPr>
+        <p:txBody>
+          <a:bodyPr wrap="square" rtlCol="0">
+            <a:spAutoFit/>
+          </a:bodyPr>
+          <a:lstStyle/>
+          <a:p>
+            <a:pPr marL="285750" indent="-285750">
+              <a:buFont typeface="Arial" panose="020B0604020202020204" pitchFamily="34" charset="0"/>
+              <a:buChar char="•"/>
+            </a:pPr>
+            <a:r>
+              <a:rPr lang="hu-HU" dirty="0" smtClean="0">
+                <a:solidFill>
+                  <a:schemeClr val="bg1"/>
+                </a:solidFill>
+              </a:rPr>
+              <a:t>A játék egy 2d-s </a:t>
+            </a:r>
+            <a:r>
+              <a:rPr lang="hu-HU" dirty="0" err="1" smtClean="0">
+                <a:solidFill>
+                  <a:schemeClr val="bg1"/>
+                </a:solidFill>
+              </a:rPr>
+              <a:t>unity</a:t>
+            </a:r>
+            <a:r>
+              <a:rPr lang="hu-HU" dirty="0" smtClean="0">
+                <a:solidFill>
+                  <a:schemeClr val="bg1"/>
+                </a:solidFill>
+              </a:rPr>
+              <a:t> </a:t>
+            </a:r>
+            <a:r>
+              <a:rPr lang="hu-HU" dirty="0" err="1" smtClean="0">
+                <a:solidFill>
+                  <a:schemeClr val="bg1"/>
+                </a:solidFill>
+              </a:rPr>
+              <a:t>platformer</a:t>
+            </a:r>
+            <a:r>
+              <a:rPr lang="hu-HU" dirty="0" smtClean="0">
+                <a:solidFill>
+                  <a:schemeClr val="bg1"/>
+                </a:solidFill>
+              </a:rPr>
+              <a:t> játék</a:t>
+            </a:r>
+          </a:p>
+          <a:p>
+            <a:r>
+              <a:rPr lang="hu-HU" dirty="0" smtClean="0">
+                <a:solidFill>
+                  <a:schemeClr val="bg1"/>
+                </a:solidFill>
+              </a:rPr>
+              <a:t>Először a </a:t>
+            </a:r>
+            <a:r>
+              <a:rPr lang="hu-HU" dirty="0" err="1" smtClean="0">
+                <a:solidFill>
+                  <a:schemeClr val="bg1"/>
+                </a:solidFill>
+              </a:rPr>
+              <a:t>demo</a:t>
+            </a:r>
+            <a:r>
+              <a:rPr lang="hu-HU" dirty="0" smtClean="0">
+                <a:solidFill>
+                  <a:schemeClr val="bg1"/>
+                </a:solidFill>
+              </a:rPr>
+              <a:t> készült el amit a következő diákban mutatunk be.</a:t>
+            </a:r>
+          </a:p>
+        </p:txBody>
+      </p:sp>
+      <p:pic>
+        <p:nvPicPr>
+          <p:cNvPr id="8" name="Kép 7"/>
+          <p:cNvPicPr>
+            <a:picLocks noChangeAspect="1"/>
+          </p:cNvPicPr>
+          <p:nvPr/>
+        </p:nvPicPr>
+        <p:blipFill>
+          <a:blip r:embed="rId2"/>
+          <a:stretch>
+            <a:fillRect/>
+          </a:stretch>
+        </p:blipFill>
+        <p:spPr>
+          <a:xfrm>
+            <a:off x="7132915" y="1928703"/>
+            <a:ext cx="1228896" cy="1571844"/>
+          </a:xfrm>
+          <a:prstGeom prst="rect">
+            <a:avLst/>
+          </a:prstGeom>
+        </p:spPr>
+      </p:pic>
+      <p:sp>
+        <p:nvSpPr>
+          <p:cNvPr id="9" name="Szövegdoboz 8"/>
+          <p:cNvSpPr txBox="1"/>
+          <p:nvPr/>
+        </p:nvSpPr>
+        <p:spPr>
+          <a:xfrm>
+            <a:off x="6967452" y="1509603"/>
+            <a:ext cx="2305050" cy="369332"/>
+          </a:xfrm>
+          <a:prstGeom prst="rect">
+            <a:avLst/>
+          </a:prstGeom>
+          <a:noFill/>
+        </p:spPr>
+        <p:txBody>
+          <a:bodyPr wrap="square" rtlCol="0">
+            <a:spAutoFit/>
+          </a:bodyPr>
+          <a:lstStyle/>
+          <a:p>
+            <a:pPr marL="285750" indent="-285750">
+              <a:buFont typeface="Arial" panose="020B0604020202020204" pitchFamily="34" charset="0"/>
+              <a:buChar char="•"/>
+            </a:pPr>
+            <a:r>
+              <a:rPr lang="hu-HU" dirty="0" smtClean="0">
+                <a:solidFill>
+                  <a:schemeClr val="bg1"/>
+                </a:solidFill>
+              </a:rPr>
+              <a:t>A karakter</a:t>
+            </a:r>
+            <a:endParaRPr lang="hu-HU" dirty="0">
+              <a:solidFill>
+                <a:schemeClr val="bg1"/>
+              </a:solidFill>
+            </a:endParaRPr>
+          </a:p>
+        </p:txBody>
+      </p:sp>
+      <p:sp>
+        <p:nvSpPr>
+          <p:cNvPr id="10" name="Szövegdoboz 9"/>
+          <p:cNvSpPr txBox="1"/>
+          <p:nvPr/>
+        </p:nvSpPr>
+        <p:spPr>
+          <a:xfrm>
+            <a:off x="714060" y="3638550"/>
+            <a:ext cx="2881227" cy="923330"/>
+          </a:xfrm>
+          <a:prstGeom prst="rect">
+            <a:avLst/>
+          </a:prstGeom>
+          <a:noFill/>
+        </p:spPr>
+        <p:txBody>
+          <a:bodyPr wrap="square" rtlCol="0">
+            <a:spAutoFit/>
+          </a:bodyPr>
+          <a:lstStyle/>
+          <a:p>
+            <a:pPr marL="285750" indent="-285750">
+              <a:buFont typeface="Arial" panose="020B0604020202020204" pitchFamily="34" charset="0"/>
+              <a:buChar char="•"/>
+            </a:pPr>
+            <a:r>
+              <a:rPr lang="hu-HU" dirty="0" smtClean="0">
+                <a:solidFill>
+                  <a:schemeClr val="bg1"/>
+                </a:solidFill>
+              </a:rPr>
+              <a:t>A karakterhez különböző animációkat rendeltünk hozzá</a:t>
+            </a:r>
+            <a:endParaRPr lang="hu-HU" dirty="0">
+              <a:solidFill>
+                <a:schemeClr val="bg1"/>
+              </a:solidFill>
+            </a:endParaRPr>
+          </a:p>
+        </p:txBody>
+      </p:sp>
+      <p:pic>
+        <p:nvPicPr>
+          <p:cNvPr id="11" name="Kép 10"/>
+          <p:cNvPicPr>
+            <a:picLocks noChangeAspect="1"/>
+          </p:cNvPicPr>
+          <p:nvPr/>
+        </p:nvPicPr>
+        <p:blipFill>
+          <a:blip r:embed="rId3"/>
+          <a:stretch>
+            <a:fillRect/>
+          </a:stretch>
+        </p:blipFill>
+        <p:spPr>
+          <a:xfrm>
+            <a:off x="714060" y="4685705"/>
+            <a:ext cx="4515480" cy="1400370"/>
+          </a:xfrm>
+          <a:prstGeom prst="rect">
+            <a:avLst/>
+          </a:prstGeom>
+        </p:spPr>
+      </p:pic>
+    </p:spTree>
+    <p:extLst>
+      <p:ext uri="{BB962C8B-B14F-4D97-AF65-F5344CB8AC3E}">
+        <p14:creationId xmlns:p14="http://schemas.microsoft.com/office/powerpoint/2010/main" val="3485720055"/>
+      </p:ext>
+    </p:extLst>
+  </p:cSld>
+  <p:clrMapOvr>
+    <a:masterClrMapping/>
+  </p:clrMapOvr>
+</p:sld>
+</file>
+
+<file path=ppt/slides/slide5.xml><?xml version="1.0" encoding="utf-8"?>
+<p:sld xmlns:a="http://schemas.openxmlformats.org/drawingml/2006/main" xmlns:r="http://schemas.openxmlformats.org/officeDocument/2006/relationships" xmlns:p="http://schemas.openxmlformats.org/presentationml/2006/main">
+  <p:cSld>
+    <p:spTree>
+      <p:nvGrpSpPr>
+        <p:cNvPr id="1" name=""/>
+        <p:cNvGrpSpPr/>
+        <p:nvPr/>
+      </p:nvGrpSpPr>
+      <p:grpSpPr>
+        <a:xfrm>
+          <a:off x="0" y="0"/>
+          <a:ext cx="0" cy="0"/>
+          <a:chOff x="0" y="0"/>
+          <a:chExt cx="0" cy="0"/>
+        </a:xfrm>
+      </p:grpSpPr>
+      <p:sp>
+        <p:nvSpPr>
           <p:cNvPr id="4" name="Dia számának helye 3"/>
           <p:cNvSpPr>
             <a:spLocks noGrp="1"/>
@@ -12546,7 +11902,7 @@
             <a:fld id="{FE024F78-56A6-7740-B68D-8D4D026EDF3F}" type="slidenum">
               <a:rPr lang="en-US" smtClean="0"/>
               <a:pPr/>
-              <a:t>4</a:t>
+              <a:t>5</a:t>
             </a:fld>
             <a:endParaRPr lang="en-US" dirty="0"/>
           </a:p>
@@ -12666,146 +12022,6 @@
     <p:extLst>
       <p:ext uri="{BB962C8B-B14F-4D97-AF65-F5344CB8AC3E}">
         <p14:creationId xmlns:p14="http://schemas.microsoft.com/office/powerpoint/2010/main" val="1844670980"/>
-      </p:ext>
-    </p:extLst>
-  </p:cSld>
-  <p:clrMapOvr>
-    <a:masterClrMapping/>
-  </p:clrMapOvr>
-  <p:timing>
-    <p:tnLst>
-      <p:par>
-        <p:cTn id="1" dur="indefinite" restart="never" nodeType="tmRoot"/>
-      </p:par>
-    </p:tnLst>
-  </p:timing>
-</p:sld>
-</file>
-
-<file path=ppt/slides/slide5.xml><?xml version="1.0" encoding="utf-8"?>
-<p:sld xmlns:a="http://schemas.openxmlformats.org/drawingml/2006/main" xmlns:r="http://schemas.openxmlformats.org/officeDocument/2006/relationships" xmlns:p="http://schemas.openxmlformats.org/presentationml/2006/main">
-  <p:cSld>
-    <p:spTree>
-      <p:nvGrpSpPr>
-        <p:cNvPr id="1" name=""/>
-        <p:cNvGrpSpPr/>
-        <p:nvPr/>
-      </p:nvGrpSpPr>
-      <p:grpSpPr>
-        <a:xfrm>
-          <a:off x="0" y="0"/>
-          <a:ext cx="0" cy="0"/>
-          <a:chOff x="0" y="0"/>
-          <a:chExt cx="0" cy="0"/>
-        </a:xfrm>
-      </p:grpSpPr>
-      <p:sp>
-        <p:nvSpPr>
-          <p:cNvPr id="3" name="Slide Number Placeholder 2">
-            <a:extLst>
-              <a:ext uri="{FF2B5EF4-FFF2-40B4-BE49-F238E27FC236}">
-                <a16:creationId xmlns:a16="http://schemas.microsoft.com/office/drawing/2014/main" id="{A6A971A9-0C5C-DDFC-67F9-2E5A55F12F67}"/>
-              </a:ext>
-            </a:extLst>
-          </p:cNvPr>
-          <p:cNvSpPr>
-            <a:spLocks noGrp="1"/>
-          </p:cNvSpPr>
-          <p:nvPr>
-            <p:ph type="sldNum" sz="quarter" idx="12"/>
-          </p:nvPr>
-        </p:nvSpPr>
-        <p:spPr>
-          <a:xfrm>
-            <a:off x="9140971" y="6226198"/>
-            <a:ext cx="2743200" cy="365125"/>
-          </a:xfrm>
-        </p:spPr>
-        <p:txBody>
-          <a:bodyPr/>
-          <a:lstStyle/>
-          <a:p>
-            <a:fld id="{FE024F78-56A6-7740-B68D-8D4D026EDF3F}" type="slidenum">
-              <a:rPr lang="en-US" smtClean="0"/>
-              <a:pPr/>
-              <a:t>5</a:t>
-            </a:fld>
-            <a:endParaRPr lang="en-US" dirty="0"/>
-          </a:p>
-        </p:txBody>
-      </p:sp>
-      <p:pic>
-        <p:nvPicPr>
-          <p:cNvPr id="5" name="Kép 4"/>
-          <p:cNvPicPr>
-            <a:picLocks noChangeAspect="1"/>
-          </p:cNvPicPr>
-          <p:nvPr/>
-        </p:nvPicPr>
-        <p:blipFill>
-          <a:blip r:embed="rId3">
-            <a:extLst>
-              <a:ext uri="{28A0092B-C50C-407E-A947-70E740481C1C}">
-                <a14:useLocalDpi xmlns:a14="http://schemas.microsoft.com/office/drawing/2010/main" val="0"/>
-              </a:ext>
-            </a:extLst>
-          </a:blip>
-          <a:stretch>
-            <a:fillRect/>
-          </a:stretch>
-        </p:blipFill>
-        <p:spPr>
-          <a:xfrm>
-            <a:off x="669592" y="1516234"/>
-            <a:ext cx="8744374" cy="4154832"/>
-          </a:xfrm>
-          <a:prstGeom prst="rect">
-            <a:avLst/>
-          </a:prstGeom>
-        </p:spPr>
-      </p:pic>
-      <p:sp>
-        <p:nvSpPr>
-          <p:cNvPr id="8" name="Szövegdoboz 7"/>
-          <p:cNvSpPr txBox="1"/>
-          <p:nvPr/>
-        </p:nvSpPr>
-        <p:spPr>
-          <a:xfrm>
-            <a:off x="418011" y="615679"/>
-            <a:ext cx="2168434" cy="369332"/>
-          </a:xfrm>
-          <a:prstGeom prst="rect">
-            <a:avLst/>
-          </a:prstGeom>
-          <a:noFill/>
-        </p:spPr>
-        <p:txBody>
-          <a:bodyPr wrap="square" rtlCol="0">
-            <a:spAutoFit/>
-          </a:bodyPr>
-          <a:lstStyle/>
-          <a:p>
-            <a:r>
-              <a:rPr lang="hu-HU" dirty="0" smtClean="0">
-                <a:solidFill>
-                  <a:schemeClr val="accent3"/>
-                </a:solidFill>
-              </a:rPr>
-              <a:t>1. Pálya</a:t>
-            </a:r>
-            <a:endParaRPr lang="hu-HU" dirty="0">
-              <a:solidFill>
-                <a:schemeClr val="accent3"/>
-              </a:solidFill>
-            </a:endParaRPr>
-          </a:p>
-        </p:txBody>
-      </p:sp>
-    </p:spTree>
-    <p:extLst>
-      <p:ext uri="{BB962C8B-B14F-4D97-AF65-F5344CB8AC3E}">
-        <p14:creationId xmlns:p14="http://schemas.microsoft.com/office/powerpoint/2010/main" val="1397193754"/>
       </p:ext>
     </p:extLst>
   </p:cSld>
@@ -12874,55 +12090,9 @@
           </a:p>
         </p:txBody>
       </p:sp>
-      <p:sp>
-        <p:nvSpPr>
-          <p:cNvPr id="8" name="Szövegdoboz 7"/>
-          <p:cNvSpPr txBox="1"/>
-          <p:nvPr/>
-        </p:nvSpPr>
-        <p:spPr>
-          <a:xfrm>
-            <a:off x="426720" y="635726"/>
-            <a:ext cx="2168434" cy="369332"/>
-          </a:xfrm>
-          <a:prstGeom prst="rect">
-            <a:avLst/>
-          </a:prstGeom>
-          <a:noFill/>
-        </p:spPr>
-        <p:txBody>
-          <a:bodyPr wrap="square" rtlCol="0">
-            <a:spAutoFit/>
-          </a:bodyPr>
-          <a:lstStyle/>
-          <a:p>
-            <a:r>
-              <a:rPr lang="hu-HU" dirty="0">
-                <a:solidFill>
-                  <a:schemeClr val="accent3"/>
-                </a:solidFill>
-              </a:rPr>
-              <a:t>2</a:t>
-            </a:r>
-            <a:r>
-              <a:rPr lang="hu-HU" dirty="0" smtClean="0">
-                <a:solidFill>
-                  <a:schemeClr val="accent3"/>
-                </a:solidFill>
-              </a:rPr>
-              <a:t>. Pálya</a:t>
-            </a:r>
-            <a:endParaRPr lang="hu-HU" dirty="0">
-              <a:solidFill>
-                <a:schemeClr val="accent3"/>
-              </a:solidFill>
-            </a:endParaRPr>
-          </a:p>
-        </p:txBody>
-      </p:sp>
       <p:pic>
         <p:nvPicPr>
-          <p:cNvPr id="2" name="Kép 1"/>
+          <p:cNvPr id="5" name="Kép 4"/>
           <p:cNvPicPr>
             <a:picLocks noChangeAspect="1"/>
           </p:cNvPicPr>
@@ -12942,18 +12112,56 @@
         </p:blipFill>
         <p:spPr>
           <a:xfrm>
-            <a:off x="566796" y="1638495"/>
-            <a:ext cx="8828332" cy="4108731"/>
+            <a:off x="669592" y="1516234"/>
+            <a:ext cx="8744374" cy="4154832"/>
           </a:xfrm>
           <a:prstGeom prst="rect">
             <a:avLst/>
           </a:prstGeom>
         </p:spPr>
       </p:pic>
+      <p:sp>
+        <p:nvSpPr>
+          <p:cNvPr id="8" name="Szövegdoboz 7"/>
+          <p:cNvSpPr txBox="1"/>
+          <p:nvPr/>
+        </p:nvSpPr>
+        <p:spPr>
+          <a:xfrm>
+            <a:off x="418011" y="615679"/>
+            <a:ext cx="2168434" cy="369332"/>
+          </a:xfrm>
+          <a:prstGeom prst="rect">
+            <a:avLst/>
+          </a:prstGeom>
+          <a:noFill/>
+        </p:spPr>
+        <p:txBody>
+          <a:bodyPr wrap="square" rtlCol="0">
+            <a:spAutoFit/>
+          </a:bodyPr>
+          <a:lstStyle/>
+          <a:p>
+            <a:r>
+              <a:rPr lang="hu-HU" dirty="0" smtClean="0">
+                <a:solidFill>
+                  <a:schemeClr val="accent3"/>
+                </a:solidFill>
+              </a:rPr>
+              <a:t>1. Pálya</a:t>
+            </a:r>
+            <a:endParaRPr lang="hu-HU" dirty="0">
+              <a:solidFill>
+                <a:schemeClr val="accent3"/>
+              </a:solidFill>
+            </a:endParaRPr>
+          </a:p>
+        </p:txBody>
+      </p:sp>
     </p:spTree>
     <p:extLst>
       <p:ext uri="{BB962C8B-B14F-4D97-AF65-F5344CB8AC3E}">
-        <p14:creationId xmlns:p14="http://schemas.microsoft.com/office/powerpoint/2010/main" val="1549990548"/>
+        <p14:creationId xmlns:p14="http://schemas.microsoft.com/office/powerpoint/2010/main" val="1397193754"/>
       </p:ext>
     </p:extLst>
   </p:cSld>
@@ -13045,6 +12253,154 @@
           <a:lstStyle/>
           <a:p>
             <a:r>
+              <a:rPr lang="hu-HU" dirty="0">
+                <a:solidFill>
+                  <a:schemeClr val="accent3"/>
+                </a:solidFill>
+              </a:rPr>
+              <a:t>2</a:t>
+            </a:r>
+            <a:r>
+              <a:rPr lang="hu-HU" dirty="0" smtClean="0">
+                <a:solidFill>
+                  <a:schemeClr val="accent3"/>
+                </a:solidFill>
+              </a:rPr>
+              <a:t>. Pálya</a:t>
+            </a:r>
+            <a:endParaRPr lang="hu-HU" dirty="0">
+              <a:solidFill>
+                <a:schemeClr val="accent3"/>
+              </a:solidFill>
+            </a:endParaRPr>
+          </a:p>
+        </p:txBody>
+      </p:sp>
+      <p:pic>
+        <p:nvPicPr>
+          <p:cNvPr id="2" name="Kép 1"/>
+          <p:cNvPicPr>
+            <a:picLocks noChangeAspect="1"/>
+          </p:cNvPicPr>
+          <p:nvPr/>
+        </p:nvPicPr>
+        <p:blipFill>
+          <a:blip r:embed="rId3">
+            <a:extLst>
+              <a:ext uri="{28A0092B-C50C-407E-A947-70E740481C1C}">
+                <a14:useLocalDpi xmlns:a14="http://schemas.microsoft.com/office/drawing/2010/main" val="0"/>
+              </a:ext>
+            </a:extLst>
+          </a:blip>
+          <a:stretch>
+            <a:fillRect/>
+          </a:stretch>
+        </p:blipFill>
+        <p:spPr>
+          <a:xfrm>
+            <a:off x="566796" y="1638495"/>
+            <a:ext cx="8828332" cy="4108731"/>
+          </a:xfrm>
+          <a:prstGeom prst="rect">
+            <a:avLst/>
+          </a:prstGeom>
+        </p:spPr>
+      </p:pic>
+    </p:spTree>
+    <p:extLst>
+      <p:ext uri="{BB962C8B-B14F-4D97-AF65-F5344CB8AC3E}">
+        <p14:creationId xmlns:p14="http://schemas.microsoft.com/office/powerpoint/2010/main" val="1549990548"/>
+      </p:ext>
+    </p:extLst>
+  </p:cSld>
+  <p:clrMapOvr>
+    <a:masterClrMapping/>
+  </p:clrMapOvr>
+  <p:timing>
+    <p:tnLst>
+      <p:par>
+        <p:cTn id="1" dur="indefinite" restart="never" nodeType="tmRoot"/>
+      </p:par>
+    </p:tnLst>
+  </p:timing>
+</p:sld>
+</file>
+
+<file path=ppt/slides/slide8.xml><?xml version="1.0" encoding="utf-8"?>
+<p:sld xmlns:a="http://schemas.openxmlformats.org/drawingml/2006/main" xmlns:r="http://schemas.openxmlformats.org/officeDocument/2006/relationships" xmlns:p="http://schemas.openxmlformats.org/presentationml/2006/main">
+  <p:cSld>
+    <p:spTree>
+      <p:nvGrpSpPr>
+        <p:cNvPr id="1" name=""/>
+        <p:cNvGrpSpPr/>
+        <p:nvPr/>
+      </p:nvGrpSpPr>
+      <p:grpSpPr>
+        <a:xfrm>
+          <a:off x="0" y="0"/>
+          <a:ext cx="0" cy="0"/>
+          <a:chOff x="0" y="0"/>
+          <a:chExt cx="0" cy="0"/>
+        </a:xfrm>
+      </p:grpSpPr>
+      <p:sp>
+        <p:nvSpPr>
+          <p:cNvPr id="3" name="Slide Number Placeholder 2">
+            <a:extLst>
+              <a:ext uri="{FF2B5EF4-FFF2-40B4-BE49-F238E27FC236}">
+                <a16:creationId xmlns:a16="http://schemas.microsoft.com/office/drawing/2014/main" id="{A6A971A9-0C5C-DDFC-67F9-2E5A55F12F67}"/>
+              </a:ext>
+            </a:extLst>
+          </p:cNvPr>
+          <p:cNvSpPr>
+            <a:spLocks noGrp="1"/>
+          </p:cNvSpPr>
+          <p:nvPr>
+            <p:ph type="sldNum" sz="quarter" idx="12"/>
+          </p:nvPr>
+        </p:nvSpPr>
+        <p:spPr>
+          <a:xfrm>
+            <a:off x="9140971" y="6226198"/>
+            <a:ext cx="2743200" cy="365125"/>
+          </a:xfrm>
+        </p:spPr>
+        <p:txBody>
+          <a:bodyPr/>
+          <a:lstStyle/>
+          <a:p>
+            <a:fld id="{FE024F78-56A6-7740-B68D-8D4D026EDF3F}" type="slidenum">
+              <a:rPr lang="en-US" smtClean="0"/>
+              <a:pPr/>
+              <a:t>8</a:t>
+            </a:fld>
+            <a:endParaRPr lang="en-US" dirty="0"/>
+          </a:p>
+        </p:txBody>
+      </p:sp>
+      <p:sp>
+        <p:nvSpPr>
+          <p:cNvPr id="8" name="Szövegdoboz 7"/>
+          <p:cNvSpPr txBox="1"/>
+          <p:nvPr/>
+        </p:nvSpPr>
+        <p:spPr>
+          <a:xfrm>
+            <a:off x="426720" y="635726"/>
+            <a:ext cx="2168434" cy="369332"/>
+          </a:xfrm>
+          <a:prstGeom prst="rect">
+            <a:avLst/>
+          </a:prstGeom>
+          <a:noFill/>
+        </p:spPr>
+        <p:txBody>
+          <a:bodyPr wrap="square" rtlCol="0">
+            <a:spAutoFit/>
+          </a:bodyPr>
+          <a:lstStyle/>
+          <a:p>
+            <a:r>
               <a:rPr lang="hu-HU" dirty="0" smtClean="0">
                 <a:solidFill>
                   <a:schemeClr val="accent3"/>
@@ -13094,142 +12450,6 @@
     <p:extLst>
       <p:ext uri="{BB962C8B-B14F-4D97-AF65-F5344CB8AC3E}">
         <p14:creationId xmlns:p14="http://schemas.microsoft.com/office/powerpoint/2010/main" val="608485161"/>
-      </p:ext>
-    </p:extLst>
-  </p:cSld>
-  <p:clrMapOvr>
-    <a:masterClrMapping/>
-  </p:clrMapOvr>
-  <p:timing>
-    <p:tnLst>
-      <p:par>
-        <p:cTn id="1" dur="indefinite" restart="never" nodeType="tmRoot"/>
-      </p:par>
-    </p:tnLst>
-  </p:timing>
-</p:sld>
-</file>
-
-<file path=ppt/slides/slide8.xml><?xml version="1.0" encoding="utf-8"?>
-<p:sld xmlns:a="http://schemas.openxmlformats.org/drawingml/2006/main" xmlns:r="http://schemas.openxmlformats.org/officeDocument/2006/relationships" xmlns:p="http://schemas.openxmlformats.org/presentationml/2006/main">
-  <p:cSld>
-    <p:spTree>
-      <p:nvGrpSpPr>
-        <p:cNvPr id="1" name=""/>
-        <p:cNvGrpSpPr/>
-        <p:nvPr/>
-      </p:nvGrpSpPr>
-      <p:grpSpPr>
-        <a:xfrm>
-          <a:off x="0" y="0"/>
-          <a:ext cx="0" cy="0"/>
-          <a:chOff x="0" y="0"/>
-          <a:chExt cx="0" cy="0"/>
-        </a:xfrm>
-      </p:grpSpPr>
-      <p:sp>
-        <p:nvSpPr>
-          <p:cNvPr id="2" name="Title 1">
-            <a:extLst>
-              <a:ext uri="{FF2B5EF4-FFF2-40B4-BE49-F238E27FC236}">
-                <a16:creationId xmlns:a16="http://schemas.microsoft.com/office/drawing/2014/main" id="{D9F60903-003B-273E-3584-5312F76C3EF3}"/>
-              </a:ext>
-            </a:extLst>
-          </p:cNvPr>
-          <p:cNvSpPr>
-            <a:spLocks noGrp="1"/>
-          </p:cNvSpPr>
-          <p:nvPr>
-            <p:ph type="title"/>
-          </p:nvPr>
-        </p:nvSpPr>
-        <p:spPr>
-          <a:xfrm>
-            <a:off x="3305669" y="113097"/>
-            <a:ext cx="7420819" cy="1656304"/>
-          </a:xfrm>
-        </p:spPr>
-        <p:txBody>
-          <a:bodyPr/>
-          <a:lstStyle/>
-          <a:p>
-            <a:r>
-              <a:rPr lang="hu-HU" dirty="0" err="1" smtClean="0"/>
-              <a:t>Github</a:t>
-            </a:r>
-            <a:r>
-              <a:rPr lang="hu-HU" dirty="0" smtClean="0"/>
-              <a:t> és munkamegosztás</a:t>
-            </a:r>
-            <a:endParaRPr lang="en-US" dirty="0"/>
-          </a:p>
-        </p:txBody>
-      </p:sp>
-      <p:sp>
-        <p:nvSpPr>
-          <p:cNvPr id="3" name="Slide Number Placeholder 2">
-            <a:extLst>
-              <a:ext uri="{FF2B5EF4-FFF2-40B4-BE49-F238E27FC236}">
-                <a16:creationId xmlns:a16="http://schemas.microsoft.com/office/drawing/2014/main" id="{64347AE7-D6A2-42FB-3D58-6297742FC352}"/>
-              </a:ext>
-            </a:extLst>
-          </p:cNvPr>
-          <p:cNvSpPr>
-            <a:spLocks noGrp="1"/>
-          </p:cNvSpPr>
-          <p:nvPr>
-            <p:ph type="sldNum" sz="quarter" idx="12"/>
-          </p:nvPr>
-        </p:nvSpPr>
-        <p:spPr>
-          <a:xfrm>
-            <a:off x="9140971" y="6226198"/>
-            <a:ext cx="2743200" cy="365125"/>
-          </a:xfrm>
-        </p:spPr>
-        <p:txBody>
-          <a:bodyPr/>
-          <a:lstStyle/>
-          <a:p>
-            <a:fld id="{FE024F78-56A6-7740-B68D-8D4D026EDF3F}" type="slidenum">
-              <a:rPr lang="en-US" smtClean="0"/>
-              <a:pPr/>
-              <a:t>8</a:t>
-            </a:fld>
-            <a:endParaRPr lang="en-US" dirty="0"/>
-          </a:p>
-        </p:txBody>
-      </p:sp>
-      <p:pic>
-        <p:nvPicPr>
-          <p:cNvPr id="6" name="Tartalom helye 5"/>
-          <p:cNvPicPr>
-            <a:picLocks noGrp="1" noChangeAspect="1"/>
-          </p:cNvPicPr>
-          <p:nvPr>
-            <p:ph sz="quarter" idx="31"/>
-          </p:nvPr>
-        </p:nvPicPr>
-        <p:blipFill>
-          <a:blip r:embed="rId3"/>
-          <a:stretch>
-            <a:fillRect/>
-          </a:stretch>
-        </p:blipFill>
-        <p:spPr>
-          <a:xfrm>
-            <a:off x="3305669" y="2371352"/>
-            <a:ext cx="7980640" cy="3425281"/>
-          </a:xfrm>
-          <a:prstGeom prst="rect">
-            <a:avLst/>
-          </a:prstGeom>
-        </p:spPr>
-      </p:pic>
-    </p:spTree>
-    <p:extLst>
-      <p:ext uri="{BB962C8B-B14F-4D97-AF65-F5344CB8AC3E}">
-        <p14:creationId xmlns:p14="http://schemas.microsoft.com/office/powerpoint/2010/main" val="1962637282"/>
       </p:ext>
     </p:extLst>
   </p:cSld>
@@ -13322,63 +12542,213 @@
           </a:p>
         </p:txBody>
       </p:sp>
+      <p:pic>
+        <p:nvPicPr>
+          <p:cNvPr id="2" name="Kép 1"/>
+          <p:cNvPicPr>
+            <a:picLocks noChangeAspect="1"/>
+          </p:cNvPicPr>
+          <p:nvPr/>
+        </p:nvPicPr>
+        <p:blipFill>
+          <a:blip r:embed="rId3"/>
+          <a:stretch>
+            <a:fillRect/>
+          </a:stretch>
+        </p:blipFill>
+        <p:spPr>
+          <a:xfrm>
+            <a:off x="219808" y="1468316"/>
+            <a:ext cx="3393831" cy="2314998"/>
+          </a:xfrm>
+          <a:prstGeom prst="rect">
+            <a:avLst/>
+          </a:prstGeom>
+        </p:spPr>
+      </p:pic>
       <p:sp>
         <p:nvSpPr>
-          <p:cNvPr id="9" name="Title 1">
-            <a:extLst>
-              <a:ext uri="{FF2B5EF4-FFF2-40B4-BE49-F238E27FC236}">
-                <a16:creationId xmlns:a16="http://schemas.microsoft.com/office/drawing/2014/main" id="{0FD6A3FE-1BF6-4C1A-0553-EBD497A69F2D}"/>
-              </a:ext>
-            </a:extLst>
-          </p:cNvPr>
-          <p:cNvSpPr>
-            <a:spLocks noGrp="1"/>
-          </p:cNvSpPr>
-          <p:nvPr>
-            <p:ph type="title"/>
-          </p:nvPr>
+          <p:cNvPr id="5" name="Szövegdoboz 4"/>
+          <p:cNvSpPr txBox="1"/>
+          <p:nvPr/>
         </p:nvSpPr>
         <p:spPr>
           <a:xfrm>
-            <a:off x="2932448" y="264160"/>
-            <a:ext cx="6327105" cy="3373973"/>
+            <a:off x="105508" y="422031"/>
+            <a:ext cx="5046784" cy="369332"/>
           </a:xfrm>
+          <a:prstGeom prst="rect">
+            <a:avLst/>
+          </a:prstGeom>
+          <a:noFill/>
         </p:spPr>
         <p:txBody>
-          <a:bodyPr anchor="b"/>
+          <a:bodyPr wrap="square" rtlCol="0">
+            <a:spAutoFit/>
+          </a:bodyPr>
           <a:lstStyle/>
           <a:p>
-            <a:endParaRPr lang="en-US" dirty="0"/>
+            <a:r>
+              <a:rPr lang="hu-HU" dirty="0" err="1" smtClean="0">
+                <a:solidFill>
+                  <a:schemeClr val="bg1"/>
+                </a:solidFill>
+              </a:rPr>
+              <a:t>Unityben</a:t>
+            </a:r>
+            <a:r>
+              <a:rPr lang="hu-HU" dirty="0" smtClean="0">
+                <a:solidFill>
+                  <a:schemeClr val="bg1"/>
+                </a:solidFill>
+              </a:rPr>
+              <a:t> az elrendezés</a:t>
+            </a:r>
+            <a:endParaRPr lang="hu-HU" dirty="0">
+              <a:solidFill>
+                <a:schemeClr val="bg1"/>
+              </a:solidFill>
+            </a:endParaRPr>
           </a:p>
         </p:txBody>
       </p:sp>
+      <p:pic>
+        <p:nvPicPr>
+          <p:cNvPr id="7" name="Kép 6"/>
+          <p:cNvPicPr>
+            <a:picLocks noChangeAspect="1"/>
+          </p:cNvPicPr>
+          <p:nvPr/>
+        </p:nvPicPr>
+        <p:blipFill>
+          <a:blip r:embed="rId4"/>
+          <a:stretch>
+            <a:fillRect/>
+          </a:stretch>
+        </p:blipFill>
+        <p:spPr>
+          <a:xfrm>
+            <a:off x="4803701" y="1305501"/>
+            <a:ext cx="7075713" cy="2258362"/>
+          </a:xfrm>
+          <a:prstGeom prst="rect">
+            <a:avLst/>
+          </a:prstGeom>
+        </p:spPr>
+      </p:pic>
       <p:sp>
         <p:nvSpPr>
-          <p:cNvPr id="6" name="Subtitle 5">
-            <a:extLst>
-              <a:ext uri="{FF2B5EF4-FFF2-40B4-BE49-F238E27FC236}">
-                <a16:creationId xmlns:a16="http://schemas.microsoft.com/office/drawing/2014/main" id="{C15774B0-D971-67D7-27EB-FDB82B3A58CD}"/>
-              </a:ext>
-            </a:extLst>
-          </p:cNvPr>
-          <p:cNvSpPr>
-            <a:spLocks noGrp="1"/>
-          </p:cNvSpPr>
-          <p:nvPr>
-            <p:ph type="subTitle" idx="1"/>
-          </p:nvPr>
+          <p:cNvPr id="8" name="Szövegdoboz 7"/>
+          <p:cNvSpPr txBox="1"/>
+          <p:nvPr/>
         </p:nvSpPr>
         <p:spPr>
           <a:xfrm>
-            <a:off x="2932448" y="3962135"/>
-            <a:ext cx="6327105" cy="2653771"/>
+            <a:off x="4698194" y="483508"/>
+            <a:ext cx="4120491" cy="646331"/>
           </a:xfrm>
+          <a:prstGeom prst="rect">
+            <a:avLst/>
+          </a:prstGeom>
+          <a:noFill/>
         </p:spPr>
         <p:txBody>
-          <a:bodyPr/>
+          <a:bodyPr wrap="square" rtlCol="0">
+            <a:spAutoFit/>
+          </a:bodyPr>
           <a:lstStyle/>
           <a:p>
-            <a:endParaRPr lang="en-US" dirty="0"/>
+            <a:r>
+              <a:rPr lang="hu-HU" dirty="0" smtClean="0">
+                <a:solidFill>
+                  <a:schemeClr val="bg1"/>
+                </a:solidFill>
+              </a:rPr>
+              <a:t>A </a:t>
+            </a:r>
+            <a:r>
+              <a:rPr lang="hu-HU" dirty="0" err="1" smtClean="0">
+                <a:solidFill>
+                  <a:schemeClr val="bg1"/>
+                </a:solidFill>
+              </a:rPr>
+              <a:t>player</a:t>
+            </a:r>
+            <a:r>
+              <a:rPr lang="hu-HU" dirty="0" smtClean="0">
+                <a:solidFill>
+                  <a:schemeClr val="bg1"/>
+                </a:solidFill>
+              </a:rPr>
+              <a:t> animációjának működése ezen alapul </a:t>
+            </a:r>
+            <a:endParaRPr lang="hu-HU" dirty="0">
+              <a:solidFill>
+                <a:schemeClr val="bg1"/>
+              </a:solidFill>
+            </a:endParaRPr>
+          </a:p>
+        </p:txBody>
+      </p:sp>
+      <p:pic>
+        <p:nvPicPr>
+          <p:cNvPr id="10" name="Kép 9"/>
+          <p:cNvPicPr>
+            <a:picLocks noChangeAspect="1"/>
+          </p:cNvPicPr>
+          <p:nvPr/>
+        </p:nvPicPr>
+        <p:blipFill>
+          <a:blip r:embed="rId5"/>
+          <a:stretch>
+            <a:fillRect/>
+          </a:stretch>
+        </p:blipFill>
+        <p:spPr>
+          <a:xfrm>
+            <a:off x="2874619" y="5426633"/>
+            <a:ext cx="3858163" cy="752580"/>
+          </a:xfrm>
+          <a:prstGeom prst="rect">
+            <a:avLst/>
+          </a:prstGeom>
+        </p:spPr>
+      </p:pic>
+      <p:sp>
+        <p:nvSpPr>
+          <p:cNvPr id="11" name="Szövegdoboz 10"/>
+          <p:cNvSpPr txBox="1"/>
+          <p:nvPr/>
+        </p:nvSpPr>
+        <p:spPr>
+          <a:xfrm>
+            <a:off x="2874619" y="4642338"/>
+            <a:ext cx="2760785" cy="646331"/>
+          </a:xfrm>
+          <a:prstGeom prst="rect">
+            <a:avLst/>
+          </a:prstGeom>
+          <a:noFill/>
+        </p:spPr>
+        <p:txBody>
+          <a:bodyPr wrap="square" rtlCol="0">
+            <a:spAutoFit/>
+          </a:bodyPr>
+          <a:lstStyle/>
+          <a:p>
+            <a:r>
+              <a:rPr lang="hu-HU" dirty="0" smtClean="0">
+                <a:solidFill>
+                  <a:schemeClr val="bg1"/>
+                </a:solidFill>
+              </a:rPr>
+              <a:t>A játék ezeket a scripteket használja</a:t>
+            </a:r>
+            <a:endParaRPr lang="hu-HU" dirty="0">
+              <a:solidFill>
+                <a:schemeClr val="bg1"/>
+              </a:solidFill>
+            </a:endParaRPr>
           </a:p>
         </p:txBody>
       </p:sp>
@@ -14194,35 +13564,6 @@
 </file>
 
 <file path=customXml/item1.xml><?xml version="1.0" encoding="utf-8"?>
-<?mso-contentType ?>
-<FormTemplates xmlns="http://schemas.microsoft.com/sharepoint/v3/contenttype/forms">
-  <Display>DocumentLibraryForm</Display>
-  <Edit>DocumentLibraryForm</Edit>
-  <New>DocumentLibraryForm</New>
-</FormTemplates>
-</file>
-
-<file path=customXml/item2.xml><?xml version="1.0" encoding="utf-8"?>
-<p:properties xmlns:p="http://schemas.microsoft.com/office/2006/metadata/properties" xmlns:xsi="http://www.w3.org/2001/XMLSchema-instance" xmlns:pc="http://schemas.microsoft.com/office/infopath/2007/PartnerControls">
-  <documentManagement>
-    <_ip_UnifiedCompliancePolicyUIAction xmlns="http://schemas.microsoft.com/sharepoint/v3" xsi:nil="true"/>
-    <Image xmlns="71af3243-3dd4-4a8d-8c0d-dd76da1f02a5">
-      <Url xsi:nil="true"/>
-      <Description xsi:nil="true"/>
-    </Image>
-    <Status xmlns="71af3243-3dd4-4a8d-8c0d-dd76da1f02a5">Not started</Status>
-    <Background xmlns="71af3243-3dd4-4a8d-8c0d-dd76da1f02a5">false</Background>
-    <_ip_UnifiedCompliancePolicyProperties xmlns="http://schemas.microsoft.com/sharepoint/v3" xsi:nil="true"/>
-    <ImageTagsTaxHTField xmlns="71af3243-3dd4-4a8d-8c0d-dd76da1f02a5">
-      <Terms xmlns="http://schemas.microsoft.com/office/infopath/2007/PartnerControls"/>
-    </ImageTagsTaxHTField>
-    <TaxCatchAll xmlns="230e9df3-be65-4c73-a93b-d1236ebd677e" xsi:nil="true"/>
-    <MediaServiceKeyPoints xmlns="71af3243-3dd4-4a8d-8c0d-dd76da1f02a5" xsi:nil="true"/>
-  </documentManagement>
-</p:properties>
-</file>
-
-<file path=customXml/item3.xml><?xml version="1.0" encoding="utf-8"?>
 <ct:contentTypeSchema xmlns:ct="http://schemas.microsoft.com/office/2006/metadata/contentType" xmlns:ma="http://schemas.microsoft.com/office/2006/metadata/properties/metaAttributes" ct:_="" ma:_="" ma:contentTypeName="Document" ma:contentTypeID="0x01010079F111ED35F8CC479449609E8A0923A6" ma:contentTypeVersion="28" ma:contentTypeDescription="Create a new document." ma:contentTypeScope="" ma:versionID="60f5a4f2d2b0abadcf532d48ebf9cb71">
   <xsd:schema xmlns:xsd="http://www.w3.org/2001/XMLSchema" xmlns:xs="http://www.w3.org/2001/XMLSchema" xmlns:p="http://schemas.microsoft.com/office/2006/metadata/properties" xmlns:ns1="http://schemas.microsoft.com/sharepoint/v3" xmlns:ns2="71af3243-3dd4-4a8d-8c0d-dd76da1f02a5" xmlns:ns3="16c05727-aa75-4e4a-9b5f-8a80a1165891" xmlns:ns4="230e9df3-be65-4c73-a93b-d1236ebd677e" targetNamespace="http://schemas.microsoft.com/office/2006/metadata/properties" ma:root="true" ma:fieldsID="7dd78129e6a1811f84807ad11c651531" ns1:_="" ns2:_="" ns3:_="" ns4:_="">
     <xsd:import namespace="http://schemas.microsoft.com/sharepoint/v3"/>
@@ -14534,34 +13875,36 @@
 </ct:contentTypeSchema>
 </file>
 
-<file path=customXml/itemProps1.xml><?xml version="1.0" encoding="utf-8"?>
-<ds:datastoreItem xmlns:ds="http://schemas.openxmlformats.org/officeDocument/2006/customXml" ds:itemID="{A78D9019-7CE1-4B77-8F5D-67F6576598CB}">
-  <ds:schemaRefs>
-    <ds:schemaRef ds:uri="http://schemas.microsoft.com/sharepoint/v3/contenttype/forms"/>
-  </ds:schemaRefs>
-</ds:datastoreItem>
+<file path=customXml/item2.xml><?xml version="1.0" encoding="utf-8"?>
+<?mso-contentType ?>
+<FormTemplates xmlns="http://schemas.microsoft.com/sharepoint/v3/contenttype/forms">
+  <Display>DocumentLibraryForm</Display>
+  <Edit>DocumentLibraryForm</Edit>
+  <New>DocumentLibraryForm</New>
+</FormTemplates>
 </file>
 
-<file path=customXml/itemProps2.xml><?xml version="1.0" encoding="utf-8"?>
-<ds:datastoreItem xmlns:ds="http://schemas.openxmlformats.org/officeDocument/2006/customXml" ds:itemID="{E42E6C21-1752-4E06-9FE3-208D45ADB668}">
-  <ds:schemaRefs>
-    <ds:schemaRef ds:uri="http://schemas.microsoft.com/office/2006/metadata/properties"/>
-    <ds:schemaRef ds:uri="http://purl.org/dc/terms/"/>
-    <ds:schemaRef ds:uri="230e9df3-be65-4c73-a93b-d1236ebd677e"/>
-    <ds:schemaRef ds:uri="http://schemas.microsoft.com/office/2006/documentManagement/types"/>
-    <ds:schemaRef ds:uri="16c05727-aa75-4e4a-9b5f-8a80a1165891"/>
-    <ds:schemaRef ds:uri="http://schemas.microsoft.com/office/infopath/2007/PartnerControls"/>
-    <ds:schemaRef ds:uri="http://schemas.openxmlformats.org/package/2006/metadata/core-properties"/>
-    <ds:schemaRef ds:uri="http://purl.org/dc/elements/1.1/"/>
-    <ds:schemaRef ds:uri="71af3243-3dd4-4a8d-8c0d-dd76da1f02a5"/>
-    <ds:schemaRef ds:uri="http://schemas.microsoft.com/sharepoint/v3"/>
-    <ds:schemaRef ds:uri="http://www.w3.org/XML/1998/namespace"/>
-    <ds:schemaRef ds:uri="http://purl.org/dc/dcmitype/"/>
-  </ds:schemaRefs>
-</ds:datastoreItem>
+<file path=customXml/item3.xml><?xml version="1.0" encoding="utf-8"?>
+<p:properties xmlns:p="http://schemas.microsoft.com/office/2006/metadata/properties" xmlns:xsi="http://www.w3.org/2001/XMLSchema-instance" xmlns:pc="http://schemas.microsoft.com/office/infopath/2007/PartnerControls">
+  <documentManagement>
+    <_ip_UnifiedCompliancePolicyUIAction xmlns="http://schemas.microsoft.com/sharepoint/v3" xsi:nil="true"/>
+    <Image xmlns="71af3243-3dd4-4a8d-8c0d-dd76da1f02a5">
+      <Url xsi:nil="true"/>
+      <Description xsi:nil="true"/>
+    </Image>
+    <Status xmlns="71af3243-3dd4-4a8d-8c0d-dd76da1f02a5">Not started</Status>
+    <Background xmlns="71af3243-3dd4-4a8d-8c0d-dd76da1f02a5">false</Background>
+    <_ip_UnifiedCompliancePolicyProperties xmlns="http://schemas.microsoft.com/sharepoint/v3" xsi:nil="true"/>
+    <ImageTagsTaxHTField xmlns="71af3243-3dd4-4a8d-8c0d-dd76da1f02a5">
+      <Terms xmlns="http://schemas.microsoft.com/office/infopath/2007/PartnerControls"/>
+    </ImageTagsTaxHTField>
+    <TaxCatchAll xmlns="230e9df3-be65-4c73-a93b-d1236ebd677e" xsi:nil="true"/>
+    <MediaServiceKeyPoints xmlns="71af3243-3dd4-4a8d-8c0d-dd76da1f02a5" xsi:nil="true"/>
+  </documentManagement>
+</p:properties>
 </file>
 
-<file path=customXml/itemProps3.xml><?xml version="1.0" encoding="utf-8"?>
+<file path=customXml/itemProps1.xml><?xml version="1.0" encoding="utf-8"?>
 <ds:datastoreItem xmlns:ds="http://schemas.openxmlformats.org/officeDocument/2006/customXml" ds:itemID="{AF6E7B4D-FB62-47B7-AAA7-0DEC9938DB8A}">
   <ds:schemaRefs>
     <ds:schemaRef ds:uri="http://schemas.microsoft.com/office/2006/metadata/contentType"/>
@@ -14582,6 +13925,33 @@
 </ds:datastoreItem>
 </file>
 
+<file path=customXml/itemProps2.xml><?xml version="1.0" encoding="utf-8"?>
+<ds:datastoreItem xmlns:ds="http://schemas.openxmlformats.org/officeDocument/2006/customXml" ds:itemID="{A78D9019-7CE1-4B77-8F5D-67F6576598CB}">
+  <ds:schemaRefs>
+    <ds:schemaRef ds:uri="http://schemas.microsoft.com/sharepoint/v3/contenttype/forms"/>
+  </ds:schemaRefs>
+</ds:datastoreItem>
+</file>
+
+<file path=customXml/itemProps3.xml><?xml version="1.0" encoding="utf-8"?>
+<ds:datastoreItem xmlns:ds="http://schemas.openxmlformats.org/officeDocument/2006/customXml" ds:itemID="{E42E6C21-1752-4E06-9FE3-208D45ADB668}">
+  <ds:schemaRefs>
+    <ds:schemaRef ds:uri="http://purl.org/dc/elements/1.1/"/>
+    <ds:schemaRef ds:uri="http://schemas.microsoft.com/office/2006/metadata/properties"/>
+    <ds:schemaRef ds:uri="http://schemas.microsoft.com/office/2006/documentManagement/types"/>
+    <ds:schemaRef ds:uri="http://schemas.microsoft.com/sharepoint/v3"/>
+    <ds:schemaRef ds:uri="230e9df3-be65-4c73-a93b-d1236ebd677e"/>
+    <ds:schemaRef ds:uri="http://purl.org/dc/terms/"/>
+    <ds:schemaRef ds:uri="http://schemas.openxmlformats.org/package/2006/metadata/core-properties"/>
+    <ds:schemaRef ds:uri="16c05727-aa75-4e4a-9b5f-8a80a1165891"/>
+    <ds:schemaRef ds:uri="http://purl.org/dc/dcmitype/"/>
+    <ds:schemaRef ds:uri="http://schemas.microsoft.com/office/infopath/2007/PartnerControls"/>
+    <ds:schemaRef ds:uri="71af3243-3dd4-4a8d-8c0d-dd76da1f02a5"/>
+    <ds:schemaRef ds:uri="http://www.w3.org/XML/1998/namespace"/>
+  </ds:schemaRefs>
+</ds:datastoreItem>
+</file>
+
 <file path=docMetadata/LabelInfo.xml><?xml version="1.0" encoding="utf-8"?>
 <clbl:labelList xmlns:clbl="http://schemas.microsoft.com/office/2020/mipLabelMetadata"/>
 </file>
--- a/JUMPER.pptx
+++ b/JUMPER.pptx
@@ -11076,7 +11076,11 @@
             </a:r>
             <a:r>
               <a:rPr lang="hu-HU" dirty="0"/>
-              <a:t> Fejlesztés alatt</a:t>
+              <a:t> </a:t>
+            </a:r>
+            <a:r>
+              <a:rPr lang="hu-HU" dirty="0" smtClean="0"/>
+              <a:t>DEMO</a:t>
             </a:r>
             <a:endParaRPr lang="en-US" dirty="0"/>
           </a:p>
@@ -13936,18 +13940,18 @@
 <file path=customXml/itemProps3.xml><?xml version="1.0" encoding="utf-8"?>
 <ds:datastoreItem xmlns:ds="http://schemas.openxmlformats.org/officeDocument/2006/customXml" ds:itemID="{E42E6C21-1752-4E06-9FE3-208D45ADB668}">
   <ds:schemaRefs>
+    <ds:schemaRef ds:uri="http://schemas.microsoft.com/office/2006/metadata/properties"/>
     <ds:schemaRef ds:uri="http://purl.org/dc/elements/1.1/"/>
-    <ds:schemaRef ds:uri="http://schemas.microsoft.com/office/2006/metadata/properties"/>
-    <ds:schemaRef ds:uri="http://schemas.microsoft.com/office/2006/documentManagement/types"/>
     <ds:schemaRef ds:uri="http://schemas.microsoft.com/sharepoint/v3"/>
     <ds:schemaRef ds:uri="230e9df3-be65-4c73-a93b-d1236ebd677e"/>
-    <ds:schemaRef ds:uri="http://purl.org/dc/terms/"/>
+    <ds:schemaRef ds:uri="http://www.w3.org/XML/1998/namespace"/>
     <ds:schemaRef ds:uri="http://schemas.openxmlformats.org/package/2006/metadata/core-properties"/>
     <ds:schemaRef ds:uri="16c05727-aa75-4e4a-9b5f-8a80a1165891"/>
+    <ds:schemaRef ds:uri="http://purl.org/dc/terms/"/>
+    <ds:schemaRef ds:uri="http://schemas.microsoft.com/office/infopath/2007/PartnerControls"/>
+    <ds:schemaRef ds:uri="http://schemas.microsoft.com/office/2006/documentManagement/types"/>
+    <ds:schemaRef ds:uri="71af3243-3dd4-4a8d-8c0d-dd76da1f02a5"/>
     <ds:schemaRef ds:uri="http://purl.org/dc/dcmitype/"/>
-    <ds:schemaRef ds:uri="http://schemas.microsoft.com/office/infopath/2007/PartnerControls"/>
-    <ds:schemaRef ds:uri="71af3243-3dd4-4a8d-8c0d-dd76da1f02a5"/>
-    <ds:schemaRef ds:uri="http://www.w3.org/XML/1998/namespace"/>
   </ds:schemaRefs>
 </ds:datastoreItem>
 </file>
